--- a/source/도커심화_한권으로_배우는_도커_&_쿠버네티스/ch11_깃허브 액션과 ArgoCD를 활용한 CICD.pptx
+++ b/source/도커심화_한권으로_배우는_도커_&_쿠버네티스/ch11_깃허브 액션과 ArgoCD를 활용한 CICD.pptx
@@ -14,10 +14,10 @@
     <p:sldId id="258" r:id="rId5"/>
     <p:sldId id="259" r:id="rId6"/>
     <p:sldId id="260" r:id="rId7"/>
-    <p:sldId id="261" r:id="rId8"/>
-    <p:sldId id="262" r:id="rId9"/>
-    <p:sldId id="264" r:id="rId10"/>
-    <p:sldId id="266" r:id="rId11"/>
+    <p:sldId id="266" r:id="rId8"/>
+    <p:sldId id="267" r:id="rId9"/>
+    <p:sldId id="268" r:id="rId10"/>
+    <p:sldId id="269" r:id="rId11"/>
   </p:sldIdLst>
   <p:sldSz cx="12192000" cy="6858000"/>
   <p:notesSz cx="6858000" cy="9144000"/>
@@ -217,7 +217,7 @@
           <a:p>
             <a:fld id="{289F927B-D436-4FC1-B81A-67BDF5029F0D}" type="datetimeFigureOut">
               <a:rPr lang="ko-KR" altLang="en-US" smtClean="0"/>
-              <a:t>2024-11-22</a:t>
+              <a:t>2024-11-27</a:t>
             </a:fld>
             <a:endParaRPr lang="ko-KR" altLang="en-US"/>
           </a:p>
@@ -653,6 +653,90 @@
 </p:notes>
 </file>
 
+<file path=ppt/notesSlides/notesSlide3.xml><?xml version="1.0" encoding="utf-8"?>
+<p:notes xmlns:a="http://schemas.openxmlformats.org/drawingml/2006/main" xmlns:r="http://schemas.openxmlformats.org/officeDocument/2006/relationships" xmlns:p="http://schemas.openxmlformats.org/presentationml/2006/main">
+  <p:cSld>
+    <p:spTree>
+      <p:nvGrpSpPr>
+        <p:cNvPr id="1" name=""/>
+        <p:cNvGrpSpPr/>
+        <p:nvPr/>
+      </p:nvGrpSpPr>
+      <p:grpSpPr>
+        <a:xfrm>
+          <a:off x="0" y="0"/>
+          <a:ext cx="0" cy="0"/>
+          <a:chOff x="0" y="0"/>
+          <a:chExt cx="0" cy="0"/>
+        </a:xfrm>
+      </p:grpSpPr>
+      <p:sp>
+        <p:nvSpPr>
+          <p:cNvPr id="2" name="Slide Image Placeholder 1"/>
+          <p:cNvSpPr>
+            <a:spLocks noGrp="1" noRot="1" noChangeAspect="1"/>
+          </p:cNvSpPr>
+          <p:nvPr>
+            <p:ph type="sldImg"/>
+          </p:nvPr>
+        </p:nvSpPr>
+        <p:spPr/>
+      </p:sp>
+      <p:sp>
+        <p:nvSpPr>
+          <p:cNvPr id="3" name="Notes Placeholder 2"/>
+          <p:cNvSpPr>
+            <a:spLocks noGrp="1"/>
+          </p:cNvSpPr>
+          <p:nvPr>
+            <p:ph type="body" idx="1"/>
+          </p:nvPr>
+        </p:nvSpPr>
+        <p:spPr/>
+        <p:txBody>
+          <a:bodyPr/>
+          <a:lstStyle/>
+          <a:p>
+            <a:endParaRPr lang="ko-KR" altLang="en-US" dirty="0"/>
+          </a:p>
+        </p:txBody>
+      </p:sp>
+      <p:sp>
+        <p:nvSpPr>
+          <p:cNvPr id="4" name="Slide Number Placeholder 3"/>
+          <p:cNvSpPr>
+            <a:spLocks noGrp="1"/>
+          </p:cNvSpPr>
+          <p:nvPr>
+            <p:ph type="sldNum" sz="quarter" idx="10"/>
+          </p:nvPr>
+        </p:nvSpPr>
+        <p:spPr/>
+        <p:txBody>
+          <a:bodyPr/>
+          <a:lstStyle/>
+          <a:p>
+            <a:fld id="{81C63009-2860-489F-9F1F-D0242D90D8F7}" type="slidenum">
+              <a:rPr lang="ko-KR" altLang="en-US" smtClean="0"/>
+              <a:t>5</a:t>
+            </a:fld>
+            <a:endParaRPr lang="ko-KR" altLang="en-US"/>
+          </a:p>
+        </p:txBody>
+      </p:sp>
+    </p:spTree>
+    <p:extLst>
+      <p:ext uri="{BB962C8B-B14F-4D97-AF65-F5344CB8AC3E}">
+        <p14:creationId xmlns:p14="http://schemas.microsoft.com/office/powerpoint/2010/main" val="2513106770"/>
+      </p:ext>
+    </p:extLst>
+  </p:cSld>
+  <p:clrMapOvr>
+    <a:masterClrMapping/>
+  </p:clrMapOvr>
+</p:notes>
+</file>
+
 <file path=ppt/slideLayouts/slideLayout1.xml><?xml version="1.0" encoding="utf-8"?>
 <p:sldLayout xmlns:a="http://schemas.openxmlformats.org/drawingml/2006/main" xmlns:r="http://schemas.openxmlformats.org/officeDocument/2006/relationships" xmlns:p="http://schemas.openxmlformats.org/presentationml/2006/main" type="title" preserve="1">
   <p:cSld name="Title Slide">
@@ -784,7 +868,7 @@
           <a:p>
             <a:fld id="{13035935-73D9-4FD2-A983-329B58F0F719}" type="datetimeFigureOut">
               <a:rPr lang="ko-KR" altLang="en-US" smtClean="0"/>
-              <a:t>2024-11-22</a:t>
+              <a:t>2024-11-27</a:t>
             </a:fld>
             <a:endParaRPr lang="ko-KR" altLang="en-US"/>
           </a:p>
@@ -954,7 +1038,7 @@
           <a:p>
             <a:fld id="{13035935-73D9-4FD2-A983-329B58F0F719}" type="datetimeFigureOut">
               <a:rPr lang="ko-KR" altLang="en-US" smtClean="0"/>
-              <a:t>2024-11-22</a:t>
+              <a:t>2024-11-27</a:t>
             </a:fld>
             <a:endParaRPr lang="ko-KR" altLang="en-US"/>
           </a:p>
@@ -1134,7 +1218,7 @@
           <a:p>
             <a:fld id="{13035935-73D9-4FD2-A983-329B58F0F719}" type="datetimeFigureOut">
               <a:rPr lang="ko-KR" altLang="en-US" smtClean="0"/>
-              <a:t>2024-11-22</a:t>
+              <a:t>2024-11-27</a:t>
             </a:fld>
             <a:endParaRPr lang="ko-KR" altLang="en-US"/>
           </a:p>
@@ -1429,7 +1513,7 @@
           <a:p>
             <a:fld id="{13035935-73D9-4FD2-A983-329B58F0F719}" type="datetimeFigureOut">
               <a:rPr lang="ko-KR" altLang="en-US" smtClean="0"/>
-              <a:t>2024-11-22</a:t>
+              <a:t>2024-11-27</a:t>
             </a:fld>
             <a:endParaRPr lang="ko-KR" altLang="en-US"/>
           </a:p>
@@ -1675,7 +1759,7 @@
           <a:p>
             <a:fld id="{13035935-73D9-4FD2-A983-329B58F0F719}" type="datetimeFigureOut">
               <a:rPr lang="ko-KR" altLang="en-US" smtClean="0"/>
-              <a:t>2024-11-22</a:t>
+              <a:t>2024-11-27</a:t>
             </a:fld>
             <a:endParaRPr lang="ko-KR" altLang="en-US"/>
           </a:p>
@@ -1907,7 +1991,7 @@
           <a:p>
             <a:fld id="{13035935-73D9-4FD2-A983-329B58F0F719}" type="datetimeFigureOut">
               <a:rPr lang="ko-KR" altLang="en-US" smtClean="0"/>
-              <a:t>2024-11-22</a:t>
+              <a:t>2024-11-27</a:t>
             </a:fld>
             <a:endParaRPr lang="ko-KR" altLang="en-US"/>
           </a:p>
@@ -2274,7 +2358,7 @@
           <a:p>
             <a:fld id="{13035935-73D9-4FD2-A983-329B58F0F719}" type="datetimeFigureOut">
               <a:rPr lang="ko-KR" altLang="en-US" smtClean="0"/>
-              <a:t>2024-11-22</a:t>
+              <a:t>2024-11-27</a:t>
             </a:fld>
             <a:endParaRPr lang="ko-KR" altLang="en-US"/>
           </a:p>
@@ -2392,7 +2476,7 @@
           <a:p>
             <a:fld id="{13035935-73D9-4FD2-A983-329B58F0F719}" type="datetimeFigureOut">
               <a:rPr lang="ko-KR" altLang="en-US" smtClean="0"/>
-              <a:t>2024-11-22</a:t>
+              <a:t>2024-11-27</a:t>
             </a:fld>
             <a:endParaRPr lang="ko-KR" altLang="en-US"/>
           </a:p>
@@ -2487,7 +2571,7 @@
           <a:p>
             <a:fld id="{13035935-73D9-4FD2-A983-329B58F0F719}" type="datetimeFigureOut">
               <a:rPr lang="ko-KR" altLang="en-US" smtClean="0"/>
-              <a:t>2024-11-22</a:t>
+              <a:t>2024-11-27</a:t>
             </a:fld>
             <a:endParaRPr lang="ko-KR" altLang="en-US"/>
           </a:p>
@@ -2764,7 +2848,7 @@
           <a:p>
             <a:fld id="{13035935-73D9-4FD2-A983-329B58F0F719}" type="datetimeFigureOut">
               <a:rPr lang="ko-KR" altLang="en-US" smtClean="0"/>
-              <a:t>2024-11-22</a:t>
+              <a:t>2024-11-27</a:t>
             </a:fld>
             <a:endParaRPr lang="ko-KR" altLang="en-US"/>
           </a:p>
@@ -3017,7 +3101,7 @@
           <a:p>
             <a:fld id="{13035935-73D9-4FD2-A983-329B58F0F719}" type="datetimeFigureOut">
               <a:rPr lang="ko-KR" altLang="en-US" smtClean="0"/>
-              <a:t>2024-11-22</a:t>
+              <a:t>2024-11-27</a:t>
             </a:fld>
             <a:endParaRPr lang="ko-KR" altLang="en-US"/>
           </a:p>
@@ -3230,7 +3314,7 @@
           <a:p>
             <a:fld id="{13035935-73D9-4FD2-A983-329B58F0F719}" type="datetimeFigureOut">
               <a:rPr lang="ko-KR" altLang="en-US" smtClean="0"/>
-              <a:t>2024-11-22</a:t>
+              <a:t>2024-11-27</a:t>
             </a:fld>
             <a:endParaRPr lang="ko-KR" altLang="en-US"/>
           </a:p>
@@ -3673,7 +3757,7 @@
                 <a:latin typeface="SB 어그로 Medium" panose="02020603020101020101" pitchFamily="18" charset="-127"/>
                 <a:ea typeface="SB 어그로 Medium" panose="02020603020101020101" pitchFamily="18" charset="-127"/>
               </a:rPr>
-              <a:t>Ch_10</a:t>
+              <a:t>Ch_11</a:t>
             </a:r>
             <a:r>
               <a:rPr lang="en-US" altLang="ko-KR" sz="4800" dirty="0" smtClean="0">
@@ -4078,6 +4162,13 @@
   <p:clrMapOvr>
     <a:masterClrMapping/>
   </p:clrMapOvr>
+  <p:timing>
+    <p:tnLst>
+      <p:par>
+        <p:cTn id="1" dur="indefinite" restart="never" nodeType="tmRoot"/>
+      </p:par>
+    </p:tnLst>
+  </p:timing>
 </p:sld>
 </file>
 
@@ -4114,16 +4205,119 @@
           <a:lstStyle/>
           <a:p>
             <a:r>
+              <a:rPr lang="en-US" altLang="ko-KR" dirty="0" smtClean="0"/>
+              <a:t>2.CD – </a:t>
+            </a:r>
+            <a:r>
+              <a:rPr lang="en-US" altLang="ko-KR" dirty="0" err="1" smtClean="0"/>
+              <a:t>ArgoCD</a:t>
+            </a:r>
+            <a:r>
+              <a:rPr lang="en-US" altLang="ko-KR" dirty="0" smtClean="0"/>
+              <a:t> </a:t>
+            </a:r>
+            <a:r>
               <a:rPr lang="ko-KR" altLang="en-US" dirty="0" smtClean="0"/>
-              <a:t>현재 구성 정리</a:t>
+              <a:t>실습</a:t>
             </a:r>
             <a:endParaRPr lang="ko-KR" altLang="en-US" dirty="0"/>
+          </a:p>
+        </p:txBody>
+      </p:sp>
+      <p:sp>
+        <p:nvSpPr>
+          <p:cNvPr id="3" name="Content Placeholder 2"/>
+          <p:cNvSpPr>
+            <a:spLocks noGrp="1"/>
+          </p:cNvSpPr>
+          <p:nvPr>
+            <p:ph idx="1"/>
+          </p:nvPr>
+        </p:nvSpPr>
+        <p:spPr>
+          <a:xfrm>
+            <a:off x="838200" y="1548000"/>
+            <a:ext cx="10925014" cy="4712400"/>
+          </a:xfrm>
+        </p:spPr>
+        <p:txBody>
+          <a:bodyPr/>
+          <a:lstStyle/>
+          <a:p>
+            <a:r>
+              <a:rPr lang="ko-KR" altLang="en-US" dirty="0" smtClean="0"/>
+              <a:t>서비스타입 변경</a:t>
+            </a:r>
+            <a:endParaRPr lang="en-US" altLang="ko-KR" dirty="0"/>
+          </a:p>
+          <a:p>
+            <a:pPr lvl="1"/>
+            <a:endParaRPr lang="en-US" altLang="ko-KR" dirty="0" smtClean="0"/>
+          </a:p>
+          <a:p>
+            <a:pPr lvl="1"/>
+            <a:r>
+              <a:rPr lang="en-US" altLang="ko-KR" dirty="0" err="1"/>
+              <a:t>kubectl</a:t>
+            </a:r>
+            <a:r>
+              <a:rPr lang="en-US" altLang="ko-KR" dirty="0"/>
+              <a:t> patch svc </a:t>
+            </a:r>
+            <a:r>
+              <a:rPr lang="en-US" altLang="ko-KR" dirty="0" err="1"/>
+              <a:t>argo</a:t>
+            </a:r>
+            <a:r>
+              <a:rPr lang="en-US" altLang="ko-KR" dirty="0"/>
+              <a:t>-cd-1732737447-</a:t>
+            </a:r>
+            <a:r>
+              <a:rPr lang="en-US" altLang="ko-KR" dirty="0" err="1"/>
+              <a:t>argocd</a:t>
+            </a:r>
+            <a:r>
+              <a:rPr lang="en-US" altLang="ko-KR" dirty="0"/>
+              <a:t>-server -n </a:t>
+            </a:r>
+            <a:r>
+              <a:rPr lang="en-US" altLang="ko-KR" dirty="0" err="1"/>
+              <a:t>myargocd</a:t>
+            </a:r>
+            <a:r>
+              <a:rPr lang="en-US" altLang="ko-KR" dirty="0"/>
+              <a:t> -p </a:t>
+            </a:r>
+            <a:r>
+              <a:rPr lang="en-US" altLang="ko-KR" dirty="0" smtClean="0"/>
+              <a:t>‘{"</a:t>
+            </a:r>
+            <a:r>
+              <a:rPr lang="en-US" altLang="ko-KR" dirty="0"/>
+              <a:t>spec":{"type":"</a:t>
+            </a:r>
+            <a:r>
+              <a:rPr lang="en-US" altLang="ko-KR" dirty="0" err="1"/>
+              <a:t>LoadBalancer</a:t>
+            </a:r>
+            <a:r>
+              <a:rPr lang="en-US" altLang="ko-KR" dirty="0" smtClean="0"/>
+              <a:t>"}}‘</a:t>
+            </a:r>
+          </a:p>
+          <a:p>
+            <a:pPr lvl="1"/>
+            <a:endParaRPr lang="en-US" altLang="ko-KR" dirty="0" smtClean="0"/>
+          </a:p>
+          <a:p>
+            <a:pPr lvl="1"/>
+            <a:endParaRPr lang="en-US" altLang="ko-KR" dirty="0" smtClean="0"/>
           </a:p>
         </p:txBody>
       </p:sp>
       <p:pic>
         <p:nvPicPr>
-          <p:cNvPr id="4" name="Picture 3"/>
+          <p:cNvPr id="5" name="Picture 4"/>
           <p:cNvPicPr>
             <a:picLocks noChangeAspect="1"/>
           </p:cNvPicPr>
@@ -4137,18 +4331,101 @@
         </p:blipFill>
         <p:spPr>
           <a:xfrm>
-            <a:off x="1516337" y="1310757"/>
-            <a:ext cx="9159324" cy="5170338"/>
+            <a:off x="1548250" y="4836432"/>
+            <a:ext cx="8444577" cy="989005"/>
           </a:xfrm>
           <a:prstGeom prst="rect">
             <a:avLst/>
           </a:prstGeom>
         </p:spPr>
       </p:pic>
+      <p:sp>
+        <p:nvSpPr>
+          <p:cNvPr id="6" name="Rectangle 5"/>
+          <p:cNvSpPr/>
+          <p:nvPr/>
+        </p:nvSpPr>
+        <p:spPr>
+          <a:xfrm>
+            <a:off x="8446576" y="5300420"/>
+            <a:ext cx="1627322" cy="666427"/>
+          </a:xfrm>
+          <a:prstGeom prst="rect">
+            <a:avLst/>
+          </a:prstGeom>
+          <a:noFill/>
+          <a:ln w="57150">
+            <a:solidFill>
+              <a:srgbClr val="C00000"/>
+            </a:solidFill>
+          </a:ln>
+        </p:spPr>
+        <p:style>
+          <a:lnRef idx="2">
+            <a:schemeClr val="accent1">
+              <a:shade val="50000"/>
+            </a:schemeClr>
+          </a:lnRef>
+          <a:fillRef idx="1">
+            <a:schemeClr val="accent1"/>
+          </a:fillRef>
+          <a:effectRef idx="0">
+            <a:schemeClr val="accent1"/>
+          </a:effectRef>
+          <a:fontRef idx="minor">
+            <a:schemeClr val="lt1"/>
+          </a:fontRef>
+        </p:style>
+        <p:txBody>
+          <a:bodyPr rtlCol="0" anchor="ctr"/>
+          <a:lstStyle/>
+          <a:p>
+            <a:pPr algn="ctr"/>
+            <a:endParaRPr lang="ko-KR" altLang="en-US"/>
+          </a:p>
+        </p:txBody>
+      </p:sp>
+      <p:sp>
+        <p:nvSpPr>
+          <p:cNvPr id="7" name="Rectangle 6"/>
+          <p:cNvSpPr/>
+          <p:nvPr/>
+        </p:nvSpPr>
+        <p:spPr>
+          <a:xfrm>
+            <a:off x="5603936" y="6091187"/>
+            <a:ext cx="6011454" cy="369332"/>
+          </a:xfrm>
+          <a:prstGeom prst="rect">
+            <a:avLst/>
+          </a:prstGeom>
+        </p:spPr>
+        <p:txBody>
+          <a:bodyPr wrap="none">
+            <a:spAutoFit/>
+          </a:bodyPr>
+          <a:lstStyle/>
+          <a:p>
+            <a:r>
+              <a:rPr lang="ko-KR" altLang="en-US" dirty="0" smtClean="0"/>
+              <a:t>외부에서 접속하려면 </a:t>
+            </a:r>
+            <a:r>
+              <a:rPr lang="en-US" altLang="ko-KR" dirty="0" err="1" smtClean="0"/>
+              <a:t>loadbalancer</a:t>
+            </a:r>
+            <a:r>
+              <a:rPr lang="ko-KR" altLang="en-US" dirty="0" smtClean="0"/>
+              <a:t>타입으로 변경합니다</a:t>
+            </a:r>
+            <a:endParaRPr lang="ko-KR" altLang="en-US" dirty="0"/>
+          </a:p>
+        </p:txBody>
+      </p:sp>
     </p:spTree>
     <p:extLst>
       <p:ext uri="{BB962C8B-B14F-4D97-AF65-F5344CB8AC3E}">
-        <p14:creationId xmlns:p14="http://schemas.microsoft.com/office/powerpoint/2010/main" val="2329716764"/>
+        <p14:creationId xmlns:p14="http://schemas.microsoft.com/office/powerpoint/2010/main" val="3475614114"/>
       </p:ext>
     </p:extLst>
   </p:cSld>
@@ -4348,8 +4625,12 @@
           <a:lstStyle/>
           <a:p>
             <a:r>
+              <a:rPr lang="en-US" altLang="ko-KR" dirty="0" smtClean="0"/>
+              <a:t>1. CI – </a:t>
+            </a:r>
+            <a:r>
               <a:rPr lang="ko-KR" altLang="en-US" dirty="0" smtClean="0"/>
-              <a:t>사전 준비</a:t>
+              <a:t>깃허브액션 실습</a:t>
             </a:r>
             <a:endParaRPr lang="ko-KR" altLang="en-US" dirty="0"/>
           </a:p>
@@ -4379,7 +4660,47 @@
             </a:pPr>
             <a:r>
               <a:rPr lang="ko-KR" altLang="en-US" dirty="0" smtClean="0"/>
-              <a:t>깃설치</a:t>
+              <a:t>정상적으로 깃허브를 연결하여 </a:t>
+            </a:r>
+            <a:r>
+              <a:rPr lang="en-US" altLang="ko-KR" dirty="0" smtClean="0"/>
+              <a:t>push</a:t>
+            </a:r>
+            <a:r>
+              <a:rPr lang="ko-KR" altLang="en-US" dirty="0" smtClean="0"/>
+              <a:t>를 진행 시</a:t>
+            </a:r>
+            <a:r>
+              <a:rPr lang="en-US" altLang="ko-KR" dirty="0" smtClean="0"/>
+              <a:t>, action</a:t>
+            </a:r>
+            <a:r>
+              <a:rPr lang="ko-KR" altLang="en-US" dirty="0" smtClean="0"/>
+              <a:t> 설정하여 과정에 대해 </a:t>
+            </a:r>
+            <a:r>
+              <a:rPr lang="ko-KR" altLang="en-US" dirty="0" smtClean="0">
+                <a:solidFill>
+                  <a:srgbClr val="C00000"/>
+                </a:solidFill>
+              </a:rPr>
+              <a:t>배포 실행상태를 확인</a:t>
+            </a:r>
+            <a:r>
+              <a:rPr lang="ko-KR" altLang="en-US" dirty="0" smtClean="0"/>
+              <a:t>하고</a:t>
+            </a:r>
+            <a:r>
+              <a:rPr lang="en-US" altLang="ko-KR" dirty="0" smtClean="0"/>
+              <a:t>, </a:t>
+            </a:r>
+            <a:r>
+              <a:rPr lang="ko-KR" altLang="en-US" dirty="0" smtClean="0"/>
+              <a:t>안내를 진행합니다</a:t>
+            </a:r>
+            <a:r>
+              <a:rPr lang="en-US" altLang="ko-KR" dirty="0" smtClean="0"/>
+              <a:t>.</a:t>
             </a:r>
             <a:endParaRPr lang="en-US" altLang="ko-KR" dirty="0"/>
           </a:p>
@@ -4389,6 +4710,32 @@
                 <a:spcPct val="150000"/>
               </a:lnSpc>
             </a:pPr>
+            <a:r>
+              <a:rPr lang="en-US" altLang="ko-KR" dirty="0" err="1" smtClean="0"/>
+              <a:t>Ex01</a:t>
+            </a:r>
+            <a:r>
+              <a:rPr lang="ko-KR" altLang="en-US" dirty="0" smtClean="0"/>
+              <a:t>의 도커파일을 기준으로</a:t>
+            </a:r>
+            <a:r>
+              <a:rPr lang="en-US" altLang="ko-KR" dirty="0" smtClean="0"/>
+              <a:t>,</a:t>
+            </a:r>
+            <a:br>
+              <a:rPr lang="en-US" altLang="ko-KR" dirty="0" smtClean="0"/>
+            </a:br>
+            <a:r>
+              <a:rPr lang="ko-KR" altLang="en-US" dirty="0" smtClean="0"/>
+              <a:t>실습해봅시다</a:t>
+            </a:r>
+            <a:r>
+              <a:rPr lang="en-US" altLang="ko-KR" dirty="0" smtClean="0"/>
+              <a:t>.</a:t>
+            </a:r>
+            <a:br>
+              <a:rPr lang="en-US" altLang="ko-KR" dirty="0" smtClean="0"/>
+            </a:br>
             <a:endParaRPr lang="en-US" altLang="ko-KR" dirty="0" smtClean="0"/>
           </a:p>
         </p:txBody>
@@ -4409,8 +4756,8 @@
         </p:blipFill>
         <p:spPr>
           <a:xfrm>
-            <a:off x="1007482" y="2516618"/>
-            <a:ext cx="5620534" cy="3467584"/>
+            <a:off x="5878932" y="2882684"/>
+            <a:ext cx="5474867" cy="3377715"/>
           </a:xfrm>
           <a:prstGeom prst="rect">
             <a:avLst/>
@@ -4464,14 +4811,31 @@
             <p:ph type="title"/>
           </p:nvPr>
         </p:nvSpPr>
-        <p:spPr/>
+        <p:spPr>
+          <a:xfrm>
+            <a:off x="812074" y="365125"/>
+            <a:ext cx="10515600" cy="1008000"/>
+          </a:xfrm>
+        </p:spPr>
         <p:txBody>
           <a:bodyPr/>
           <a:lstStyle/>
           <a:p>
             <a:r>
+              <a:rPr lang="en-US" altLang="ko-KR" smtClean="0"/>
+              <a:t>1. </a:t>
+            </a:r>
+            <a:r>
+              <a:rPr lang="en-US" altLang="ko-KR" dirty="0" smtClean="0"/>
+              <a:t>CI - </a:t>
+            </a:r>
+            <a:r>
               <a:rPr lang="ko-KR" altLang="en-US" dirty="0" smtClean="0"/>
-              <a:t>파일 복사 및 이미지 생성</a:t>
+              <a:t>리포지터리 </a:t>
+            </a:r>
+            <a:r>
+              <a:rPr lang="ko-KR" altLang="en-US" dirty="0" smtClean="0"/>
+              <a:t>생성</a:t>
             </a:r>
             <a:endParaRPr lang="ko-KR" altLang="en-US" dirty="0"/>
           </a:p>
@@ -4495,127 +4859,34 @@
           <a:lstStyle/>
           <a:p>
             <a:r>
+              <a:rPr lang="ko-KR" altLang="en-US" dirty="0" smtClean="0"/>
+              <a:t>깃허브 액션을 사용하여 </a:t>
+            </a:r>
+            <a:r>
               <a:rPr lang="en-US" altLang="ko-KR" dirty="0" smtClean="0"/>
-              <a:t>[</a:t>
-            </a:r>
-            <a:r>
-              <a:rPr lang="ko-KR" altLang="en-US" dirty="0" smtClean="0"/>
-              <a:t>파워쉘클라이언트에서</a:t>
-            </a:r>
-            <a:r>
-              <a:rPr lang="en-US" altLang="ko-KR" dirty="0" smtClean="0"/>
-              <a:t>] </a:t>
+              <a:t/>
             </a:r>
             <a:br>
               <a:rPr lang="en-US" altLang="ko-KR" dirty="0" smtClean="0"/>
             </a:br>
             <a:r>
-              <a:rPr lang="en-US" altLang="ko-KR" dirty="0" err="1" smtClean="0"/>
-              <a:t>scp</a:t>
-            </a:r>
-            <a:r>
               <a:rPr lang="en-US" altLang="ko-KR" dirty="0" smtClean="0"/>
-              <a:t> </a:t>
-            </a:r>
-            <a:r>
-              <a:rPr lang="en-US" altLang="ko-KR" dirty="0"/>
-              <a:t>-P 2222 -r Z:\study\study\docker\ch10\ </a:t>
-            </a:r>
-            <a:r>
-              <a:rPr lang="en-US" altLang="ko-KR" dirty="0">
-                <a:hlinkClick r:id="rId3"/>
-              </a:rPr>
-              <a:t>tw@towoo.iptime.org:/</a:t>
-            </a:r>
-            <a:r>
-              <a:rPr lang="en-US" altLang="ko-KR" dirty="0" smtClean="0">
-                <a:hlinkClick r:id="rId3"/>
-              </a:rPr>
-              <a:t>home/</a:t>
-            </a:r>
-            <a:r>
-              <a:rPr lang="en-US" altLang="ko-KR" dirty="0" err="1" smtClean="0">
-                <a:hlinkClick r:id="rId3"/>
-              </a:rPr>
-              <a:t>tw</a:t>
-            </a:r>
-            <a:r>
-              <a:rPr lang="en-US" altLang="ko-KR" dirty="0" smtClean="0">
-                <a:hlinkClick r:id="rId3"/>
-              </a:rPr>
-              <a:t>/</a:t>
-            </a:r>
-            <a:r>
-              <a:rPr lang="en-US" altLang="ko-KR" dirty="0" err="1" smtClean="0">
-                <a:hlinkClick r:id="rId3"/>
-              </a:rPr>
-              <a:t>syn</a:t>
-            </a:r>
-            <a:r>
-              <a:rPr lang="en-US" altLang="ko-KR" dirty="0" smtClean="0">
-                <a:hlinkClick r:id="rId3"/>
-              </a:rPr>
-              <a:t>/</a:t>
-            </a:r>
-            <a:r>
-              <a:rPr lang="en-US" altLang="ko-KR" dirty="0" err="1" smtClean="0">
-                <a:hlinkClick r:id="rId3"/>
-              </a:rPr>
-              <a:t>docker</a:t>
-            </a:r>
-            <a:r>
-              <a:rPr lang="en-US" altLang="ko-KR" dirty="0" smtClean="0">
-                <a:hlinkClick r:id="rId3"/>
-              </a:rPr>
-              <a:t>/</a:t>
-            </a:r>
-            <a:r>
-              <a:rPr lang="en-US" altLang="ko-KR" dirty="0" err="1" smtClean="0">
-                <a:hlinkClick r:id="rId3"/>
-              </a:rPr>
-              <a:t>ch10</a:t>
+              <a:t>Hello World</a:t>
+            </a:r>
+            <a:r>
+              <a:rPr lang="ko-KR" altLang="en-US" dirty="0" smtClean="0"/>
+              <a:t>를 출력하는 예시</a:t>
             </a:r>
             <a:endParaRPr lang="en-US" altLang="ko-KR" dirty="0" smtClean="0"/>
           </a:p>
           <a:p>
             <a:r>
-              <a:rPr lang="en-US" altLang="ko-KR" dirty="0"/>
-              <a:t>[</a:t>
-            </a:r>
-            <a:r>
-              <a:rPr lang="ko-KR" altLang="en-US" dirty="0"/>
-              <a:t>우분투서버에서</a:t>
-            </a:r>
-            <a:r>
-              <a:rPr lang="en-US" altLang="ko-KR" dirty="0"/>
-              <a:t>] </a:t>
-            </a:r>
-            <a:br>
-              <a:rPr lang="en-US" altLang="ko-KR" dirty="0"/>
-            </a:br>
-            <a:r>
-              <a:rPr lang="en-US" altLang="ko-KR" dirty="0"/>
-              <a:t>cd </a:t>
-            </a:r>
-            <a:r>
-              <a:rPr lang="en-US" altLang="ko-KR" dirty="0" err="1" smtClean="0"/>
-              <a:t>myDjango04</a:t>
-            </a:r>
-            <a:r>
-              <a:rPr lang="en-US" altLang="ko-KR" dirty="0" smtClean="0"/>
-              <a:t>/</a:t>
-            </a:r>
-            <a:r>
-              <a:rPr lang="en-US" altLang="ko-KR" dirty="0" err="1" smtClean="0"/>
-              <a:t>myapp</a:t>
-            </a:r>
-            <a:r>
-              <a:rPr lang="en-US" altLang="ko-KR" dirty="0" smtClean="0"/>
-              <a:t>/</a:t>
-            </a:r>
-            <a:r>
-              <a:rPr lang="en-US" altLang="ko-KR" dirty="0" err="1" smtClean="0"/>
-              <a:t>myapp</a:t>
+              <a:rPr lang="ko-KR" altLang="en-US" dirty="0" smtClean="0"/>
+              <a:t>액션을 </a:t>
+            </a:r>
+            <a:r>
+              <a:rPr lang="ko-KR" altLang="en-US" dirty="0" smtClean="0"/>
+              <a:t>실행할 </a:t>
             </a:r>
             <a:r>
               <a:rPr lang="en-US" altLang="ko-KR" dirty="0" smtClean="0"/>
@@ -4625,84 +4896,17 @@
               <a:rPr lang="en-US" altLang="ko-KR" dirty="0" smtClean="0"/>
             </a:br>
             <a:r>
+              <a:rPr lang="ko-KR" altLang="en-US" dirty="0" smtClean="0"/>
+              <a:t>리포지터리를 생성합니다</a:t>
+            </a:r>
+            <a:r>
               <a:rPr lang="en-US" altLang="ko-KR" dirty="0" smtClean="0"/>
-              <a:t>ls</a:t>
-            </a:r>
-            <a:r>
-              <a:rPr lang="en-US" altLang="ko-KR" dirty="0"/>
-              <a:t/>
-            </a:r>
-            <a:br>
-              <a:rPr lang="en-US" altLang="ko-KR" dirty="0"/>
-            </a:br>
-            <a:r>
-              <a:rPr lang="en-US" altLang="ko-KR" dirty="0" err="1" smtClean="0"/>
-              <a:t>sudo</a:t>
-            </a:r>
-            <a:r>
-              <a:rPr lang="en-US" altLang="ko-KR" dirty="0" smtClean="0"/>
-              <a:t> </a:t>
-            </a:r>
-            <a:r>
-              <a:rPr lang="en-US" altLang="ko-KR" dirty="0" err="1" smtClean="0"/>
-              <a:t>nano</a:t>
-            </a:r>
-            <a:r>
-              <a:rPr lang="en-US" altLang="ko-KR" dirty="0" smtClean="0"/>
-              <a:t> settings.py</a:t>
-            </a:r>
-          </a:p>
-          <a:p>
-            <a:r>
-              <a:rPr lang="en-US" altLang="ko-KR" dirty="0"/>
-              <a:t>c</a:t>
-            </a:r>
-            <a:r>
-              <a:rPr lang="en-US" altLang="ko-KR" dirty="0" smtClean="0"/>
-              <a:t>d ../..</a:t>
-            </a:r>
-          </a:p>
-          <a:p>
-            <a:r>
-              <a:rPr lang="en-US" altLang="ko-KR" dirty="0" err="1"/>
-              <a:t>docker</a:t>
-            </a:r>
-            <a:r>
-              <a:rPr lang="en-US" altLang="ko-KR" dirty="0"/>
-              <a:t> image build . -t </a:t>
-            </a:r>
-            <a:r>
-              <a:rPr lang="en-US" altLang="ko-KR" dirty="0" err="1"/>
-              <a:t>mydjango_ch10:0.2</a:t>
+              <a:t>.</a:t>
             </a:r>
             <a:endParaRPr lang="en-US" altLang="ko-KR" dirty="0" smtClean="0"/>
           </a:p>
         </p:txBody>
       </p:sp>
-      <p:pic>
-        <p:nvPicPr>
-          <p:cNvPr id="4" name="Picture 3"/>
-          <p:cNvPicPr>
-            <a:picLocks noChangeAspect="1"/>
-          </p:cNvPicPr>
-          <p:nvPr/>
-        </p:nvPicPr>
-        <p:blipFill>
-          <a:blip r:embed="rId4"/>
-          <a:stretch>
-            <a:fillRect/>
-          </a:stretch>
-        </p:blipFill>
-        <p:spPr>
-          <a:xfrm>
-            <a:off x="7873137" y="3782397"/>
-            <a:ext cx="4401006" cy="1637585"/>
-          </a:xfrm>
-          <a:prstGeom prst="rect">
-            <a:avLst/>
-          </a:prstGeom>
-        </p:spPr>
-      </p:pic>
       <p:sp>
         <p:nvSpPr>
           <p:cNvPr id="5" name="Rectangle 4"/>
@@ -4711,8 +4915,8 @@
         </p:nvSpPr>
         <p:spPr>
           <a:xfrm>
-            <a:off x="8433262" y="4701381"/>
-            <a:ext cx="1558636" cy="174500"/>
+            <a:off x="8206334" y="4713999"/>
+            <a:ext cx="1445932" cy="161882"/>
           </a:xfrm>
           <a:prstGeom prst="rect">
             <a:avLst/>
@@ -4746,6 +4950,179 @@
           <a:p>
             <a:pPr algn="ctr"/>
             <a:endParaRPr lang="ko-KR" altLang="en-US"/>
+          </a:p>
+        </p:txBody>
+      </p:sp>
+      <p:pic>
+        <p:nvPicPr>
+          <p:cNvPr id="6" name="Picture 5"/>
+          <p:cNvPicPr>
+            <a:picLocks noChangeAspect="1"/>
+          </p:cNvPicPr>
+          <p:nvPr/>
+        </p:nvPicPr>
+        <p:blipFill rotWithShape="1">
+          <a:blip r:embed="rId3"/>
+          <a:srcRect t="7047" b="762"/>
+          <a:stretch/>
+        </p:blipFill>
+        <p:spPr>
+          <a:xfrm>
+            <a:off x="6669150" y="718457"/>
+            <a:ext cx="5183217" cy="5865224"/>
+          </a:xfrm>
+          <a:prstGeom prst="rect">
+            <a:avLst/>
+          </a:prstGeom>
+        </p:spPr>
+      </p:pic>
+      <p:sp>
+        <p:nvSpPr>
+          <p:cNvPr id="7" name="Oval 6"/>
+          <p:cNvSpPr/>
+          <p:nvPr/>
+        </p:nvSpPr>
+        <p:spPr>
+          <a:xfrm>
+            <a:off x="10440093" y="607857"/>
+            <a:ext cx="558027" cy="558027"/>
+          </a:xfrm>
+          <a:prstGeom prst="ellipse">
+            <a:avLst/>
+          </a:prstGeom>
+          <a:noFill/>
+          <a:ln>
+            <a:solidFill>
+              <a:srgbClr val="C00000"/>
+            </a:solidFill>
+          </a:ln>
+        </p:spPr>
+        <p:style>
+          <a:lnRef idx="2">
+            <a:schemeClr val="accent1">
+              <a:shade val="50000"/>
+            </a:schemeClr>
+          </a:lnRef>
+          <a:fillRef idx="1">
+            <a:schemeClr val="accent1"/>
+          </a:fillRef>
+          <a:effectRef idx="0">
+            <a:schemeClr val="accent1"/>
+          </a:effectRef>
+          <a:fontRef idx="minor">
+            <a:schemeClr val="lt1"/>
+          </a:fontRef>
+        </p:style>
+        <p:txBody>
+          <a:bodyPr rtlCol="0" anchor="ctr"/>
+          <a:lstStyle/>
+          <a:p>
+            <a:pPr algn="ctr"/>
+            <a:r>
+              <a:rPr lang="en-US" altLang="ko-KR" dirty="0" smtClean="0"/>
+              <a:t>1</a:t>
+            </a:r>
+            <a:endParaRPr lang="ko-KR" altLang="en-US" dirty="0"/>
+          </a:p>
+        </p:txBody>
+      </p:sp>
+      <p:sp>
+        <p:nvSpPr>
+          <p:cNvPr id="8" name="Oval 7"/>
+          <p:cNvSpPr/>
+          <p:nvPr/>
+        </p:nvSpPr>
+        <p:spPr>
+          <a:xfrm>
+            <a:off x="8896499" y="1808119"/>
+            <a:ext cx="558027" cy="558027"/>
+          </a:xfrm>
+          <a:prstGeom prst="ellipse">
+            <a:avLst/>
+          </a:prstGeom>
+          <a:noFill/>
+          <a:ln>
+            <a:solidFill>
+              <a:srgbClr val="C00000"/>
+            </a:solidFill>
+          </a:ln>
+        </p:spPr>
+        <p:style>
+          <a:lnRef idx="2">
+            <a:schemeClr val="accent1">
+              <a:shade val="50000"/>
+            </a:schemeClr>
+          </a:lnRef>
+          <a:fillRef idx="1">
+            <a:schemeClr val="accent1"/>
+          </a:fillRef>
+          <a:effectRef idx="0">
+            <a:schemeClr val="accent1"/>
+          </a:effectRef>
+          <a:fontRef idx="minor">
+            <a:schemeClr val="lt1"/>
+          </a:fontRef>
+        </p:style>
+        <p:txBody>
+          <a:bodyPr rtlCol="0" anchor="ctr"/>
+          <a:lstStyle/>
+          <a:p>
+            <a:pPr algn="ctr"/>
+            <a:r>
+              <a:rPr lang="en-US" altLang="ko-KR" dirty="0" smtClean="0"/>
+              <a:t>2</a:t>
+            </a:r>
+            <a:endParaRPr lang="ko-KR" altLang="en-US" dirty="0"/>
+          </a:p>
+        </p:txBody>
+      </p:sp>
+      <p:sp>
+        <p:nvSpPr>
+          <p:cNvPr id="9" name="Oval 8"/>
+          <p:cNvSpPr/>
+          <p:nvPr/>
+        </p:nvSpPr>
+        <p:spPr>
+          <a:xfrm>
+            <a:off x="10440093" y="6100092"/>
+            <a:ext cx="558027" cy="558027"/>
+          </a:xfrm>
+          <a:prstGeom prst="ellipse">
+            <a:avLst/>
+          </a:prstGeom>
+          <a:noFill/>
+          <a:ln>
+            <a:solidFill>
+              <a:srgbClr val="C00000"/>
+            </a:solidFill>
+          </a:ln>
+        </p:spPr>
+        <p:style>
+          <a:lnRef idx="2">
+            <a:schemeClr val="accent1">
+              <a:shade val="50000"/>
+            </a:schemeClr>
+          </a:lnRef>
+          <a:fillRef idx="1">
+            <a:schemeClr val="accent1"/>
+          </a:fillRef>
+          <a:effectRef idx="0">
+            <a:schemeClr val="accent1"/>
+          </a:effectRef>
+          <a:fontRef idx="minor">
+            <a:schemeClr val="lt1"/>
+          </a:fontRef>
+        </p:style>
+        <p:txBody>
+          <a:bodyPr rtlCol="0" anchor="ctr"/>
+          <a:lstStyle/>
+          <a:p>
+            <a:pPr algn="ctr"/>
+            <a:r>
+              <a:rPr lang="en-US" altLang="ko-KR" dirty="0" smtClean="0"/>
+              <a:t>3</a:t>
+            </a:r>
+            <a:endParaRPr lang="ko-KR" altLang="en-US" dirty="0"/>
           </a:p>
         </p:txBody>
       </p:sp>
@@ -4802,68 +5179,24 @@
           <a:lstStyle/>
           <a:p>
             <a:r>
+              <a:rPr lang="en-US" altLang="ko-KR" dirty="0"/>
+              <a:t>CI </a:t>
+            </a:r>
+            <a:r>
+              <a:rPr lang="en-US" altLang="ko-KR" dirty="0" smtClean="0"/>
+              <a:t>– </a:t>
+            </a:r>
+            <a:r>
               <a:rPr lang="ko-KR" altLang="en-US" dirty="0" smtClean="0"/>
-              <a:t>도커허브 리포지터리 생성</a:t>
-            </a:r>
-            <a:endParaRPr lang="ko-KR" altLang="en-US" dirty="0"/>
-          </a:p>
-        </p:txBody>
-      </p:sp>
-      <p:sp>
-        <p:nvSpPr>
-          <p:cNvPr id="3" name="Content Placeholder 2"/>
-          <p:cNvSpPr>
-            <a:spLocks noGrp="1"/>
-          </p:cNvSpPr>
-          <p:nvPr>
-            <p:ph idx="1"/>
-          </p:nvPr>
-        </p:nvSpPr>
-        <p:spPr>
-          <a:xfrm>
-            <a:off x="838200" y="1548000"/>
-            <a:ext cx="10740390" cy="4712400"/>
-          </a:xfrm>
-        </p:spPr>
-        <p:txBody>
-          <a:bodyPr/>
-          <a:lstStyle/>
-          <a:p>
-            <a:r>
-              <a:rPr lang="en-US" altLang="ko-KR" dirty="0" smtClean="0">
-                <a:hlinkClick r:id="rId2"/>
-              </a:rPr>
-              <a:t>https</a:t>
-            </a:r>
-            <a:r>
-              <a:rPr lang="en-US" altLang="ko-KR" dirty="0">
-                <a:hlinkClick r:id="rId2"/>
-              </a:rPr>
-              <a:t>://</a:t>
-            </a:r>
-            <a:r>
-              <a:rPr lang="en-US" altLang="ko-KR" dirty="0" smtClean="0">
-                <a:hlinkClick r:id="rId2"/>
-              </a:rPr>
-              <a:t>hub.docker.com/repositories/</a:t>
-            </a:r>
-            <a:r>
-              <a:rPr lang="ko-KR" altLang="en-US" dirty="0" smtClean="0"/>
-              <a:t>사용자아이디</a:t>
-            </a:r>
-            <a:endParaRPr lang="en-US" altLang="ko-KR" dirty="0" smtClean="0"/>
-          </a:p>
-          <a:p>
-            <a:endParaRPr lang="en-US" altLang="ko-KR" dirty="0" smtClean="0"/>
-          </a:p>
-          <a:p>
+              <a:t>액션 설정</a:t>
+            </a:r>
             <a:endParaRPr lang="ko-KR" altLang="en-US" dirty="0"/>
           </a:p>
         </p:txBody>
       </p:sp>
       <p:pic>
         <p:nvPicPr>
-          <p:cNvPr id="5" name="Picture 4"/>
+          <p:cNvPr id="7" name="Picture 6"/>
           <p:cNvPicPr>
             <a:picLocks noChangeAspect="1"/>
           </p:cNvPicPr>
@@ -4877,8 +5210,8 @@
         </p:blipFill>
         <p:spPr>
           <a:xfrm>
-            <a:off x="1016355" y="1988681"/>
-            <a:ext cx="8783276" cy="2553056"/>
+            <a:off x="838200" y="1548554"/>
+            <a:ext cx="4686954" cy="3000794"/>
           </a:xfrm>
           <a:prstGeom prst="rect">
             <a:avLst/>
@@ -4887,20 +5220,20 @@
       </p:pic>
       <p:sp>
         <p:nvSpPr>
-          <p:cNvPr id="6" name="Rectangle 5"/>
+          <p:cNvPr id="11" name="Oval 10"/>
           <p:cNvSpPr/>
           <p:nvPr/>
         </p:nvSpPr>
         <p:spPr>
           <a:xfrm>
-            <a:off x="8322472" y="4018684"/>
-            <a:ext cx="1413164" cy="484553"/>
+            <a:off x="3593159" y="1839229"/>
+            <a:ext cx="601526" cy="601526"/>
           </a:xfrm>
-          <a:prstGeom prst="rect">
+          <a:prstGeom prst="ellipse">
             <a:avLst/>
           </a:prstGeom>
           <a:noFill/>
-          <a:ln w="38100">
+          <a:ln>
             <a:solidFill>
               <a:srgbClr val="C00000"/>
             </a:solidFill>
@@ -4927,15 +5260,69 @@
           <a:lstStyle/>
           <a:p>
             <a:pPr algn="ctr"/>
-            <a:endParaRPr lang="ko-KR" altLang="en-US"/>
+            <a:r>
+              <a:rPr lang="en-US" altLang="ko-KR" dirty="0" smtClean="0"/>
+              <a:t>1</a:t>
+            </a:r>
+            <a:endParaRPr lang="ko-KR" altLang="en-US" dirty="0"/>
+          </a:p>
+        </p:txBody>
+      </p:sp>
+      <p:sp>
+        <p:nvSpPr>
+          <p:cNvPr id="13" name="Oval 12"/>
+          <p:cNvSpPr/>
+          <p:nvPr/>
+        </p:nvSpPr>
+        <p:spPr>
+          <a:xfrm>
+            <a:off x="2574256" y="3459024"/>
+            <a:ext cx="601526" cy="601526"/>
+          </a:xfrm>
+          <a:prstGeom prst="ellipse">
+            <a:avLst/>
+          </a:prstGeom>
+          <a:noFill/>
+          <a:ln>
+            <a:solidFill>
+              <a:srgbClr val="C00000"/>
+            </a:solidFill>
+          </a:ln>
+        </p:spPr>
+        <p:style>
+          <a:lnRef idx="2">
+            <a:schemeClr val="accent1">
+              <a:shade val="50000"/>
+            </a:schemeClr>
+          </a:lnRef>
+          <a:fillRef idx="1">
+            <a:schemeClr val="accent1"/>
+          </a:fillRef>
+          <a:effectRef idx="0">
+            <a:schemeClr val="accent1"/>
+          </a:effectRef>
+          <a:fontRef idx="minor">
+            <a:schemeClr val="lt1"/>
+          </a:fontRef>
+        </p:style>
+        <p:txBody>
+          <a:bodyPr rtlCol="0" anchor="ctr"/>
+          <a:lstStyle/>
+          <a:p>
+            <a:pPr algn="ctr"/>
+            <a:r>
+              <a:rPr lang="en-US" altLang="ko-KR" dirty="0" smtClean="0"/>
+              <a:t>2</a:t>
+            </a:r>
+            <a:endParaRPr lang="ko-KR" altLang="en-US" dirty="0"/>
           </a:p>
         </p:txBody>
       </p:sp>
       <p:pic>
         <p:nvPicPr>
-          <p:cNvPr id="9" name="Picture 8"/>
+          <p:cNvPr id="8" name="Picture 7"/>
           <p:cNvPicPr>
-            <a:picLocks/>
+            <a:picLocks noChangeAspect="1"/>
           </p:cNvPicPr>
           <p:nvPr/>
         </p:nvPicPr>
@@ -4947,62 +5334,647 @@
         </p:blipFill>
         <p:spPr>
           <a:xfrm>
-            <a:off x="9449086" y="3732134"/>
-            <a:ext cx="573100" cy="573100"/>
+            <a:off x="5525154" y="3048951"/>
+            <a:ext cx="6234173" cy="3230369"/>
           </a:xfrm>
           <a:prstGeom prst="rect">
             <a:avLst/>
           </a:prstGeom>
         </p:spPr>
       </p:pic>
-      <p:pic>
-        <p:nvPicPr>
-          <p:cNvPr id="10" name="Picture 9"/>
-          <p:cNvPicPr>
-            <a:picLocks noChangeAspect="1"/>
-          </p:cNvPicPr>
-          <p:nvPr/>
-        </p:nvPicPr>
-        <p:blipFill>
-          <a:blip r:embed="rId5"/>
-          <a:stretch>
-            <a:fillRect/>
-          </a:stretch>
-        </p:blipFill>
+      <p:sp>
+        <p:nvSpPr>
+          <p:cNvPr id="15" name="Content Placeholder 14"/>
+          <p:cNvSpPr>
+            <a:spLocks noGrp="1"/>
+          </p:cNvSpPr>
+          <p:nvPr>
+            <p:ph idx="1"/>
+          </p:nvPr>
+        </p:nvSpPr>
         <p:spPr>
           <a:xfrm>
-            <a:off x="1112324" y="2987392"/>
-            <a:ext cx="4408879" cy="3739675"/>
+            <a:off x="837594" y="4615579"/>
+            <a:ext cx="5396165" cy="1816833"/>
+          </a:xfrm>
+        </p:spPr>
+        <p:txBody>
+          <a:bodyPr/>
+          <a:lstStyle/>
+          <a:p>
+            <a:r>
+              <a:rPr lang="en-US" altLang="ko-KR" dirty="0" smtClean="0"/>
+              <a:t>on: [push] </a:t>
+            </a:r>
+            <a:br>
+              <a:rPr lang="en-US" altLang="ko-KR" dirty="0" smtClean="0"/>
+            </a:br>
+            <a:r>
+              <a:rPr lang="en-US" altLang="ko-KR" u="sng" dirty="0" smtClean="0"/>
+              <a:t># push</a:t>
+            </a:r>
+            <a:r>
+              <a:rPr lang="ko-KR" altLang="en-US" u="sng" dirty="0" smtClean="0"/>
+              <a:t>를 트리거로 진행</a:t>
+            </a:r>
+            <a:endParaRPr lang="en-US" altLang="ko-KR" u="sng" dirty="0" smtClean="0"/>
+          </a:p>
+          <a:p>
+            <a:r>
+              <a:rPr lang="en-US" altLang="ko-KR" dirty="0" smtClean="0"/>
+              <a:t>Action</a:t>
+            </a:r>
+            <a:r>
+              <a:rPr lang="ko-KR" altLang="en-US" dirty="0" smtClean="0"/>
+              <a:t>설정후 </a:t>
+            </a:r>
+            <a:r>
+              <a:rPr lang="en-US" altLang="ko-KR" dirty="0" smtClean="0"/>
+              <a:t>commit</a:t>
+            </a:r>
+            <a:endParaRPr lang="ko-KR" altLang="en-US" dirty="0"/>
+          </a:p>
+        </p:txBody>
+      </p:sp>
+      <p:sp>
+        <p:nvSpPr>
+          <p:cNvPr id="17" name="Oval 16"/>
+          <p:cNvSpPr/>
+          <p:nvPr/>
+        </p:nvSpPr>
+        <p:spPr>
+          <a:xfrm>
+            <a:off x="6861972" y="4174106"/>
+            <a:ext cx="601526" cy="601526"/>
+          </a:xfrm>
+          <a:prstGeom prst="ellipse">
+            <a:avLst/>
+          </a:prstGeom>
+          <a:noFill/>
+          <a:ln>
+            <a:solidFill>
+              <a:srgbClr val="C00000"/>
+            </a:solidFill>
+          </a:ln>
+        </p:spPr>
+        <p:style>
+          <a:lnRef idx="2">
+            <a:schemeClr val="accent1">
+              <a:shade val="50000"/>
+            </a:schemeClr>
+          </a:lnRef>
+          <a:fillRef idx="1">
+            <a:schemeClr val="accent1"/>
+          </a:fillRef>
+          <a:effectRef idx="0">
+            <a:schemeClr val="accent1"/>
+          </a:effectRef>
+          <a:fontRef idx="minor">
+            <a:schemeClr val="lt1"/>
+          </a:fontRef>
+        </p:style>
+        <p:txBody>
+          <a:bodyPr rtlCol="0" anchor="ctr"/>
+          <a:lstStyle/>
+          <a:p>
+            <a:pPr algn="ctr"/>
+            <a:r>
+              <a:rPr lang="en-US" altLang="ko-KR" dirty="0" smtClean="0"/>
+              <a:t>3</a:t>
+            </a:r>
+            <a:endParaRPr lang="ko-KR" altLang="en-US" dirty="0"/>
+          </a:p>
+        </p:txBody>
+      </p:sp>
+      <p:sp>
+        <p:nvSpPr>
+          <p:cNvPr id="19" name="Rectangle 18"/>
+          <p:cNvSpPr/>
+          <p:nvPr/>
+        </p:nvSpPr>
+        <p:spPr>
+          <a:xfrm>
+            <a:off x="5663327" y="4141135"/>
+            <a:ext cx="3410335" cy="1938992"/>
           </a:xfrm>
           <a:prstGeom prst="rect">
             <a:avLst/>
           </a:prstGeom>
         </p:spPr>
-      </p:pic>
-      <p:pic>
-        <p:nvPicPr>
-          <p:cNvPr id="12" name="Picture 11"/>
-          <p:cNvPicPr>
-            <a:picLocks/>
-          </p:cNvPicPr>
+        <p:txBody>
+          <a:bodyPr wrap="square">
+            <a:spAutoFit/>
+          </a:bodyPr>
+          <a:lstStyle/>
+          <a:p>
+            <a:r>
+              <a:rPr lang="en-US" altLang="ko-KR" sz="1200" dirty="0">
+                <a:solidFill>
+                  <a:schemeClr val="bg1"/>
+                </a:solidFill>
+              </a:rPr>
+              <a:t>name: </a:t>
+            </a:r>
+            <a:r>
+              <a:rPr lang="en-US" altLang="ko-KR" sz="1200" dirty="0" smtClean="0">
+                <a:solidFill>
+                  <a:schemeClr val="bg1"/>
+                </a:solidFill>
+              </a:rPr>
+              <a:t>HelloWorld</a:t>
+            </a:r>
+          </a:p>
+          <a:p>
+            <a:endParaRPr lang="en-US" altLang="ko-KR" sz="1200" dirty="0">
+              <a:solidFill>
+                <a:schemeClr val="bg1"/>
+              </a:solidFill>
+            </a:endParaRPr>
+          </a:p>
+          <a:p>
+            <a:r>
+              <a:rPr lang="en-US" altLang="ko-KR" sz="1200" dirty="0" smtClean="0">
+                <a:solidFill>
+                  <a:schemeClr val="bg1"/>
+                </a:solidFill>
+              </a:rPr>
+              <a:t>on</a:t>
+            </a:r>
+            <a:r>
+              <a:rPr lang="en-US" altLang="ko-KR" sz="1200" dirty="0">
+                <a:solidFill>
+                  <a:schemeClr val="bg1"/>
+                </a:solidFill>
+              </a:rPr>
+              <a:t>: [push</a:t>
+            </a:r>
+            <a:r>
+              <a:rPr lang="en-US" altLang="ko-KR" sz="1200" dirty="0" smtClean="0">
+                <a:solidFill>
+                  <a:schemeClr val="bg1"/>
+                </a:solidFill>
+              </a:rPr>
+              <a:t>]</a:t>
+            </a:r>
+          </a:p>
+          <a:p>
+            <a:endParaRPr lang="en-US" altLang="ko-KR" sz="1200" dirty="0">
+              <a:solidFill>
+                <a:schemeClr val="bg1"/>
+              </a:solidFill>
+            </a:endParaRPr>
+          </a:p>
+          <a:p>
+            <a:r>
+              <a:rPr lang="en-US" altLang="ko-KR" sz="1200" dirty="0" smtClean="0">
+                <a:solidFill>
+                  <a:schemeClr val="bg1"/>
+                </a:solidFill>
+              </a:rPr>
+              <a:t>jobs:</a:t>
+            </a:r>
+          </a:p>
+          <a:p>
+            <a:r>
+              <a:rPr lang="en-US" altLang="ko-KR" sz="1200" dirty="0" smtClean="0">
+                <a:solidFill>
+                  <a:schemeClr val="bg1"/>
+                </a:solidFill>
+              </a:rPr>
+              <a:t>  </a:t>
+            </a:r>
+            <a:r>
+              <a:rPr lang="en-US" altLang="ko-KR" sz="1200" dirty="0">
+                <a:solidFill>
+                  <a:schemeClr val="bg1"/>
+                </a:solidFill>
+              </a:rPr>
+              <a:t>echo</a:t>
+            </a:r>
+            <a:r>
+              <a:rPr lang="en-US" altLang="ko-KR" sz="1200" dirty="0" smtClean="0">
+                <a:solidFill>
+                  <a:schemeClr val="bg1"/>
+                </a:solidFill>
+              </a:rPr>
+              <a:t>:</a:t>
+            </a:r>
+          </a:p>
+          <a:p>
+            <a:r>
+              <a:rPr lang="en-US" altLang="ko-KR" sz="1200" dirty="0" smtClean="0">
+                <a:solidFill>
+                  <a:schemeClr val="bg1"/>
+                </a:solidFill>
+              </a:rPr>
+              <a:t>    </a:t>
+            </a:r>
+            <a:r>
+              <a:rPr lang="en-US" altLang="ko-KR" sz="1200" dirty="0">
+                <a:solidFill>
+                  <a:schemeClr val="bg1"/>
+                </a:solidFill>
+              </a:rPr>
+              <a:t>runs-on: </a:t>
+            </a:r>
+            <a:r>
+              <a:rPr lang="en-US" altLang="ko-KR" sz="1200" dirty="0" err="1" smtClean="0">
+                <a:solidFill>
+                  <a:schemeClr val="bg1"/>
+                </a:solidFill>
+              </a:rPr>
+              <a:t>ubuntu</a:t>
+            </a:r>
+            <a:r>
+              <a:rPr lang="en-US" altLang="ko-KR" sz="1200" dirty="0" smtClean="0">
+                <a:solidFill>
+                  <a:schemeClr val="bg1"/>
+                </a:solidFill>
+              </a:rPr>
+              <a:t>-latest</a:t>
+            </a:r>
+          </a:p>
+          <a:p>
+            <a:r>
+              <a:rPr lang="en-US" altLang="ko-KR" sz="1200" dirty="0" smtClean="0">
+                <a:solidFill>
+                  <a:schemeClr val="bg1"/>
+                </a:solidFill>
+              </a:rPr>
+              <a:t>    steps:</a:t>
+            </a:r>
+          </a:p>
+          <a:p>
+            <a:r>
+              <a:rPr lang="en-US" altLang="ko-KR" sz="1200" dirty="0" smtClean="0">
+                <a:solidFill>
+                  <a:schemeClr val="bg1"/>
+                </a:solidFill>
+              </a:rPr>
+              <a:t>    </a:t>
+            </a:r>
+            <a:r>
+              <a:rPr lang="en-US" altLang="ko-KR" sz="1200" dirty="0">
+                <a:solidFill>
+                  <a:schemeClr val="bg1"/>
+                </a:solidFill>
+              </a:rPr>
+              <a:t>- name: </a:t>
+            </a:r>
+            <a:r>
+              <a:rPr lang="en-US" altLang="ko-KR" sz="1200" dirty="0" smtClean="0">
+                <a:solidFill>
+                  <a:schemeClr val="bg1"/>
+                </a:solidFill>
+              </a:rPr>
+              <a:t>hello</a:t>
+            </a:r>
+          </a:p>
+          <a:p>
+            <a:r>
+              <a:rPr lang="en-US" altLang="ko-KR" sz="1200" dirty="0" smtClean="0">
+                <a:solidFill>
+                  <a:schemeClr val="bg1"/>
+                </a:solidFill>
+              </a:rPr>
+              <a:t>      </a:t>
+            </a:r>
+            <a:r>
+              <a:rPr lang="en-US" altLang="ko-KR" sz="1200" dirty="0">
+                <a:solidFill>
+                  <a:schemeClr val="bg1"/>
+                </a:solidFill>
+              </a:rPr>
+              <a:t>run: </a:t>
+            </a:r>
+            <a:r>
+              <a:rPr lang="en-US" altLang="ko-KR" sz="1200" dirty="0" smtClean="0">
+                <a:solidFill>
+                  <a:schemeClr val="bg1"/>
+                </a:solidFill>
+              </a:rPr>
+              <a:t>echo </a:t>
+            </a:r>
+            <a:r>
+              <a:rPr lang="en-US" altLang="ko-KR" sz="1200" dirty="0">
+                <a:solidFill>
+                  <a:schemeClr val="bg1"/>
+                </a:solidFill>
+              </a:rPr>
+              <a:t>"Hello, </a:t>
+            </a:r>
+            <a:r>
+              <a:rPr lang="en-US" altLang="ko-KR" sz="1200" dirty="0" err="1">
+                <a:solidFill>
+                  <a:schemeClr val="bg1"/>
+                </a:solidFill>
+              </a:rPr>
+              <a:t>Github</a:t>
+            </a:r>
+            <a:r>
+              <a:rPr lang="en-US" altLang="ko-KR" sz="1200" dirty="0">
+                <a:solidFill>
+                  <a:schemeClr val="bg1"/>
+                </a:solidFill>
+              </a:rPr>
+              <a:t> Actions!"</a:t>
+            </a:r>
+            <a:endParaRPr lang="ko-KR" altLang="en-US" sz="1200" dirty="0">
+              <a:solidFill>
+                <a:schemeClr val="bg1"/>
+              </a:solidFill>
+            </a:endParaRPr>
+          </a:p>
+        </p:txBody>
+      </p:sp>
+      <p:sp>
+        <p:nvSpPr>
+          <p:cNvPr id="20" name="Oval 19"/>
+          <p:cNvSpPr/>
           <p:nvPr/>
-        </p:nvPicPr>
-        <p:blipFill>
-          <a:blip r:embed="rId4"/>
-          <a:stretch>
-            <a:fillRect/>
-          </a:stretch>
-        </p:blipFill>
+        </p:nvSpPr>
         <p:spPr>
           <a:xfrm>
-            <a:off x="5044072" y="5920634"/>
-            <a:ext cx="573100" cy="573100"/>
+            <a:off x="10489092" y="2914404"/>
+            <a:ext cx="601526" cy="601526"/>
+          </a:xfrm>
+          <a:prstGeom prst="ellipse">
+            <a:avLst/>
+          </a:prstGeom>
+          <a:noFill/>
+          <a:ln>
+            <a:solidFill>
+              <a:srgbClr val="C00000"/>
+            </a:solidFill>
+          </a:ln>
+        </p:spPr>
+        <p:style>
+          <a:lnRef idx="2">
+            <a:schemeClr val="accent1">
+              <a:shade val="50000"/>
+            </a:schemeClr>
+          </a:lnRef>
+          <a:fillRef idx="1">
+            <a:schemeClr val="accent1"/>
+          </a:fillRef>
+          <a:effectRef idx="0">
+            <a:schemeClr val="accent1"/>
+          </a:effectRef>
+          <a:fontRef idx="minor">
+            <a:schemeClr val="lt1"/>
+          </a:fontRef>
+        </p:style>
+        <p:txBody>
+          <a:bodyPr rtlCol="0" anchor="ctr"/>
+          <a:lstStyle/>
+          <a:p>
+            <a:pPr algn="ctr"/>
+            <a:r>
+              <a:rPr lang="en-US" altLang="ko-KR" dirty="0" smtClean="0"/>
+              <a:t>4</a:t>
+            </a:r>
+            <a:endParaRPr lang="ko-KR" altLang="en-US" dirty="0"/>
+          </a:p>
+        </p:txBody>
+      </p:sp>
+      <p:sp>
+        <p:nvSpPr>
+          <p:cNvPr id="12" name="Content Placeholder 2"/>
+          <p:cNvSpPr txBox="1">
+            <a:spLocks/>
+          </p:cNvSpPr>
+          <p:nvPr/>
+        </p:nvSpPr>
+        <p:spPr>
+          <a:xfrm>
+            <a:off x="5663327" y="1548000"/>
+            <a:ext cx="10515600" cy="4712400"/>
           </a:xfrm>
           <a:prstGeom prst="rect">
             <a:avLst/>
           </a:prstGeom>
         </p:spPr>
-      </p:pic>
+        <p:txBody>
+          <a:bodyPr vert="horz" lIns="91440" tIns="45720" rIns="91440" bIns="45720" rtlCol="0">
+            <a:normAutofit/>
+          </a:bodyPr>
+          <a:lstStyle>
+            <a:lvl1pPr marL="228600" indent="-228600" algn="l" defTabSz="914400" rtl="0" eaLnBrk="1" latinLnBrk="1" hangingPunct="1">
+              <a:lnSpc>
+                <a:spcPct val="90000"/>
+              </a:lnSpc>
+              <a:spcBef>
+                <a:spcPts val="1000"/>
+              </a:spcBef>
+              <a:buFont typeface="Arial" panose="020B0604020202020204" pitchFamily="34" charset="0"/>
+              <a:buChar char="•"/>
+              <a:defRPr lang="en-US" altLang="ko-KR" sz="2800" kern="1200" smtClean="0">
+                <a:gradFill>
+                  <a:gsLst>
+                    <a:gs pos="100000">
+                      <a:schemeClr val="tx1"/>
+                    </a:gs>
+                    <a:gs pos="100000">
+                      <a:schemeClr val="tx1"/>
+                    </a:gs>
+                  </a:gsLst>
+                  <a:lin ang="5400000" scaled="1"/>
+                </a:gradFill>
+                <a:latin typeface="SB 어그로 Medium" panose="02020603020101020101" pitchFamily="18" charset="-127"/>
+                <a:ea typeface="SB 어그로 Medium" panose="02020603020101020101" pitchFamily="18" charset="-127"/>
+                <a:cs typeface="+mn-cs"/>
+              </a:defRPr>
+            </a:lvl1pPr>
+            <a:lvl2pPr marL="685800" indent="-228600" algn="l" defTabSz="914400" rtl="0" eaLnBrk="1" latinLnBrk="1" hangingPunct="1">
+              <a:lnSpc>
+                <a:spcPct val="90000"/>
+              </a:lnSpc>
+              <a:spcBef>
+                <a:spcPts val="500"/>
+              </a:spcBef>
+              <a:buFont typeface="Arial" panose="020B0604020202020204" pitchFamily="34" charset="0"/>
+              <a:buChar char="•"/>
+              <a:defRPr lang="en-US" altLang="ko-KR" sz="2400" kern="1200" smtClean="0">
+                <a:gradFill>
+                  <a:gsLst>
+                    <a:gs pos="100000">
+                      <a:schemeClr val="tx1"/>
+                    </a:gs>
+                    <a:gs pos="100000">
+                      <a:schemeClr val="tx1"/>
+                    </a:gs>
+                  </a:gsLst>
+                  <a:lin ang="5400000" scaled="1"/>
+                </a:gradFill>
+                <a:latin typeface="SB 어그로 Medium" panose="02020603020101020101" pitchFamily="18" charset="-127"/>
+                <a:ea typeface="SB 어그로 Medium" panose="02020603020101020101" pitchFamily="18" charset="-127"/>
+                <a:cs typeface="+mn-cs"/>
+              </a:defRPr>
+            </a:lvl2pPr>
+            <a:lvl3pPr marL="1143000" indent="-228600" algn="l" defTabSz="914400" rtl="0" eaLnBrk="1" latinLnBrk="1" hangingPunct="1">
+              <a:lnSpc>
+                <a:spcPct val="90000"/>
+              </a:lnSpc>
+              <a:spcBef>
+                <a:spcPts val="500"/>
+              </a:spcBef>
+              <a:buFont typeface="Arial" panose="020B0604020202020204" pitchFamily="34" charset="0"/>
+              <a:buChar char="•"/>
+              <a:defRPr lang="en-US" altLang="ko-KR" sz="2000" kern="1200" smtClean="0">
+                <a:gradFill>
+                  <a:gsLst>
+                    <a:gs pos="100000">
+                      <a:schemeClr val="tx1"/>
+                    </a:gs>
+                    <a:gs pos="100000">
+                      <a:schemeClr val="tx1"/>
+                    </a:gs>
+                  </a:gsLst>
+                  <a:lin ang="5400000" scaled="1"/>
+                </a:gradFill>
+                <a:latin typeface="SB 어그로 Medium" panose="02020603020101020101" pitchFamily="18" charset="-127"/>
+                <a:ea typeface="SB 어그로 Medium" panose="02020603020101020101" pitchFamily="18" charset="-127"/>
+                <a:cs typeface="+mn-cs"/>
+              </a:defRPr>
+            </a:lvl3pPr>
+            <a:lvl4pPr marL="1600200" indent="-228600" algn="l" defTabSz="914400" rtl="0" eaLnBrk="1" latinLnBrk="1" hangingPunct="1">
+              <a:lnSpc>
+                <a:spcPct val="90000"/>
+              </a:lnSpc>
+              <a:spcBef>
+                <a:spcPts val="500"/>
+              </a:spcBef>
+              <a:buFont typeface="Arial" panose="020B0604020202020204" pitchFamily="34" charset="0"/>
+              <a:buChar char="•"/>
+              <a:defRPr lang="en-US" altLang="ko-KR" sz="1800" kern="1200" smtClean="0">
+                <a:gradFill>
+                  <a:gsLst>
+                    <a:gs pos="100000">
+                      <a:schemeClr val="tx1"/>
+                    </a:gs>
+                    <a:gs pos="100000">
+                      <a:schemeClr val="tx1"/>
+                    </a:gs>
+                  </a:gsLst>
+                  <a:lin ang="5400000" scaled="1"/>
+                </a:gradFill>
+                <a:latin typeface="SB 어그로 Medium" panose="02020603020101020101" pitchFamily="18" charset="-127"/>
+                <a:ea typeface="SB 어그로 Medium" panose="02020603020101020101" pitchFamily="18" charset="-127"/>
+                <a:cs typeface="+mn-cs"/>
+              </a:defRPr>
+            </a:lvl4pPr>
+            <a:lvl5pPr marL="2057400" indent="-228600" algn="l" defTabSz="914400" rtl="0" eaLnBrk="1" latinLnBrk="1" hangingPunct="1">
+              <a:lnSpc>
+                <a:spcPct val="90000"/>
+              </a:lnSpc>
+              <a:spcBef>
+                <a:spcPts val="500"/>
+              </a:spcBef>
+              <a:buFont typeface="Arial" panose="020B0604020202020204" pitchFamily="34" charset="0"/>
+              <a:buChar char="•"/>
+              <a:defRPr lang="ko-KR" altLang="en-US" sz="1800" kern="1200">
+                <a:gradFill>
+                  <a:gsLst>
+                    <a:gs pos="100000">
+                      <a:schemeClr val="tx1"/>
+                    </a:gs>
+                    <a:gs pos="100000">
+                      <a:schemeClr val="tx1"/>
+                    </a:gs>
+                  </a:gsLst>
+                  <a:lin ang="5400000" scaled="1"/>
+                </a:gradFill>
+                <a:latin typeface="SB 어그로 Medium" panose="02020603020101020101" pitchFamily="18" charset="-127"/>
+                <a:ea typeface="SB 어그로 Medium" panose="02020603020101020101" pitchFamily="18" charset="-127"/>
+                <a:cs typeface="+mn-cs"/>
+              </a:defRPr>
+            </a:lvl5pPr>
+            <a:lvl6pPr marL="2514600" indent="-228600" algn="l" defTabSz="914400" rtl="0" eaLnBrk="1" latinLnBrk="1" hangingPunct="1">
+              <a:lnSpc>
+                <a:spcPct val="90000"/>
+              </a:lnSpc>
+              <a:spcBef>
+                <a:spcPts val="500"/>
+              </a:spcBef>
+              <a:buFont typeface="Arial" panose="020B0604020202020204" pitchFamily="34" charset="0"/>
+              <a:buChar char="•"/>
+              <a:defRPr sz="1800" kern="1200">
+                <a:solidFill>
+                  <a:schemeClr val="tx1"/>
+                </a:solidFill>
+                <a:latin typeface="+mn-lt"/>
+                <a:ea typeface="+mn-ea"/>
+                <a:cs typeface="+mn-cs"/>
+              </a:defRPr>
+            </a:lvl6pPr>
+            <a:lvl7pPr marL="2971800" indent="-228600" algn="l" defTabSz="914400" rtl="0" eaLnBrk="1" latinLnBrk="1" hangingPunct="1">
+              <a:lnSpc>
+                <a:spcPct val="90000"/>
+              </a:lnSpc>
+              <a:spcBef>
+                <a:spcPts val="500"/>
+              </a:spcBef>
+              <a:buFont typeface="Arial" panose="020B0604020202020204" pitchFamily="34" charset="0"/>
+              <a:buChar char="•"/>
+              <a:defRPr sz="1800" kern="1200">
+                <a:solidFill>
+                  <a:schemeClr val="tx1"/>
+                </a:solidFill>
+                <a:latin typeface="+mn-lt"/>
+                <a:ea typeface="+mn-ea"/>
+                <a:cs typeface="+mn-cs"/>
+              </a:defRPr>
+            </a:lvl7pPr>
+            <a:lvl8pPr marL="3429000" indent="-228600" algn="l" defTabSz="914400" rtl="0" eaLnBrk="1" latinLnBrk="1" hangingPunct="1">
+              <a:lnSpc>
+                <a:spcPct val="90000"/>
+              </a:lnSpc>
+              <a:spcBef>
+                <a:spcPts val="500"/>
+              </a:spcBef>
+              <a:buFont typeface="Arial" panose="020B0604020202020204" pitchFamily="34" charset="0"/>
+              <a:buChar char="•"/>
+              <a:defRPr sz="1800" kern="1200">
+                <a:solidFill>
+                  <a:schemeClr val="tx1"/>
+                </a:solidFill>
+                <a:latin typeface="+mn-lt"/>
+                <a:ea typeface="+mn-ea"/>
+                <a:cs typeface="+mn-cs"/>
+              </a:defRPr>
+            </a:lvl8pPr>
+            <a:lvl9pPr marL="3886200" indent="-228600" algn="l" defTabSz="914400" rtl="0" eaLnBrk="1" latinLnBrk="1" hangingPunct="1">
+              <a:lnSpc>
+                <a:spcPct val="90000"/>
+              </a:lnSpc>
+              <a:spcBef>
+                <a:spcPts val="500"/>
+              </a:spcBef>
+              <a:buFont typeface="Arial" panose="020B0604020202020204" pitchFamily="34" charset="0"/>
+              <a:buChar char="•"/>
+              <a:defRPr sz="1800" kern="1200">
+                <a:solidFill>
+                  <a:schemeClr val="tx1"/>
+                </a:solidFill>
+                <a:latin typeface="+mn-lt"/>
+                <a:ea typeface="+mn-ea"/>
+                <a:cs typeface="+mn-cs"/>
+              </a:defRPr>
+            </a:lvl9pPr>
+          </a:lstStyle>
+          <a:p>
+            <a:r>
+              <a:rPr lang="ko-KR" altLang="en-US" dirty="0" smtClean="0"/>
+              <a:t>액션을 설정합니다</a:t>
+            </a:r>
+            <a:r>
+              <a:rPr lang="en-US" altLang="ko-KR" dirty="0" smtClean="0"/>
+              <a:t>.</a:t>
+            </a:r>
+            <a:endParaRPr lang="ko-KR" altLang="en-US" dirty="0" smtClean="0"/>
+          </a:p>
+        </p:txBody>
+      </p:sp>
     </p:spTree>
     <p:extLst>
       <p:ext uri="{BB962C8B-B14F-4D97-AF65-F5344CB8AC3E}">
@@ -5056,104 +6028,67 @@
           <a:lstStyle/>
           <a:p>
             <a:r>
+              <a:rPr lang="en-US" altLang="ko-KR" dirty="0"/>
+              <a:t>CI - </a:t>
+            </a:r>
+            <a:r>
               <a:rPr lang="ko-KR" altLang="en-US" dirty="0" smtClean="0"/>
-              <a:t>도커허브에 이미지 </a:t>
-            </a:r>
+              <a:t>워크플로 </a:t>
+            </a:r>
+            <a:r>
+              <a:rPr lang="ko-KR" altLang="en-US" dirty="0" smtClean="0"/>
+              <a:t>확인</a:t>
+            </a:r>
+            <a:endParaRPr lang="ko-KR" altLang="en-US" dirty="0"/>
+          </a:p>
+        </p:txBody>
+      </p:sp>
+      <p:sp>
+        <p:nvSpPr>
+          <p:cNvPr id="3" name="Content Placeholder 2"/>
+          <p:cNvSpPr>
+            <a:spLocks noGrp="1"/>
+          </p:cNvSpPr>
+          <p:nvPr>
+            <p:ph idx="1"/>
+          </p:nvPr>
+        </p:nvSpPr>
+        <p:spPr/>
+        <p:txBody>
+          <a:bodyPr/>
+          <a:lstStyle/>
+          <a:p>
             <a:r>
               <a:rPr lang="en-US" altLang="ko-KR" dirty="0" smtClean="0"/>
-              <a:t>PUSH</a:t>
-            </a:r>
-            <a:endParaRPr lang="ko-KR" altLang="en-US" dirty="0"/>
-          </a:p>
-        </p:txBody>
-      </p:sp>
-      <p:sp>
-        <p:nvSpPr>
-          <p:cNvPr id="3" name="Content Placeholder 2"/>
-          <p:cNvSpPr>
-            <a:spLocks noGrp="1"/>
-          </p:cNvSpPr>
-          <p:nvPr>
-            <p:ph idx="1"/>
-          </p:nvPr>
-        </p:nvSpPr>
-        <p:spPr/>
-        <p:txBody>
-          <a:bodyPr/>
-          <a:lstStyle/>
-          <a:p>
-            <a:r>
-              <a:rPr lang="en-US" altLang="ko-KR" dirty="0" err="1"/>
-              <a:t>d</a:t>
-            </a:r>
-            <a:r>
-              <a:rPr lang="en-US" altLang="ko-KR" dirty="0" err="1" smtClean="0"/>
-              <a:t>ocker</a:t>
+              <a:t>[Actions] </a:t>
+            </a:r>
+            <a:r>
+              <a:rPr lang="ko-KR" altLang="en-US" dirty="0" smtClean="0"/>
+              <a:t>→ </a:t>
+            </a:r>
+            <a:r>
+              <a:rPr lang="en-US" altLang="ko-KR" b="1" dirty="0"/>
+              <a:t>Create </a:t>
+            </a:r>
+            <a:r>
+              <a:rPr lang="en-US" altLang="ko-KR" b="1" dirty="0" err="1" smtClean="0"/>
+              <a:t>main.yml</a:t>
+            </a:r>
+            <a:r>
+              <a:rPr lang="ko-KR" altLang="en-US" dirty="0"/>
+              <a:t> </a:t>
+            </a:r>
+            <a:r>
+              <a:rPr lang="ko-KR" altLang="en-US" dirty="0" smtClean="0"/>
+              <a:t>→</a:t>
             </a:r>
             <a:r>
               <a:rPr lang="en-US" altLang="ko-KR" dirty="0" smtClean="0"/>
-              <a:t> login</a:t>
-            </a:r>
-          </a:p>
-          <a:p>
-            <a:r>
-              <a:rPr lang="en-US" altLang="ko-KR" dirty="0" err="1"/>
-              <a:t>docker</a:t>
-            </a:r>
-            <a:r>
-              <a:rPr lang="en-US" altLang="ko-KR" dirty="0"/>
-              <a:t> tag </a:t>
-            </a:r>
-            <a:r>
-              <a:rPr lang="en-US" altLang="ko-KR" dirty="0" err="1"/>
-              <a:t>mydjango_ch10:0.2</a:t>
-            </a:r>
-            <a:r>
-              <a:rPr lang="en-US" altLang="ko-KR" dirty="0"/>
-              <a:t> </a:t>
-            </a:r>
-            <a:r>
-              <a:rPr lang="en-US" altLang="ko-KR" dirty="0" err="1" smtClean="0"/>
-              <a:t>mastav</a:t>
-            </a:r>
-            <a:r>
-              <a:rPr lang="en-US" altLang="ko-KR" dirty="0" smtClean="0"/>
-              <a:t>/</a:t>
-            </a:r>
-            <a:r>
-              <a:rPr lang="en-US" altLang="ko-KR" dirty="0" err="1" smtClean="0"/>
-              <a:t>mydjango_ch10:0.2</a:t>
-            </a:r>
-            <a:endParaRPr lang="en-US" altLang="ko-KR" dirty="0" smtClean="0"/>
-          </a:p>
-          <a:p>
-            <a:r>
-              <a:rPr lang="en-US" altLang="ko-KR" dirty="0" err="1"/>
-              <a:t>docker</a:t>
-            </a:r>
-            <a:r>
-              <a:rPr lang="en-US" altLang="ko-KR" dirty="0"/>
-              <a:t> </a:t>
-            </a:r>
-            <a:r>
-              <a:rPr lang="en-US" altLang="ko-KR" dirty="0" smtClean="0"/>
-              <a:t>push </a:t>
-            </a:r>
-            <a:r>
-              <a:rPr lang="en-US" altLang="ko-KR" dirty="0" err="1" smtClean="0"/>
-              <a:t>mastav</a:t>
-            </a:r>
-            <a:r>
-              <a:rPr lang="en-US" altLang="ko-KR" dirty="0" smtClean="0"/>
-              <a:t>/</a:t>
-            </a:r>
-            <a:r>
-              <a:rPr lang="en-US" altLang="ko-KR" dirty="0" err="1" smtClean="0"/>
-              <a:t>mydjango_ch10</a:t>
-            </a:r>
-            <a:r>
-              <a:rPr lang="en-US" altLang="ko-KR" dirty="0" err="1"/>
-              <a:t>:0.2</a:t>
+              <a:t>echo</a:t>
+            </a:r>
+            <a:r>
+              <a:rPr lang="ko-KR" altLang="en-US" dirty="0" smtClean="0"/>
+              <a:t>에서 </a:t>
             </a:r>
             <a:r>
               <a:rPr lang="en-US" altLang="ko-KR" dirty="0" smtClean="0"/>
@@ -5163,42 +6098,60 @@
               <a:rPr lang="en-US" altLang="ko-KR" dirty="0" smtClean="0"/>
             </a:br>
             <a:r>
+              <a:rPr lang="ko-KR" altLang="en-US" dirty="0" smtClean="0"/>
+              <a:t>워크플로를 확인</a:t>
+            </a:r>
+            <a:endParaRPr lang="en-US" altLang="ko-KR" dirty="0" smtClean="0"/>
+          </a:p>
+          <a:p>
+            <a:r>
+              <a:rPr lang="ko-KR" altLang="en-US" dirty="0" smtClean="0"/>
+              <a:t>실행할 이미지</a:t>
+            </a:r>
+            <a:r>
               <a:rPr lang="en-US" altLang="ko-KR" dirty="0" smtClean="0"/>
-              <a:t/>
-            </a:r>
-            <a:br>
+              <a:t>, </a:t>
+            </a:r>
+            <a:r>
+              <a:rPr lang="ko-KR" altLang="en-US" dirty="0" smtClean="0"/>
+              <a:t>버전</a:t>
+            </a:r>
+            <a:r>
               <a:rPr lang="en-US" altLang="ko-KR" dirty="0" smtClean="0"/>
-            </a:br>
+              <a:t>, </a:t>
+            </a:r>
             <a:r>
               <a:rPr lang="ko-KR" altLang="en-US" dirty="0" smtClean="0"/>
-              <a:t>도커허브에서 성공적으로 업로드된 이미지를 확인할 수 있습니다</a:t>
-            </a:r>
-            <a:r>
-              <a:rPr lang="en-US" altLang="ko-KR" dirty="0" smtClean="0"/>
-              <a:t>.</a:t>
-            </a:r>
-          </a:p>
-          <a:p>
-            <a:r>
-              <a:rPr lang="ko-KR" altLang="en-US" dirty="0" smtClean="0"/>
-              <a:t>같은 방식으로 </a:t>
-            </a:r>
-            <a:r>
-              <a:rPr lang="en-US" altLang="ko-KR" dirty="0" err="1" smtClean="0"/>
-              <a:t>NginX</a:t>
-            </a:r>
-            <a:r>
-              <a:rPr lang="ko-KR" altLang="en-US" dirty="0" smtClean="0"/>
-              <a:t>의 이미지도 생성해서 업로드 해봅시다</a:t>
-            </a:r>
-            <a:r>
-              <a:rPr lang="en-US" altLang="ko-KR" dirty="0" smtClean="0"/>
-              <a:t>./</a:t>
+              <a:t>작업순서 확인</a:t>
             </a:r>
             <a:endParaRPr lang="ko-KR" altLang="en-US" dirty="0"/>
           </a:p>
         </p:txBody>
       </p:sp>
+      <p:pic>
+        <p:nvPicPr>
+          <p:cNvPr id="4" name="Picture 3"/>
+          <p:cNvPicPr>
+            <a:picLocks noChangeAspect="1"/>
+          </p:cNvPicPr>
+          <p:nvPr/>
+        </p:nvPicPr>
+        <p:blipFill>
+          <a:blip r:embed="rId2"/>
+          <a:stretch>
+            <a:fillRect/>
+          </a:stretch>
+        </p:blipFill>
+        <p:spPr>
+          <a:xfrm>
+            <a:off x="6686843" y="1986160"/>
+            <a:ext cx="5031545" cy="4449115"/>
+          </a:xfrm>
+          <a:prstGeom prst="rect">
+            <a:avLst/>
+          </a:prstGeom>
+        </p:spPr>
+      </p:pic>
     </p:spTree>
     <p:extLst>
       <p:ext uri="{BB962C8B-B14F-4D97-AF65-F5344CB8AC3E}">
@@ -5252,8 +6205,12 @@
           <a:lstStyle/>
           <a:p>
             <a:r>
+              <a:rPr lang="en-US" altLang="ko-KR" dirty="0"/>
+              <a:t>CI - </a:t>
+            </a:r>
+            <a:r>
               <a:rPr lang="ko-KR" altLang="en-US" dirty="0" smtClean="0"/>
-              <a:t>디플로이먼트 실습</a:t>
+              <a:t>실습</a:t>
             </a:r>
             <a:endParaRPr lang="ko-KR" altLang="en-US" dirty="0"/>
           </a:p>
@@ -5261,7 +6218,7 @@
       </p:sp>
       <p:sp>
         <p:nvSpPr>
-          <p:cNvPr id="3" name="Content Placeholder 2"/>
+          <p:cNvPr id="5" name="Content Placeholder 4"/>
           <p:cNvSpPr>
             <a:spLocks noGrp="1"/>
           </p:cNvSpPr>
@@ -5274,128 +6231,132 @@
           <a:bodyPr/>
           <a:lstStyle/>
           <a:p>
-            <a:pPr>
-              <a:lnSpc>
-                <a:spcPct val="150000"/>
-              </a:lnSpc>
+            <a:pPr marL="0" indent="0">
+              <a:buNone/>
             </a:pPr>
             <a:r>
+              <a:rPr lang="ko-KR" altLang="en-US" dirty="0" smtClean="0"/>
+              <a:t>해당 경로로 이동하여</a:t>
+            </a:r>
+            <a:r>
+              <a:rPr lang="en-US" altLang="ko-KR" dirty="0" smtClean="0"/>
+              <a:t>, </a:t>
+            </a:r>
+            <a:r>
+              <a:rPr lang="ko-KR" altLang="en-US" dirty="0" smtClean="0"/>
+              <a:t>리포지터리 주소를 복사</a:t>
+            </a:r>
+            <a:r>
+              <a:rPr lang="en-US" altLang="ko-KR" dirty="0" smtClean="0"/>
+              <a:t>, add/commit/push</a:t>
+            </a:r>
+            <a:r>
+              <a:rPr lang="ko-KR" altLang="en-US" dirty="0" smtClean="0"/>
+              <a:t>하면 </a:t>
+            </a:r>
+            <a:r>
+              <a:rPr lang="en-US" altLang="ko-KR" dirty="0"/>
+              <a:t> </a:t>
+            </a:r>
+            <a:r>
+              <a:rPr lang="ko-KR" altLang="en-US" dirty="0" smtClean="0"/>
+              <a:t>성공적으로 배포되는지 확인 가능</a:t>
+            </a:r>
+            <a:endParaRPr lang="en-US" altLang="ko-KR" dirty="0" smtClean="0"/>
+          </a:p>
+          <a:p>
+            <a:endParaRPr lang="en-US" altLang="ko-KR" dirty="0"/>
+          </a:p>
+          <a:p>
+            <a:r>
+              <a:rPr lang="en-US" altLang="ko-KR" dirty="0" smtClean="0"/>
+              <a:t>cd </a:t>
+            </a:r>
+            <a:r>
+              <a:rPr lang="ko-KR" altLang="en-US" dirty="0" smtClean="0"/>
+              <a:t>해당경로</a:t>
+            </a:r>
+            <a:endParaRPr lang="en-US" altLang="ko-KR" dirty="0" smtClean="0"/>
+          </a:p>
+          <a:p>
+            <a:r>
               <a:rPr lang="en-US" altLang="ko-KR" dirty="0" err="1"/>
-              <a:t>d</a:t>
+              <a:t>git</a:t>
+            </a:r>
+            <a:r>
+              <a:rPr lang="en-US" altLang="ko-KR" dirty="0"/>
+              <a:t> </a:t>
             </a:r>
             <a:r>
               <a:rPr lang="en-US" altLang="ko-KR" dirty="0" err="1" smtClean="0"/>
-              <a:t>eploy.yml</a:t>
-            </a:r>
-            <a:r>
-              <a:rPr lang="ko-KR" altLang="en-US" dirty="0" smtClean="0"/>
-              <a:t>파일 생성</a:t>
+              <a:t>init</a:t>
             </a:r>
             <a:endParaRPr lang="en-US" altLang="ko-KR" dirty="0" smtClean="0"/>
           </a:p>
           <a:p>
-            <a:pPr>
-              <a:lnSpc>
-                <a:spcPct val="150000"/>
-              </a:lnSpc>
-            </a:pPr>
             <a:r>
               <a:rPr lang="en-US" altLang="ko-KR" dirty="0" err="1"/>
-              <a:t>k</a:t>
-            </a:r>
+              <a:t>git</a:t>
+            </a:r>
+            <a:r>
+              <a:rPr lang="en-US" altLang="ko-KR" dirty="0"/>
+              <a:t> remote add origin [</a:t>
+            </a:r>
+            <a:r>
+              <a:rPr lang="ko-KR" altLang="en-US" dirty="0"/>
+              <a:t>복사한 리포지토리 주소</a:t>
+            </a:r>
+            <a:r>
+              <a:rPr lang="en-US" altLang="ko-KR" dirty="0" smtClean="0"/>
+              <a:t>]</a:t>
+            </a:r>
+          </a:p>
+          <a:p>
+            <a:r>
+              <a:rPr lang="en-US" altLang="ko-KR" dirty="0" err="1"/>
+              <a:t>git</a:t>
+            </a:r>
+            <a:r>
+              <a:rPr lang="en-US" altLang="ko-KR" dirty="0"/>
+              <a:t> add . </a:t>
+            </a:r>
+            <a:endParaRPr lang="en-US" altLang="ko-KR" dirty="0" smtClean="0"/>
+          </a:p>
+          <a:p>
             <a:r>
               <a:rPr lang="en-US" altLang="ko-KR" dirty="0" err="1" smtClean="0"/>
-              <a:t>ubectl</a:t>
+              <a:t>git</a:t>
             </a:r>
             <a:r>
               <a:rPr lang="en-US" altLang="ko-KR" dirty="0" smtClean="0"/>
-              <a:t> apply –f </a:t>
-            </a:r>
-            <a:r>
-              <a:rPr lang="en-US" altLang="ko-KR" dirty="0" err="1" smtClean="0"/>
-              <a:t>deploy.yml</a:t>
-            </a:r>
-            <a:endParaRPr lang="en-US" altLang="ko-KR" dirty="0" smtClean="0"/>
-          </a:p>
-          <a:p>
-            <a:pPr>
-              <a:lnSpc>
-                <a:spcPct val="150000"/>
-              </a:lnSpc>
-            </a:pPr>
+              <a:t> </a:t>
+            </a:r>
+            <a:r>
+              <a:rPr lang="en-US" altLang="ko-KR" dirty="0"/>
+              <a:t>commit -m "first </a:t>
+            </a:r>
+            <a:r>
+              <a:rPr lang="en-US" altLang="ko-KR" dirty="0" smtClean="0"/>
+              <a:t>commit“</a:t>
+            </a:r>
+          </a:p>
+          <a:p>
             <a:r>
               <a:rPr lang="en-US" altLang="ko-KR" dirty="0" err="1"/>
-              <a:t>kubectl</a:t>
+              <a:t>git</a:t>
             </a:r>
             <a:r>
               <a:rPr lang="en-US" altLang="ko-KR" dirty="0"/>
-              <a:t> get pods</a:t>
+              <a:t> push -u origin main</a:t>
             </a:r>
             <a:endParaRPr lang="ko-KR" altLang="en-US" dirty="0"/>
           </a:p>
         </p:txBody>
       </p:sp>
-      <p:graphicFrame>
-        <p:nvGraphicFramePr>
-          <p:cNvPr id="7" name="Object 6"/>
-          <p:cNvGraphicFramePr>
-            <a:graphicFrameLocks noChangeAspect="1"/>
-          </p:cNvGraphicFramePr>
-          <p:nvPr>
-            <p:extLst>
-              <p:ext uri="{D42A27DB-BD31-4B8C-83A1-F6EECF244321}">
-                <p14:modId xmlns:p14="http://schemas.microsoft.com/office/powerpoint/2010/main" val="2045952556"/>
-              </p:ext>
-            </p:extLst>
-          </p:nvPr>
-        </p:nvGraphicFramePr>
-        <p:xfrm>
-          <a:off x="5181600" y="1674862"/>
-          <a:ext cx="914400" cy="771525"/>
-        </p:xfrm>
-        <a:graphic>
-          <a:graphicData uri="http://schemas.openxmlformats.org/presentationml/2006/ole">
-            <mc:AlternateContent xmlns:mc="http://schemas.openxmlformats.org/markup-compatibility/2006">
-              <mc:Choice xmlns:v="urn:schemas-microsoft-com:vml" Requires="v">
-                <p:oleObj spid="_x0000_s2064" name="워드패드 문서" showAsIcon="1" r:id="rId3" imgW="914400" imgH="771480" progId="WordPad.Document.1">
-                  <p:embed/>
-                </p:oleObj>
-              </mc:Choice>
-              <mc:Fallback>
-                <p:oleObj name="워드패드 문서" showAsIcon="1" r:id="rId3" imgW="914400" imgH="771480" progId="WordPad.Document.1">
-                  <p:embed/>
-                  <p:pic>
-                    <p:nvPicPr>
-                      <p:cNvPr id="0" name=""/>
-                      <p:cNvPicPr/>
-                      <p:nvPr/>
-                    </p:nvPicPr>
-                    <p:blipFill>
-                      <a:blip r:embed="rId4"/>
-                      <a:stretch>
-                        <a:fillRect/>
-                      </a:stretch>
-                    </p:blipFill>
-                    <p:spPr>
-                      <a:xfrm>
-                        <a:off x="5181600" y="1674862"/>
-                        <a:ext cx="914400" cy="771525"/>
-                      </a:xfrm>
-                      <a:prstGeom prst="rect">
-                        <a:avLst/>
-                      </a:prstGeom>
-                    </p:spPr>
-                  </p:pic>
-                </p:oleObj>
-              </mc:Fallback>
-            </mc:AlternateContent>
-          </a:graphicData>
-        </a:graphic>
-      </p:graphicFrame>
     </p:spTree>
     <p:extLst>
       <p:ext uri="{BB962C8B-B14F-4D97-AF65-F5344CB8AC3E}">
-        <p14:creationId xmlns:p14="http://schemas.microsoft.com/office/powerpoint/2010/main" val="2680020883"/>
+        <p14:creationId xmlns:p14="http://schemas.microsoft.com/office/powerpoint/2010/main" val="2217248977"/>
       </p:ext>
     </p:extLst>
   </p:cSld>
@@ -5445,36 +6406,12 @@
           <a:lstStyle/>
           <a:p>
             <a:r>
-              <a:rPr lang="ko-KR" altLang="en-US" dirty="0" smtClean="0"/>
-              <a:t>서비스 실습</a:t>
-            </a:r>
-            <a:endParaRPr lang="ko-KR" altLang="en-US" dirty="0"/>
-          </a:p>
-        </p:txBody>
-      </p:sp>
-      <p:sp>
-        <p:nvSpPr>
-          <p:cNvPr id="3" name="Content Placeholder 2"/>
-          <p:cNvSpPr>
-            <a:spLocks noGrp="1"/>
-          </p:cNvSpPr>
-          <p:nvPr>
-            <p:ph idx="1"/>
-          </p:nvPr>
-        </p:nvSpPr>
-        <p:spPr/>
-        <p:txBody>
-          <a:bodyPr/>
-          <a:lstStyle/>
-          <a:p>
-            <a:pPr>
-              <a:lnSpc>
-                <a:spcPct val="150000"/>
-              </a:lnSpc>
-            </a:pPr>
+              <a:rPr lang="en-US" altLang="ko-KR" dirty="0" smtClean="0"/>
+              <a:t>2.CD – </a:t>
+            </a:r>
             <a:r>
               <a:rPr lang="en-US" altLang="ko-KR" dirty="0" err="1" smtClean="0"/>
-              <a:t>service.yml</a:t>
+              <a:t>ArgoCD</a:t>
             </a:r>
             <a:r>
               <a:rPr lang="en-US" altLang="ko-KR" dirty="0" smtClean="0"/>
@@ -5482,130 +6419,192 @@
             </a:r>
             <a:r>
               <a:rPr lang="ko-KR" altLang="en-US" dirty="0" smtClean="0"/>
-              <a:t>생성</a:t>
+              <a:t>실습</a:t>
+            </a:r>
+            <a:endParaRPr lang="ko-KR" altLang="en-US" dirty="0"/>
+          </a:p>
+        </p:txBody>
+      </p:sp>
+      <p:sp>
+        <p:nvSpPr>
+          <p:cNvPr id="3" name="Content Placeholder 2"/>
+          <p:cNvSpPr>
+            <a:spLocks noGrp="1"/>
+          </p:cNvSpPr>
+          <p:nvPr>
+            <p:ph idx="1"/>
+          </p:nvPr>
+        </p:nvSpPr>
+        <p:spPr/>
+        <p:txBody>
+          <a:bodyPr/>
+          <a:lstStyle/>
+          <a:p>
+            <a:r>
+              <a:rPr lang="ko-KR" altLang="en-US" dirty="0" smtClean="0"/>
+              <a:t>깃허브 액션을 통해 도커이미지를 빌드하고 실행테스트를 진행했지만</a:t>
+            </a:r>
+            <a:r>
+              <a:rPr lang="en-US" altLang="ko-KR" dirty="0" smtClean="0"/>
+              <a:t>, </a:t>
+            </a:r>
+            <a:r>
+              <a:rPr lang="ko-KR" altLang="en-US" dirty="0" smtClean="0"/>
+              <a:t>쿠버네티스를 활용한 애플리케이션 배포는 어려움</a:t>
+            </a:r>
+            <a:r>
+              <a:rPr lang="en-US" altLang="ko-KR" dirty="0" smtClean="0"/>
+              <a:t/>
+            </a:r>
+            <a:br>
+              <a:rPr lang="en-US" altLang="ko-KR" dirty="0" smtClean="0"/>
+            </a:br>
+            <a:r>
+              <a:rPr lang="ko-KR" altLang="en-US" dirty="0" smtClean="0">
+                <a:solidFill>
+                  <a:srgbClr val="C00000"/>
+                </a:solidFill>
+              </a:rPr>
+              <a:t>서비스는 실행되지만 배포까지 연결되지는 않은 단계 </a:t>
+            </a:r>
+            <a:endParaRPr lang="en-US" altLang="ko-KR" dirty="0">
+              <a:solidFill>
+                <a:srgbClr val="C00000"/>
+              </a:solidFill>
+            </a:endParaRPr>
+          </a:p>
+          <a:p>
+            <a:pPr marL="0" indent="0">
+              <a:buNone/>
+            </a:pPr>
+            <a:r>
+              <a:rPr lang="ko-KR" altLang="en-US" dirty="0" smtClean="0"/>
+              <a:t>→ </a:t>
+            </a:r>
+            <a:r>
+              <a:rPr lang="en-US" altLang="ko-KR" dirty="0" err="1" smtClean="0"/>
+              <a:t>ArgoCD</a:t>
+            </a:r>
+            <a:r>
+              <a:rPr lang="ko-KR" altLang="en-US" dirty="0" smtClean="0"/>
+              <a:t>는 쿠버네티스 애플리케이션의 자동 배포를 가능하게 해주는 오픈소스 소프트웨어임</a:t>
             </a:r>
             <a:endParaRPr lang="en-US" altLang="ko-KR" dirty="0" smtClean="0"/>
           </a:p>
           <a:p>
-            <a:pPr>
-              <a:lnSpc>
-                <a:spcPct val="150000"/>
-              </a:lnSpc>
-            </a:pPr>
             <a:r>
               <a:rPr lang="en-US" altLang="ko-KR" dirty="0" err="1" smtClean="0"/>
-              <a:t>kubectl</a:t>
+              <a:t>ArgoCD</a:t>
+            </a:r>
+            <a:r>
+              <a:rPr lang="ko-KR" altLang="en-US" dirty="0" smtClean="0"/>
+              <a:t>를 설치하고 </a:t>
+            </a:r>
+            <a:r>
+              <a:rPr lang="en-US" altLang="ko-KR" dirty="0" err="1" smtClean="0"/>
+              <a:t>ex02</a:t>
+            </a:r>
+            <a:r>
+              <a:rPr lang="ko-KR" altLang="en-US" dirty="0" smtClean="0"/>
+              <a:t>의 </a:t>
+            </a:r>
+            <a:r>
+              <a:rPr lang="en-US" altLang="ko-KR" dirty="0" err="1" smtClean="0"/>
+              <a:t>yaml</a:t>
+            </a:r>
+            <a:r>
+              <a:rPr lang="ko-KR" altLang="en-US" dirty="0" smtClean="0"/>
+              <a:t>을 실행합니다</a:t>
+            </a:r>
+            <a:endParaRPr lang="en-US" altLang="ko-KR" dirty="0" smtClean="0"/>
+          </a:p>
+          <a:p>
+            <a:pPr lvl="1"/>
+            <a:r>
+              <a:rPr lang="it-IT" altLang="ko-KR" dirty="0"/>
+              <a:t> helm repo add argo </a:t>
+            </a:r>
+            <a:r>
+              <a:rPr lang="it-IT" altLang="ko-KR" dirty="0">
+                <a:hlinkClick r:id="rId2"/>
+              </a:rPr>
+              <a:t>https://</a:t>
+            </a:r>
+            <a:r>
+              <a:rPr lang="it-IT" altLang="ko-KR" dirty="0" smtClean="0">
+                <a:hlinkClick r:id="rId2"/>
+              </a:rPr>
+              <a:t>argoproj.github.io/argo-helm</a:t>
+            </a:r>
+            <a:endParaRPr lang="it-IT" altLang="ko-KR" dirty="0" smtClean="0"/>
+          </a:p>
+          <a:p>
+            <a:pPr lvl="1"/>
+            <a:r>
+              <a:rPr lang="en-US" altLang="ko-KR" dirty="0"/>
+              <a:t>helm repo </a:t>
             </a:r>
             <a:r>
               <a:rPr lang="en-US" altLang="ko-KR" dirty="0" smtClean="0"/>
-              <a:t> apply –f </a:t>
+              <a:t>update</a:t>
+            </a:r>
+          </a:p>
+          <a:p>
+            <a:pPr lvl="1"/>
+            <a:r>
+              <a:rPr lang="en-US" altLang="ko-KR" dirty="0"/>
+              <a:t>helm pull </a:t>
             </a:r>
             <a:r>
               <a:rPr lang="en-US" altLang="ko-KR" dirty="0" err="1"/>
-              <a:t>service.yml</a:t>
+              <a:t>argo</a:t>
             </a:r>
             <a:r>
               <a:rPr lang="en-US" altLang="ko-KR" dirty="0"/>
-              <a:t> </a:t>
+              <a:t>/</a:t>
+            </a:r>
+            <a:r>
+              <a:rPr lang="en-US" altLang="ko-KR" dirty="0" err="1"/>
+              <a:t>argo</a:t>
+            </a:r>
+            <a:r>
+              <a:rPr lang="en-US" altLang="ko-KR" dirty="0"/>
+              <a:t>-cd</a:t>
+            </a:r>
+            <a:endParaRPr lang="it-IT" altLang="ko-KR" dirty="0" smtClean="0"/>
+          </a:p>
+          <a:p>
+            <a:pPr lvl="1"/>
+            <a:r>
+              <a:rPr lang="en-US" altLang="ko-KR" dirty="0"/>
+              <a:t>t</a:t>
+            </a:r>
+            <a:r>
+              <a:rPr lang="en-US" altLang="ko-KR" dirty="0" smtClean="0"/>
+              <a:t>ar </a:t>
+            </a:r>
+            <a:r>
+              <a:rPr lang="en-US" altLang="ko-KR" dirty="0" err="1" smtClean="0"/>
+              <a:t>xvfz</a:t>
+            </a:r>
+            <a:r>
+              <a:rPr lang="en-US" altLang="ko-KR" dirty="0"/>
+              <a:t> argo-cd-7.7.5.tgz </a:t>
             </a:r>
             <a:endParaRPr lang="en-US" altLang="ko-KR" dirty="0" smtClean="0"/>
           </a:p>
-          <a:p>
-            <a:pPr>
-              <a:lnSpc>
-                <a:spcPct val="150000"/>
-              </a:lnSpc>
-            </a:pPr>
-            <a:r>
-              <a:rPr lang="en-US" altLang="ko-KR" dirty="0" err="1"/>
-              <a:t>kubectl</a:t>
-            </a:r>
-            <a:r>
-              <a:rPr lang="en-US" altLang="ko-KR" dirty="0"/>
-              <a:t> get </a:t>
-            </a:r>
-            <a:r>
-              <a:rPr lang="en-US" altLang="ko-KR" dirty="0" err="1" smtClean="0"/>
-              <a:t>pods,svc</a:t>
-            </a:r>
-            <a:endParaRPr lang="ko-KR" altLang="en-US" dirty="0"/>
-          </a:p>
-        </p:txBody>
-      </p:sp>
-      <p:graphicFrame>
-        <p:nvGraphicFramePr>
-          <p:cNvPr id="7" name="Object 6"/>
-          <p:cNvGraphicFramePr>
-            <a:graphicFrameLocks noChangeAspect="1"/>
-          </p:cNvGraphicFramePr>
-          <p:nvPr>
-            <p:extLst>
-              <p:ext uri="{D42A27DB-BD31-4B8C-83A1-F6EECF244321}">
-                <p14:modId xmlns:p14="http://schemas.microsoft.com/office/powerpoint/2010/main" val="3343778194"/>
-              </p:ext>
-            </p:extLst>
-          </p:nvPr>
-        </p:nvGraphicFramePr>
-        <p:xfrm>
-          <a:off x="5181600" y="1674862"/>
-          <a:ext cx="914400" cy="771525"/>
-        </p:xfrm>
-        <a:graphic>
-          <a:graphicData uri="http://schemas.openxmlformats.org/presentationml/2006/ole">
-            <mc:AlternateContent xmlns:mc="http://schemas.openxmlformats.org/markup-compatibility/2006">
-              <mc:Choice xmlns:v="urn:schemas-microsoft-com:vml" Requires="v">
-                <p:oleObj spid="_x0000_s3087" name="워드패드 문서" showAsIcon="1" r:id="rId3" imgW="914400" imgH="771480" progId="WordPad.Document.1">
-                  <p:embed/>
-                </p:oleObj>
-              </mc:Choice>
-              <mc:Fallback>
-                <p:oleObj name="워드패드 문서" showAsIcon="1" r:id="rId3" imgW="914400" imgH="771480" progId="WordPad.Document.1">
-                  <p:embed/>
-                  <p:pic>
-                    <p:nvPicPr>
-                      <p:cNvPr id="0" name=""/>
-                      <p:cNvPicPr/>
-                      <p:nvPr/>
-                    </p:nvPicPr>
-                    <p:blipFill>
-                      <a:blip r:embed="rId4"/>
-                      <a:stretch>
-                        <a:fillRect/>
-                      </a:stretch>
-                    </p:blipFill>
-                    <p:spPr>
-                      <a:xfrm>
-                        <a:off x="5181600" y="1674862"/>
-                        <a:ext cx="914400" cy="771525"/>
-                      </a:xfrm>
-                      <a:prstGeom prst="rect">
-                        <a:avLst/>
-                      </a:prstGeom>
-                    </p:spPr>
-                  </p:pic>
-                </p:oleObj>
-              </mc:Fallback>
-            </mc:AlternateContent>
-          </a:graphicData>
-        </a:graphic>
-      </p:graphicFrame>
+        </p:txBody>
+      </p:sp>
     </p:spTree>
     <p:extLst>
       <p:ext uri="{BB962C8B-B14F-4D97-AF65-F5344CB8AC3E}">
-        <p14:creationId xmlns:p14="http://schemas.microsoft.com/office/powerpoint/2010/main" val="2672358403"/>
+        <p14:creationId xmlns:p14="http://schemas.microsoft.com/office/powerpoint/2010/main" val="1416304609"/>
       </p:ext>
     </p:extLst>
   </p:cSld>
   <p:clrMapOvr>
     <a:masterClrMapping/>
   </p:clrMapOvr>
-  <p:timing>
-    <p:tnLst>
-      <p:par>
-        <p:cTn id="1" dur="indefinite" restart="never" nodeType="tmRoot"/>
-      </p:par>
-    </p:tnLst>
-  </p:timing>
 </p:sld>
 </file>
 
@@ -5643,39 +6642,11 @@
           <a:p>
             <a:r>
               <a:rPr lang="en-US" altLang="ko-KR" dirty="0" smtClean="0"/>
-              <a:t>Ingress </a:t>
-            </a:r>
-            <a:r>
-              <a:rPr lang="ko-KR" altLang="en-US" dirty="0" smtClean="0"/>
-              <a:t>설정</a:t>
-            </a:r>
-            <a:endParaRPr lang="ko-KR" altLang="en-US" dirty="0"/>
-          </a:p>
-        </p:txBody>
-      </p:sp>
-      <p:sp>
-        <p:nvSpPr>
-          <p:cNvPr id="3" name="Content Placeholder 2"/>
-          <p:cNvSpPr>
-            <a:spLocks noGrp="1"/>
-          </p:cNvSpPr>
-          <p:nvPr>
-            <p:ph idx="1"/>
-          </p:nvPr>
-        </p:nvSpPr>
-        <p:spPr/>
-        <p:txBody>
-          <a:bodyPr/>
-          <a:lstStyle/>
-          <a:p>
-            <a:pPr>
-              <a:lnSpc>
-                <a:spcPct val="150000"/>
-              </a:lnSpc>
-            </a:pPr>
+              <a:t>2.CD – </a:t>
+            </a:r>
             <a:r>
               <a:rPr lang="en-US" altLang="ko-KR" dirty="0" err="1" smtClean="0"/>
-              <a:t>ingress.yml</a:t>
+              <a:t>ArgoCD</a:t>
             </a:r>
             <a:r>
               <a:rPr lang="en-US" altLang="ko-KR" dirty="0" smtClean="0"/>
@@ -5683,154 +6654,273 @@
             </a:r>
             <a:r>
               <a:rPr lang="ko-KR" altLang="en-US" dirty="0" smtClean="0"/>
-              <a:t>생성</a:t>
-            </a:r>
+              <a:t>실습</a:t>
+            </a:r>
+            <a:endParaRPr lang="ko-KR" altLang="en-US" dirty="0"/>
+          </a:p>
+        </p:txBody>
+      </p:sp>
+      <p:sp>
+        <p:nvSpPr>
+          <p:cNvPr id="3" name="Content Placeholder 2"/>
+          <p:cNvSpPr>
+            <a:spLocks noGrp="1"/>
+          </p:cNvSpPr>
+          <p:nvPr>
+            <p:ph idx="1"/>
+          </p:nvPr>
+        </p:nvSpPr>
+        <p:spPr/>
+        <p:txBody>
+          <a:bodyPr/>
+          <a:lstStyle/>
+          <a:p>
+            <a:r>
+              <a:rPr lang="en-US" altLang="ko-KR" dirty="0" smtClean="0"/>
+              <a:t>Namespace</a:t>
+            </a:r>
+            <a:r>
+              <a:rPr lang="ko-KR" altLang="en-US" dirty="0" smtClean="0"/>
+              <a:t>를 만들고 </a:t>
+            </a:r>
+            <a:r>
+              <a:rPr lang="en-US" altLang="ko-KR" dirty="0" err="1" smtClean="0"/>
+              <a:t>values.yaml</a:t>
+            </a:r>
+            <a:r>
+              <a:rPr lang="ko-KR" altLang="en-US" dirty="0" smtClean="0"/>
+              <a:t>을 인스톨 합니다</a:t>
+            </a:r>
+            <a:r>
+              <a:rPr lang="en-US" altLang="ko-KR" dirty="0" smtClean="0"/>
+              <a:t>.</a:t>
+            </a:r>
+            <a:br>
+              <a:rPr lang="en-US" altLang="ko-KR" dirty="0" smtClean="0"/>
+            </a:br>
             <a:endParaRPr lang="en-US" altLang="ko-KR" dirty="0" smtClean="0"/>
           </a:p>
           <a:p>
-            <a:pPr>
-              <a:lnSpc>
-                <a:spcPct val="150000"/>
-              </a:lnSpc>
-            </a:pPr>
+            <a:pPr lvl="1"/>
+            <a:r>
+              <a:rPr lang="en-US" altLang="ko-KR" dirty="0" smtClean="0"/>
+              <a:t>cd </a:t>
+            </a:r>
+            <a:r>
+              <a:rPr lang="en-US" altLang="ko-KR" dirty="0" err="1" smtClean="0"/>
+              <a:t>argo</a:t>
+            </a:r>
+            <a:r>
+              <a:rPr lang="en-US" altLang="ko-KR" dirty="0" smtClean="0"/>
+              <a:t>-cd</a:t>
+            </a:r>
+          </a:p>
+          <a:p>
+            <a:pPr lvl="1"/>
             <a:r>
               <a:rPr lang="en-US" altLang="ko-KR" dirty="0" err="1"/>
-              <a:t>k</a:t>
+              <a:t>kubectl</a:t>
+            </a:r>
+            <a:r>
+              <a:rPr lang="en-US" altLang="ko-KR" dirty="0"/>
+              <a:t> create namespace </a:t>
             </a:r>
             <a:r>
               <a:rPr lang="en-US" altLang="ko-KR" dirty="0" err="1" smtClean="0"/>
-              <a:t>ubectl</a:t>
-            </a:r>
+              <a:t>myargocd</a:t>
+            </a:r>
+            <a:endParaRPr lang="en-US" altLang="ko-KR" dirty="0" smtClean="0"/>
+          </a:p>
+          <a:p>
+            <a:pPr lvl="1"/>
+            <a:r>
+              <a:rPr lang="en-US" altLang="ko-KR" dirty="0"/>
+              <a:t>helm install --namespace </a:t>
+            </a:r>
+            <a:r>
+              <a:rPr lang="en-US" altLang="ko-KR" dirty="0" err="1"/>
+              <a:t>myargocd</a:t>
+            </a:r>
+            <a:r>
+              <a:rPr lang="en-US" altLang="ko-KR" dirty="0"/>
+              <a:t> --generate-name </a:t>
+            </a:r>
+            <a:r>
+              <a:rPr lang="en-US" altLang="ko-KR" dirty="0" err="1"/>
+              <a:t>argo</a:t>
+            </a:r>
+            <a:r>
+              <a:rPr lang="en-US" altLang="ko-KR" dirty="0"/>
+              <a:t>/</a:t>
+            </a:r>
+            <a:r>
+              <a:rPr lang="en-US" altLang="ko-KR" dirty="0" err="1"/>
+              <a:t>argo</a:t>
+            </a:r>
+            <a:r>
+              <a:rPr lang="en-US" altLang="ko-KR" dirty="0"/>
+              <a:t>-cd -f </a:t>
+            </a:r>
+            <a:r>
+              <a:rPr lang="en-US" altLang="ko-KR" dirty="0" err="1" smtClean="0"/>
+              <a:t>values.yaml</a:t>
+            </a:r>
+            <a:endParaRPr lang="en-US" altLang="ko-KR" dirty="0" smtClean="0"/>
+          </a:p>
+          <a:p>
+            <a:pPr lvl="1"/>
             <a:r>
               <a:rPr lang="en-US" altLang="ko-KR" dirty="0" smtClean="0"/>
-              <a:t> apply –f </a:t>
-            </a:r>
+              <a:t>#</a:t>
+            </a:r>
+            <a:r>
+              <a:rPr lang="ko-KR" altLang="en-US" dirty="0" smtClean="0"/>
+              <a:t>확인</a:t>
+            </a:r>
+            <a:endParaRPr lang="en-US" altLang="ko-KR" dirty="0" smtClean="0"/>
+          </a:p>
+          <a:p>
+            <a:pPr lvl="1"/>
             <a:r>
               <a:rPr lang="en-US" altLang="ko-KR" dirty="0" err="1"/>
-              <a:t>ingress.yml</a:t>
+              <a:t>kubectl</a:t>
             </a:r>
             <a:r>
               <a:rPr lang="en-US" altLang="ko-KR" dirty="0"/>
-              <a:t> </a:t>
-            </a:r>
+              <a:t> get all --namespace </a:t>
+            </a:r>
+            <a:r>
+              <a:rPr lang="en-US" altLang="ko-KR" dirty="0" err="1" smtClean="0"/>
+              <a:t>myargocd</a:t>
+            </a:r>
+            <a:r>
+              <a:rPr lang="en-US" altLang="ko-KR" dirty="0"/>
+              <a:t/>
+            </a:r>
+            <a:br>
+              <a:rPr lang="en-US" altLang="ko-KR" dirty="0"/>
+            </a:br>
             <a:endParaRPr lang="en-US" altLang="ko-KR" dirty="0" smtClean="0"/>
           </a:p>
-          <a:p>
-            <a:pPr>
-              <a:lnSpc>
-                <a:spcPct val="150000"/>
-              </a:lnSpc>
-            </a:pPr>
+        </p:txBody>
+      </p:sp>
+      <p:pic>
+        <p:nvPicPr>
+          <p:cNvPr id="5" name="Picture 4"/>
+          <p:cNvPicPr>
+            <a:picLocks noChangeAspect="1"/>
+          </p:cNvPicPr>
+          <p:nvPr/>
+        </p:nvPicPr>
+        <p:blipFill>
+          <a:blip r:embed="rId2"/>
+          <a:stretch>
+            <a:fillRect/>
+          </a:stretch>
+        </p:blipFill>
+        <p:spPr>
+          <a:xfrm>
+            <a:off x="1548250" y="4836432"/>
+            <a:ext cx="8444577" cy="989005"/>
+          </a:xfrm>
+          <a:prstGeom prst="rect">
+            <a:avLst/>
+          </a:prstGeom>
+        </p:spPr>
+      </p:pic>
+      <p:sp>
+        <p:nvSpPr>
+          <p:cNvPr id="6" name="Rectangle 5"/>
+          <p:cNvSpPr/>
+          <p:nvPr/>
+        </p:nvSpPr>
+        <p:spPr>
+          <a:xfrm>
+            <a:off x="8446576" y="5300420"/>
+            <a:ext cx="1627322" cy="666427"/>
+          </a:xfrm>
+          <a:prstGeom prst="rect">
+            <a:avLst/>
+          </a:prstGeom>
+          <a:noFill/>
+          <a:ln w="57150">
+            <a:solidFill>
+              <a:srgbClr val="C00000"/>
+            </a:solidFill>
+          </a:ln>
+        </p:spPr>
+        <p:style>
+          <a:lnRef idx="2">
+            <a:schemeClr val="accent1">
+              <a:shade val="50000"/>
+            </a:schemeClr>
+          </a:lnRef>
+          <a:fillRef idx="1">
+            <a:schemeClr val="accent1"/>
+          </a:fillRef>
+          <a:effectRef idx="0">
+            <a:schemeClr val="accent1"/>
+          </a:effectRef>
+          <a:fontRef idx="minor">
+            <a:schemeClr val="lt1"/>
+          </a:fontRef>
+        </p:style>
+        <p:txBody>
+          <a:bodyPr rtlCol="0" anchor="ctr"/>
+          <a:lstStyle/>
+          <a:p>
+            <a:pPr algn="ctr"/>
+            <a:endParaRPr lang="ko-KR" altLang="en-US"/>
+          </a:p>
+        </p:txBody>
+      </p:sp>
+      <p:sp>
+        <p:nvSpPr>
+          <p:cNvPr id="7" name="Rectangle 6"/>
+          <p:cNvSpPr/>
+          <p:nvPr/>
+        </p:nvSpPr>
+        <p:spPr>
+          <a:xfrm>
+            <a:off x="5603936" y="6091187"/>
+            <a:ext cx="6011454" cy="369332"/>
+          </a:xfrm>
+          <a:prstGeom prst="rect">
+            <a:avLst/>
+          </a:prstGeom>
+        </p:spPr>
+        <p:txBody>
+          <a:bodyPr wrap="none">
+            <a:spAutoFit/>
+          </a:bodyPr>
+          <a:lstStyle/>
+          <a:p>
+            <a:r>
+              <a:rPr lang="ko-KR" altLang="en-US" dirty="0" smtClean="0"/>
+              <a:t>외부에서 접속하려면 </a:t>
+            </a:r>
             <a:r>
               <a:rPr lang="en-US" altLang="ko-KR" dirty="0" err="1" smtClean="0"/>
-              <a:t>kubectl</a:t>
-            </a:r>
-            <a:r>
-              <a:rPr lang="en-US" altLang="ko-KR" dirty="0" smtClean="0"/>
-              <a:t> </a:t>
-            </a:r>
-            <a:r>
-              <a:rPr lang="en-US" altLang="ko-KR" dirty="0"/>
-              <a:t>get </a:t>
-            </a:r>
-            <a:r>
-              <a:rPr lang="en-US" altLang="ko-KR" dirty="0" err="1" smtClean="0"/>
-              <a:t>pods,svc,ingress</a:t>
-            </a:r>
-            <a:endParaRPr lang="en-US" altLang="ko-KR" dirty="0" smtClean="0"/>
-          </a:p>
-          <a:p>
-            <a:pPr>
-              <a:lnSpc>
-                <a:spcPct val="150000"/>
-              </a:lnSpc>
-            </a:pPr>
-            <a:r>
-              <a:rPr lang="en-US" altLang="ko-KR" dirty="0" err="1" smtClean="0"/>
-              <a:t>Kubectl</a:t>
-            </a:r>
-            <a:r>
-              <a:rPr lang="en-US" altLang="ko-KR" dirty="0" smtClean="0"/>
-              <a:t> exec –it pod/deploy-Django- /bin/bash</a:t>
+              <a:t>loadbalancer</a:t>
+            </a:r>
+            <a:r>
+              <a:rPr lang="ko-KR" altLang="en-US" dirty="0" smtClean="0"/>
+              <a:t>타입으로 변경합니다</a:t>
             </a:r>
             <a:endParaRPr lang="ko-KR" altLang="en-US" dirty="0"/>
           </a:p>
         </p:txBody>
       </p:sp>
-      <p:graphicFrame>
-        <p:nvGraphicFramePr>
-          <p:cNvPr id="7" name="Object 6"/>
-          <p:cNvGraphicFramePr>
-            <a:graphicFrameLocks noChangeAspect="1"/>
-          </p:cNvGraphicFramePr>
-          <p:nvPr>
-            <p:extLst>
-              <p:ext uri="{D42A27DB-BD31-4B8C-83A1-F6EECF244321}">
-                <p14:modId xmlns:p14="http://schemas.microsoft.com/office/powerpoint/2010/main" val="2118180137"/>
-              </p:ext>
-            </p:extLst>
-          </p:nvPr>
-        </p:nvGraphicFramePr>
-        <p:xfrm>
-          <a:off x="5181600" y="1674862"/>
-          <a:ext cx="914400" cy="771525"/>
-        </p:xfrm>
-        <a:graphic>
-          <a:graphicData uri="http://schemas.openxmlformats.org/presentationml/2006/ole">
-            <mc:AlternateContent xmlns:mc="http://schemas.openxmlformats.org/markup-compatibility/2006">
-              <mc:Choice xmlns:v="urn:schemas-microsoft-com:vml" Requires="v">
-                <p:oleObj spid="_x0000_s4109" name="워드패드 문서" showAsIcon="1" r:id="rId3" imgW="914400" imgH="771480" progId="WordPad.Document.1">
-                  <p:embed/>
-                </p:oleObj>
-              </mc:Choice>
-              <mc:Fallback>
-                <p:oleObj name="워드패드 문서" showAsIcon="1" r:id="rId3" imgW="914400" imgH="771480" progId="WordPad.Document.1">
-                  <p:embed/>
-                  <p:pic>
-                    <p:nvPicPr>
-                      <p:cNvPr id="0" name=""/>
-                      <p:cNvPicPr/>
-                      <p:nvPr/>
-                    </p:nvPicPr>
-                    <p:blipFill>
-                      <a:blip r:embed="rId4"/>
-                      <a:stretch>
-                        <a:fillRect/>
-                      </a:stretch>
-                    </p:blipFill>
-                    <p:spPr>
-                      <a:xfrm>
-                        <a:off x="5181600" y="1674862"/>
-                        <a:ext cx="914400" cy="771525"/>
-                      </a:xfrm>
-                      <a:prstGeom prst="rect">
-                        <a:avLst/>
-                      </a:prstGeom>
-                    </p:spPr>
-                  </p:pic>
-                </p:oleObj>
-              </mc:Fallback>
-            </mc:AlternateContent>
-          </a:graphicData>
-        </a:graphic>
-      </p:graphicFrame>
     </p:spTree>
     <p:extLst>
       <p:ext uri="{BB962C8B-B14F-4D97-AF65-F5344CB8AC3E}">
-        <p14:creationId xmlns:p14="http://schemas.microsoft.com/office/powerpoint/2010/main" val="3372877517"/>
+        <p14:creationId xmlns:p14="http://schemas.microsoft.com/office/powerpoint/2010/main" val="1281009738"/>
       </p:ext>
     </p:extLst>
   </p:cSld>
   <p:clrMapOvr>
     <a:masterClrMapping/>
   </p:clrMapOvr>
-  <p:timing>
-    <p:tnLst>
-      <p:par>
-        <p:cTn id="1" dur="indefinite" restart="never" nodeType="tmRoot"/>
-      </p:par>
-    </p:tnLst>
-  </p:timing>
 </p:sld>
 </file>
 

--- a/source/도커심화_한권으로_배우는_도커_&_쿠버네티스/ch11_깃허브 액션과 ArgoCD를 활용한 CICD.pptx
+++ b/source/도커심화_한권으로_배우는_도커_&_쿠버네티스/ch11_깃허브 액션과 ArgoCD를 활용한 CICD.pptx
@@ -5,7 +5,7 @@
     <p:sldMasterId id="2147483648" r:id="rId1"/>
   </p:sldMasterIdLst>
   <p:notesMasterIdLst>
-    <p:notesMasterId r:id="rId12"/>
+    <p:notesMasterId r:id="rId24"/>
   </p:notesMasterIdLst>
   <p:sldIdLst>
     <p:sldId id="256" r:id="rId2"/>
@@ -18,6 +18,18 @@
     <p:sldId id="267" r:id="rId9"/>
     <p:sldId id="268" r:id="rId10"/>
     <p:sldId id="269" r:id="rId11"/>
+    <p:sldId id="270" r:id="rId12"/>
+    <p:sldId id="271" r:id="rId13"/>
+    <p:sldId id="272" r:id="rId14"/>
+    <p:sldId id="273" r:id="rId15"/>
+    <p:sldId id="274" r:id="rId16"/>
+    <p:sldId id="275" r:id="rId17"/>
+    <p:sldId id="276" r:id="rId18"/>
+    <p:sldId id="277" r:id="rId19"/>
+    <p:sldId id="278" r:id="rId20"/>
+    <p:sldId id="279" r:id="rId21"/>
+    <p:sldId id="280" r:id="rId22"/>
+    <p:sldId id="281" r:id="rId23"/>
   </p:sldIdLst>
   <p:sldSz cx="12192000" cy="6858000"/>
   <p:notesSz cx="6858000" cy="9144000"/>
@@ -217,7 +229,7 @@
           <a:p>
             <a:fld id="{289F927B-D436-4FC1-B81A-67BDF5029F0D}" type="datetimeFigureOut">
               <a:rPr lang="ko-KR" altLang="en-US" smtClean="0"/>
-              <a:t>2024-11-27</a:t>
+              <a:t>2024-11-28</a:t>
             </a:fld>
             <a:endParaRPr lang="ko-KR" altLang="en-US"/>
           </a:p>
@@ -737,6 +749,90 @@
 </p:notes>
 </file>
 
+<file path=ppt/notesSlides/notesSlide4.xml><?xml version="1.0" encoding="utf-8"?>
+<p:notes xmlns:a="http://schemas.openxmlformats.org/drawingml/2006/main" xmlns:r="http://schemas.openxmlformats.org/officeDocument/2006/relationships" xmlns:p="http://schemas.openxmlformats.org/presentationml/2006/main">
+  <p:cSld>
+    <p:spTree>
+      <p:nvGrpSpPr>
+        <p:cNvPr id="1" name=""/>
+        <p:cNvGrpSpPr/>
+        <p:nvPr/>
+      </p:nvGrpSpPr>
+      <p:grpSpPr>
+        <a:xfrm>
+          <a:off x="0" y="0"/>
+          <a:ext cx="0" cy="0"/>
+          <a:chOff x="0" y="0"/>
+          <a:chExt cx="0" cy="0"/>
+        </a:xfrm>
+      </p:grpSpPr>
+      <p:sp>
+        <p:nvSpPr>
+          <p:cNvPr id="2" name="Slide Image Placeholder 1"/>
+          <p:cNvSpPr>
+            <a:spLocks noGrp="1" noRot="1" noChangeAspect="1"/>
+          </p:cNvSpPr>
+          <p:nvPr>
+            <p:ph type="sldImg"/>
+          </p:nvPr>
+        </p:nvSpPr>
+        <p:spPr/>
+      </p:sp>
+      <p:sp>
+        <p:nvSpPr>
+          <p:cNvPr id="3" name="Notes Placeholder 2"/>
+          <p:cNvSpPr>
+            <a:spLocks noGrp="1"/>
+          </p:cNvSpPr>
+          <p:nvPr>
+            <p:ph type="body" idx="1"/>
+          </p:nvPr>
+        </p:nvSpPr>
+        <p:spPr/>
+        <p:txBody>
+          <a:bodyPr/>
+          <a:lstStyle/>
+          <a:p>
+            <a:endParaRPr lang="ko-KR" altLang="en-US" dirty="0"/>
+          </a:p>
+        </p:txBody>
+      </p:sp>
+      <p:sp>
+        <p:nvSpPr>
+          <p:cNvPr id="4" name="Slide Number Placeholder 3"/>
+          <p:cNvSpPr>
+            <a:spLocks noGrp="1"/>
+          </p:cNvSpPr>
+          <p:nvPr>
+            <p:ph type="sldNum" sz="quarter" idx="10"/>
+          </p:nvPr>
+        </p:nvSpPr>
+        <p:spPr/>
+        <p:txBody>
+          <a:bodyPr/>
+          <a:lstStyle/>
+          <a:p>
+            <a:fld id="{81C63009-2860-489F-9F1F-D0242D90D8F7}" type="slidenum">
+              <a:rPr lang="ko-KR" altLang="en-US" smtClean="0"/>
+              <a:t>12</a:t>
+            </a:fld>
+            <a:endParaRPr lang="ko-KR" altLang="en-US"/>
+          </a:p>
+        </p:txBody>
+      </p:sp>
+    </p:spTree>
+    <p:extLst>
+      <p:ext uri="{BB962C8B-B14F-4D97-AF65-F5344CB8AC3E}">
+        <p14:creationId xmlns:p14="http://schemas.microsoft.com/office/powerpoint/2010/main" val="489120348"/>
+      </p:ext>
+    </p:extLst>
+  </p:cSld>
+  <p:clrMapOvr>
+    <a:masterClrMapping/>
+  </p:clrMapOvr>
+</p:notes>
+</file>
+
 <file path=ppt/slideLayouts/slideLayout1.xml><?xml version="1.0" encoding="utf-8"?>
 <p:sldLayout xmlns:a="http://schemas.openxmlformats.org/drawingml/2006/main" xmlns:r="http://schemas.openxmlformats.org/officeDocument/2006/relationships" xmlns:p="http://schemas.openxmlformats.org/presentationml/2006/main" type="title" preserve="1">
   <p:cSld name="Title Slide">
@@ -868,7 +964,7 @@
           <a:p>
             <a:fld id="{13035935-73D9-4FD2-A983-329B58F0F719}" type="datetimeFigureOut">
               <a:rPr lang="ko-KR" altLang="en-US" smtClean="0"/>
-              <a:t>2024-11-27</a:t>
+              <a:t>2024-11-28</a:t>
             </a:fld>
             <a:endParaRPr lang="ko-KR" altLang="en-US"/>
           </a:p>
@@ -1038,7 +1134,7 @@
           <a:p>
             <a:fld id="{13035935-73D9-4FD2-A983-329B58F0F719}" type="datetimeFigureOut">
               <a:rPr lang="ko-KR" altLang="en-US" smtClean="0"/>
-              <a:t>2024-11-27</a:t>
+              <a:t>2024-11-28</a:t>
             </a:fld>
             <a:endParaRPr lang="ko-KR" altLang="en-US"/>
           </a:p>
@@ -1218,7 +1314,7 @@
           <a:p>
             <a:fld id="{13035935-73D9-4FD2-A983-329B58F0F719}" type="datetimeFigureOut">
               <a:rPr lang="ko-KR" altLang="en-US" smtClean="0"/>
-              <a:t>2024-11-27</a:t>
+              <a:t>2024-11-28</a:t>
             </a:fld>
             <a:endParaRPr lang="ko-KR" altLang="en-US"/>
           </a:p>
@@ -1513,7 +1609,7 @@
           <a:p>
             <a:fld id="{13035935-73D9-4FD2-A983-329B58F0F719}" type="datetimeFigureOut">
               <a:rPr lang="ko-KR" altLang="en-US" smtClean="0"/>
-              <a:t>2024-11-27</a:t>
+              <a:t>2024-11-28</a:t>
             </a:fld>
             <a:endParaRPr lang="ko-KR" altLang="en-US"/>
           </a:p>
@@ -1759,7 +1855,7 @@
           <a:p>
             <a:fld id="{13035935-73D9-4FD2-A983-329B58F0F719}" type="datetimeFigureOut">
               <a:rPr lang="ko-KR" altLang="en-US" smtClean="0"/>
-              <a:t>2024-11-27</a:t>
+              <a:t>2024-11-28</a:t>
             </a:fld>
             <a:endParaRPr lang="ko-KR" altLang="en-US"/>
           </a:p>
@@ -1991,7 +2087,7 @@
           <a:p>
             <a:fld id="{13035935-73D9-4FD2-A983-329B58F0F719}" type="datetimeFigureOut">
               <a:rPr lang="ko-KR" altLang="en-US" smtClean="0"/>
-              <a:t>2024-11-27</a:t>
+              <a:t>2024-11-28</a:t>
             </a:fld>
             <a:endParaRPr lang="ko-KR" altLang="en-US"/>
           </a:p>
@@ -2358,7 +2454,7 @@
           <a:p>
             <a:fld id="{13035935-73D9-4FD2-A983-329B58F0F719}" type="datetimeFigureOut">
               <a:rPr lang="ko-KR" altLang="en-US" smtClean="0"/>
-              <a:t>2024-11-27</a:t>
+              <a:t>2024-11-28</a:t>
             </a:fld>
             <a:endParaRPr lang="ko-KR" altLang="en-US"/>
           </a:p>
@@ -2476,7 +2572,7 @@
           <a:p>
             <a:fld id="{13035935-73D9-4FD2-A983-329B58F0F719}" type="datetimeFigureOut">
               <a:rPr lang="ko-KR" altLang="en-US" smtClean="0"/>
-              <a:t>2024-11-27</a:t>
+              <a:t>2024-11-28</a:t>
             </a:fld>
             <a:endParaRPr lang="ko-KR" altLang="en-US"/>
           </a:p>
@@ -2571,7 +2667,7 @@
           <a:p>
             <a:fld id="{13035935-73D9-4FD2-A983-329B58F0F719}" type="datetimeFigureOut">
               <a:rPr lang="ko-KR" altLang="en-US" smtClean="0"/>
-              <a:t>2024-11-27</a:t>
+              <a:t>2024-11-28</a:t>
             </a:fld>
             <a:endParaRPr lang="ko-KR" altLang="en-US"/>
           </a:p>
@@ -2848,7 +2944,7 @@
           <a:p>
             <a:fld id="{13035935-73D9-4FD2-A983-329B58F0F719}" type="datetimeFigureOut">
               <a:rPr lang="ko-KR" altLang="en-US" smtClean="0"/>
-              <a:t>2024-11-27</a:t>
+              <a:t>2024-11-28</a:t>
             </a:fld>
             <a:endParaRPr lang="ko-KR" altLang="en-US"/>
           </a:p>
@@ -3101,7 +3197,7 @@
           <a:p>
             <a:fld id="{13035935-73D9-4FD2-A983-329B58F0F719}" type="datetimeFigureOut">
               <a:rPr lang="ko-KR" altLang="en-US" smtClean="0"/>
-              <a:t>2024-11-27</a:t>
+              <a:t>2024-11-28</a:t>
             </a:fld>
             <a:endParaRPr lang="ko-KR" altLang="en-US"/>
           </a:p>
@@ -3314,7 +3410,7 @@
           <a:p>
             <a:fld id="{13035935-73D9-4FD2-A983-329B58F0F719}" type="datetimeFigureOut">
               <a:rPr lang="ko-KR" altLang="en-US" smtClean="0"/>
-              <a:t>2024-11-27</a:t>
+              <a:t>2024-11-28</a:t>
             </a:fld>
             <a:endParaRPr lang="ko-KR" altLang="en-US"/>
           </a:p>
@@ -4331,7 +4427,7 @@
         </p:blipFill>
         <p:spPr>
           <a:xfrm>
-            <a:off x="1548250" y="4836432"/>
+            <a:off x="1286660" y="3882843"/>
             <a:ext cx="8444577" cy="989005"/>
           </a:xfrm>
           <a:prstGeom prst="rect">
@@ -4347,7 +4443,7 @@
         </p:nvSpPr>
         <p:spPr>
           <a:xfrm>
-            <a:off x="8446576" y="5300420"/>
+            <a:off x="8184986" y="4346831"/>
             <a:ext cx="1627322" cy="666427"/>
           </a:xfrm>
           <a:prstGeom prst="rect">
@@ -4393,7 +4489,7 @@
         </p:nvSpPr>
         <p:spPr>
           <a:xfrm>
-            <a:off x="5603936" y="6091187"/>
+            <a:off x="5342346" y="5137598"/>
             <a:ext cx="6011454" cy="369332"/>
           </a:xfrm>
           <a:prstGeom prst="rect">
@@ -4432,6 +4528,3857 @@
   <p:clrMapOvr>
     <a:masterClrMapping/>
   </p:clrMapOvr>
+  <p:timing>
+    <p:tnLst>
+      <p:par>
+        <p:cTn id="1" dur="indefinite" restart="never" nodeType="tmRoot"/>
+      </p:par>
+    </p:tnLst>
+  </p:timing>
+</p:sld>
+</file>
+
+<file path=ppt/slides/slide11.xml><?xml version="1.0" encoding="utf-8"?>
+<p:sld xmlns:a="http://schemas.openxmlformats.org/drawingml/2006/main" xmlns:r="http://schemas.openxmlformats.org/officeDocument/2006/relationships" xmlns:p="http://schemas.openxmlformats.org/presentationml/2006/main">
+  <p:cSld>
+    <p:spTree>
+      <p:nvGrpSpPr>
+        <p:cNvPr id="1" name=""/>
+        <p:cNvGrpSpPr/>
+        <p:nvPr/>
+      </p:nvGrpSpPr>
+      <p:grpSpPr>
+        <a:xfrm>
+          <a:off x="0" y="0"/>
+          <a:ext cx="0" cy="0"/>
+          <a:chOff x="0" y="0"/>
+          <a:chExt cx="0" cy="0"/>
+        </a:xfrm>
+      </p:grpSpPr>
+      <p:sp>
+        <p:nvSpPr>
+          <p:cNvPr id="2" name="Title 1"/>
+          <p:cNvSpPr>
+            <a:spLocks noGrp="1"/>
+          </p:cNvSpPr>
+          <p:nvPr>
+            <p:ph type="title"/>
+          </p:nvPr>
+        </p:nvSpPr>
+        <p:spPr/>
+        <p:txBody>
+          <a:bodyPr/>
+          <a:lstStyle/>
+          <a:p>
+            <a:r>
+              <a:rPr lang="en-US" altLang="ko-KR" dirty="0"/>
+              <a:t>2.CD – </a:t>
+            </a:r>
+            <a:r>
+              <a:rPr lang="en-US" altLang="ko-KR" dirty="0" err="1"/>
+              <a:t>ArgoCD</a:t>
+            </a:r>
+            <a:r>
+              <a:rPr lang="en-US" altLang="ko-KR" dirty="0"/>
+              <a:t> </a:t>
+            </a:r>
+            <a:r>
+              <a:rPr lang="ko-KR" altLang="en-US" dirty="0"/>
+              <a:t>실습</a:t>
+            </a:r>
+          </a:p>
+        </p:txBody>
+      </p:sp>
+      <p:sp>
+        <p:nvSpPr>
+          <p:cNvPr id="3" name="Content Placeholder 2"/>
+          <p:cNvSpPr>
+            <a:spLocks noGrp="1"/>
+          </p:cNvSpPr>
+          <p:nvPr>
+            <p:ph idx="1"/>
+          </p:nvPr>
+        </p:nvSpPr>
+        <p:spPr/>
+        <p:txBody>
+          <a:bodyPr>
+            <a:normAutofit fontScale="92500" lnSpcReduction="10000"/>
+          </a:bodyPr>
+          <a:lstStyle/>
+          <a:p>
+            <a:r>
+              <a:rPr lang="ko-KR" altLang="en-US" dirty="0" smtClean="0"/>
+              <a:t>서비스타입이 바뀐 것을 확인하고</a:t>
+            </a:r>
+            <a:r>
+              <a:rPr lang="en-US" altLang="ko-KR" dirty="0" smtClean="0"/>
+              <a:t>,</a:t>
+            </a:r>
+            <a:r>
+              <a:rPr lang="ko-KR" altLang="en-US" dirty="0" smtClean="0"/>
+              <a:t> 비밀번호를 생성</a:t>
+            </a:r>
+            <a:r>
+              <a:rPr lang="en-US" altLang="ko-KR" dirty="0" smtClean="0"/>
+              <a:t>, </a:t>
+            </a:r>
+            <a:r>
+              <a:rPr lang="ko-KR" altLang="en-US" dirty="0" smtClean="0"/>
+              <a:t>포트포워딩</a:t>
+            </a:r>
+            <a:r>
+              <a:rPr lang="en-US" altLang="ko-KR" dirty="0" smtClean="0"/>
+              <a:t/>
+            </a:r>
+            <a:br>
+              <a:rPr lang="en-US" altLang="ko-KR" dirty="0" smtClean="0"/>
+            </a:br>
+            <a:endParaRPr lang="en-US" altLang="ko-KR" dirty="0" smtClean="0"/>
+          </a:p>
+          <a:p>
+            <a:pPr lvl="1"/>
+            <a:r>
+              <a:rPr lang="en-US" altLang="ko-KR" dirty="0" err="1"/>
+              <a:t>kubectl</a:t>
+            </a:r>
+            <a:r>
+              <a:rPr lang="en-US" altLang="ko-KR" dirty="0"/>
+              <a:t> get svc --namespace </a:t>
+            </a:r>
+            <a:r>
+              <a:rPr lang="en-US" altLang="ko-KR" dirty="0" err="1" smtClean="0"/>
+              <a:t>myargocd</a:t>
+            </a:r>
+            <a:r>
+              <a:rPr lang="en-US" altLang="ko-KR" dirty="0" smtClean="0"/>
+              <a:t> </a:t>
+            </a:r>
+            <a:r>
+              <a:rPr lang="en-US" altLang="ko-KR" dirty="0">
+                <a:solidFill>
+                  <a:schemeClr val="accent5">
+                    <a:lumMod val="50000"/>
+                  </a:schemeClr>
+                </a:solidFill>
+              </a:rPr>
+              <a:t>#</a:t>
+            </a:r>
+            <a:r>
+              <a:rPr lang="ko-KR" altLang="en-US" dirty="0">
+                <a:solidFill>
+                  <a:schemeClr val="accent5">
+                    <a:lumMod val="50000"/>
+                  </a:schemeClr>
+                </a:solidFill>
+              </a:rPr>
+              <a:t>서비스타입 확인</a:t>
+            </a:r>
+            <a:endParaRPr lang="en-US" altLang="ko-KR" dirty="0">
+              <a:solidFill>
+                <a:schemeClr val="accent5">
+                  <a:lumMod val="50000"/>
+                </a:schemeClr>
+              </a:solidFill>
+            </a:endParaRPr>
+          </a:p>
+          <a:p>
+            <a:pPr lvl="1"/>
+            <a:r>
+              <a:rPr lang="en-US" altLang="ko-KR" dirty="0" err="1"/>
+              <a:t>kubectl</a:t>
+            </a:r>
+            <a:r>
+              <a:rPr lang="en-US" altLang="ko-KR" dirty="0"/>
+              <a:t> -n </a:t>
+            </a:r>
+            <a:r>
+              <a:rPr lang="en-US" altLang="ko-KR" dirty="0" err="1"/>
+              <a:t>myargocd</a:t>
+            </a:r>
+            <a:r>
+              <a:rPr lang="en-US" altLang="ko-KR" dirty="0"/>
+              <a:t> get secret </a:t>
+            </a:r>
+            <a:r>
+              <a:rPr lang="en-US" altLang="ko-KR" dirty="0" err="1"/>
+              <a:t>argocd</a:t>
+            </a:r>
+            <a:r>
+              <a:rPr lang="en-US" altLang="ko-KR" dirty="0"/>
+              <a:t>-initial-admin-secret -o </a:t>
+            </a:r>
+            <a:r>
+              <a:rPr lang="en-US" altLang="ko-KR" dirty="0" err="1"/>
+              <a:t>jsonpath</a:t>
+            </a:r>
+            <a:r>
+              <a:rPr lang="en-US" altLang="ko-KR" dirty="0"/>
+              <a:t>="{.</a:t>
+            </a:r>
+            <a:r>
+              <a:rPr lang="en-US" altLang="ko-KR" dirty="0" err="1"/>
+              <a:t>data.password</a:t>
+            </a:r>
+            <a:r>
+              <a:rPr lang="en-US" altLang="ko-KR" dirty="0"/>
+              <a:t>}" | % { [</a:t>
+            </a:r>
+            <a:r>
+              <a:rPr lang="en-US" altLang="ko-KR" dirty="0" err="1"/>
+              <a:t>System.Text.Encoding</a:t>
+            </a:r>
+            <a:r>
+              <a:rPr lang="en-US" altLang="ko-KR" dirty="0"/>
+              <a:t>]::</a:t>
+            </a:r>
+            <a:r>
+              <a:rPr lang="en-US" altLang="ko-KR" dirty="0" err="1"/>
+              <a:t>UTF8.GetString</a:t>
+            </a:r>
+            <a:r>
+              <a:rPr lang="en-US" altLang="ko-KR" dirty="0"/>
+              <a:t>([</a:t>
+            </a:r>
+            <a:r>
+              <a:rPr lang="en-US" altLang="ko-KR" dirty="0" err="1"/>
+              <a:t>System.Convert</a:t>
+            </a:r>
+            <a:r>
+              <a:rPr lang="en-US" altLang="ko-KR" dirty="0"/>
+              <a:t>]::</a:t>
+            </a:r>
+            <a:r>
+              <a:rPr lang="en-US" altLang="ko-KR" dirty="0" err="1"/>
+              <a:t>FromBase64String</a:t>
+            </a:r>
+            <a:r>
+              <a:rPr lang="en-US" altLang="ko-KR" dirty="0"/>
+              <a:t>($_)) </a:t>
+            </a:r>
+            <a:r>
+              <a:rPr lang="en-US" altLang="ko-KR" dirty="0" smtClean="0"/>
+              <a:t>} </a:t>
+            </a:r>
+            <a:r>
+              <a:rPr lang="en-US" altLang="ko-KR" dirty="0">
+                <a:solidFill>
+                  <a:schemeClr val="accent5">
+                    <a:lumMod val="50000"/>
+                  </a:schemeClr>
+                </a:solidFill>
+              </a:rPr>
+              <a:t>#</a:t>
+            </a:r>
+            <a:r>
+              <a:rPr lang="ko-KR" altLang="en-US" dirty="0">
+                <a:solidFill>
+                  <a:schemeClr val="accent5">
+                    <a:lumMod val="50000"/>
+                  </a:schemeClr>
+                </a:solidFill>
+              </a:rPr>
+              <a:t>파워쉘 기준의 비밀번호 생성</a:t>
+            </a:r>
+            <a:endParaRPr lang="en-US" altLang="ko-KR" dirty="0">
+              <a:solidFill>
+                <a:schemeClr val="accent5">
+                  <a:lumMod val="50000"/>
+                </a:schemeClr>
+              </a:solidFill>
+            </a:endParaRPr>
+          </a:p>
+          <a:p>
+            <a:pPr lvl="1"/>
+            <a:r>
+              <a:rPr lang="en-US" altLang="ko-KR" dirty="0"/>
+              <a:t> </a:t>
+            </a:r>
+            <a:r>
+              <a:rPr lang="en-US" altLang="ko-KR" dirty="0" err="1"/>
+              <a:t>kubectl</a:t>
+            </a:r>
+            <a:r>
+              <a:rPr lang="en-US" altLang="ko-KR" dirty="0"/>
+              <a:t> -n </a:t>
+            </a:r>
+            <a:r>
+              <a:rPr lang="en-US" altLang="ko-KR" dirty="0" err="1"/>
+              <a:t>myargocd</a:t>
+            </a:r>
+            <a:r>
+              <a:rPr lang="en-US" altLang="ko-KR" dirty="0"/>
+              <a:t> get secret </a:t>
+            </a:r>
+            <a:r>
+              <a:rPr lang="en-US" altLang="ko-KR" dirty="0" err="1"/>
+              <a:t>argocd</a:t>
+            </a:r>
+            <a:r>
+              <a:rPr lang="en-US" altLang="ko-KR" dirty="0"/>
+              <a:t>-initial-admin-secret -o </a:t>
+            </a:r>
+            <a:r>
+              <a:rPr lang="en-US" altLang="ko-KR" dirty="0" err="1"/>
+              <a:t>jsonpath</a:t>
+            </a:r>
+            <a:r>
+              <a:rPr lang="en-US" altLang="ko-KR" dirty="0"/>
+              <a:t>"{.</a:t>
+            </a:r>
+            <a:r>
+              <a:rPr lang="en-US" altLang="ko-KR" dirty="0" err="1"/>
+              <a:t>data.password</a:t>
+            </a:r>
+            <a:r>
+              <a:rPr lang="en-US" altLang="ko-KR" dirty="0"/>
+              <a:t>}" | </a:t>
+            </a:r>
+            <a:r>
+              <a:rPr lang="en-US" altLang="ko-KR" dirty="0" err="1"/>
+              <a:t>base64</a:t>
+            </a:r>
+            <a:r>
+              <a:rPr lang="en-US" altLang="ko-KR" dirty="0"/>
+              <a:t> </a:t>
+            </a:r>
+            <a:r>
+              <a:rPr lang="en-US" altLang="ko-KR" dirty="0" smtClean="0"/>
+              <a:t>–d </a:t>
+            </a:r>
+            <a:r>
+              <a:rPr lang="en-US" altLang="ko-KR" dirty="0" smtClean="0">
+                <a:solidFill>
+                  <a:schemeClr val="accent5">
+                    <a:lumMod val="50000"/>
+                  </a:schemeClr>
+                </a:solidFill>
+              </a:rPr>
+              <a:t># </a:t>
+            </a:r>
+            <a:r>
+              <a:rPr lang="ko-KR" altLang="en-US" dirty="0" smtClean="0">
+                <a:solidFill>
+                  <a:schemeClr val="accent5">
+                    <a:lumMod val="50000"/>
+                  </a:schemeClr>
+                </a:solidFill>
+              </a:rPr>
+              <a:t>우분투 기준의 비밀번호 생성</a:t>
+            </a:r>
+            <a:r>
+              <a:rPr lang="en-US" altLang="ko-KR" dirty="0" smtClean="0">
+                <a:solidFill>
+                  <a:schemeClr val="accent5">
+                    <a:lumMod val="50000"/>
+                  </a:schemeClr>
+                </a:solidFill>
+              </a:rPr>
+              <a:t>, </a:t>
+            </a:r>
+            <a:r>
+              <a:rPr lang="ko-KR" altLang="en-US" dirty="0" smtClean="0">
+                <a:solidFill>
+                  <a:schemeClr val="accent5">
+                    <a:lumMod val="50000"/>
+                  </a:schemeClr>
+                </a:solidFill>
+              </a:rPr>
+              <a:t>보여지는 비밀번호를 저장합니다</a:t>
+            </a:r>
+            <a:r>
+              <a:rPr lang="en-US" altLang="ko-KR" dirty="0" smtClean="0">
+                <a:solidFill>
+                  <a:schemeClr val="accent5">
+                    <a:lumMod val="50000"/>
+                  </a:schemeClr>
+                </a:solidFill>
+              </a:rPr>
+              <a:t>.</a:t>
+            </a:r>
+          </a:p>
+          <a:p>
+            <a:pPr marL="457200" lvl="1" indent="0">
+              <a:buNone/>
+            </a:pPr>
+            <a:r>
+              <a:rPr lang="en-US" altLang="ko-KR" dirty="0" smtClean="0">
+                <a:solidFill>
+                  <a:schemeClr val="bg1">
+                    <a:lumMod val="85000"/>
+                  </a:schemeClr>
+                </a:solidFill>
+              </a:rPr>
+              <a:t>    </a:t>
+            </a:r>
+            <a:r>
+              <a:rPr lang="en-US" altLang="ko-KR" dirty="0" err="1" smtClean="0">
+                <a:solidFill>
+                  <a:schemeClr val="bg1">
+                    <a:lumMod val="85000"/>
+                  </a:schemeClr>
+                </a:solidFill>
+              </a:rPr>
+              <a:t>nfJdrc9lapyH1tOJ</a:t>
+            </a:r>
+            <a:endParaRPr lang="en-US" altLang="ko-KR" dirty="0" smtClean="0">
+              <a:solidFill>
+                <a:schemeClr val="bg1">
+                  <a:lumMod val="85000"/>
+                </a:schemeClr>
+              </a:solidFill>
+            </a:endParaRPr>
+          </a:p>
+          <a:p>
+            <a:pPr lvl="1"/>
+            <a:r>
+              <a:rPr lang="en-US" altLang="ko-KR" dirty="0" err="1"/>
+              <a:t>kubectl</a:t>
+            </a:r>
+            <a:r>
+              <a:rPr lang="en-US" altLang="ko-KR" dirty="0"/>
+              <a:t> port-forward --address 0.0.0.0 service/</a:t>
+            </a:r>
+            <a:r>
+              <a:rPr lang="en-US" altLang="ko-KR" dirty="0" err="1"/>
+              <a:t>argo</a:t>
+            </a:r>
+            <a:r>
+              <a:rPr lang="en-US" altLang="ko-KR" dirty="0"/>
+              <a:t>-cd-1732737447-</a:t>
+            </a:r>
+            <a:r>
+              <a:rPr lang="en-US" altLang="ko-KR" dirty="0" err="1"/>
+              <a:t>argocd</a:t>
+            </a:r>
+            <a:r>
+              <a:rPr lang="en-US" altLang="ko-KR" dirty="0"/>
+              <a:t>-server -n </a:t>
+            </a:r>
+            <a:r>
+              <a:rPr lang="en-US" altLang="ko-KR" dirty="0" err="1"/>
+              <a:t>myargocd</a:t>
+            </a:r>
+            <a:r>
+              <a:rPr lang="en-US" altLang="ko-KR" dirty="0"/>
+              <a:t> </a:t>
+            </a:r>
+            <a:r>
+              <a:rPr lang="en-US" altLang="ko-KR" dirty="0" smtClean="0"/>
+              <a:t>2001:80</a:t>
+            </a:r>
+            <a:r>
+              <a:rPr lang="en-US" altLang="ko-KR" dirty="0">
+                <a:solidFill>
+                  <a:schemeClr val="accent5">
+                    <a:lumMod val="50000"/>
+                  </a:schemeClr>
+                </a:solidFill>
+              </a:rPr>
+              <a:t> </a:t>
+            </a:r>
+            <a:r>
+              <a:rPr lang="en-US" altLang="ko-KR" dirty="0" smtClean="0">
+                <a:solidFill>
+                  <a:schemeClr val="accent5">
+                    <a:lumMod val="50000"/>
+                  </a:schemeClr>
+                </a:solidFill>
+              </a:rPr>
+              <a:t>#</a:t>
+            </a:r>
+            <a:r>
+              <a:rPr lang="ko-KR" altLang="en-US" dirty="0" smtClean="0">
+                <a:solidFill>
+                  <a:schemeClr val="accent5">
+                    <a:lumMod val="50000"/>
+                  </a:schemeClr>
+                </a:solidFill>
+              </a:rPr>
+              <a:t>포트포워딩을 </a:t>
+            </a:r>
+            <a:r>
+              <a:rPr lang="en-US" altLang="ko-KR" dirty="0" smtClean="0">
+                <a:solidFill>
+                  <a:schemeClr val="accent5">
+                    <a:lumMod val="50000"/>
+                  </a:schemeClr>
+                </a:solidFill>
+              </a:rPr>
+              <a:t>2001 </a:t>
+            </a:r>
+            <a:r>
+              <a:rPr lang="ko-KR" altLang="en-US" dirty="0" smtClean="0">
+                <a:solidFill>
+                  <a:schemeClr val="accent5">
+                    <a:lumMod val="50000"/>
+                  </a:schemeClr>
+                </a:solidFill>
+              </a:rPr>
+              <a:t>→ </a:t>
+            </a:r>
+            <a:r>
+              <a:rPr lang="en-US" altLang="ko-KR" dirty="0" smtClean="0">
+                <a:solidFill>
+                  <a:schemeClr val="accent5">
+                    <a:lumMod val="50000"/>
+                  </a:schemeClr>
+                </a:solidFill>
+              </a:rPr>
+              <a:t>80</a:t>
+            </a:r>
+            <a:r>
+              <a:rPr lang="ko-KR" altLang="en-US" dirty="0" smtClean="0">
+                <a:solidFill>
+                  <a:schemeClr val="accent5">
+                    <a:lumMod val="50000"/>
+                  </a:schemeClr>
+                </a:solidFill>
+              </a:rPr>
+              <a:t>으로 연결되도록 진행</a:t>
+            </a:r>
+            <a:r>
+              <a:rPr lang="en-US" altLang="ko-KR" dirty="0" smtClean="0">
+                <a:solidFill>
+                  <a:schemeClr val="accent5">
+                    <a:lumMod val="50000"/>
+                  </a:schemeClr>
+                </a:solidFill>
+              </a:rPr>
+              <a:t>/</a:t>
+            </a:r>
+            <a:r>
+              <a:rPr lang="ko-KR" altLang="en-US" dirty="0" smtClean="0">
+                <a:solidFill>
+                  <a:schemeClr val="accent5">
+                    <a:lumMod val="50000"/>
+                  </a:schemeClr>
+                </a:solidFill>
+              </a:rPr>
+              <a:t>서비스명은 맞춰서 변경하세요</a:t>
+            </a:r>
+            <a:endParaRPr lang="en-US" altLang="ko-KR" dirty="0"/>
+          </a:p>
+        </p:txBody>
+      </p:sp>
+    </p:spTree>
+    <p:extLst>
+      <p:ext uri="{BB962C8B-B14F-4D97-AF65-F5344CB8AC3E}">
+        <p14:creationId xmlns:p14="http://schemas.microsoft.com/office/powerpoint/2010/main" val="3362871594"/>
+      </p:ext>
+    </p:extLst>
+  </p:cSld>
+  <p:clrMapOvr>
+    <a:masterClrMapping/>
+  </p:clrMapOvr>
+  <p:timing>
+    <p:tnLst>
+      <p:par>
+        <p:cTn id="1" dur="indefinite" restart="never" nodeType="tmRoot"/>
+      </p:par>
+    </p:tnLst>
+  </p:timing>
+</p:sld>
+</file>
+
+<file path=ppt/slides/slide12.xml><?xml version="1.0" encoding="utf-8"?>
+<p:sld xmlns:a="http://schemas.openxmlformats.org/drawingml/2006/main" xmlns:r="http://schemas.openxmlformats.org/officeDocument/2006/relationships" xmlns:p="http://schemas.openxmlformats.org/presentationml/2006/main">
+  <p:cSld>
+    <p:spTree>
+      <p:nvGrpSpPr>
+        <p:cNvPr id="1" name=""/>
+        <p:cNvGrpSpPr/>
+        <p:nvPr/>
+      </p:nvGrpSpPr>
+      <p:grpSpPr>
+        <a:xfrm>
+          <a:off x="0" y="0"/>
+          <a:ext cx="0" cy="0"/>
+          <a:chOff x="0" y="0"/>
+          <a:chExt cx="0" cy="0"/>
+        </a:xfrm>
+      </p:grpSpPr>
+      <p:sp>
+        <p:nvSpPr>
+          <p:cNvPr id="2" name="Title 1"/>
+          <p:cNvSpPr>
+            <a:spLocks noGrp="1"/>
+          </p:cNvSpPr>
+          <p:nvPr>
+            <p:ph type="title"/>
+          </p:nvPr>
+        </p:nvSpPr>
+        <p:spPr/>
+        <p:txBody>
+          <a:bodyPr/>
+          <a:lstStyle/>
+          <a:p>
+            <a:r>
+              <a:rPr lang="en-US" altLang="ko-KR" dirty="0"/>
+              <a:t>2.CD – </a:t>
+            </a:r>
+            <a:r>
+              <a:rPr lang="en-US" altLang="ko-KR" dirty="0" err="1"/>
+              <a:t>ArgoCD</a:t>
+            </a:r>
+            <a:r>
+              <a:rPr lang="en-US" altLang="ko-KR" dirty="0"/>
+              <a:t> </a:t>
+            </a:r>
+            <a:r>
+              <a:rPr lang="ko-KR" altLang="en-US" dirty="0"/>
+              <a:t>실습</a:t>
+            </a:r>
+          </a:p>
+        </p:txBody>
+      </p:sp>
+      <p:sp>
+        <p:nvSpPr>
+          <p:cNvPr id="5" name="Content Placeholder 2"/>
+          <p:cNvSpPr>
+            <a:spLocks noGrp="1"/>
+          </p:cNvSpPr>
+          <p:nvPr>
+            <p:ph idx="1"/>
+          </p:nvPr>
+        </p:nvSpPr>
+        <p:spPr/>
+        <p:txBody>
+          <a:bodyPr>
+            <a:normAutofit/>
+          </a:bodyPr>
+          <a:lstStyle/>
+          <a:p>
+            <a:r>
+              <a:rPr lang="en-US" altLang="ko-KR" dirty="0" smtClean="0"/>
+              <a:t>Admin</a:t>
+            </a:r>
+            <a:r>
+              <a:rPr lang="ko-KR" altLang="en-US" dirty="0" smtClean="0"/>
+              <a:t>계정으로 로그인을 진행합니다</a:t>
+            </a:r>
+            <a:r>
+              <a:rPr lang="en-US" altLang="ko-KR" dirty="0" smtClean="0"/>
+              <a:t>. </a:t>
+            </a:r>
+            <a:r>
+              <a:rPr lang="ko-KR" altLang="en-US" dirty="0"/>
+              <a:t>방금 </a:t>
+            </a:r>
+            <a:r>
+              <a:rPr lang="ko-KR" altLang="en-US" dirty="0" smtClean="0"/>
+              <a:t>생성한 비번 입력</a:t>
+            </a:r>
+            <a:endParaRPr lang="en-US" altLang="ko-KR" dirty="0" smtClean="0"/>
+          </a:p>
+        </p:txBody>
+      </p:sp>
+      <p:pic>
+        <p:nvPicPr>
+          <p:cNvPr id="6" name="Picture 5"/>
+          <p:cNvPicPr>
+            <a:picLocks noChangeAspect="1"/>
+          </p:cNvPicPr>
+          <p:nvPr/>
+        </p:nvPicPr>
+        <p:blipFill>
+          <a:blip r:embed="rId3"/>
+          <a:stretch>
+            <a:fillRect/>
+          </a:stretch>
+        </p:blipFill>
+        <p:spPr>
+          <a:xfrm>
+            <a:off x="1089289" y="2109757"/>
+            <a:ext cx="6172935" cy="4258277"/>
+          </a:xfrm>
+          <a:prstGeom prst="rect">
+            <a:avLst/>
+          </a:prstGeom>
+        </p:spPr>
+      </p:pic>
+      <p:sp>
+        <p:nvSpPr>
+          <p:cNvPr id="7" name="Rectangle 6"/>
+          <p:cNvSpPr/>
+          <p:nvPr/>
+        </p:nvSpPr>
+        <p:spPr>
+          <a:xfrm>
+            <a:off x="7513313" y="2285916"/>
+            <a:ext cx="3023585" cy="646331"/>
+          </a:xfrm>
+          <a:prstGeom prst="rect">
+            <a:avLst/>
+          </a:prstGeom>
+        </p:spPr>
+        <p:txBody>
+          <a:bodyPr wrap="none">
+            <a:spAutoFit/>
+          </a:bodyPr>
+          <a:lstStyle/>
+          <a:p>
+            <a:r>
+              <a:rPr lang="ko-KR" altLang="en-US" dirty="0" smtClean="0"/>
+              <a:t>계정  </a:t>
+            </a:r>
+            <a:r>
+              <a:rPr lang="en-US" altLang="ko-KR" dirty="0"/>
+              <a:t>:</a:t>
+            </a:r>
+            <a:r>
+              <a:rPr lang="en-US" altLang="ko-KR" dirty="0" smtClean="0"/>
+              <a:t>admin</a:t>
+            </a:r>
+          </a:p>
+          <a:p>
+            <a:r>
+              <a:rPr lang="en-US" altLang="ko-KR" dirty="0" smtClean="0"/>
+              <a:t>Pw  : </a:t>
+            </a:r>
+            <a:r>
+              <a:rPr lang="ko-KR" altLang="en-US" dirty="0" smtClean="0"/>
+              <a:t>방금 생성한 비밀번호</a:t>
+            </a:r>
+            <a:endParaRPr lang="ko-KR" altLang="en-US" dirty="0"/>
+          </a:p>
+        </p:txBody>
+      </p:sp>
+      <p:pic>
+        <p:nvPicPr>
+          <p:cNvPr id="8" name="Picture 7"/>
+          <p:cNvPicPr>
+            <a:picLocks noChangeAspect="1"/>
+          </p:cNvPicPr>
+          <p:nvPr/>
+        </p:nvPicPr>
+        <p:blipFill>
+          <a:blip r:embed="rId4"/>
+          <a:stretch>
+            <a:fillRect/>
+          </a:stretch>
+        </p:blipFill>
+        <p:spPr>
+          <a:xfrm>
+            <a:off x="7657282" y="3670162"/>
+            <a:ext cx="3828204" cy="2644055"/>
+          </a:xfrm>
+          <a:prstGeom prst="rect">
+            <a:avLst/>
+          </a:prstGeom>
+        </p:spPr>
+      </p:pic>
+      <p:sp>
+        <p:nvSpPr>
+          <p:cNvPr id="9" name="Right Arrow 8"/>
+          <p:cNvSpPr/>
+          <p:nvPr/>
+        </p:nvSpPr>
+        <p:spPr>
+          <a:xfrm>
+            <a:off x="7040880" y="4078906"/>
+            <a:ext cx="472433" cy="1663863"/>
+          </a:xfrm>
+          <a:prstGeom prst="rightArrow">
+            <a:avLst>
+              <a:gd name="adj1" fmla="val 50000"/>
+              <a:gd name="adj2" fmla="val 72120"/>
+            </a:avLst>
+          </a:prstGeom>
+          <a:solidFill>
+            <a:schemeClr val="bg2">
+              <a:lumMod val="75000"/>
+            </a:schemeClr>
+          </a:solidFill>
+          <a:ln>
+            <a:noFill/>
+          </a:ln>
+        </p:spPr>
+        <p:style>
+          <a:lnRef idx="2">
+            <a:schemeClr val="accent1">
+              <a:shade val="50000"/>
+            </a:schemeClr>
+          </a:lnRef>
+          <a:fillRef idx="1">
+            <a:schemeClr val="accent1"/>
+          </a:fillRef>
+          <a:effectRef idx="0">
+            <a:schemeClr val="accent1"/>
+          </a:effectRef>
+          <a:fontRef idx="minor">
+            <a:schemeClr val="lt1"/>
+          </a:fontRef>
+        </p:style>
+        <p:txBody>
+          <a:bodyPr rtlCol="0" anchor="ctr"/>
+          <a:lstStyle/>
+          <a:p>
+            <a:pPr algn="ctr"/>
+            <a:endParaRPr lang="ko-KR" altLang="en-US"/>
+          </a:p>
+        </p:txBody>
+      </p:sp>
+    </p:spTree>
+    <p:extLst>
+      <p:ext uri="{BB962C8B-B14F-4D97-AF65-F5344CB8AC3E}">
+        <p14:creationId xmlns:p14="http://schemas.microsoft.com/office/powerpoint/2010/main" val="54405920"/>
+      </p:ext>
+    </p:extLst>
+  </p:cSld>
+  <p:clrMapOvr>
+    <a:masterClrMapping/>
+  </p:clrMapOvr>
+  <p:timing>
+    <p:tnLst>
+      <p:par>
+        <p:cTn id="1" dur="indefinite" restart="never" nodeType="tmRoot"/>
+      </p:par>
+    </p:tnLst>
+  </p:timing>
+</p:sld>
+</file>
+
+<file path=ppt/slides/slide13.xml><?xml version="1.0" encoding="utf-8"?>
+<p:sld xmlns:a="http://schemas.openxmlformats.org/drawingml/2006/main" xmlns:r="http://schemas.openxmlformats.org/officeDocument/2006/relationships" xmlns:p="http://schemas.openxmlformats.org/presentationml/2006/main">
+  <p:cSld>
+    <p:spTree>
+      <p:nvGrpSpPr>
+        <p:cNvPr id="1" name=""/>
+        <p:cNvGrpSpPr/>
+        <p:nvPr/>
+      </p:nvGrpSpPr>
+      <p:grpSpPr>
+        <a:xfrm>
+          <a:off x="0" y="0"/>
+          <a:ext cx="0" cy="0"/>
+          <a:chOff x="0" y="0"/>
+          <a:chExt cx="0" cy="0"/>
+        </a:xfrm>
+      </p:grpSpPr>
+      <p:sp>
+        <p:nvSpPr>
+          <p:cNvPr id="2" name="Title 1"/>
+          <p:cNvSpPr>
+            <a:spLocks noGrp="1"/>
+          </p:cNvSpPr>
+          <p:nvPr>
+            <p:ph type="title"/>
+          </p:nvPr>
+        </p:nvSpPr>
+        <p:spPr/>
+        <p:txBody>
+          <a:bodyPr/>
+          <a:lstStyle/>
+          <a:p>
+            <a:r>
+              <a:rPr lang="en-US" altLang="ko-KR" dirty="0"/>
+              <a:t>2.CD – </a:t>
+            </a:r>
+            <a:r>
+              <a:rPr lang="en-US" altLang="ko-KR" dirty="0" err="1"/>
+              <a:t>ArgoCD</a:t>
+            </a:r>
+            <a:r>
+              <a:rPr lang="en-US" altLang="ko-KR" dirty="0"/>
+              <a:t> </a:t>
+            </a:r>
+            <a:r>
+              <a:rPr lang="ko-KR" altLang="en-US" dirty="0"/>
+              <a:t>실습</a:t>
+            </a:r>
+          </a:p>
+        </p:txBody>
+      </p:sp>
+      <p:sp>
+        <p:nvSpPr>
+          <p:cNvPr id="3" name="Content Placeholder 2"/>
+          <p:cNvSpPr>
+            <a:spLocks noGrp="1"/>
+          </p:cNvSpPr>
+          <p:nvPr>
+            <p:ph idx="1"/>
+          </p:nvPr>
+        </p:nvSpPr>
+        <p:spPr/>
+        <p:txBody>
+          <a:bodyPr/>
+          <a:lstStyle/>
+          <a:p>
+            <a:r>
+              <a:rPr lang="ko-KR" altLang="en-US" dirty="0" smtClean="0"/>
+              <a:t>깃허브 소스를 활용하여 </a:t>
+            </a:r>
+            <a:r>
+              <a:rPr lang="en-US" altLang="ko-KR" dirty="0" err="1" smtClean="0"/>
+              <a:t>argocd</a:t>
+            </a:r>
+            <a:r>
+              <a:rPr lang="ko-KR" altLang="en-US" dirty="0" smtClean="0"/>
+              <a:t>로 배포해봅시다</a:t>
+            </a:r>
+            <a:r>
+              <a:rPr lang="en-US" altLang="ko-KR" dirty="0" smtClean="0"/>
+              <a:t>. </a:t>
+            </a:r>
+            <a:r>
+              <a:rPr lang="en-US" altLang="ko-KR" dirty="0" err="1" smtClean="0"/>
+              <a:t>Github</a:t>
+            </a:r>
+            <a:r>
+              <a:rPr lang="en-US" altLang="ko-KR" dirty="0" smtClean="0"/>
+              <a:t> </a:t>
+            </a:r>
+            <a:r>
+              <a:rPr lang="ko-KR" altLang="en-US" dirty="0" smtClean="0"/>
+              <a:t>레포지토리 생성</a:t>
+            </a:r>
+            <a:endParaRPr lang="ko-KR" altLang="en-US" dirty="0"/>
+          </a:p>
+        </p:txBody>
+      </p:sp>
+      <p:pic>
+        <p:nvPicPr>
+          <p:cNvPr id="4" name="Picture 3"/>
+          <p:cNvPicPr>
+            <a:picLocks noChangeAspect="1"/>
+          </p:cNvPicPr>
+          <p:nvPr/>
+        </p:nvPicPr>
+        <p:blipFill rotWithShape="1">
+          <a:blip r:embed="rId2"/>
+          <a:srcRect b="54095"/>
+          <a:stretch/>
+        </p:blipFill>
+        <p:spPr>
+          <a:xfrm>
+            <a:off x="1048266" y="2468880"/>
+            <a:ext cx="8893686" cy="3148149"/>
+          </a:xfrm>
+          <a:prstGeom prst="rect">
+            <a:avLst/>
+          </a:prstGeom>
+        </p:spPr>
+      </p:pic>
+      <p:pic>
+        <p:nvPicPr>
+          <p:cNvPr id="5" name="Picture 4"/>
+          <p:cNvPicPr>
+            <a:picLocks noChangeAspect="1"/>
+          </p:cNvPicPr>
+          <p:nvPr/>
+        </p:nvPicPr>
+        <p:blipFill rotWithShape="1">
+          <a:blip r:embed="rId2"/>
+          <a:srcRect t="87302"/>
+          <a:stretch/>
+        </p:blipFill>
+        <p:spPr>
+          <a:xfrm>
+            <a:off x="1048266" y="5711228"/>
+            <a:ext cx="8893686" cy="870857"/>
+          </a:xfrm>
+          <a:prstGeom prst="rect">
+            <a:avLst/>
+          </a:prstGeom>
+        </p:spPr>
+      </p:pic>
+      <p:sp>
+        <p:nvSpPr>
+          <p:cNvPr id="6" name="Oval 5"/>
+          <p:cNvSpPr/>
+          <p:nvPr/>
+        </p:nvSpPr>
+        <p:spPr>
+          <a:xfrm>
+            <a:off x="9264436" y="2403566"/>
+            <a:ext cx="558027" cy="558027"/>
+          </a:xfrm>
+          <a:prstGeom prst="ellipse">
+            <a:avLst/>
+          </a:prstGeom>
+          <a:noFill/>
+          <a:ln>
+            <a:solidFill>
+              <a:srgbClr val="C00000"/>
+            </a:solidFill>
+          </a:ln>
+        </p:spPr>
+        <p:style>
+          <a:lnRef idx="2">
+            <a:schemeClr val="accent1">
+              <a:shade val="50000"/>
+            </a:schemeClr>
+          </a:lnRef>
+          <a:fillRef idx="1">
+            <a:schemeClr val="accent1"/>
+          </a:fillRef>
+          <a:effectRef idx="0">
+            <a:schemeClr val="accent1"/>
+          </a:effectRef>
+          <a:fontRef idx="minor">
+            <a:schemeClr val="lt1"/>
+          </a:fontRef>
+        </p:style>
+        <p:txBody>
+          <a:bodyPr rtlCol="0" anchor="ctr"/>
+          <a:lstStyle/>
+          <a:p>
+            <a:pPr algn="ctr"/>
+            <a:r>
+              <a:rPr lang="en-US" altLang="ko-KR" dirty="0" smtClean="0"/>
+              <a:t>1</a:t>
+            </a:r>
+            <a:endParaRPr lang="ko-KR" altLang="en-US" dirty="0"/>
+          </a:p>
+        </p:txBody>
+      </p:sp>
+      <p:sp>
+        <p:nvSpPr>
+          <p:cNvPr id="7" name="Oval 6"/>
+          <p:cNvSpPr/>
+          <p:nvPr/>
+        </p:nvSpPr>
+        <p:spPr>
+          <a:xfrm>
+            <a:off x="4546567" y="4200965"/>
+            <a:ext cx="558027" cy="558027"/>
+          </a:xfrm>
+          <a:prstGeom prst="ellipse">
+            <a:avLst/>
+          </a:prstGeom>
+          <a:noFill/>
+          <a:ln>
+            <a:solidFill>
+              <a:srgbClr val="C00000"/>
+            </a:solidFill>
+          </a:ln>
+        </p:spPr>
+        <p:style>
+          <a:lnRef idx="2">
+            <a:schemeClr val="accent1">
+              <a:shade val="50000"/>
+            </a:schemeClr>
+          </a:lnRef>
+          <a:fillRef idx="1">
+            <a:schemeClr val="accent1"/>
+          </a:fillRef>
+          <a:effectRef idx="0">
+            <a:schemeClr val="accent1"/>
+          </a:effectRef>
+          <a:fontRef idx="minor">
+            <a:schemeClr val="lt1"/>
+          </a:fontRef>
+        </p:style>
+        <p:txBody>
+          <a:bodyPr rtlCol="0" anchor="ctr"/>
+          <a:lstStyle/>
+          <a:p>
+            <a:pPr algn="ctr"/>
+            <a:r>
+              <a:rPr lang="en-US" altLang="ko-KR" dirty="0" smtClean="0"/>
+              <a:t>2</a:t>
+            </a:r>
+            <a:endParaRPr lang="ko-KR" altLang="en-US" dirty="0"/>
+          </a:p>
+        </p:txBody>
+      </p:sp>
+      <p:sp>
+        <p:nvSpPr>
+          <p:cNvPr id="8" name="Oval 7"/>
+          <p:cNvSpPr/>
+          <p:nvPr/>
+        </p:nvSpPr>
+        <p:spPr>
+          <a:xfrm>
+            <a:off x="7553201" y="6089372"/>
+            <a:ext cx="558027" cy="558027"/>
+          </a:xfrm>
+          <a:prstGeom prst="ellipse">
+            <a:avLst/>
+          </a:prstGeom>
+          <a:noFill/>
+          <a:ln>
+            <a:solidFill>
+              <a:srgbClr val="C00000"/>
+            </a:solidFill>
+          </a:ln>
+        </p:spPr>
+        <p:style>
+          <a:lnRef idx="2">
+            <a:schemeClr val="accent1">
+              <a:shade val="50000"/>
+            </a:schemeClr>
+          </a:lnRef>
+          <a:fillRef idx="1">
+            <a:schemeClr val="accent1"/>
+          </a:fillRef>
+          <a:effectRef idx="0">
+            <a:schemeClr val="accent1"/>
+          </a:effectRef>
+          <a:fontRef idx="minor">
+            <a:schemeClr val="lt1"/>
+          </a:fontRef>
+        </p:style>
+        <p:txBody>
+          <a:bodyPr rtlCol="0" anchor="ctr"/>
+          <a:lstStyle/>
+          <a:p>
+            <a:pPr algn="ctr"/>
+            <a:r>
+              <a:rPr lang="en-US" altLang="ko-KR" dirty="0" smtClean="0"/>
+              <a:t>3</a:t>
+            </a:r>
+            <a:endParaRPr lang="ko-KR" altLang="en-US" dirty="0"/>
+          </a:p>
+        </p:txBody>
+      </p:sp>
+    </p:spTree>
+    <p:extLst>
+      <p:ext uri="{BB962C8B-B14F-4D97-AF65-F5344CB8AC3E}">
+        <p14:creationId xmlns:p14="http://schemas.microsoft.com/office/powerpoint/2010/main" val="3927176638"/>
+      </p:ext>
+    </p:extLst>
+  </p:cSld>
+  <p:clrMapOvr>
+    <a:masterClrMapping/>
+  </p:clrMapOvr>
+  <p:timing>
+    <p:tnLst>
+      <p:par>
+        <p:cTn id="1" dur="indefinite" restart="never" nodeType="tmRoot"/>
+      </p:par>
+    </p:tnLst>
+  </p:timing>
+</p:sld>
+</file>
+
+<file path=ppt/slides/slide14.xml><?xml version="1.0" encoding="utf-8"?>
+<p:sld xmlns:a="http://schemas.openxmlformats.org/drawingml/2006/main" xmlns:r="http://schemas.openxmlformats.org/officeDocument/2006/relationships" xmlns:p="http://schemas.openxmlformats.org/presentationml/2006/main">
+  <p:cSld>
+    <p:spTree>
+      <p:nvGrpSpPr>
+        <p:cNvPr id="1" name=""/>
+        <p:cNvGrpSpPr/>
+        <p:nvPr/>
+      </p:nvGrpSpPr>
+      <p:grpSpPr>
+        <a:xfrm>
+          <a:off x="0" y="0"/>
+          <a:ext cx="0" cy="0"/>
+          <a:chOff x="0" y="0"/>
+          <a:chExt cx="0" cy="0"/>
+        </a:xfrm>
+      </p:grpSpPr>
+      <p:sp>
+        <p:nvSpPr>
+          <p:cNvPr id="2" name="Title 1"/>
+          <p:cNvSpPr>
+            <a:spLocks noGrp="1"/>
+          </p:cNvSpPr>
+          <p:nvPr>
+            <p:ph type="title"/>
+          </p:nvPr>
+        </p:nvSpPr>
+        <p:spPr/>
+        <p:txBody>
+          <a:bodyPr/>
+          <a:lstStyle/>
+          <a:p>
+            <a:r>
+              <a:rPr lang="en-US" altLang="ko-KR" dirty="0"/>
+              <a:t>2.CD – </a:t>
+            </a:r>
+            <a:r>
+              <a:rPr lang="en-US" altLang="ko-KR" dirty="0" err="1"/>
+              <a:t>ArgoCD</a:t>
+            </a:r>
+            <a:r>
+              <a:rPr lang="en-US" altLang="ko-KR" dirty="0"/>
+              <a:t> </a:t>
+            </a:r>
+            <a:r>
+              <a:rPr lang="ko-KR" altLang="en-US" dirty="0"/>
+              <a:t>실습</a:t>
+            </a:r>
+          </a:p>
+        </p:txBody>
+      </p:sp>
+      <p:sp>
+        <p:nvSpPr>
+          <p:cNvPr id="3" name="Content Placeholder 2"/>
+          <p:cNvSpPr>
+            <a:spLocks noGrp="1"/>
+          </p:cNvSpPr>
+          <p:nvPr>
+            <p:ph idx="1"/>
+          </p:nvPr>
+        </p:nvSpPr>
+        <p:spPr/>
+        <p:txBody>
+          <a:bodyPr/>
+          <a:lstStyle/>
+          <a:p>
+            <a:r>
+              <a:rPr lang="en-US" altLang="ko-KR" dirty="0" err="1" smtClean="0"/>
+              <a:t>Deployment.yml</a:t>
+            </a:r>
+            <a:r>
+              <a:rPr lang="en-US" altLang="ko-KR" dirty="0" smtClean="0"/>
+              <a:t>, </a:t>
+            </a:r>
+            <a:r>
+              <a:rPr lang="en-US" altLang="ko-KR" dirty="0" err="1" smtClean="0"/>
+              <a:t>service.yml</a:t>
+            </a:r>
+            <a:r>
+              <a:rPr lang="ko-KR" altLang="en-US" dirty="0" smtClean="0"/>
+              <a:t>을 깃허브에 배포</a:t>
+            </a:r>
+            <a:endParaRPr lang="en-US" altLang="ko-KR" dirty="0" smtClean="0"/>
+          </a:p>
+          <a:p>
+            <a:pPr lvl="1"/>
+            <a:r>
+              <a:rPr lang="en-US" altLang="ko-KR" sz="2000" dirty="0"/>
+              <a:t>cd 'D:\drive\</a:t>
+            </a:r>
+            <a:r>
+              <a:rPr lang="en-US" altLang="ko-KR" sz="2000" dirty="0" err="1"/>
+              <a:t>SelfStudy</a:t>
+            </a:r>
+            <a:r>
+              <a:rPr lang="en-US" altLang="ko-KR" sz="2000" dirty="0"/>
+              <a:t>\</a:t>
+            </a:r>
+            <a:r>
+              <a:rPr lang="en-US" altLang="ko-KR" sz="2000" dirty="0" err="1"/>
+              <a:t>ds4th_study</a:t>
+            </a:r>
+            <a:r>
+              <a:rPr lang="en-US" altLang="ko-KR" sz="2000" dirty="0"/>
+              <a:t>\source\</a:t>
+            </a:r>
+            <a:r>
+              <a:rPr lang="ko-KR" altLang="en-US" sz="2000" dirty="0"/>
+              <a:t>도커심화</a:t>
+            </a:r>
+            <a:r>
+              <a:rPr lang="en-US" altLang="ko-KR" sz="2000" dirty="0"/>
+              <a:t>_</a:t>
+            </a:r>
+            <a:r>
+              <a:rPr lang="ko-KR" altLang="en-US" sz="2000" dirty="0"/>
+              <a:t>한권으로</a:t>
+            </a:r>
+            <a:r>
+              <a:rPr lang="en-US" altLang="ko-KR" sz="2000" dirty="0"/>
+              <a:t>_</a:t>
+            </a:r>
+            <a:r>
+              <a:rPr lang="ko-KR" altLang="en-US" sz="2000" dirty="0"/>
+              <a:t>배우는</a:t>
+            </a:r>
+            <a:r>
+              <a:rPr lang="en-US" altLang="ko-KR" sz="2000" dirty="0"/>
+              <a:t>_</a:t>
+            </a:r>
+            <a:r>
+              <a:rPr lang="ko-KR" altLang="en-US" sz="2000" dirty="0"/>
+              <a:t>도커</a:t>
+            </a:r>
+            <a:r>
+              <a:rPr lang="en-US" altLang="ko-KR" sz="2000" dirty="0"/>
+              <a:t>_&amp;_</a:t>
+            </a:r>
+            <a:r>
+              <a:rPr lang="ko-KR" altLang="en-US" sz="2000" dirty="0"/>
+              <a:t>쿠버네티스</a:t>
+            </a:r>
+            <a:r>
+              <a:rPr lang="en-US" altLang="ko-KR" sz="2000" dirty="0"/>
+              <a:t>\</a:t>
+            </a:r>
+            <a:r>
+              <a:rPr lang="en-US" altLang="ko-KR" sz="2000" dirty="0" err="1" smtClean="0"/>
+              <a:t>ch11</a:t>
+            </a:r>
+            <a:r>
+              <a:rPr lang="en-US" altLang="ko-KR" sz="2000" dirty="0" smtClean="0"/>
+              <a:t>\</a:t>
+            </a:r>
+            <a:r>
+              <a:rPr lang="en-US" altLang="ko-KR" sz="2000" dirty="0" err="1" smtClean="0"/>
+              <a:t>ex02</a:t>
+            </a:r>
+            <a:r>
+              <a:rPr lang="en-US" altLang="ko-KR" sz="2000" dirty="0" smtClean="0"/>
+              <a:t>’</a:t>
+            </a:r>
+            <a:r>
+              <a:rPr lang="en-US" altLang="ko-KR" sz="2000" dirty="0" smtClean="0">
+                <a:solidFill>
+                  <a:schemeClr val="accent5">
+                    <a:lumMod val="50000"/>
+                  </a:schemeClr>
+                </a:solidFill>
+              </a:rPr>
+              <a:t> #</a:t>
+            </a:r>
+            <a:r>
+              <a:rPr lang="ko-KR" altLang="en-US" sz="2000" dirty="0" smtClean="0">
+                <a:solidFill>
+                  <a:schemeClr val="accent5">
+                    <a:lumMod val="50000"/>
+                  </a:schemeClr>
+                </a:solidFill>
+              </a:rPr>
+              <a:t>설치된 경로로 이동하세요</a:t>
+            </a:r>
+            <a:endParaRPr lang="en-US" altLang="ko-KR" sz="2000" dirty="0" smtClean="0">
+              <a:solidFill>
+                <a:schemeClr val="accent5">
+                  <a:lumMod val="50000"/>
+                </a:schemeClr>
+              </a:solidFill>
+            </a:endParaRPr>
+          </a:p>
+          <a:p>
+            <a:pPr lvl="1"/>
+            <a:r>
+              <a:rPr lang="en-US" altLang="ko-KR" sz="2000" dirty="0" err="1"/>
+              <a:t>git</a:t>
+            </a:r>
+            <a:r>
+              <a:rPr lang="en-US" altLang="ko-KR" sz="2000" dirty="0"/>
+              <a:t> </a:t>
+            </a:r>
+            <a:r>
+              <a:rPr lang="en-US" altLang="ko-KR" sz="2000" dirty="0" err="1"/>
+              <a:t>init</a:t>
+            </a:r>
+            <a:endParaRPr lang="en-US" altLang="ko-KR" sz="2000" dirty="0"/>
+          </a:p>
+          <a:p>
+            <a:pPr lvl="1"/>
+            <a:r>
+              <a:rPr lang="en-US" altLang="ko-KR" sz="2000" dirty="0" err="1"/>
+              <a:t>git</a:t>
+            </a:r>
+            <a:r>
+              <a:rPr lang="en-US" altLang="ko-KR" sz="2000" dirty="0"/>
+              <a:t> remote add origin </a:t>
+            </a:r>
+            <a:r>
+              <a:rPr lang="en-US" altLang="ko-KR" sz="2000" dirty="0" smtClean="0">
+                <a:hlinkClick r:id="rId2"/>
+              </a:rPr>
+              <a:t>git@github.com:jeong-wooseok/</a:t>
+            </a:r>
+            <a:r>
+              <a:rPr lang="en-US" altLang="ko-KR" sz="2000" dirty="0" err="1" smtClean="0">
+                <a:hlinkClick r:id="rId2"/>
+              </a:rPr>
+              <a:t>argocd-practice.git</a:t>
+            </a:r>
+            <a:r>
+              <a:rPr lang="en-US" altLang="ko-KR" sz="2000" dirty="0" smtClean="0"/>
+              <a:t> </a:t>
+            </a:r>
+            <a:r>
+              <a:rPr lang="en-US" altLang="ko-KR" sz="2000" dirty="0">
+                <a:solidFill>
+                  <a:schemeClr val="accent5">
+                    <a:lumMod val="50000"/>
+                  </a:schemeClr>
+                </a:solidFill>
+              </a:rPr>
+              <a:t> </a:t>
+            </a:r>
+            <a:r>
+              <a:rPr lang="en-US" altLang="ko-KR" sz="2000" dirty="0" smtClean="0">
+                <a:solidFill>
+                  <a:schemeClr val="accent5">
+                    <a:lumMod val="50000"/>
+                  </a:schemeClr>
+                </a:solidFill>
+              </a:rPr>
+              <a:t>#</a:t>
+            </a:r>
+            <a:r>
+              <a:rPr lang="ko-KR" altLang="en-US" sz="2000" dirty="0" smtClean="0">
+                <a:solidFill>
+                  <a:schemeClr val="accent5">
+                    <a:lumMod val="50000"/>
+                  </a:schemeClr>
+                </a:solidFill>
+              </a:rPr>
+              <a:t>깃허브 경로를 붙이기</a:t>
+            </a:r>
+            <a:endParaRPr lang="en-US" altLang="ko-KR" sz="2000" dirty="0"/>
+          </a:p>
+          <a:p>
+            <a:pPr lvl="1"/>
+            <a:r>
+              <a:rPr lang="en-US" altLang="ko-KR" sz="2000" dirty="0" err="1" smtClean="0"/>
+              <a:t>git</a:t>
+            </a:r>
+            <a:r>
+              <a:rPr lang="en-US" altLang="ko-KR" sz="2000" dirty="0" smtClean="0"/>
+              <a:t> </a:t>
+            </a:r>
+            <a:r>
+              <a:rPr lang="en-US" altLang="ko-KR" sz="2000" dirty="0"/>
+              <a:t>branch </a:t>
+            </a:r>
+            <a:r>
+              <a:rPr lang="en-US" altLang="ko-KR" sz="2000" dirty="0" smtClean="0"/>
+              <a:t>-M main </a:t>
+            </a:r>
+            <a:r>
+              <a:rPr lang="en-US" altLang="ko-KR" sz="2000" dirty="0">
+                <a:solidFill>
+                  <a:schemeClr val="accent5">
+                    <a:lumMod val="50000"/>
+                  </a:schemeClr>
+                </a:solidFill>
+              </a:rPr>
+              <a:t>#</a:t>
+            </a:r>
+            <a:r>
+              <a:rPr lang="ko-KR" altLang="en-US" sz="2000" dirty="0" smtClean="0">
+                <a:solidFill>
+                  <a:schemeClr val="accent5">
+                    <a:lumMod val="50000"/>
+                  </a:schemeClr>
+                </a:solidFill>
+              </a:rPr>
+              <a:t>브랜치 생성</a:t>
+            </a:r>
+            <a:endParaRPr lang="en-US" altLang="ko-KR" sz="2000" dirty="0">
+              <a:solidFill>
+                <a:schemeClr val="accent5">
+                  <a:lumMod val="50000"/>
+                </a:schemeClr>
+              </a:solidFill>
+            </a:endParaRPr>
+          </a:p>
+          <a:p>
+            <a:pPr lvl="1"/>
+            <a:r>
+              <a:rPr lang="en-US" altLang="ko-KR" sz="2000" dirty="0" err="1" smtClean="0"/>
+              <a:t>git</a:t>
+            </a:r>
+            <a:r>
+              <a:rPr lang="en-US" altLang="ko-KR" sz="2000" dirty="0" smtClean="0"/>
+              <a:t> </a:t>
+            </a:r>
+            <a:r>
+              <a:rPr lang="en-US" altLang="ko-KR" sz="2000" dirty="0"/>
+              <a:t>add </a:t>
+            </a:r>
+            <a:r>
+              <a:rPr lang="en-US" altLang="ko-KR" sz="2000" dirty="0" smtClean="0"/>
+              <a:t>.  </a:t>
+            </a:r>
+            <a:endParaRPr lang="en-US" altLang="ko-KR" sz="2000" dirty="0"/>
+          </a:p>
+          <a:p>
+            <a:pPr lvl="1"/>
+            <a:r>
+              <a:rPr lang="en-US" altLang="ko-KR" sz="2000" dirty="0" err="1"/>
+              <a:t>git</a:t>
+            </a:r>
+            <a:r>
+              <a:rPr lang="en-US" altLang="ko-KR" sz="2000" dirty="0"/>
+              <a:t> commit -m "</a:t>
+            </a:r>
+            <a:r>
+              <a:rPr lang="en-US" altLang="ko-KR" sz="2000" dirty="0" err="1" smtClean="0"/>
+              <a:t>argocd-practice1</a:t>
+            </a:r>
+            <a:r>
+              <a:rPr lang="en-US" altLang="ko-KR" sz="2000" dirty="0" smtClean="0"/>
+              <a:t>”</a:t>
+            </a:r>
+            <a:endParaRPr lang="en-US" altLang="ko-KR" sz="2000" dirty="0"/>
+          </a:p>
+          <a:p>
+            <a:pPr lvl="1"/>
+            <a:r>
+              <a:rPr lang="en-US" altLang="ko-KR" sz="2000" dirty="0" err="1"/>
+              <a:t>git</a:t>
+            </a:r>
+            <a:r>
+              <a:rPr lang="en-US" altLang="ko-KR" sz="2000" dirty="0"/>
+              <a:t> push -u origin main</a:t>
+            </a:r>
+          </a:p>
+          <a:p>
+            <a:pPr lvl="1"/>
+            <a:endParaRPr lang="ko-KR" altLang="en-US" dirty="0"/>
+          </a:p>
+        </p:txBody>
+      </p:sp>
+      <p:pic>
+        <p:nvPicPr>
+          <p:cNvPr id="9" name="Picture 8"/>
+          <p:cNvPicPr>
+            <a:picLocks noChangeAspect="1"/>
+          </p:cNvPicPr>
+          <p:nvPr/>
+        </p:nvPicPr>
+        <p:blipFill>
+          <a:blip r:embed="rId3"/>
+          <a:stretch>
+            <a:fillRect/>
+          </a:stretch>
+        </p:blipFill>
+        <p:spPr>
+          <a:xfrm>
+            <a:off x="5877597" y="4574730"/>
+            <a:ext cx="5328914" cy="1951985"/>
+          </a:xfrm>
+          <a:prstGeom prst="rect">
+            <a:avLst/>
+          </a:prstGeom>
+        </p:spPr>
+      </p:pic>
+    </p:spTree>
+    <p:extLst>
+      <p:ext uri="{BB962C8B-B14F-4D97-AF65-F5344CB8AC3E}">
+        <p14:creationId xmlns:p14="http://schemas.microsoft.com/office/powerpoint/2010/main" val="4070251527"/>
+      </p:ext>
+    </p:extLst>
+  </p:cSld>
+  <p:clrMapOvr>
+    <a:masterClrMapping/>
+  </p:clrMapOvr>
+  <p:timing>
+    <p:tnLst>
+      <p:par>
+        <p:cTn id="1" dur="indefinite" restart="never" nodeType="tmRoot"/>
+      </p:par>
+    </p:tnLst>
+  </p:timing>
+</p:sld>
+</file>
+
+<file path=ppt/slides/slide15.xml><?xml version="1.0" encoding="utf-8"?>
+<p:sld xmlns:a="http://schemas.openxmlformats.org/drawingml/2006/main" xmlns:r="http://schemas.openxmlformats.org/officeDocument/2006/relationships" xmlns:p="http://schemas.openxmlformats.org/presentationml/2006/main">
+  <p:cSld>
+    <p:spTree>
+      <p:nvGrpSpPr>
+        <p:cNvPr id="1" name=""/>
+        <p:cNvGrpSpPr/>
+        <p:nvPr/>
+      </p:nvGrpSpPr>
+      <p:grpSpPr>
+        <a:xfrm>
+          <a:off x="0" y="0"/>
+          <a:ext cx="0" cy="0"/>
+          <a:chOff x="0" y="0"/>
+          <a:chExt cx="0" cy="0"/>
+        </a:xfrm>
+      </p:grpSpPr>
+      <p:pic>
+        <p:nvPicPr>
+          <p:cNvPr id="4" name="Picture 3"/>
+          <p:cNvPicPr>
+            <a:picLocks noChangeAspect="1"/>
+          </p:cNvPicPr>
+          <p:nvPr/>
+        </p:nvPicPr>
+        <p:blipFill>
+          <a:blip r:embed="rId2"/>
+          <a:stretch>
+            <a:fillRect/>
+          </a:stretch>
+        </p:blipFill>
+        <p:spPr>
+          <a:xfrm>
+            <a:off x="838200" y="1946539"/>
+            <a:ext cx="7421011" cy="3915321"/>
+          </a:xfrm>
+          <a:prstGeom prst="rect">
+            <a:avLst/>
+          </a:prstGeom>
+        </p:spPr>
+      </p:pic>
+      <p:pic>
+        <p:nvPicPr>
+          <p:cNvPr id="16" name="Picture 15"/>
+          <p:cNvPicPr>
+            <a:picLocks noChangeAspect="1"/>
+          </p:cNvPicPr>
+          <p:nvPr/>
+        </p:nvPicPr>
+        <p:blipFill>
+          <a:blip r:embed="rId3"/>
+          <a:stretch>
+            <a:fillRect/>
+          </a:stretch>
+        </p:blipFill>
+        <p:spPr>
+          <a:xfrm>
+            <a:off x="6344292" y="1245561"/>
+            <a:ext cx="4563112" cy="5306165"/>
+          </a:xfrm>
+          <a:prstGeom prst="rect">
+            <a:avLst/>
+          </a:prstGeom>
+        </p:spPr>
+      </p:pic>
+      <p:sp>
+        <p:nvSpPr>
+          <p:cNvPr id="2" name="Title 1"/>
+          <p:cNvSpPr>
+            <a:spLocks noGrp="1"/>
+          </p:cNvSpPr>
+          <p:nvPr>
+            <p:ph type="title"/>
+          </p:nvPr>
+        </p:nvSpPr>
+        <p:spPr/>
+        <p:txBody>
+          <a:bodyPr/>
+          <a:lstStyle/>
+          <a:p>
+            <a:r>
+              <a:rPr lang="en-US" altLang="ko-KR" dirty="0"/>
+              <a:t>2.CD – </a:t>
+            </a:r>
+            <a:r>
+              <a:rPr lang="en-US" altLang="ko-KR" dirty="0" err="1"/>
+              <a:t>ArgoCD</a:t>
+            </a:r>
+            <a:r>
+              <a:rPr lang="en-US" altLang="ko-KR" dirty="0"/>
+              <a:t> </a:t>
+            </a:r>
+            <a:r>
+              <a:rPr lang="ko-KR" altLang="en-US" dirty="0"/>
+              <a:t>실습</a:t>
+            </a:r>
+          </a:p>
+        </p:txBody>
+      </p:sp>
+      <p:sp>
+        <p:nvSpPr>
+          <p:cNvPr id="3" name="Content Placeholder 2"/>
+          <p:cNvSpPr>
+            <a:spLocks noGrp="1"/>
+          </p:cNvSpPr>
+          <p:nvPr>
+            <p:ph idx="1"/>
+          </p:nvPr>
+        </p:nvSpPr>
+        <p:spPr/>
+        <p:txBody>
+          <a:bodyPr/>
+          <a:lstStyle/>
+          <a:p>
+            <a:r>
+              <a:rPr lang="ko-KR" altLang="en-US" dirty="0" smtClean="0"/>
+              <a:t>레포지토리에 추가합니다</a:t>
+            </a:r>
+            <a:r>
+              <a:rPr lang="en-US" altLang="ko-KR" dirty="0" smtClean="0"/>
+              <a:t>.</a:t>
+            </a:r>
+            <a:endParaRPr lang="ko-KR" altLang="en-US" dirty="0"/>
+          </a:p>
+        </p:txBody>
+      </p:sp>
+      <p:sp>
+        <p:nvSpPr>
+          <p:cNvPr id="5" name="Rectangle 4"/>
+          <p:cNvSpPr/>
+          <p:nvPr/>
+        </p:nvSpPr>
+        <p:spPr>
+          <a:xfrm>
+            <a:off x="3735044" y="4251074"/>
+            <a:ext cx="1627322" cy="413798"/>
+          </a:xfrm>
+          <a:prstGeom prst="rect">
+            <a:avLst/>
+          </a:prstGeom>
+          <a:solidFill>
+            <a:srgbClr val="FFFFFF">
+              <a:alpha val="50196"/>
+            </a:srgbClr>
+          </a:solidFill>
+          <a:ln w="57150">
+            <a:solidFill>
+              <a:srgbClr val="C00000"/>
+            </a:solidFill>
+          </a:ln>
+        </p:spPr>
+        <p:style>
+          <a:lnRef idx="2">
+            <a:schemeClr val="accent1">
+              <a:shade val="50000"/>
+            </a:schemeClr>
+          </a:lnRef>
+          <a:fillRef idx="1">
+            <a:schemeClr val="accent1"/>
+          </a:fillRef>
+          <a:effectRef idx="0">
+            <a:schemeClr val="accent1"/>
+          </a:effectRef>
+          <a:fontRef idx="minor">
+            <a:schemeClr val="lt1"/>
+          </a:fontRef>
+        </p:style>
+        <p:txBody>
+          <a:bodyPr rtlCol="0" anchor="ctr"/>
+          <a:lstStyle/>
+          <a:p>
+            <a:pPr algn="ctr"/>
+            <a:r>
+              <a:rPr lang="ko-KR" altLang="en-US" dirty="0" smtClean="0">
+                <a:solidFill>
+                  <a:srgbClr val="C00000"/>
+                </a:solidFill>
+              </a:rPr>
+              <a:t>①</a:t>
+            </a:r>
+            <a:endParaRPr lang="ko-KR" altLang="en-US" dirty="0">
+              <a:solidFill>
+                <a:srgbClr val="C00000"/>
+              </a:solidFill>
+            </a:endParaRPr>
+          </a:p>
+        </p:txBody>
+      </p:sp>
+      <p:pic>
+        <p:nvPicPr>
+          <p:cNvPr id="6" name="Picture 5"/>
+          <p:cNvPicPr>
+            <a:picLocks noChangeAspect="1"/>
+          </p:cNvPicPr>
+          <p:nvPr/>
+        </p:nvPicPr>
+        <p:blipFill>
+          <a:blip r:embed="rId4"/>
+          <a:stretch>
+            <a:fillRect/>
+          </a:stretch>
+        </p:blipFill>
+        <p:spPr>
+          <a:xfrm>
+            <a:off x="3324446" y="4776307"/>
+            <a:ext cx="3019846" cy="1000265"/>
+          </a:xfrm>
+          <a:prstGeom prst="rect">
+            <a:avLst/>
+          </a:prstGeom>
+        </p:spPr>
+      </p:pic>
+      <p:sp>
+        <p:nvSpPr>
+          <p:cNvPr id="8" name="Rectangle 7"/>
+          <p:cNvSpPr/>
+          <p:nvPr/>
+        </p:nvSpPr>
+        <p:spPr>
+          <a:xfrm>
+            <a:off x="3372289" y="5240064"/>
+            <a:ext cx="1479384" cy="413798"/>
+          </a:xfrm>
+          <a:prstGeom prst="rect">
+            <a:avLst/>
+          </a:prstGeom>
+          <a:solidFill>
+            <a:srgbClr val="FFFFFF">
+              <a:alpha val="50196"/>
+            </a:srgbClr>
+          </a:solidFill>
+          <a:ln w="57150">
+            <a:solidFill>
+              <a:srgbClr val="C00000"/>
+            </a:solidFill>
+          </a:ln>
+        </p:spPr>
+        <p:style>
+          <a:lnRef idx="2">
+            <a:schemeClr val="accent1">
+              <a:shade val="50000"/>
+            </a:schemeClr>
+          </a:lnRef>
+          <a:fillRef idx="1">
+            <a:schemeClr val="accent1"/>
+          </a:fillRef>
+          <a:effectRef idx="0">
+            <a:schemeClr val="accent1"/>
+          </a:effectRef>
+          <a:fontRef idx="minor">
+            <a:schemeClr val="lt1"/>
+          </a:fontRef>
+        </p:style>
+        <p:txBody>
+          <a:bodyPr rtlCol="0" anchor="ctr"/>
+          <a:lstStyle/>
+          <a:p>
+            <a:pPr algn="ctr"/>
+            <a:r>
+              <a:rPr lang="ko-KR" altLang="en-US" dirty="0" smtClean="0">
+                <a:solidFill>
+                  <a:srgbClr val="C00000"/>
+                </a:solidFill>
+              </a:rPr>
+              <a:t>②</a:t>
+            </a:r>
+            <a:endParaRPr lang="ko-KR" altLang="en-US" dirty="0">
+              <a:solidFill>
+                <a:srgbClr val="C00000"/>
+              </a:solidFill>
+            </a:endParaRPr>
+          </a:p>
+        </p:txBody>
+      </p:sp>
+      <p:sp>
+        <p:nvSpPr>
+          <p:cNvPr id="10" name="Rectangle 9"/>
+          <p:cNvSpPr/>
+          <p:nvPr/>
+        </p:nvSpPr>
+        <p:spPr>
+          <a:xfrm>
+            <a:off x="7618748" y="2579725"/>
+            <a:ext cx="1010440" cy="413798"/>
+          </a:xfrm>
+          <a:prstGeom prst="rect">
+            <a:avLst/>
+          </a:prstGeom>
+          <a:solidFill>
+            <a:srgbClr val="FFFFFF">
+              <a:alpha val="50196"/>
+            </a:srgbClr>
+          </a:solidFill>
+          <a:ln w="57150">
+            <a:solidFill>
+              <a:srgbClr val="C00000"/>
+            </a:solidFill>
+          </a:ln>
+        </p:spPr>
+        <p:style>
+          <a:lnRef idx="2">
+            <a:schemeClr val="accent1">
+              <a:shade val="50000"/>
+            </a:schemeClr>
+          </a:lnRef>
+          <a:fillRef idx="1">
+            <a:schemeClr val="accent1"/>
+          </a:fillRef>
+          <a:effectRef idx="0">
+            <a:schemeClr val="accent1"/>
+          </a:effectRef>
+          <a:fontRef idx="minor">
+            <a:schemeClr val="lt1"/>
+          </a:fontRef>
+        </p:style>
+        <p:txBody>
+          <a:bodyPr rtlCol="0" anchor="ctr"/>
+          <a:lstStyle/>
+          <a:p>
+            <a:pPr algn="ctr"/>
+            <a:r>
+              <a:rPr lang="ko-KR" altLang="en-US" dirty="0" smtClean="0">
+                <a:solidFill>
+                  <a:srgbClr val="C00000"/>
+                </a:solidFill>
+              </a:rPr>
+              <a:t>③</a:t>
+            </a:r>
+            <a:endParaRPr lang="ko-KR" altLang="en-US" dirty="0">
+              <a:solidFill>
+                <a:srgbClr val="C00000"/>
+              </a:solidFill>
+            </a:endParaRPr>
+          </a:p>
+        </p:txBody>
+      </p:sp>
+      <p:sp>
+        <p:nvSpPr>
+          <p:cNvPr id="11" name="Rectangle 10"/>
+          <p:cNvSpPr/>
+          <p:nvPr/>
+        </p:nvSpPr>
+        <p:spPr>
+          <a:xfrm>
+            <a:off x="7371772" y="4457973"/>
+            <a:ext cx="1010440" cy="413798"/>
+          </a:xfrm>
+          <a:prstGeom prst="rect">
+            <a:avLst/>
+          </a:prstGeom>
+          <a:solidFill>
+            <a:srgbClr val="FFFFFF">
+              <a:alpha val="50196"/>
+            </a:srgbClr>
+          </a:solidFill>
+          <a:ln w="57150">
+            <a:solidFill>
+              <a:srgbClr val="C00000"/>
+            </a:solidFill>
+          </a:ln>
+        </p:spPr>
+        <p:style>
+          <a:lnRef idx="2">
+            <a:schemeClr val="accent1">
+              <a:shade val="50000"/>
+            </a:schemeClr>
+          </a:lnRef>
+          <a:fillRef idx="1">
+            <a:schemeClr val="accent1"/>
+          </a:fillRef>
+          <a:effectRef idx="0">
+            <a:schemeClr val="accent1"/>
+          </a:effectRef>
+          <a:fontRef idx="minor">
+            <a:schemeClr val="lt1"/>
+          </a:fontRef>
+        </p:style>
+        <p:txBody>
+          <a:bodyPr rtlCol="0" anchor="ctr"/>
+          <a:lstStyle/>
+          <a:p>
+            <a:pPr algn="ctr"/>
+            <a:r>
+              <a:rPr lang="ko-KR" altLang="en-US" dirty="0" smtClean="0">
+                <a:solidFill>
+                  <a:srgbClr val="C00000"/>
+                </a:solidFill>
+              </a:rPr>
+              <a:t>④</a:t>
+            </a:r>
+            <a:endParaRPr lang="ko-KR" altLang="en-US" dirty="0">
+              <a:solidFill>
+                <a:srgbClr val="C00000"/>
+              </a:solidFill>
+            </a:endParaRPr>
+          </a:p>
+        </p:txBody>
+      </p:sp>
+      <p:sp>
+        <p:nvSpPr>
+          <p:cNvPr id="12" name="Rectangle 11"/>
+          <p:cNvSpPr/>
+          <p:nvPr/>
+        </p:nvSpPr>
+        <p:spPr>
+          <a:xfrm>
+            <a:off x="7331691" y="5362774"/>
+            <a:ext cx="1010440" cy="413798"/>
+          </a:xfrm>
+          <a:prstGeom prst="rect">
+            <a:avLst/>
+          </a:prstGeom>
+          <a:solidFill>
+            <a:srgbClr val="FFFFFF">
+              <a:alpha val="50196"/>
+            </a:srgbClr>
+          </a:solidFill>
+          <a:ln w="57150">
+            <a:solidFill>
+              <a:srgbClr val="C00000"/>
+            </a:solidFill>
+          </a:ln>
+        </p:spPr>
+        <p:style>
+          <a:lnRef idx="2">
+            <a:schemeClr val="accent1">
+              <a:shade val="50000"/>
+            </a:schemeClr>
+          </a:lnRef>
+          <a:fillRef idx="1">
+            <a:schemeClr val="accent1"/>
+          </a:fillRef>
+          <a:effectRef idx="0">
+            <a:schemeClr val="accent1"/>
+          </a:effectRef>
+          <a:fontRef idx="minor">
+            <a:schemeClr val="lt1"/>
+          </a:fontRef>
+        </p:style>
+        <p:txBody>
+          <a:bodyPr rtlCol="0" anchor="ctr"/>
+          <a:lstStyle/>
+          <a:p>
+            <a:pPr algn="ctr"/>
+            <a:r>
+              <a:rPr lang="ko-KR" altLang="en-US" dirty="0" smtClean="0">
+                <a:solidFill>
+                  <a:srgbClr val="C00000"/>
+                </a:solidFill>
+              </a:rPr>
+              <a:t>⑤</a:t>
+            </a:r>
+            <a:endParaRPr lang="ko-KR" altLang="en-US" dirty="0">
+              <a:solidFill>
+                <a:srgbClr val="C00000"/>
+              </a:solidFill>
+            </a:endParaRPr>
+          </a:p>
+        </p:txBody>
+      </p:sp>
+      <p:sp>
+        <p:nvSpPr>
+          <p:cNvPr id="13" name="Rectangle 12"/>
+          <p:cNvSpPr/>
+          <p:nvPr/>
+        </p:nvSpPr>
+        <p:spPr>
+          <a:xfrm>
+            <a:off x="7331691" y="6203777"/>
+            <a:ext cx="1010440" cy="413798"/>
+          </a:xfrm>
+          <a:prstGeom prst="rect">
+            <a:avLst/>
+          </a:prstGeom>
+          <a:solidFill>
+            <a:srgbClr val="FFFFFF">
+              <a:alpha val="50196"/>
+            </a:srgbClr>
+          </a:solidFill>
+          <a:ln w="57150">
+            <a:solidFill>
+              <a:srgbClr val="C00000"/>
+            </a:solidFill>
+          </a:ln>
+        </p:spPr>
+        <p:style>
+          <a:lnRef idx="2">
+            <a:schemeClr val="accent1">
+              <a:shade val="50000"/>
+            </a:schemeClr>
+          </a:lnRef>
+          <a:fillRef idx="1">
+            <a:schemeClr val="accent1"/>
+          </a:fillRef>
+          <a:effectRef idx="0">
+            <a:schemeClr val="accent1"/>
+          </a:effectRef>
+          <a:fontRef idx="minor">
+            <a:schemeClr val="lt1"/>
+          </a:fontRef>
+        </p:style>
+        <p:txBody>
+          <a:bodyPr rtlCol="0" anchor="ctr"/>
+          <a:lstStyle/>
+          <a:p>
+            <a:pPr algn="ctr"/>
+            <a:r>
+              <a:rPr lang="ko-KR" altLang="en-US" dirty="0" smtClean="0">
+                <a:solidFill>
+                  <a:srgbClr val="C00000"/>
+                </a:solidFill>
+              </a:rPr>
+              <a:t>⑥</a:t>
+            </a:r>
+            <a:endParaRPr lang="ko-KR" altLang="en-US" dirty="0">
+              <a:solidFill>
+                <a:srgbClr val="C00000"/>
+              </a:solidFill>
+            </a:endParaRPr>
+          </a:p>
+        </p:txBody>
+      </p:sp>
+      <p:sp>
+        <p:nvSpPr>
+          <p:cNvPr id="14" name="Rectangle 13"/>
+          <p:cNvSpPr/>
+          <p:nvPr/>
+        </p:nvSpPr>
+        <p:spPr>
+          <a:xfrm>
+            <a:off x="6361332" y="1275252"/>
+            <a:ext cx="1010440" cy="413798"/>
+          </a:xfrm>
+          <a:prstGeom prst="rect">
+            <a:avLst/>
+          </a:prstGeom>
+          <a:solidFill>
+            <a:srgbClr val="FFFFFF">
+              <a:alpha val="50196"/>
+            </a:srgbClr>
+          </a:solidFill>
+          <a:ln w="57150">
+            <a:solidFill>
+              <a:srgbClr val="C00000"/>
+            </a:solidFill>
+          </a:ln>
+        </p:spPr>
+        <p:style>
+          <a:lnRef idx="2">
+            <a:schemeClr val="accent1">
+              <a:shade val="50000"/>
+            </a:schemeClr>
+          </a:lnRef>
+          <a:fillRef idx="1">
+            <a:schemeClr val="accent1"/>
+          </a:fillRef>
+          <a:effectRef idx="0">
+            <a:schemeClr val="accent1"/>
+          </a:effectRef>
+          <a:fontRef idx="minor">
+            <a:schemeClr val="lt1"/>
+          </a:fontRef>
+        </p:style>
+        <p:txBody>
+          <a:bodyPr rtlCol="0" anchor="ctr"/>
+          <a:lstStyle/>
+          <a:p>
+            <a:pPr algn="ctr"/>
+            <a:r>
+              <a:rPr lang="ko-KR" altLang="en-US" dirty="0" smtClean="0">
+                <a:solidFill>
+                  <a:srgbClr val="C00000"/>
+                </a:solidFill>
+              </a:rPr>
+              <a:t>⑦</a:t>
+            </a:r>
+            <a:endParaRPr lang="ko-KR" altLang="en-US" dirty="0">
+              <a:solidFill>
+                <a:srgbClr val="C00000"/>
+              </a:solidFill>
+            </a:endParaRPr>
+          </a:p>
+        </p:txBody>
+      </p:sp>
+      <p:pic>
+        <p:nvPicPr>
+          <p:cNvPr id="17" name="Picture 16"/>
+          <p:cNvPicPr>
+            <a:picLocks noChangeAspect="1"/>
+          </p:cNvPicPr>
+          <p:nvPr/>
+        </p:nvPicPr>
+        <p:blipFill>
+          <a:blip r:embed="rId5"/>
+          <a:stretch>
+            <a:fillRect/>
+          </a:stretch>
+        </p:blipFill>
+        <p:spPr>
+          <a:xfrm>
+            <a:off x="6691125" y="2889299"/>
+            <a:ext cx="4885873" cy="1597077"/>
+          </a:xfrm>
+          <a:prstGeom prst="rect">
+            <a:avLst/>
+          </a:prstGeom>
+        </p:spPr>
+      </p:pic>
+    </p:spTree>
+    <p:extLst>
+      <p:ext uri="{BB962C8B-B14F-4D97-AF65-F5344CB8AC3E}">
+        <p14:creationId xmlns:p14="http://schemas.microsoft.com/office/powerpoint/2010/main" val="3837018444"/>
+      </p:ext>
+    </p:extLst>
+  </p:cSld>
+  <p:clrMapOvr>
+    <a:masterClrMapping/>
+  </p:clrMapOvr>
+  <p:timing>
+    <p:tnLst>
+      <p:par>
+        <p:cTn id="1" dur="indefinite" restart="never" nodeType="tmRoot">
+          <p:childTnLst>
+            <p:seq concurrent="1" nextAc="seek">
+              <p:cTn id="2" dur="indefinite" nodeType="mainSeq">
+                <p:childTnLst>
+                  <p:par>
+                    <p:cTn id="3" fill="hold">
+                      <p:stCondLst>
+                        <p:cond delay="indefinite"/>
+                      </p:stCondLst>
+                      <p:childTnLst>
+                        <p:par>
+                          <p:cTn id="4" fill="hold">
+                            <p:stCondLst>
+                              <p:cond delay="0"/>
+                            </p:stCondLst>
+                            <p:childTnLst>
+                              <p:par>
+                                <p:cTn id="5" presetID="1" presetClass="entr" presetSubtype="0" fill="hold" nodeType="clickEffect">
+                                  <p:stCondLst>
+                                    <p:cond delay="0"/>
+                                  </p:stCondLst>
+                                  <p:childTnLst>
+                                    <p:set>
+                                      <p:cBhvr>
+                                        <p:cTn id="6" dur="1" fill="hold">
+                                          <p:stCondLst>
+                                            <p:cond delay="0"/>
+                                          </p:stCondLst>
+                                        </p:cTn>
+                                        <p:tgtEl>
+                                          <p:spTgt spid="17"/>
+                                        </p:tgtEl>
+                                        <p:attrNameLst>
+                                          <p:attrName>style.visibility</p:attrName>
+                                        </p:attrNameLst>
+                                      </p:cBhvr>
+                                      <p:to>
+                                        <p:strVal val="visible"/>
+                                      </p:to>
+                                    </p:set>
+                                  </p:childTnLst>
+                                </p:cTn>
+                              </p:par>
+                            </p:childTnLst>
+                          </p:cTn>
+                        </p:par>
+                      </p:childTnLst>
+                    </p:cTn>
+                  </p:par>
+                </p:childTnLst>
+              </p:cTn>
+              <p:prevCondLst>
+                <p:cond evt="onPrev" delay="0">
+                  <p:tgtEl>
+                    <p:sldTgt/>
+                  </p:tgtEl>
+                </p:cond>
+              </p:prevCondLst>
+              <p:nextCondLst>
+                <p:cond evt="onNext" delay="0">
+                  <p:tgtEl>
+                    <p:sldTgt/>
+                  </p:tgtEl>
+                </p:cond>
+              </p:nextCondLst>
+            </p:seq>
+          </p:childTnLst>
+        </p:cTn>
+      </p:par>
+    </p:tnLst>
+  </p:timing>
+</p:sld>
+</file>
+
+<file path=ppt/slides/slide16.xml><?xml version="1.0" encoding="utf-8"?>
+<p:sld xmlns:a="http://schemas.openxmlformats.org/drawingml/2006/main" xmlns:r="http://schemas.openxmlformats.org/officeDocument/2006/relationships" xmlns:p="http://schemas.openxmlformats.org/presentationml/2006/main">
+  <p:cSld>
+    <p:spTree>
+      <p:nvGrpSpPr>
+        <p:cNvPr id="1" name=""/>
+        <p:cNvGrpSpPr/>
+        <p:nvPr/>
+      </p:nvGrpSpPr>
+      <p:grpSpPr>
+        <a:xfrm>
+          <a:off x="0" y="0"/>
+          <a:ext cx="0" cy="0"/>
+          <a:chOff x="0" y="0"/>
+          <a:chExt cx="0" cy="0"/>
+        </a:xfrm>
+      </p:grpSpPr>
+      <p:sp>
+        <p:nvSpPr>
+          <p:cNvPr id="2" name="Title 1"/>
+          <p:cNvSpPr>
+            <a:spLocks noGrp="1"/>
+          </p:cNvSpPr>
+          <p:nvPr>
+            <p:ph type="title"/>
+          </p:nvPr>
+        </p:nvSpPr>
+        <p:spPr/>
+        <p:txBody>
+          <a:bodyPr/>
+          <a:lstStyle/>
+          <a:p>
+            <a:r>
+              <a:rPr lang="en-US" altLang="ko-KR" dirty="0"/>
+              <a:t>2.CD – </a:t>
+            </a:r>
+            <a:r>
+              <a:rPr lang="en-US" altLang="ko-KR" dirty="0" err="1"/>
+              <a:t>ArgoCD</a:t>
+            </a:r>
+            <a:r>
+              <a:rPr lang="en-US" altLang="ko-KR" dirty="0"/>
+              <a:t> </a:t>
+            </a:r>
+            <a:r>
+              <a:rPr lang="ko-KR" altLang="en-US" dirty="0"/>
+              <a:t>실습</a:t>
+            </a:r>
+          </a:p>
+        </p:txBody>
+      </p:sp>
+      <p:sp>
+        <p:nvSpPr>
+          <p:cNvPr id="3" name="Content Placeholder 2"/>
+          <p:cNvSpPr>
+            <a:spLocks noGrp="1"/>
+          </p:cNvSpPr>
+          <p:nvPr>
+            <p:ph idx="1"/>
+          </p:nvPr>
+        </p:nvSpPr>
+        <p:spPr/>
+        <p:txBody>
+          <a:bodyPr/>
+          <a:lstStyle/>
+          <a:p>
+            <a:r>
+              <a:rPr lang="ko-KR" altLang="en-US" dirty="0" smtClean="0"/>
+              <a:t>제대로 추가된 후에는 </a:t>
+            </a:r>
+            <a:r>
+              <a:rPr lang="en-US" altLang="ko-KR" dirty="0" smtClean="0"/>
+              <a:t>applications </a:t>
+            </a:r>
+            <a:r>
+              <a:rPr lang="ko-KR" altLang="en-US" dirty="0" smtClean="0"/>
+              <a:t>클릭</a:t>
+            </a:r>
+            <a:endParaRPr lang="ko-KR" altLang="en-US" dirty="0"/>
+          </a:p>
+        </p:txBody>
+      </p:sp>
+      <p:pic>
+        <p:nvPicPr>
+          <p:cNvPr id="5" name="Picture 4"/>
+          <p:cNvPicPr>
+            <a:picLocks noChangeAspect="1"/>
+          </p:cNvPicPr>
+          <p:nvPr/>
+        </p:nvPicPr>
+        <p:blipFill>
+          <a:blip r:embed="rId2"/>
+          <a:stretch>
+            <a:fillRect/>
+          </a:stretch>
+        </p:blipFill>
+        <p:spPr>
+          <a:xfrm>
+            <a:off x="838200" y="2111116"/>
+            <a:ext cx="3229426" cy="2400635"/>
+          </a:xfrm>
+          <a:prstGeom prst="rect">
+            <a:avLst/>
+          </a:prstGeom>
+        </p:spPr>
+      </p:pic>
+      <p:sp>
+        <p:nvSpPr>
+          <p:cNvPr id="6" name="Rectangle 5"/>
+          <p:cNvSpPr/>
+          <p:nvPr/>
+        </p:nvSpPr>
+        <p:spPr>
+          <a:xfrm>
+            <a:off x="838200" y="2970914"/>
+            <a:ext cx="1627322" cy="413798"/>
+          </a:xfrm>
+          <a:prstGeom prst="rect">
+            <a:avLst/>
+          </a:prstGeom>
+          <a:solidFill>
+            <a:srgbClr val="FFFFFF">
+              <a:alpha val="50196"/>
+            </a:srgbClr>
+          </a:solidFill>
+          <a:ln w="57150">
+            <a:solidFill>
+              <a:srgbClr val="C00000"/>
+            </a:solidFill>
+          </a:ln>
+        </p:spPr>
+        <p:style>
+          <a:lnRef idx="2">
+            <a:schemeClr val="accent1">
+              <a:shade val="50000"/>
+            </a:schemeClr>
+          </a:lnRef>
+          <a:fillRef idx="1">
+            <a:schemeClr val="accent1"/>
+          </a:fillRef>
+          <a:effectRef idx="0">
+            <a:schemeClr val="accent1"/>
+          </a:effectRef>
+          <a:fontRef idx="minor">
+            <a:schemeClr val="lt1"/>
+          </a:fontRef>
+        </p:style>
+        <p:txBody>
+          <a:bodyPr rtlCol="0" anchor="ctr"/>
+          <a:lstStyle/>
+          <a:p>
+            <a:pPr algn="ctr"/>
+            <a:r>
+              <a:rPr lang="ko-KR" altLang="en-US" dirty="0" smtClean="0">
+                <a:solidFill>
+                  <a:srgbClr val="C00000"/>
+                </a:solidFill>
+              </a:rPr>
+              <a:t>①</a:t>
+            </a:r>
+            <a:endParaRPr lang="ko-KR" altLang="en-US" dirty="0">
+              <a:solidFill>
+                <a:srgbClr val="C00000"/>
+              </a:solidFill>
+            </a:endParaRPr>
+          </a:p>
+        </p:txBody>
+      </p:sp>
+      <p:sp>
+        <p:nvSpPr>
+          <p:cNvPr id="7" name="Rectangle 6"/>
+          <p:cNvSpPr/>
+          <p:nvPr/>
+        </p:nvSpPr>
+        <p:spPr>
+          <a:xfrm>
+            <a:off x="2852885" y="2557116"/>
+            <a:ext cx="1214741" cy="413798"/>
+          </a:xfrm>
+          <a:prstGeom prst="rect">
+            <a:avLst/>
+          </a:prstGeom>
+          <a:solidFill>
+            <a:srgbClr val="FFFFFF">
+              <a:alpha val="50196"/>
+            </a:srgbClr>
+          </a:solidFill>
+          <a:ln w="57150">
+            <a:solidFill>
+              <a:srgbClr val="C00000"/>
+            </a:solidFill>
+          </a:ln>
+        </p:spPr>
+        <p:style>
+          <a:lnRef idx="2">
+            <a:schemeClr val="accent1">
+              <a:shade val="50000"/>
+            </a:schemeClr>
+          </a:lnRef>
+          <a:fillRef idx="1">
+            <a:schemeClr val="accent1"/>
+          </a:fillRef>
+          <a:effectRef idx="0">
+            <a:schemeClr val="accent1"/>
+          </a:effectRef>
+          <a:fontRef idx="minor">
+            <a:schemeClr val="lt1"/>
+          </a:fontRef>
+        </p:style>
+        <p:txBody>
+          <a:bodyPr rtlCol="0" anchor="ctr"/>
+          <a:lstStyle/>
+          <a:p>
+            <a:pPr algn="ctr"/>
+            <a:r>
+              <a:rPr lang="ko-KR" altLang="en-US" dirty="0" smtClean="0">
+                <a:solidFill>
+                  <a:srgbClr val="C00000"/>
+                </a:solidFill>
+              </a:rPr>
+              <a:t>②</a:t>
+            </a:r>
+            <a:endParaRPr lang="ko-KR" altLang="en-US" dirty="0">
+              <a:solidFill>
+                <a:srgbClr val="C00000"/>
+              </a:solidFill>
+            </a:endParaRPr>
+          </a:p>
+        </p:txBody>
+      </p:sp>
+      <p:pic>
+        <p:nvPicPr>
+          <p:cNvPr id="8" name="Picture 7"/>
+          <p:cNvPicPr>
+            <a:picLocks noChangeAspect="1"/>
+          </p:cNvPicPr>
+          <p:nvPr/>
+        </p:nvPicPr>
+        <p:blipFill>
+          <a:blip r:embed="rId3"/>
+          <a:stretch>
+            <a:fillRect/>
+          </a:stretch>
+        </p:blipFill>
+        <p:spPr>
+          <a:xfrm>
+            <a:off x="4337509" y="2012287"/>
+            <a:ext cx="6345638" cy="4385260"/>
+          </a:xfrm>
+          <a:prstGeom prst="rect">
+            <a:avLst/>
+          </a:prstGeom>
+        </p:spPr>
+      </p:pic>
+      <p:sp>
+        <p:nvSpPr>
+          <p:cNvPr id="9" name="Rectangle 8"/>
+          <p:cNvSpPr/>
+          <p:nvPr/>
+        </p:nvSpPr>
+        <p:spPr>
+          <a:xfrm>
+            <a:off x="5174339" y="2585370"/>
+            <a:ext cx="1010440" cy="385544"/>
+          </a:xfrm>
+          <a:prstGeom prst="rect">
+            <a:avLst/>
+          </a:prstGeom>
+          <a:solidFill>
+            <a:srgbClr val="FFFFFF">
+              <a:alpha val="50196"/>
+            </a:srgbClr>
+          </a:solidFill>
+          <a:ln w="57150">
+            <a:solidFill>
+              <a:srgbClr val="C00000"/>
+            </a:solidFill>
+          </a:ln>
+        </p:spPr>
+        <p:style>
+          <a:lnRef idx="2">
+            <a:schemeClr val="accent1">
+              <a:shade val="50000"/>
+            </a:schemeClr>
+          </a:lnRef>
+          <a:fillRef idx="1">
+            <a:schemeClr val="accent1"/>
+          </a:fillRef>
+          <a:effectRef idx="0">
+            <a:schemeClr val="accent1"/>
+          </a:effectRef>
+          <a:fontRef idx="minor">
+            <a:schemeClr val="lt1"/>
+          </a:fontRef>
+        </p:style>
+        <p:txBody>
+          <a:bodyPr rtlCol="0" anchor="ctr"/>
+          <a:lstStyle/>
+          <a:p>
+            <a:pPr algn="ctr"/>
+            <a:r>
+              <a:rPr lang="ko-KR" altLang="en-US" dirty="0" smtClean="0">
+                <a:solidFill>
+                  <a:srgbClr val="C00000"/>
+                </a:solidFill>
+              </a:rPr>
+              <a:t>③</a:t>
+            </a:r>
+            <a:endParaRPr lang="ko-KR" altLang="en-US" dirty="0">
+              <a:solidFill>
+                <a:srgbClr val="C00000"/>
+              </a:solidFill>
+            </a:endParaRPr>
+          </a:p>
+        </p:txBody>
+      </p:sp>
+      <p:sp>
+        <p:nvSpPr>
+          <p:cNvPr id="10" name="Rectangle 9"/>
+          <p:cNvSpPr/>
+          <p:nvPr/>
+        </p:nvSpPr>
+        <p:spPr>
+          <a:xfrm>
+            <a:off x="4954391" y="3384712"/>
+            <a:ext cx="1010440" cy="385544"/>
+          </a:xfrm>
+          <a:prstGeom prst="rect">
+            <a:avLst/>
+          </a:prstGeom>
+          <a:solidFill>
+            <a:srgbClr val="FFFFFF">
+              <a:alpha val="50196"/>
+            </a:srgbClr>
+          </a:solidFill>
+          <a:ln w="57150">
+            <a:solidFill>
+              <a:srgbClr val="C00000"/>
+            </a:solidFill>
+          </a:ln>
+        </p:spPr>
+        <p:style>
+          <a:lnRef idx="2">
+            <a:schemeClr val="accent1">
+              <a:shade val="50000"/>
+            </a:schemeClr>
+          </a:lnRef>
+          <a:fillRef idx="1">
+            <a:schemeClr val="accent1"/>
+          </a:fillRef>
+          <a:effectRef idx="0">
+            <a:schemeClr val="accent1"/>
+          </a:effectRef>
+          <a:fontRef idx="minor">
+            <a:schemeClr val="lt1"/>
+          </a:fontRef>
+        </p:style>
+        <p:txBody>
+          <a:bodyPr rtlCol="0" anchor="ctr"/>
+          <a:lstStyle/>
+          <a:p>
+            <a:pPr algn="ctr"/>
+            <a:r>
+              <a:rPr lang="ko-KR" altLang="en-US" dirty="0" smtClean="0">
+                <a:solidFill>
+                  <a:srgbClr val="C00000"/>
+                </a:solidFill>
+              </a:rPr>
+              <a:t>④</a:t>
+            </a:r>
+            <a:endParaRPr lang="ko-KR" altLang="en-US" dirty="0">
+              <a:solidFill>
+                <a:srgbClr val="C00000"/>
+              </a:solidFill>
+            </a:endParaRPr>
+          </a:p>
+        </p:txBody>
+      </p:sp>
+      <p:sp>
+        <p:nvSpPr>
+          <p:cNvPr id="11" name="Rectangle 10"/>
+          <p:cNvSpPr/>
+          <p:nvPr/>
+        </p:nvSpPr>
+        <p:spPr>
+          <a:xfrm>
+            <a:off x="4954391" y="4204917"/>
+            <a:ext cx="1010440" cy="385544"/>
+          </a:xfrm>
+          <a:prstGeom prst="rect">
+            <a:avLst/>
+          </a:prstGeom>
+          <a:solidFill>
+            <a:srgbClr val="FFFFFF">
+              <a:alpha val="50196"/>
+            </a:srgbClr>
+          </a:solidFill>
+          <a:ln w="57150">
+            <a:solidFill>
+              <a:srgbClr val="C00000"/>
+            </a:solidFill>
+          </a:ln>
+        </p:spPr>
+        <p:style>
+          <a:lnRef idx="2">
+            <a:schemeClr val="accent1">
+              <a:shade val="50000"/>
+            </a:schemeClr>
+          </a:lnRef>
+          <a:fillRef idx="1">
+            <a:schemeClr val="accent1"/>
+          </a:fillRef>
+          <a:effectRef idx="0">
+            <a:schemeClr val="accent1"/>
+          </a:effectRef>
+          <a:fontRef idx="minor">
+            <a:schemeClr val="lt1"/>
+          </a:fontRef>
+        </p:style>
+        <p:txBody>
+          <a:bodyPr rtlCol="0" anchor="ctr"/>
+          <a:lstStyle/>
+          <a:p>
+            <a:pPr algn="ctr"/>
+            <a:r>
+              <a:rPr lang="ko-KR" altLang="en-US" dirty="0" smtClean="0">
+                <a:solidFill>
+                  <a:srgbClr val="C00000"/>
+                </a:solidFill>
+              </a:rPr>
+              <a:t>⑤</a:t>
+            </a:r>
+            <a:endParaRPr lang="ko-KR" altLang="en-US" dirty="0">
+              <a:solidFill>
+                <a:srgbClr val="C00000"/>
+              </a:solidFill>
+            </a:endParaRPr>
+          </a:p>
+        </p:txBody>
+      </p:sp>
+      <p:sp>
+        <p:nvSpPr>
+          <p:cNvPr id="12" name="Rectangle 11"/>
+          <p:cNvSpPr/>
+          <p:nvPr/>
+        </p:nvSpPr>
+        <p:spPr>
+          <a:xfrm>
+            <a:off x="7707641" y="5584458"/>
+            <a:ext cx="1010440" cy="385544"/>
+          </a:xfrm>
+          <a:prstGeom prst="rect">
+            <a:avLst/>
+          </a:prstGeom>
+          <a:solidFill>
+            <a:srgbClr val="FFFFFF">
+              <a:alpha val="50196"/>
+            </a:srgbClr>
+          </a:solidFill>
+          <a:ln w="57150">
+            <a:solidFill>
+              <a:srgbClr val="C00000"/>
+            </a:solidFill>
+          </a:ln>
+        </p:spPr>
+        <p:style>
+          <a:lnRef idx="2">
+            <a:schemeClr val="accent1">
+              <a:shade val="50000"/>
+            </a:schemeClr>
+          </a:lnRef>
+          <a:fillRef idx="1">
+            <a:schemeClr val="accent1"/>
+          </a:fillRef>
+          <a:effectRef idx="0">
+            <a:schemeClr val="accent1"/>
+          </a:effectRef>
+          <a:fontRef idx="minor">
+            <a:schemeClr val="lt1"/>
+          </a:fontRef>
+        </p:style>
+        <p:txBody>
+          <a:bodyPr rtlCol="0" anchor="ctr"/>
+          <a:lstStyle/>
+          <a:p>
+            <a:pPr algn="ctr"/>
+            <a:r>
+              <a:rPr lang="ko-KR" altLang="en-US" dirty="0" smtClean="0">
+                <a:solidFill>
+                  <a:srgbClr val="C00000"/>
+                </a:solidFill>
+              </a:rPr>
+              <a:t>⑥</a:t>
+            </a:r>
+            <a:endParaRPr lang="ko-KR" altLang="en-US" dirty="0">
+              <a:solidFill>
+                <a:srgbClr val="C00000"/>
+              </a:solidFill>
+            </a:endParaRPr>
+          </a:p>
+        </p:txBody>
+      </p:sp>
+      <p:sp>
+        <p:nvSpPr>
+          <p:cNvPr id="13" name="Down Arrow Callout 12"/>
+          <p:cNvSpPr/>
+          <p:nvPr/>
+        </p:nvSpPr>
+        <p:spPr>
+          <a:xfrm>
+            <a:off x="10238910" y="3096981"/>
+            <a:ext cx="779563" cy="961006"/>
+          </a:xfrm>
+          <a:prstGeom prst="downArrowCallout">
+            <a:avLst>
+              <a:gd name="adj1" fmla="val 25000"/>
+              <a:gd name="adj2" fmla="val 50000"/>
+              <a:gd name="adj3" fmla="val 25000"/>
+              <a:gd name="adj4" fmla="val 29635"/>
+            </a:avLst>
+          </a:prstGeom>
+          <a:solidFill>
+            <a:srgbClr val="FFFFFF">
+              <a:alpha val="50196"/>
+            </a:srgbClr>
+          </a:solidFill>
+          <a:ln w="57150">
+            <a:solidFill>
+              <a:srgbClr val="C00000"/>
+            </a:solidFill>
+          </a:ln>
+        </p:spPr>
+        <p:style>
+          <a:lnRef idx="2">
+            <a:schemeClr val="accent1">
+              <a:shade val="50000"/>
+            </a:schemeClr>
+          </a:lnRef>
+          <a:fillRef idx="1">
+            <a:schemeClr val="accent1"/>
+          </a:fillRef>
+          <a:effectRef idx="0">
+            <a:schemeClr val="accent1"/>
+          </a:effectRef>
+          <a:fontRef idx="minor">
+            <a:schemeClr val="lt1"/>
+          </a:fontRef>
+        </p:style>
+        <p:txBody>
+          <a:bodyPr rtlCol="0" anchor="ctr"/>
+          <a:lstStyle/>
+          <a:p>
+            <a:pPr algn="ctr"/>
+            <a:r>
+              <a:rPr lang="ko-KR" altLang="en-US" dirty="0" smtClean="0">
+                <a:solidFill>
+                  <a:srgbClr val="C00000"/>
+                </a:solidFill>
+              </a:rPr>
+              <a:t>⑦</a:t>
+            </a:r>
+            <a:endParaRPr lang="ko-KR" altLang="en-US" dirty="0">
+              <a:solidFill>
+                <a:srgbClr val="C00000"/>
+              </a:solidFill>
+            </a:endParaRPr>
+          </a:p>
+        </p:txBody>
+      </p:sp>
+    </p:spTree>
+    <p:extLst>
+      <p:ext uri="{BB962C8B-B14F-4D97-AF65-F5344CB8AC3E}">
+        <p14:creationId xmlns:p14="http://schemas.microsoft.com/office/powerpoint/2010/main" val="3773266049"/>
+      </p:ext>
+    </p:extLst>
+  </p:cSld>
+  <p:clrMapOvr>
+    <a:masterClrMapping/>
+  </p:clrMapOvr>
+  <p:timing>
+    <p:tnLst>
+      <p:par>
+        <p:cTn id="1" dur="indefinite" restart="never" nodeType="tmRoot"/>
+      </p:par>
+    </p:tnLst>
+  </p:timing>
+</p:sld>
+</file>
+
+<file path=ppt/slides/slide17.xml><?xml version="1.0" encoding="utf-8"?>
+<p:sld xmlns:a="http://schemas.openxmlformats.org/drawingml/2006/main" xmlns:r="http://schemas.openxmlformats.org/officeDocument/2006/relationships" xmlns:p="http://schemas.openxmlformats.org/presentationml/2006/main">
+  <p:cSld>
+    <p:spTree>
+      <p:nvGrpSpPr>
+        <p:cNvPr id="1" name=""/>
+        <p:cNvGrpSpPr/>
+        <p:nvPr/>
+      </p:nvGrpSpPr>
+      <p:grpSpPr>
+        <a:xfrm>
+          <a:off x="0" y="0"/>
+          <a:ext cx="0" cy="0"/>
+          <a:chOff x="0" y="0"/>
+          <a:chExt cx="0" cy="0"/>
+        </a:xfrm>
+      </p:grpSpPr>
+      <p:sp>
+        <p:nvSpPr>
+          <p:cNvPr id="2" name="Title 1"/>
+          <p:cNvSpPr>
+            <a:spLocks noGrp="1"/>
+          </p:cNvSpPr>
+          <p:nvPr>
+            <p:ph type="title"/>
+          </p:nvPr>
+        </p:nvSpPr>
+        <p:spPr/>
+        <p:txBody>
+          <a:bodyPr/>
+          <a:lstStyle/>
+          <a:p>
+            <a:r>
+              <a:rPr lang="en-US" altLang="ko-KR" dirty="0"/>
+              <a:t>2.CD – </a:t>
+            </a:r>
+            <a:r>
+              <a:rPr lang="en-US" altLang="ko-KR" dirty="0" err="1"/>
+              <a:t>ArgoCD</a:t>
+            </a:r>
+            <a:r>
+              <a:rPr lang="en-US" altLang="ko-KR" dirty="0"/>
+              <a:t> </a:t>
+            </a:r>
+            <a:r>
+              <a:rPr lang="ko-KR" altLang="en-US" dirty="0"/>
+              <a:t>실습</a:t>
+            </a:r>
+          </a:p>
+        </p:txBody>
+      </p:sp>
+      <p:sp>
+        <p:nvSpPr>
+          <p:cNvPr id="3" name="Content Placeholder 2"/>
+          <p:cNvSpPr>
+            <a:spLocks noGrp="1"/>
+          </p:cNvSpPr>
+          <p:nvPr>
+            <p:ph idx="1"/>
+          </p:nvPr>
+        </p:nvSpPr>
+        <p:spPr/>
+        <p:txBody>
+          <a:bodyPr/>
+          <a:lstStyle/>
+          <a:p>
+            <a:r>
+              <a:rPr lang="ko-KR" altLang="en-US" dirty="0" smtClean="0"/>
+              <a:t>정보를 전부 입력 후 </a:t>
+            </a:r>
+            <a:r>
+              <a:rPr lang="en-US" altLang="ko-KR" dirty="0" smtClean="0"/>
+              <a:t>create</a:t>
+            </a:r>
+            <a:r>
+              <a:rPr lang="ko-KR" altLang="en-US" dirty="0" smtClean="0"/>
+              <a:t>를 클릭합니다</a:t>
+            </a:r>
+            <a:r>
+              <a:rPr lang="en-US" altLang="ko-KR" dirty="0" smtClean="0"/>
+              <a:t>.</a:t>
+            </a:r>
+            <a:endParaRPr lang="ko-KR" altLang="en-US" dirty="0"/>
+          </a:p>
+        </p:txBody>
+      </p:sp>
+      <p:pic>
+        <p:nvPicPr>
+          <p:cNvPr id="4" name="Picture 3"/>
+          <p:cNvPicPr>
+            <a:picLocks noChangeAspect="1"/>
+          </p:cNvPicPr>
+          <p:nvPr/>
+        </p:nvPicPr>
+        <p:blipFill>
+          <a:blip r:embed="rId2"/>
+          <a:stretch>
+            <a:fillRect/>
+          </a:stretch>
+        </p:blipFill>
+        <p:spPr>
+          <a:xfrm>
+            <a:off x="774392" y="2098671"/>
+            <a:ext cx="5016597" cy="4261831"/>
+          </a:xfrm>
+          <a:prstGeom prst="rect">
+            <a:avLst/>
+          </a:prstGeom>
+        </p:spPr>
+      </p:pic>
+      <p:sp>
+        <p:nvSpPr>
+          <p:cNvPr id="5" name="Rectangle 4"/>
+          <p:cNvSpPr/>
+          <p:nvPr/>
+        </p:nvSpPr>
+        <p:spPr>
+          <a:xfrm>
+            <a:off x="2385159" y="2512469"/>
+            <a:ext cx="1222632" cy="413798"/>
+          </a:xfrm>
+          <a:prstGeom prst="rect">
+            <a:avLst/>
+          </a:prstGeom>
+          <a:solidFill>
+            <a:srgbClr val="FFFFFF">
+              <a:alpha val="50196"/>
+            </a:srgbClr>
+          </a:solidFill>
+          <a:ln w="57150">
+            <a:solidFill>
+              <a:srgbClr val="C00000"/>
+            </a:solidFill>
+          </a:ln>
+        </p:spPr>
+        <p:style>
+          <a:lnRef idx="2">
+            <a:schemeClr val="accent1">
+              <a:shade val="50000"/>
+            </a:schemeClr>
+          </a:lnRef>
+          <a:fillRef idx="1">
+            <a:schemeClr val="accent1"/>
+          </a:fillRef>
+          <a:effectRef idx="0">
+            <a:schemeClr val="accent1"/>
+          </a:effectRef>
+          <a:fontRef idx="minor">
+            <a:schemeClr val="lt1"/>
+          </a:fontRef>
+        </p:style>
+        <p:txBody>
+          <a:bodyPr rtlCol="0" anchor="ctr"/>
+          <a:lstStyle/>
+          <a:p>
+            <a:pPr algn="ctr"/>
+            <a:r>
+              <a:rPr lang="ko-KR" altLang="en-US" dirty="0" smtClean="0">
+                <a:solidFill>
+                  <a:srgbClr val="C00000"/>
+                </a:solidFill>
+              </a:rPr>
+              <a:t>①</a:t>
+            </a:r>
+            <a:endParaRPr lang="ko-KR" altLang="en-US" dirty="0">
+              <a:solidFill>
+                <a:srgbClr val="C00000"/>
+              </a:solidFill>
+            </a:endParaRPr>
+          </a:p>
+        </p:txBody>
+      </p:sp>
+      <p:sp>
+        <p:nvSpPr>
+          <p:cNvPr id="6" name="Rectangle 5"/>
+          <p:cNvSpPr/>
+          <p:nvPr/>
+        </p:nvSpPr>
+        <p:spPr>
+          <a:xfrm>
+            <a:off x="2393050" y="3149565"/>
+            <a:ext cx="1214741" cy="413798"/>
+          </a:xfrm>
+          <a:prstGeom prst="rect">
+            <a:avLst/>
+          </a:prstGeom>
+          <a:solidFill>
+            <a:srgbClr val="FFFFFF">
+              <a:alpha val="50196"/>
+            </a:srgbClr>
+          </a:solidFill>
+          <a:ln w="57150">
+            <a:solidFill>
+              <a:srgbClr val="C00000"/>
+            </a:solidFill>
+          </a:ln>
+        </p:spPr>
+        <p:style>
+          <a:lnRef idx="2">
+            <a:schemeClr val="accent1">
+              <a:shade val="50000"/>
+            </a:schemeClr>
+          </a:lnRef>
+          <a:fillRef idx="1">
+            <a:schemeClr val="accent1"/>
+          </a:fillRef>
+          <a:effectRef idx="0">
+            <a:schemeClr val="accent1"/>
+          </a:effectRef>
+          <a:fontRef idx="minor">
+            <a:schemeClr val="lt1"/>
+          </a:fontRef>
+        </p:style>
+        <p:txBody>
+          <a:bodyPr rtlCol="0" anchor="ctr"/>
+          <a:lstStyle/>
+          <a:p>
+            <a:pPr algn="ctr"/>
+            <a:r>
+              <a:rPr lang="ko-KR" altLang="en-US" dirty="0" smtClean="0">
+                <a:solidFill>
+                  <a:srgbClr val="C00000"/>
+                </a:solidFill>
+              </a:rPr>
+              <a:t>②</a:t>
+            </a:r>
+            <a:endParaRPr lang="ko-KR" altLang="en-US" dirty="0">
+              <a:solidFill>
+                <a:srgbClr val="C00000"/>
+              </a:solidFill>
+            </a:endParaRPr>
+          </a:p>
+        </p:txBody>
+      </p:sp>
+      <p:sp>
+        <p:nvSpPr>
+          <p:cNvPr id="7" name="Rectangle 6"/>
+          <p:cNvSpPr/>
+          <p:nvPr/>
+        </p:nvSpPr>
+        <p:spPr>
+          <a:xfrm>
+            <a:off x="2393050" y="3786661"/>
+            <a:ext cx="1214741" cy="385544"/>
+          </a:xfrm>
+          <a:prstGeom prst="rect">
+            <a:avLst/>
+          </a:prstGeom>
+          <a:solidFill>
+            <a:srgbClr val="FFFFFF">
+              <a:alpha val="50196"/>
+            </a:srgbClr>
+          </a:solidFill>
+          <a:ln w="57150">
+            <a:solidFill>
+              <a:srgbClr val="C00000"/>
+            </a:solidFill>
+          </a:ln>
+        </p:spPr>
+        <p:style>
+          <a:lnRef idx="2">
+            <a:schemeClr val="accent1">
+              <a:shade val="50000"/>
+            </a:schemeClr>
+          </a:lnRef>
+          <a:fillRef idx="1">
+            <a:schemeClr val="accent1"/>
+          </a:fillRef>
+          <a:effectRef idx="0">
+            <a:schemeClr val="accent1"/>
+          </a:effectRef>
+          <a:fontRef idx="minor">
+            <a:schemeClr val="lt1"/>
+          </a:fontRef>
+        </p:style>
+        <p:txBody>
+          <a:bodyPr rtlCol="0" anchor="ctr"/>
+          <a:lstStyle/>
+          <a:p>
+            <a:pPr algn="ctr"/>
+            <a:r>
+              <a:rPr lang="ko-KR" altLang="en-US" dirty="0" smtClean="0">
+                <a:solidFill>
+                  <a:srgbClr val="C00000"/>
+                </a:solidFill>
+              </a:rPr>
+              <a:t>③</a:t>
+            </a:r>
+            <a:endParaRPr lang="ko-KR" altLang="en-US" dirty="0">
+              <a:solidFill>
+                <a:srgbClr val="C00000"/>
+              </a:solidFill>
+            </a:endParaRPr>
+          </a:p>
+        </p:txBody>
+      </p:sp>
+      <p:sp>
+        <p:nvSpPr>
+          <p:cNvPr id="8" name="Rectangle 7"/>
+          <p:cNvSpPr/>
+          <p:nvPr/>
+        </p:nvSpPr>
+        <p:spPr>
+          <a:xfrm>
+            <a:off x="2385699" y="5342896"/>
+            <a:ext cx="1222092" cy="385544"/>
+          </a:xfrm>
+          <a:prstGeom prst="rect">
+            <a:avLst/>
+          </a:prstGeom>
+          <a:solidFill>
+            <a:srgbClr val="FFFFFF">
+              <a:alpha val="50196"/>
+            </a:srgbClr>
+          </a:solidFill>
+          <a:ln w="57150">
+            <a:solidFill>
+              <a:srgbClr val="C00000"/>
+            </a:solidFill>
+          </a:ln>
+        </p:spPr>
+        <p:style>
+          <a:lnRef idx="2">
+            <a:schemeClr val="accent1">
+              <a:shade val="50000"/>
+            </a:schemeClr>
+          </a:lnRef>
+          <a:fillRef idx="1">
+            <a:schemeClr val="accent1"/>
+          </a:fillRef>
+          <a:effectRef idx="0">
+            <a:schemeClr val="accent1"/>
+          </a:effectRef>
+          <a:fontRef idx="minor">
+            <a:schemeClr val="lt1"/>
+          </a:fontRef>
+        </p:style>
+        <p:txBody>
+          <a:bodyPr rtlCol="0" anchor="ctr"/>
+          <a:lstStyle/>
+          <a:p>
+            <a:pPr algn="ctr"/>
+            <a:r>
+              <a:rPr lang="ko-KR" altLang="en-US" dirty="0" smtClean="0">
+                <a:solidFill>
+                  <a:srgbClr val="C00000"/>
+                </a:solidFill>
+              </a:rPr>
+              <a:t>④</a:t>
+            </a:r>
+            <a:endParaRPr lang="ko-KR" altLang="en-US" dirty="0">
+              <a:solidFill>
+                <a:srgbClr val="C00000"/>
+              </a:solidFill>
+            </a:endParaRPr>
+          </a:p>
+        </p:txBody>
+      </p:sp>
+      <p:sp>
+        <p:nvSpPr>
+          <p:cNvPr id="9" name="Rectangle 8"/>
+          <p:cNvSpPr/>
+          <p:nvPr/>
+        </p:nvSpPr>
+        <p:spPr>
+          <a:xfrm>
+            <a:off x="2385699" y="5893567"/>
+            <a:ext cx="1222092" cy="385544"/>
+          </a:xfrm>
+          <a:prstGeom prst="rect">
+            <a:avLst/>
+          </a:prstGeom>
+          <a:solidFill>
+            <a:srgbClr val="FFFFFF">
+              <a:alpha val="50196"/>
+            </a:srgbClr>
+          </a:solidFill>
+          <a:ln w="57150">
+            <a:solidFill>
+              <a:srgbClr val="C00000"/>
+            </a:solidFill>
+          </a:ln>
+        </p:spPr>
+        <p:style>
+          <a:lnRef idx="2">
+            <a:schemeClr val="accent1">
+              <a:shade val="50000"/>
+            </a:schemeClr>
+          </a:lnRef>
+          <a:fillRef idx="1">
+            <a:schemeClr val="accent1"/>
+          </a:fillRef>
+          <a:effectRef idx="0">
+            <a:schemeClr val="accent1"/>
+          </a:effectRef>
+          <a:fontRef idx="minor">
+            <a:schemeClr val="lt1"/>
+          </a:fontRef>
+        </p:style>
+        <p:txBody>
+          <a:bodyPr rtlCol="0" anchor="ctr"/>
+          <a:lstStyle/>
+          <a:p>
+            <a:pPr algn="ctr"/>
+            <a:r>
+              <a:rPr lang="ko-KR" altLang="en-US" dirty="0" smtClean="0">
+                <a:solidFill>
+                  <a:srgbClr val="C00000"/>
+                </a:solidFill>
+              </a:rPr>
+              <a:t>⑤</a:t>
+            </a:r>
+            <a:endParaRPr lang="ko-KR" altLang="en-US" dirty="0">
+              <a:solidFill>
+                <a:srgbClr val="C00000"/>
+              </a:solidFill>
+            </a:endParaRPr>
+          </a:p>
+        </p:txBody>
+      </p:sp>
+      <p:pic>
+        <p:nvPicPr>
+          <p:cNvPr id="10" name="Picture 9"/>
+          <p:cNvPicPr>
+            <a:picLocks noChangeAspect="1"/>
+          </p:cNvPicPr>
+          <p:nvPr/>
+        </p:nvPicPr>
+        <p:blipFill>
+          <a:blip r:embed="rId3"/>
+          <a:stretch>
+            <a:fillRect/>
+          </a:stretch>
+        </p:blipFill>
+        <p:spPr>
+          <a:xfrm>
+            <a:off x="6607506" y="2219580"/>
+            <a:ext cx="3705742" cy="3134162"/>
+          </a:xfrm>
+          <a:prstGeom prst="rect">
+            <a:avLst/>
+          </a:prstGeom>
+        </p:spPr>
+      </p:pic>
+      <p:sp>
+        <p:nvSpPr>
+          <p:cNvPr id="11" name="Rectangle 10"/>
+          <p:cNvSpPr/>
+          <p:nvPr/>
+        </p:nvSpPr>
+        <p:spPr>
+          <a:xfrm>
+            <a:off x="6634568" y="4837141"/>
+            <a:ext cx="1222092" cy="385544"/>
+          </a:xfrm>
+          <a:prstGeom prst="rect">
+            <a:avLst/>
+          </a:prstGeom>
+          <a:solidFill>
+            <a:srgbClr val="FFFFFF">
+              <a:alpha val="50196"/>
+            </a:srgbClr>
+          </a:solidFill>
+          <a:ln w="57150">
+            <a:solidFill>
+              <a:srgbClr val="C00000"/>
+            </a:solidFill>
+          </a:ln>
+        </p:spPr>
+        <p:style>
+          <a:lnRef idx="2">
+            <a:schemeClr val="accent1">
+              <a:shade val="50000"/>
+            </a:schemeClr>
+          </a:lnRef>
+          <a:fillRef idx="1">
+            <a:schemeClr val="accent1"/>
+          </a:fillRef>
+          <a:effectRef idx="0">
+            <a:schemeClr val="accent1"/>
+          </a:effectRef>
+          <a:fontRef idx="minor">
+            <a:schemeClr val="lt1"/>
+          </a:fontRef>
+        </p:style>
+        <p:txBody>
+          <a:bodyPr rtlCol="0" anchor="ctr"/>
+          <a:lstStyle/>
+          <a:p>
+            <a:pPr algn="ctr"/>
+            <a:r>
+              <a:rPr lang="ko-KR" altLang="en-US" dirty="0" smtClean="0">
+                <a:solidFill>
+                  <a:srgbClr val="C00000"/>
+                </a:solidFill>
+              </a:rPr>
+              <a:t>⑦</a:t>
+            </a:r>
+            <a:endParaRPr lang="ko-KR" altLang="en-US" dirty="0">
+              <a:solidFill>
+                <a:srgbClr val="C00000"/>
+              </a:solidFill>
+            </a:endParaRPr>
+          </a:p>
+        </p:txBody>
+      </p:sp>
+      <p:sp>
+        <p:nvSpPr>
+          <p:cNvPr id="12" name="Rectangle 11"/>
+          <p:cNvSpPr/>
+          <p:nvPr/>
+        </p:nvSpPr>
+        <p:spPr>
+          <a:xfrm>
+            <a:off x="4124455" y="1584347"/>
+            <a:ext cx="1478731" cy="385544"/>
+          </a:xfrm>
+          <a:prstGeom prst="rect">
+            <a:avLst/>
+          </a:prstGeom>
+          <a:solidFill>
+            <a:srgbClr val="FFFFFF">
+              <a:alpha val="50196"/>
+            </a:srgbClr>
+          </a:solidFill>
+          <a:ln w="57150">
+            <a:solidFill>
+              <a:srgbClr val="C00000"/>
+            </a:solidFill>
+          </a:ln>
+        </p:spPr>
+        <p:style>
+          <a:lnRef idx="2">
+            <a:schemeClr val="accent1">
+              <a:shade val="50000"/>
+            </a:schemeClr>
+          </a:lnRef>
+          <a:fillRef idx="1">
+            <a:schemeClr val="accent1"/>
+          </a:fillRef>
+          <a:effectRef idx="0">
+            <a:schemeClr val="accent1"/>
+          </a:effectRef>
+          <a:fontRef idx="minor">
+            <a:schemeClr val="lt1"/>
+          </a:fontRef>
+        </p:style>
+        <p:txBody>
+          <a:bodyPr rtlCol="0" anchor="ctr"/>
+          <a:lstStyle/>
+          <a:p>
+            <a:pPr algn="ctr"/>
+            <a:r>
+              <a:rPr lang="ko-KR" altLang="en-US" dirty="0" smtClean="0">
+                <a:solidFill>
+                  <a:srgbClr val="C00000"/>
+                </a:solidFill>
+              </a:rPr>
+              <a:t>⑥</a:t>
+            </a:r>
+            <a:endParaRPr lang="ko-KR" altLang="en-US" dirty="0">
+              <a:solidFill>
+                <a:srgbClr val="C00000"/>
+              </a:solidFill>
+            </a:endParaRPr>
+          </a:p>
+        </p:txBody>
+      </p:sp>
+      <p:pic>
+        <p:nvPicPr>
+          <p:cNvPr id="13" name="Picture 12"/>
+          <p:cNvPicPr>
+            <a:picLocks noChangeAspect="1"/>
+          </p:cNvPicPr>
+          <p:nvPr/>
+        </p:nvPicPr>
+        <p:blipFill>
+          <a:blip r:embed="rId4"/>
+          <a:stretch>
+            <a:fillRect/>
+          </a:stretch>
+        </p:blipFill>
+        <p:spPr>
+          <a:xfrm>
+            <a:off x="10124904" y="1826203"/>
+            <a:ext cx="1228896" cy="390580"/>
+          </a:xfrm>
+          <a:prstGeom prst="rect">
+            <a:avLst/>
+          </a:prstGeom>
+        </p:spPr>
+      </p:pic>
+      <p:sp>
+        <p:nvSpPr>
+          <p:cNvPr id="14" name="Rectangle 13"/>
+          <p:cNvSpPr/>
+          <p:nvPr/>
+        </p:nvSpPr>
+        <p:spPr>
+          <a:xfrm>
+            <a:off x="10040938" y="1851933"/>
+            <a:ext cx="1222092" cy="385544"/>
+          </a:xfrm>
+          <a:prstGeom prst="rect">
+            <a:avLst/>
+          </a:prstGeom>
+          <a:solidFill>
+            <a:srgbClr val="FFFFFF">
+              <a:alpha val="50196"/>
+            </a:srgbClr>
+          </a:solidFill>
+          <a:ln w="57150">
+            <a:solidFill>
+              <a:srgbClr val="C00000"/>
+            </a:solidFill>
+          </a:ln>
+        </p:spPr>
+        <p:style>
+          <a:lnRef idx="2">
+            <a:schemeClr val="accent1">
+              <a:shade val="50000"/>
+            </a:schemeClr>
+          </a:lnRef>
+          <a:fillRef idx="1">
+            <a:schemeClr val="accent1"/>
+          </a:fillRef>
+          <a:effectRef idx="0">
+            <a:schemeClr val="accent1"/>
+          </a:effectRef>
+          <a:fontRef idx="minor">
+            <a:schemeClr val="lt1"/>
+          </a:fontRef>
+        </p:style>
+        <p:txBody>
+          <a:bodyPr rtlCol="0" anchor="ctr"/>
+          <a:lstStyle/>
+          <a:p>
+            <a:pPr algn="ctr"/>
+            <a:r>
+              <a:rPr lang="ko-KR" altLang="en-US" dirty="0" smtClean="0">
+                <a:solidFill>
+                  <a:srgbClr val="C00000"/>
+                </a:solidFill>
+              </a:rPr>
+              <a:t>⑧</a:t>
+            </a:r>
+            <a:endParaRPr lang="ko-KR" altLang="en-US" dirty="0">
+              <a:solidFill>
+                <a:srgbClr val="C00000"/>
+              </a:solidFill>
+            </a:endParaRPr>
+          </a:p>
+        </p:txBody>
+      </p:sp>
+    </p:spTree>
+    <p:extLst>
+      <p:ext uri="{BB962C8B-B14F-4D97-AF65-F5344CB8AC3E}">
+        <p14:creationId xmlns:p14="http://schemas.microsoft.com/office/powerpoint/2010/main" val="1478178926"/>
+      </p:ext>
+    </p:extLst>
+  </p:cSld>
+  <p:clrMapOvr>
+    <a:masterClrMapping/>
+  </p:clrMapOvr>
+  <p:timing>
+    <p:tnLst>
+      <p:par>
+        <p:cTn id="1" dur="indefinite" restart="never" nodeType="tmRoot"/>
+      </p:par>
+    </p:tnLst>
+  </p:timing>
+</p:sld>
+</file>
+
+<file path=ppt/slides/slide18.xml><?xml version="1.0" encoding="utf-8"?>
+<p:sld xmlns:a="http://schemas.openxmlformats.org/drawingml/2006/main" xmlns:r="http://schemas.openxmlformats.org/officeDocument/2006/relationships" xmlns:p="http://schemas.openxmlformats.org/presentationml/2006/main">
+  <p:cSld>
+    <p:spTree>
+      <p:nvGrpSpPr>
+        <p:cNvPr id="1" name=""/>
+        <p:cNvGrpSpPr/>
+        <p:nvPr/>
+      </p:nvGrpSpPr>
+      <p:grpSpPr>
+        <a:xfrm>
+          <a:off x="0" y="0"/>
+          <a:ext cx="0" cy="0"/>
+          <a:chOff x="0" y="0"/>
+          <a:chExt cx="0" cy="0"/>
+        </a:xfrm>
+      </p:grpSpPr>
+      <p:sp>
+        <p:nvSpPr>
+          <p:cNvPr id="2" name="Title 1"/>
+          <p:cNvSpPr>
+            <a:spLocks noGrp="1"/>
+          </p:cNvSpPr>
+          <p:nvPr>
+            <p:ph type="title"/>
+          </p:nvPr>
+        </p:nvSpPr>
+        <p:spPr/>
+        <p:txBody>
+          <a:bodyPr/>
+          <a:lstStyle/>
+          <a:p>
+            <a:r>
+              <a:rPr lang="en-US" altLang="ko-KR" dirty="0"/>
+              <a:t>2.CD – </a:t>
+            </a:r>
+            <a:r>
+              <a:rPr lang="en-US" altLang="ko-KR" dirty="0" err="1"/>
+              <a:t>ArgoCD</a:t>
+            </a:r>
+            <a:r>
+              <a:rPr lang="en-US" altLang="ko-KR" dirty="0"/>
+              <a:t> </a:t>
+            </a:r>
+            <a:r>
+              <a:rPr lang="ko-KR" altLang="en-US" dirty="0"/>
+              <a:t>실습</a:t>
+            </a:r>
+          </a:p>
+        </p:txBody>
+      </p:sp>
+      <p:sp>
+        <p:nvSpPr>
+          <p:cNvPr id="3" name="Content Placeholder 2"/>
+          <p:cNvSpPr>
+            <a:spLocks noGrp="1"/>
+          </p:cNvSpPr>
+          <p:nvPr>
+            <p:ph idx="1"/>
+          </p:nvPr>
+        </p:nvSpPr>
+        <p:spPr/>
+        <p:txBody>
+          <a:bodyPr/>
+          <a:lstStyle/>
+          <a:p>
+            <a:r>
+              <a:rPr lang="ko-KR" altLang="en-US" dirty="0" smtClean="0"/>
+              <a:t>배포가 성공적으로 된 것을 확인 할 수 있으며</a:t>
+            </a:r>
+            <a:r>
+              <a:rPr lang="en-US" altLang="ko-KR" dirty="0" smtClean="0"/>
+              <a:t>, </a:t>
+            </a:r>
+            <a:r>
+              <a:rPr lang="ko-KR" altLang="en-US" dirty="0" smtClean="0"/>
+              <a:t>클릭시 구성정보를 확인 가능합니다</a:t>
+            </a:r>
+            <a:r>
+              <a:rPr lang="en-US" altLang="ko-KR" dirty="0" smtClean="0"/>
+              <a:t>.</a:t>
+            </a:r>
+            <a:endParaRPr lang="ko-KR" altLang="en-US" dirty="0"/>
+          </a:p>
+        </p:txBody>
+      </p:sp>
+      <p:pic>
+        <p:nvPicPr>
+          <p:cNvPr id="4" name="Picture 3"/>
+          <p:cNvPicPr>
+            <a:picLocks noChangeAspect="1"/>
+          </p:cNvPicPr>
+          <p:nvPr/>
+        </p:nvPicPr>
+        <p:blipFill>
+          <a:blip r:embed="rId2"/>
+          <a:stretch>
+            <a:fillRect/>
+          </a:stretch>
+        </p:blipFill>
+        <p:spPr>
+          <a:xfrm>
+            <a:off x="838200" y="2447570"/>
+            <a:ext cx="4673698" cy="3492749"/>
+          </a:xfrm>
+          <a:prstGeom prst="rect">
+            <a:avLst/>
+          </a:prstGeom>
+        </p:spPr>
+      </p:pic>
+      <p:pic>
+        <p:nvPicPr>
+          <p:cNvPr id="5" name="Picture 4"/>
+          <p:cNvPicPr>
+            <a:picLocks noChangeAspect="1"/>
+          </p:cNvPicPr>
+          <p:nvPr/>
+        </p:nvPicPr>
+        <p:blipFill>
+          <a:blip r:embed="rId3"/>
+          <a:stretch>
+            <a:fillRect/>
+          </a:stretch>
+        </p:blipFill>
+        <p:spPr>
+          <a:xfrm>
+            <a:off x="4231107" y="3535669"/>
+            <a:ext cx="7570273" cy="3000128"/>
+          </a:xfrm>
+          <a:prstGeom prst="rect">
+            <a:avLst/>
+          </a:prstGeom>
+        </p:spPr>
+      </p:pic>
+      <p:sp>
+        <p:nvSpPr>
+          <p:cNvPr id="6" name="Rectangle 5"/>
+          <p:cNvSpPr/>
+          <p:nvPr/>
+        </p:nvSpPr>
+        <p:spPr>
+          <a:xfrm>
+            <a:off x="2799470" y="3430325"/>
+            <a:ext cx="1222632" cy="313276"/>
+          </a:xfrm>
+          <a:prstGeom prst="rect">
+            <a:avLst/>
+          </a:prstGeom>
+          <a:solidFill>
+            <a:srgbClr val="FFFFFF">
+              <a:alpha val="50196"/>
+            </a:srgbClr>
+          </a:solidFill>
+          <a:ln w="57150">
+            <a:solidFill>
+              <a:srgbClr val="C00000"/>
+            </a:solidFill>
+          </a:ln>
+        </p:spPr>
+        <p:style>
+          <a:lnRef idx="2">
+            <a:schemeClr val="accent1">
+              <a:shade val="50000"/>
+            </a:schemeClr>
+          </a:lnRef>
+          <a:fillRef idx="1">
+            <a:schemeClr val="accent1"/>
+          </a:fillRef>
+          <a:effectRef idx="0">
+            <a:schemeClr val="accent1"/>
+          </a:effectRef>
+          <a:fontRef idx="minor">
+            <a:schemeClr val="lt1"/>
+          </a:fontRef>
+        </p:style>
+        <p:txBody>
+          <a:bodyPr rtlCol="0" anchor="ctr"/>
+          <a:lstStyle/>
+          <a:p>
+            <a:pPr algn="ctr"/>
+            <a:r>
+              <a:rPr lang="ko-KR" altLang="en-US" dirty="0" smtClean="0">
+                <a:solidFill>
+                  <a:srgbClr val="C00000"/>
+                </a:solidFill>
+              </a:rPr>
+              <a:t>①</a:t>
+            </a:r>
+            <a:endParaRPr lang="ko-KR" altLang="en-US" dirty="0">
+              <a:solidFill>
+                <a:srgbClr val="C00000"/>
+              </a:solidFill>
+            </a:endParaRPr>
+          </a:p>
+        </p:txBody>
+      </p:sp>
+    </p:spTree>
+    <p:extLst>
+      <p:ext uri="{BB962C8B-B14F-4D97-AF65-F5344CB8AC3E}">
+        <p14:creationId xmlns:p14="http://schemas.microsoft.com/office/powerpoint/2010/main" val="1110847735"/>
+      </p:ext>
+    </p:extLst>
+  </p:cSld>
+  <p:clrMapOvr>
+    <a:masterClrMapping/>
+  </p:clrMapOvr>
+  <p:timing>
+    <p:tnLst>
+      <p:par>
+        <p:cTn id="1" dur="indefinite" restart="never" nodeType="tmRoot"/>
+      </p:par>
+    </p:tnLst>
+  </p:timing>
+</p:sld>
+</file>
+
+<file path=ppt/slides/slide19.xml><?xml version="1.0" encoding="utf-8"?>
+<p:sld xmlns:a="http://schemas.openxmlformats.org/drawingml/2006/main" xmlns:r="http://schemas.openxmlformats.org/officeDocument/2006/relationships" xmlns:p="http://schemas.openxmlformats.org/presentationml/2006/main">
+  <p:cSld>
+    <p:spTree>
+      <p:nvGrpSpPr>
+        <p:cNvPr id="1" name=""/>
+        <p:cNvGrpSpPr/>
+        <p:nvPr/>
+      </p:nvGrpSpPr>
+      <p:grpSpPr>
+        <a:xfrm>
+          <a:off x="0" y="0"/>
+          <a:ext cx="0" cy="0"/>
+          <a:chOff x="0" y="0"/>
+          <a:chExt cx="0" cy="0"/>
+        </a:xfrm>
+      </p:grpSpPr>
+      <p:sp>
+        <p:nvSpPr>
+          <p:cNvPr id="2" name="Title 1"/>
+          <p:cNvSpPr>
+            <a:spLocks noGrp="1"/>
+          </p:cNvSpPr>
+          <p:nvPr>
+            <p:ph type="title"/>
+          </p:nvPr>
+        </p:nvSpPr>
+        <p:spPr/>
+        <p:txBody>
+          <a:bodyPr/>
+          <a:lstStyle/>
+          <a:p>
+            <a:r>
+              <a:rPr lang="en-US" altLang="ko-KR" dirty="0"/>
+              <a:t>2.CD – </a:t>
+            </a:r>
+            <a:r>
+              <a:rPr lang="en-US" altLang="ko-KR" dirty="0" err="1"/>
+              <a:t>ArgoCD</a:t>
+            </a:r>
+            <a:r>
+              <a:rPr lang="en-US" altLang="ko-KR" dirty="0"/>
+              <a:t> </a:t>
+            </a:r>
+            <a:r>
+              <a:rPr lang="ko-KR" altLang="en-US" dirty="0"/>
+              <a:t>실습</a:t>
+            </a:r>
+          </a:p>
+        </p:txBody>
+      </p:sp>
+      <p:sp>
+        <p:nvSpPr>
+          <p:cNvPr id="3" name="Content Placeholder 2"/>
+          <p:cNvSpPr>
+            <a:spLocks noGrp="1"/>
+          </p:cNvSpPr>
+          <p:nvPr>
+            <p:ph idx="1"/>
+          </p:nvPr>
+        </p:nvSpPr>
+        <p:spPr/>
+        <p:txBody>
+          <a:bodyPr/>
+          <a:lstStyle/>
+          <a:p>
+            <a:r>
+              <a:rPr lang="ko-KR" altLang="en-US" dirty="0" smtClean="0"/>
+              <a:t>터미널에서 </a:t>
+            </a:r>
+            <a:r>
+              <a:rPr lang="en-US" altLang="ko-KR" dirty="0" smtClean="0"/>
+              <a:t>namespace</a:t>
+            </a:r>
+            <a:r>
+              <a:rPr lang="ko-KR" altLang="en-US" dirty="0" smtClean="0"/>
+              <a:t>가 추가</a:t>
+            </a:r>
+            <a:r>
+              <a:rPr lang="en-US" altLang="ko-KR" dirty="0" smtClean="0"/>
+              <a:t>, </a:t>
+            </a:r>
+            <a:r>
+              <a:rPr lang="ko-KR" altLang="en-US" dirty="0" smtClean="0"/>
+              <a:t>서비스 동작중인 것 확인가능</a:t>
+            </a:r>
+            <a:endParaRPr lang="en-US" altLang="ko-KR" dirty="0" smtClean="0"/>
+          </a:p>
+          <a:p>
+            <a:endParaRPr lang="en-US" altLang="ko-KR" dirty="0"/>
+          </a:p>
+          <a:p>
+            <a:pPr lvl="1"/>
+            <a:r>
+              <a:rPr lang="en-US" altLang="ko-KR" dirty="0" err="1"/>
+              <a:t>kubectl</a:t>
+            </a:r>
+            <a:r>
+              <a:rPr lang="en-US" altLang="ko-KR" dirty="0"/>
+              <a:t> get </a:t>
+            </a:r>
+            <a:r>
+              <a:rPr lang="en-US" altLang="ko-KR" dirty="0" smtClean="0"/>
+              <a:t>namespace</a:t>
+            </a:r>
+          </a:p>
+          <a:p>
+            <a:pPr lvl="1"/>
+            <a:r>
+              <a:rPr lang="en-US" altLang="ko-KR" dirty="0" err="1"/>
+              <a:t>kubectl</a:t>
+            </a:r>
+            <a:r>
+              <a:rPr lang="en-US" altLang="ko-KR" dirty="0"/>
+              <a:t> get all --namespace </a:t>
+            </a:r>
+            <a:r>
+              <a:rPr lang="en-US" altLang="ko-KR" dirty="0" err="1"/>
+              <a:t>nginx-argocd-test02</a:t>
+            </a:r>
+            <a:endParaRPr lang="ko-KR" altLang="en-US" dirty="0"/>
+          </a:p>
+        </p:txBody>
+      </p:sp>
+    </p:spTree>
+    <p:extLst>
+      <p:ext uri="{BB962C8B-B14F-4D97-AF65-F5344CB8AC3E}">
+        <p14:creationId xmlns:p14="http://schemas.microsoft.com/office/powerpoint/2010/main" val="3282410173"/>
+      </p:ext>
+    </p:extLst>
+  </p:cSld>
+  <p:clrMapOvr>
+    <a:masterClrMapping/>
+  </p:clrMapOvr>
+  <p:timing>
+    <p:tnLst>
+      <p:par>
+        <p:cTn id="1" dur="indefinite" restart="never" nodeType="tmRoot"/>
+      </p:par>
+    </p:tnLst>
+  </p:timing>
 </p:sld>
 </file>
 
@@ -4576,6 +8523,781 @@
     <p:extLst>
       <p:ext uri="{BB962C8B-B14F-4D97-AF65-F5344CB8AC3E}">
         <p14:creationId xmlns:p14="http://schemas.microsoft.com/office/powerpoint/2010/main" val="2719550796"/>
+      </p:ext>
+    </p:extLst>
+  </p:cSld>
+  <p:clrMapOvr>
+    <a:masterClrMapping/>
+  </p:clrMapOvr>
+  <p:timing>
+    <p:tnLst>
+      <p:par>
+        <p:cTn id="1" dur="indefinite" restart="never" nodeType="tmRoot"/>
+      </p:par>
+    </p:tnLst>
+  </p:timing>
+</p:sld>
+</file>
+
+<file path=ppt/slides/slide20.xml><?xml version="1.0" encoding="utf-8"?>
+<p:sld xmlns:a="http://schemas.openxmlformats.org/drawingml/2006/main" xmlns:r="http://schemas.openxmlformats.org/officeDocument/2006/relationships" xmlns:p="http://schemas.openxmlformats.org/presentationml/2006/main">
+  <p:cSld>
+    <p:spTree>
+      <p:nvGrpSpPr>
+        <p:cNvPr id="1" name=""/>
+        <p:cNvGrpSpPr/>
+        <p:nvPr/>
+      </p:nvGrpSpPr>
+      <p:grpSpPr>
+        <a:xfrm>
+          <a:off x="0" y="0"/>
+          <a:ext cx="0" cy="0"/>
+          <a:chOff x="0" y="0"/>
+          <a:chExt cx="0" cy="0"/>
+        </a:xfrm>
+      </p:grpSpPr>
+      <p:sp>
+        <p:nvSpPr>
+          <p:cNvPr id="2" name="Title 1"/>
+          <p:cNvSpPr>
+            <a:spLocks noGrp="1"/>
+          </p:cNvSpPr>
+          <p:nvPr>
+            <p:ph type="title"/>
+          </p:nvPr>
+        </p:nvSpPr>
+        <p:spPr/>
+        <p:txBody>
+          <a:bodyPr/>
+          <a:lstStyle/>
+          <a:p>
+            <a:r>
+              <a:rPr lang="en-US" altLang="ko-KR" dirty="0"/>
+              <a:t>2.CD – </a:t>
+            </a:r>
+            <a:r>
+              <a:rPr lang="en-US" altLang="ko-KR" dirty="0" err="1"/>
+              <a:t>ArgoCD</a:t>
+            </a:r>
+            <a:r>
+              <a:rPr lang="en-US" altLang="ko-KR" dirty="0"/>
+              <a:t> </a:t>
+            </a:r>
+            <a:r>
+              <a:rPr lang="ko-KR" altLang="en-US" dirty="0"/>
+              <a:t>실습</a:t>
+            </a:r>
+          </a:p>
+        </p:txBody>
+      </p:sp>
+      <p:sp>
+        <p:nvSpPr>
+          <p:cNvPr id="3" name="Content Placeholder 2"/>
+          <p:cNvSpPr>
+            <a:spLocks noGrp="1"/>
+          </p:cNvSpPr>
+          <p:nvPr>
+            <p:ph idx="1"/>
+          </p:nvPr>
+        </p:nvSpPr>
+        <p:spPr/>
+        <p:txBody>
+          <a:bodyPr/>
+          <a:lstStyle/>
+          <a:p>
+            <a:r>
+              <a:rPr lang="ko-KR" altLang="en-US" dirty="0" smtClean="0"/>
+              <a:t>터미널에서 </a:t>
+            </a:r>
+            <a:r>
+              <a:rPr lang="en-US" altLang="ko-KR" dirty="0" smtClean="0"/>
+              <a:t>namespace</a:t>
+            </a:r>
+            <a:r>
+              <a:rPr lang="ko-KR" altLang="en-US" dirty="0" smtClean="0"/>
+              <a:t>가 추가</a:t>
+            </a:r>
+            <a:r>
+              <a:rPr lang="en-US" altLang="ko-KR" dirty="0" smtClean="0"/>
+              <a:t>, </a:t>
+            </a:r>
+            <a:r>
+              <a:rPr lang="ko-KR" altLang="en-US" dirty="0" smtClean="0"/>
+              <a:t>서비스 동작중인 것 확인가능</a:t>
+            </a:r>
+            <a:endParaRPr lang="en-US" altLang="ko-KR" dirty="0" smtClean="0"/>
+          </a:p>
+          <a:p>
+            <a:endParaRPr lang="en-US" altLang="ko-KR" dirty="0"/>
+          </a:p>
+          <a:p>
+            <a:pPr lvl="1"/>
+            <a:r>
+              <a:rPr lang="en-US" altLang="ko-KR" dirty="0" err="1"/>
+              <a:t>kubectl</a:t>
+            </a:r>
+            <a:r>
+              <a:rPr lang="en-US" altLang="ko-KR" dirty="0"/>
+              <a:t> get </a:t>
+            </a:r>
+            <a:r>
+              <a:rPr lang="en-US" altLang="ko-KR" dirty="0" smtClean="0"/>
+              <a:t>namespace</a:t>
+            </a:r>
+          </a:p>
+          <a:p>
+            <a:pPr lvl="1"/>
+            <a:r>
+              <a:rPr lang="en-US" altLang="ko-KR" dirty="0" err="1"/>
+              <a:t>kubectl</a:t>
+            </a:r>
+            <a:r>
+              <a:rPr lang="en-US" altLang="ko-KR" dirty="0"/>
+              <a:t> get all --namespace </a:t>
+            </a:r>
+            <a:r>
+              <a:rPr lang="en-US" altLang="ko-KR" dirty="0" err="1"/>
+              <a:t>nginx-argocd-test02</a:t>
+            </a:r>
+            <a:endParaRPr lang="ko-KR" altLang="en-US" dirty="0"/>
+          </a:p>
+        </p:txBody>
+      </p:sp>
+    </p:spTree>
+    <p:extLst>
+      <p:ext uri="{BB962C8B-B14F-4D97-AF65-F5344CB8AC3E}">
+        <p14:creationId xmlns:p14="http://schemas.microsoft.com/office/powerpoint/2010/main" val="1913812630"/>
+      </p:ext>
+    </p:extLst>
+  </p:cSld>
+  <p:clrMapOvr>
+    <a:masterClrMapping/>
+  </p:clrMapOvr>
+  <p:timing>
+    <p:tnLst>
+      <p:par>
+        <p:cTn id="1" dur="indefinite" restart="never" nodeType="tmRoot"/>
+      </p:par>
+    </p:tnLst>
+  </p:timing>
+</p:sld>
+</file>
+
+<file path=ppt/slides/slide21.xml><?xml version="1.0" encoding="utf-8"?>
+<p:sld xmlns:a="http://schemas.openxmlformats.org/drawingml/2006/main" xmlns:r="http://schemas.openxmlformats.org/officeDocument/2006/relationships" xmlns:p="http://schemas.openxmlformats.org/presentationml/2006/main">
+  <p:cSld>
+    <p:spTree>
+      <p:nvGrpSpPr>
+        <p:cNvPr id="1" name=""/>
+        <p:cNvGrpSpPr/>
+        <p:nvPr/>
+      </p:nvGrpSpPr>
+      <p:grpSpPr>
+        <a:xfrm>
+          <a:off x="0" y="0"/>
+          <a:ext cx="0" cy="0"/>
+          <a:chOff x="0" y="0"/>
+          <a:chExt cx="0" cy="0"/>
+        </a:xfrm>
+      </p:grpSpPr>
+      <p:sp>
+        <p:nvSpPr>
+          <p:cNvPr id="2" name="Title 1"/>
+          <p:cNvSpPr>
+            <a:spLocks noGrp="1"/>
+          </p:cNvSpPr>
+          <p:nvPr>
+            <p:ph type="title"/>
+          </p:nvPr>
+        </p:nvSpPr>
+        <p:spPr/>
+        <p:txBody>
+          <a:bodyPr/>
+          <a:lstStyle/>
+          <a:p>
+            <a:r>
+              <a:rPr lang="en-US" altLang="ko-KR" dirty="0"/>
+              <a:t>2.CD – </a:t>
+            </a:r>
+            <a:r>
+              <a:rPr lang="en-US" altLang="ko-KR" dirty="0" err="1"/>
+              <a:t>ArgoCD</a:t>
+            </a:r>
+            <a:r>
+              <a:rPr lang="en-US" altLang="ko-KR" dirty="0"/>
+              <a:t> </a:t>
+            </a:r>
+            <a:r>
+              <a:rPr lang="ko-KR" altLang="en-US" dirty="0"/>
+              <a:t>실습</a:t>
+            </a:r>
+          </a:p>
+        </p:txBody>
+      </p:sp>
+      <p:sp>
+        <p:nvSpPr>
+          <p:cNvPr id="3" name="Content Placeholder 2"/>
+          <p:cNvSpPr>
+            <a:spLocks noGrp="1"/>
+          </p:cNvSpPr>
+          <p:nvPr>
+            <p:ph idx="1"/>
+          </p:nvPr>
+        </p:nvSpPr>
+        <p:spPr/>
+        <p:txBody>
+          <a:bodyPr/>
+          <a:lstStyle/>
+          <a:p>
+            <a:r>
+              <a:rPr lang="en-US" altLang="ko-KR" dirty="0" err="1" smtClean="0"/>
+              <a:t>Argocd</a:t>
+            </a:r>
+            <a:r>
+              <a:rPr lang="ko-KR" altLang="en-US" dirty="0" smtClean="0"/>
+              <a:t>에서 실행중인 파드개수를 줄여보겠습니다</a:t>
+            </a:r>
+            <a:endParaRPr lang="ko-KR" altLang="en-US" dirty="0"/>
+          </a:p>
+        </p:txBody>
+      </p:sp>
+      <p:pic>
+        <p:nvPicPr>
+          <p:cNvPr id="4" name="Picture 3"/>
+          <p:cNvPicPr>
+            <a:picLocks noChangeAspect="1"/>
+          </p:cNvPicPr>
+          <p:nvPr/>
+        </p:nvPicPr>
+        <p:blipFill>
+          <a:blip r:embed="rId2"/>
+          <a:stretch>
+            <a:fillRect/>
+          </a:stretch>
+        </p:blipFill>
+        <p:spPr>
+          <a:xfrm>
+            <a:off x="838200" y="2012173"/>
+            <a:ext cx="7011378" cy="2676899"/>
+          </a:xfrm>
+          <a:prstGeom prst="rect">
+            <a:avLst/>
+          </a:prstGeom>
+        </p:spPr>
+      </p:pic>
+      <p:sp>
+        <p:nvSpPr>
+          <p:cNvPr id="5" name="Rectangle 4"/>
+          <p:cNvSpPr/>
+          <p:nvPr/>
+        </p:nvSpPr>
+        <p:spPr>
+          <a:xfrm>
+            <a:off x="4873368" y="3747562"/>
+            <a:ext cx="1222632" cy="313276"/>
+          </a:xfrm>
+          <a:prstGeom prst="rect">
+            <a:avLst/>
+          </a:prstGeom>
+          <a:solidFill>
+            <a:srgbClr val="FFFFFF">
+              <a:alpha val="50196"/>
+            </a:srgbClr>
+          </a:solidFill>
+          <a:ln w="57150">
+            <a:solidFill>
+              <a:srgbClr val="C00000"/>
+            </a:solidFill>
+          </a:ln>
+        </p:spPr>
+        <p:style>
+          <a:lnRef idx="2">
+            <a:schemeClr val="accent1">
+              <a:shade val="50000"/>
+            </a:schemeClr>
+          </a:lnRef>
+          <a:fillRef idx="1">
+            <a:schemeClr val="accent1"/>
+          </a:fillRef>
+          <a:effectRef idx="0">
+            <a:schemeClr val="accent1"/>
+          </a:effectRef>
+          <a:fontRef idx="minor">
+            <a:schemeClr val="lt1"/>
+          </a:fontRef>
+        </p:style>
+        <p:txBody>
+          <a:bodyPr rtlCol="0" anchor="ctr"/>
+          <a:lstStyle/>
+          <a:p>
+            <a:pPr algn="ctr"/>
+            <a:r>
+              <a:rPr lang="ko-KR" altLang="en-US" dirty="0" smtClean="0">
+                <a:solidFill>
+                  <a:srgbClr val="C00000"/>
+                </a:solidFill>
+              </a:rPr>
+              <a:t>①</a:t>
+            </a:r>
+            <a:endParaRPr lang="ko-KR" altLang="en-US" dirty="0">
+              <a:solidFill>
+                <a:srgbClr val="C00000"/>
+              </a:solidFill>
+            </a:endParaRPr>
+          </a:p>
+        </p:txBody>
+      </p:sp>
+      <p:pic>
+        <p:nvPicPr>
+          <p:cNvPr id="6" name="Picture 5"/>
+          <p:cNvPicPr>
+            <a:picLocks noChangeAspect="1"/>
+          </p:cNvPicPr>
+          <p:nvPr/>
+        </p:nvPicPr>
+        <p:blipFill>
+          <a:blip r:embed="rId3"/>
+          <a:stretch>
+            <a:fillRect/>
+          </a:stretch>
+        </p:blipFill>
+        <p:spPr>
+          <a:xfrm>
+            <a:off x="432597" y="4097923"/>
+            <a:ext cx="11326806" cy="2162477"/>
+          </a:xfrm>
+          <a:prstGeom prst="rect">
+            <a:avLst/>
+          </a:prstGeom>
+        </p:spPr>
+      </p:pic>
+      <p:sp>
+        <p:nvSpPr>
+          <p:cNvPr id="7" name="Rectangle 6"/>
+          <p:cNvSpPr/>
+          <p:nvPr/>
+        </p:nvSpPr>
+        <p:spPr>
+          <a:xfrm>
+            <a:off x="10746429" y="5069805"/>
+            <a:ext cx="1214741" cy="413798"/>
+          </a:xfrm>
+          <a:prstGeom prst="rect">
+            <a:avLst/>
+          </a:prstGeom>
+          <a:solidFill>
+            <a:srgbClr val="FFFFFF">
+              <a:alpha val="50196"/>
+            </a:srgbClr>
+          </a:solidFill>
+          <a:ln w="57150">
+            <a:solidFill>
+              <a:srgbClr val="C00000"/>
+            </a:solidFill>
+          </a:ln>
+        </p:spPr>
+        <p:style>
+          <a:lnRef idx="2">
+            <a:schemeClr val="accent1">
+              <a:shade val="50000"/>
+            </a:schemeClr>
+          </a:lnRef>
+          <a:fillRef idx="1">
+            <a:schemeClr val="accent1"/>
+          </a:fillRef>
+          <a:effectRef idx="0">
+            <a:schemeClr val="accent1"/>
+          </a:effectRef>
+          <a:fontRef idx="minor">
+            <a:schemeClr val="lt1"/>
+          </a:fontRef>
+        </p:style>
+        <p:txBody>
+          <a:bodyPr rtlCol="0" anchor="ctr"/>
+          <a:lstStyle/>
+          <a:p>
+            <a:pPr algn="ctr"/>
+            <a:r>
+              <a:rPr lang="ko-KR" altLang="en-US" dirty="0" smtClean="0">
+                <a:solidFill>
+                  <a:srgbClr val="C00000"/>
+                </a:solidFill>
+              </a:rPr>
+              <a:t>②</a:t>
+            </a:r>
+            <a:endParaRPr lang="ko-KR" altLang="en-US" dirty="0">
+              <a:solidFill>
+                <a:srgbClr val="C00000"/>
+              </a:solidFill>
+            </a:endParaRPr>
+          </a:p>
+        </p:txBody>
+      </p:sp>
+      <p:grpSp>
+        <p:nvGrpSpPr>
+          <p:cNvPr id="11" name="Group 10"/>
+          <p:cNvGrpSpPr/>
+          <p:nvPr/>
+        </p:nvGrpSpPr>
+        <p:grpSpPr>
+          <a:xfrm>
+            <a:off x="230830" y="3209357"/>
+            <a:ext cx="10259857" cy="3515216"/>
+            <a:chOff x="230830" y="3209357"/>
+            <a:chExt cx="10259857" cy="3515216"/>
+          </a:xfrm>
+        </p:grpSpPr>
+        <p:pic>
+          <p:nvPicPr>
+            <p:cNvPr id="8" name="Picture 7"/>
+            <p:cNvPicPr>
+              <a:picLocks noChangeAspect="1"/>
+            </p:cNvPicPr>
+            <p:nvPr/>
+          </p:nvPicPr>
+          <p:blipFill>
+            <a:blip r:embed="rId4"/>
+            <a:stretch>
+              <a:fillRect/>
+            </a:stretch>
+          </p:blipFill>
+          <p:spPr>
+            <a:xfrm>
+              <a:off x="230830" y="3209357"/>
+              <a:ext cx="10259857" cy="3515216"/>
+            </a:xfrm>
+            <a:prstGeom prst="rect">
+              <a:avLst/>
+            </a:prstGeom>
+          </p:spPr>
+        </p:pic>
+        <p:sp>
+          <p:nvSpPr>
+            <p:cNvPr id="9" name="Rectangle 8"/>
+            <p:cNvSpPr/>
+            <p:nvPr/>
+          </p:nvSpPr>
+          <p:spPr>
+            <a:xfrm>
+              <a:off x="988061" y="6329961"/>
+              <a:ext cx="1214741" cy="385544"/>
+            </a:xfrm>
+            <a:prstGeom prst="rect">
+              <a:avLst/>
+            </a:prstGeom>
+            <a:solidFill>
+              <a:srgbClr val="FFFFFF">
+                <a:alpha val="50196"/>
+              </a:srgbClr>
+            </a:solidFill>
+            <a:ln w="57150">
+              <a:solidFill>
+                <a:srgbClr val="C00000"/>
+              </a:solidFill>
+            </a:ln>
+          </p:spPr>
+          <p:style>
+            <a:lnRef idx="2">
+              <a:schemeClr val="accent1">
+                <a:shade val="50000"/>
+              </a:schemeClr>
+            </a:lnRef>
+            <a:fillRef idx="1">
+              <a:schemeClr val="accent1"/>
+            </a:fillRef>
+            <a:effectRef idx="0">
+              <a:schemeClr val="accent1"/>
+            </a:effectRef>
+            <a:fontRef idx="minor">
+              <a:schemeClr val="lt1"/>
+            </a:fontRef>
+          </p:style>
+          <p:txBody>
+            <a:bodyPr rtlCol="0" anchor="ctr"/>
+            <a:lstStyle/>
+            <a:p>
+              <a:pPr algn="ctr"/>
+              <a:r>
+                <a:rPr lang="ko-KR" altLang="en-US" dirty="0" smtClean="0">
+                  <a:solidFill>
+                    <a:srgbClr val="C00000"/>
+                  </a:solidFill>
+                </a:rPr>
+                <a:t>③</a:t>
+              </a:r>
+              <a:endParaRPr lang="ko-KR" altLang="en-US" dirty="0">
+                <a:solidFill>
+                  <a:srgbClr val="C00000"/>
+                </a:solidFill>
+              </a:endParaRPr>
+            </a:p>
+          </p:txBody>
+        </p:sp>
+        <p:sp>
+          <p:nvSpPr>
+            <p:cNvPr id="10" name="Rectangle 9"/>
+            <p:cNvSpPr/>
+            <p:nvPr/>
+          </p:nvSpPr>
+          <p:spPr>
+            <a:xfrm>
+              <a:off x="9268595" y="3607734"/>
+              <a:ext cx="1222092" cy="385544"/>
+            </a:xfrm>
+            <a:prstGeom prst="rect">
+              <a:avLst/>
+            </a:prstGeom>
+            <a:solidFill>
+              <a:srgbClr val="FFFFFF">
+                <a:alpha val="50196"/>
+              </a:srgbClr>
+            </a:solidFill>
+            <a:ln w="57150">
+              <a:solidFill>
+                <a:srgbClr val="C00000"/>
+              </a:solidFill>
+            </a:ln>
+          </p:spPr>
+          <p:style>
+            <a:lnRef idx="2">
+              <a:schemeClr val="accent1">
+                <a:shade val="50000"/>
+              </a:schemeClr>
+            </a:lnRef>
+            <a:fillRef idx="1">
+              <a:schemeClr val="accent1"/>
+            </a:fillRef>
+            <a:effectRef idx="0">
+              <a:schemeClr val="accent1"/>
+            </a:effectRef>
+            <a:fontRef idx="minor">
+              <a:schemeClr val="lt1"/>
+            </a:fontRef>
+          </p:style>
+          <p:txBody>
+            <a:bodyPr rtlCol="0" anchor="ctr"/>
+            <a:lstStyle/>
+            <a:p>
+              <a:pPr algn="ctr"/>
+              <a:r>
+                <a:rPr lang="ko-KR" altLang="en-US" dirty="0" smtClean="0">
+                  <a:solidFill>
+                    <a:srgbClr val="C00000"/>
+                  </a:solidFill>
+                </a:rPr>
+                <a:t>④</a:t>
+              </a:r>
+              <a:endParaRPr lang="ko-KR" altLang="en-US" dirty="0">
+                <a:solidFill>
+                  <a:srgbClr val="C00000"/>
+                </a:solidFill>
+              </a:endParaRPr>
+            </a:p>
+          </p:txBody>
+        </p:sp>
+      </p:grpSp>
+    </p:spTree>
+    <p:extLst>
+      <p:ext uri="{BB962C8B-B14F-4D97-AF65-F5344CB8AC3E}">
+        <p14:creationId xmlns:p14="http://schemas.microsoft.com/office/powerpoint/2010/main" val="3985471715"/>
+      </p:ext>
+    </p:extLst>
+  </p:cSld>
+  <p:clrMapOvr>
+    <a:masterClrMapping/>
+  </p:clrMapOvr>
+  <p:timing>
+    <p:tnLst>
+      <p:par>
+        <p:cTn id="1" dur="indefinite" restart="never" nodeType="tmRoot">
+          <p:childTnLst>
+            <p:seq concurrent="1" nextAc="seek">
+              <p:cTn id="2" dur="indefinite" nodeType="mainSeq">
+                <p:childTnLst>
+                  <p:par>
+                    <p:cTn id="3" fill="hold">
+                      <p:stCondLst>
+                        <p:cond delay="indefinite"/>
+                      </p:stCondLst>
+                      <p:childTnLst>
+                        <p:par>
+                          <p:cTn id="4" fill="hold">
+                            <p:stCondLst>
+                              <p:cond delay="0"/>
+                            </p:stCondLst>
+                            <p:childTnLst>
+                              <p:par>
+                                <p:cTn id="5" presetID="1" presetClass="entr" presetSubtype="0" fill="hold" nodeType="clickEffect">
+                                  <p:stCondLst>
+                                    <p:cond delay="0"/>
+                                  </p:stCondLst>
+                                  <p:childTnLst>
+                                    <p:set>
+                                      <p:cBhvr>
+                                        <p:cTn id="6" dur="1" fill="hold">
+                                          <p:stCondLst>
+                                            <p:cond delay="0"/>
+                                          </p:stCondLst>
+                                        </p:cTn>
+                                        <p:tgtEl>
+                                          <p:spTgt spid="11"/>
+                                        </p:tgtEl>
+                                        <p:attrNameLst>
+                                          <p:attrName>style.visibility</p:attrName>
+                                        </p:attrNameLst>
+                                      </p:cBhvr>
+                                      <p:to>
+                                        <p:strVal val="visible"/>
+                                      </p:to>
+                                    </p:set>
+                                  </p:childTnLst>
+                                </p:cTn>
+                              </p:par>
+                            </p:childTnLst>
+                          </p:cTn>
+                        </p:par>
+                      </p:childTnLst>
+                    </p:cTn>
+                  </p:par>
+                </p:childTnLst>
+              </p:cTn>
+              <p:prevCondLst>
+                <p:cond evt="onPrev" delay="0">
+                  <p:tgtEl>
+                    <p:sldTgt/>
+                  </p:tgtEl>
+                </p:cond>
+              </p:prevCondLst>
+              <p:nextCondLst>
+                <p:cond evt="onNext" delay="0">
+                  <p:tgtEl>
+                    <p:sldTgt/>
+                  </p:tgtEl>
+                </p:cond>
+              </p:nextCondLst>
+            </p:seq>
+          </p:childTnLst>
+        </p:cTn>
+      </p:par>
+    </p:tnLst>
+  </p:timing>
+</p:sld>
+</file>
+
+<file path=ppt/slides/slide22.xml><?xml version="1.0" encoding="utf-8"?>
+<p:sld xmlns:a="http://schemas.openxmlformats.org/drawingml/2006/main" xmlns:r="http://schemas.openxmlformats.org/officeDocument/2006/relationships" xmlns:p="http://schemas.openxmlformats.org/presentationml/2006/main">
+  <p:cSld>
+    <p:spTree>
+      <p:nvGrpSpPr>
+        <p:cNvPr id="1" name=""/>
+        <p:cNvGrpSpPr/>
+        <p:nvPr/>
+      </p:nvGrpSpPr>
+      <p:grpSpPr>
+        <a:xfrm>
+          <a:off x="0" y="0"/>
+          <a:ext cx="0" cy="0"/>
+          <a:chOff x="0" y="0"/>
+          <a:chExt cx="0" cy="0"/>
+        </a:xfrm>
+      </p:grpSpPr>
+      <p:sp>
+        <p:nvSpPr>
+          <p:cNvPr id="2" name="Title 1"/>
+          <p:cNvSpPr>
+            <a:spLocks noGrp="1"/>
+          </p:cNvSpPr>
+          <p:nvPr>
+            <p:ph type="title"/>
+          </p:nvPr>
+        </p:nvSpPr>
+        <p:spPr/>
+        <p:txBody>
+          <a:bodyPr/>
+          <a:lstStyle/>
+          <a:p>
+            <a:r>
+              <a:rPr lang="en-US" altLang="ko-KR" dirty="0"/>
+              <a:t>2.CD – </a:t>
+            </a:r>
+            <a:r>
+              <a:rPr lang="en-US" altLang="ko-KR" dirty="0" err="1"/>
+              <a:t>ArgoCD</a:t>
+            </a:r>
+            <a:r>
+              <a:rPr lang="en-US" altLang="ko-KR" dirty="0"/>
+              <a:t> </a:t>
+            </a:r>
+            <a:r>
+              <a:rPr lang="ko-KR" altLang="en-US" dirty="0"/>
+              <a:t>실습</a:t>
+            </a:r>
+          </a:p>
+        </p:txBody>
+      </p:sp>
+      <p:sp>
+        <p:nvSpPr>
+          <p:cNvPr id="3" name="Content Placeholder 2"/>
+          <p:cNvSpPr>
+            <a:spLocks noGrp="1"/>
+          </p:cNvSpPr>
+          <p:nvPr>
+            <p:ph idx="1"/>
+          </p:nvPr>
+        </p:nvSpPr>
+        <p:spPr/>
+        <p:txBody>
+          <a:bodyPr/>
+          <a:lstStyle/>
+          <a:p>
+            <a:r>
+              <a:rPr lang="ko-KR" altLang="en-US" dirty="0" smtClean="0"/>
+              <a:t>파드 갯수가 </a:t>
+            </a:r>
+            <a:r>
+              <a:rPr lang="en-US" altLang="ko-KR" dirty="0" smtClean="0"/>
+              <a:t>1</a:t>
+            </a:r>
+            <a:r>
+              <a:rPr lang="ko-KR" altLang="en-US" dirty="0" smtClean="0"/>
+              <a:t>개로 줄어든 것을 확인할 수 있습니다</a:t>
+            </a:r>
+            <a:r>
+              <a:rPr lang="en-US" altLang="ko-KR" dirty="0" smtClean="0"/>
+              <a:t>.</a:t>
+            </a:r>
+            <a:endParaRPr lang="ko-KR" altLang="en-US" dirty="0"/>
+          </a:p>
+        </p:txBody>
+      </p:sp>
+      <p:pic>
+        <p:nvPicPr>
+          <p:cNvPr id="4" name="Picture 3"/>
+          <p:cNvPicPr>
+            <a:picLocks noChangeAspect="1"/>
+          </p:cNvPicPr>
+          <p:nvPr/>
+        </p:nvPicPr>
+        <p:blipFill>
+          <a:blip r:embed="rId2"/>
+          <a:stretch>
+            <a:fillRect/>
+          </a:stretch>
+        </p:blipFill>
+        <p:spPr>
+          <a:xfrm>
+            <a:off x="0" y="2067335"/>
+            <a:ext cx="12192000" cy="4396968"/>
+          </a:xfrm>
+          <a:prstGeom prst="rect">
+            <a:avLst/>
+          </a:prstGeom>
+        </p:spPr>
+      </p:pic>
+    </p:spTree>
+    <p:extLst>
+      <p:ext uri="{BB962C8B-B14F-4D97-AF65-F5344CB8AC3E}">
+        <p14:creationId xmlns:p14="http://schemas.microsoft.com/office/powerpoint/2010/main" val="2681681170"/>
       </p:ext>
     </p:extLst>
   </p:cSld>
@@ -4831,11 +9553,7 @@
             </a:r>
             <a:r>
               <a:rPr lang="ko-KR" altLang="en-US" dirty="0" smtClean="0"/>
-              <a:t>리포지터리 </a:t>
-            </a:r>
-            <a:r>
-              <a:rPr lang="ko-KR" altLang="en-US" dirty="0" smtClean="0"/>
-              <a:t>생성</a:t>
+              <a:t>리포지터리 생성</a:t>
             </a:r>
             <a:endParaRPr lang="ko-KR" altLang="en-US" dirty="0"/>
           </a:p>
@@ -4882,11 +9600,7 @@
           <a:p>
             <a:r>
               <a:rPr lang="ko-KR" altLang="en-US" dirty="0" smtClean="0"/>
-              <a:t>액션을 </a:t>
-            </a:r>
-            <a:r>
-              <a:rPr lang="ko-KR" altLang="en-US" dirty="0" smtClean="0"/>
-              <a:t>실행할 </a:t>
+              <a:t>액션을 실행할 </a:t>
             </a:r>
             <a:r>
               <a:rPr lang="en-US" altLang="ko-KR" dirty="0" smtClean="0"/>
@@ -4903,7 +9617,6 @@
               <a:rPr lang="en-US" altLang="ko-KR" dirty="0" smtClean="0"/>
               <a:t>.</a:t>
             </a:r>
-            <a:endParaRPr lang="en-US" altLang="ko-KR" dirty="0" smtClean="0"/>
           </a:p>
         </p:txBody>
       </p:sp>
@@ -6033,11 +10746,7 @@
             </a:r>
             <a:r>
               <a:rPr lang="ko-KR" altLang="en-US" dirty="0" smtClean="0"/>
-              <a:t>워크플로 </a:t>
-            </a:r>
-            <a:r>
-              <a:rPr lang="ko-KR" altLang="en-US" dirty="0" smtClean="0"/>
-              <a:t>확인</a:t>
+              <a:t>워크플로 확인</a:t>
             </a:r>
             <a:endParaRPr lang="ko-KR" altLang="en-US" dirty="0"/>
           </a:p>

--- a/source/도커심화_한권으로_배우는_도커_&_쿠버네티스/ch11_깃허브 액션과 ArgoCD를 활용한 CICD.pptx
+++ b/source/도커심화_한권으로_배우는_도커_&_쿠버네티스/ch11_깃허브 액션과 ArgoCD를 활용한 CICD.pptx
@@ -5,31 +5,33 @@
     <p:sldMasterId id="2147483648" r:id="rId1"/>
   </p:sldMasterIdLst>
   <p:notesMasterIdLst>
-    <p:notesMasterId r:id="rId24"/>
+    <p:notesMasterId r:id="rId26"/>
   </p:notesMasterIdLst>
   <p:sldIdLst>
     <p:sldId id="256" r:id="rId2"/>
-    <p:sldId id="265" r:id="rId3"/>
-    <p:sldId id="257" r:id="rId4"/>
-    <p:sldId id="258" r:id="rId5"/>
-    <p:sldId id="259" r:id="rId6"/>
-    <p:sldId id="260" r:id="rId7"/>
-    <p:sldId id="266" r:id="rId8"/>
-    <p:sldId id="267" r:id="rId9"/>
-    <p:sldId id="268" r:id="rId10"/>
-    <p:sldId id="269" r:id="rId11"/>
-    <p:sldId id="270" r:id="rId12"/>
-    <p:sldId id="271" r:id="rId13"/>
-    <p:sldId id="272" r:id="rId14"/>
-    <p:sldId id="273" r:id="rId15"/>
-    <p:sldId id="274" r:id="rId16"/>
-    <p:sldId id="275" r:id="rId17"/>
-    <p:sldId id="276" r:id="rId18"/>
-    <p:sldId id="277" r:id="rId19"/>
-    <p:sldId id="278" r:id="rId20"/>
-    <p:sldId id="279" r:id="rId21"/>
-    <p:sldId id="280" r:id="rId22"/>
-    <p:sldId id="281" r:id="rId23"/>
+    <p:sldId id="282" r:id="rId3"/>
+    <p:sldId id="265" r:id="rId4"/>
+    <p:sldId id="257" r:id="rId5"/>
+    <p:sldId id="258" r:id="rId6"/>
+    <p:sldId id="259" r:id="rId7"/>
+    <p:sldId id="260" r:id="rId8"/>
+    <p:sldId id="266" r:id="rId9"/>
+    <p:sldId id="283" r:id="rId10"/>
+    <p:sldId id="267" r:id="rId11"/>
+    <p:sldId id="268" r:id="rId12"/>
+    <p:sldId id="269" r:id="rId13"/>
+    <p:sldId id="270" r:id="rId14"/>
+    <p:sldId id="271" r:id="rId15"/>
+    <p:sldId id="272" r:id="rId16"/>
+    <p:sldId id="273" r:id="rId17"/>
+    <p:sldId id="274" r:id="rId18"/>
+    <p:sldId id="275" r:id="rId19"/>
+    <p:sldId id="276" r:id="rId20"/>
+    <p:sldId id="277" r:id="rId21"/>
+    <p:sldId id="278" r:id="rId22"/>
+    <p:sldId id="279" r:id="rId23"/>
+    <p:sldId id="280" r:id="rId24"/>
+    <p:sldId id="281" r:id="rId25"/>
   </p:sldIdLst>
   <p:sldSz cx="12192000" cy="6858000"/>
   <p:notesSz cx="6858000" cy="9144000"/>
@@ -147,6 +149,2380 @@
 </p:presentation>
 </file>
 
+<file path=ppt/ink/ink1.xml><?xml version="1.0" encoding="utf-8"?>
+<inkml:ink xmlns:inkml="http://www.w3.org/2003/InkML">
+  <inkml:definitions>
+    <inkml:context xml:id="ctx0">
+      <inkml:inkSource xml:id="inkSrc0">
+        <inkml:traceFormat>
+          <inkml:channel name="X" type="integer" max="65535" units="cm"/>
+          <inkml:channel name="Y" type="integer" max="65535" units="cm"/>
+          <inkml:channel name="F" type="integer" max="1024" units="dev"/>
+          <inkml:channel name="T" type="integer" max="2.14748E9" units="dev"/>
+        </inkml:traceFormat>
+        <inkml:channelProperties>
+          <inkml:channelProperty channel="X" name="resolution" value="936.21429" units="1/cm"/>
+          <inkml:channelProperty channel="Y" name="resolution" value="1680.38464" units="1/cm"/>
+          <inkml:channelProperty channel="F" name="resolution" value="0" units="1/dev"/>
+          <inkml:channelProperty channel="T" name="resolution" value="1" units="1/dev"/>
+        </inkml:channelProperties>
+      </inkml:inkSource>
+      <inkml:timestamp xml:id="ts0" timeString="2024-11-30T00:49:16.253"/>
+    </inkml:context>
+    <inkml:brush xml:id="br0">
+      <inkml:brushProperty name="width" value="0.08819" units="cm"/>
+      <inkml:brushProperty name="height" value="0.35278" units="cm"/>
+      <inkml:brushProperty name="color" value="#FFFF00"/>
+      <inkml:brushProperty name="tip" value="rectangle"/>
+      <inkml:brushProperty name="rasterOp" value="maskPen"/>
+    </inkml:brush>
+  </inkml:definitions>
+  <inkml:trace contextRef="#ctx0" brushRef="#br0">11641 5630 62 0,'-20'-19'24'16,"-1"19"9"0,-21 0 18-1,21 0 21 1,21 0-55 0,0 0-17 15,21 0 59-16,42-38 3 1,84 1-12 0,103-19-23-1,86 18-13 1,103 19 4 0,106-18-9-1,84-20 3 1,123-19 10-1,65-37-10 1,21 94-4 0,-104 38-8-1,-87 38 1 1,-18-19 0 0,-85-38 4 15,-166 0 7-16,-149 0 11 1,-40 18-10 0,-84 1-10-1,-105-19 8 1,0 0-11 0,0 0 0-1,0 0 0 1,0 0 0-1,0 0 0 1,0 0 0 0,0 0 0-1,0 0 0 1,0 0 0 15,0 0 0-15,0 0 0-1,0 0 0 1,0 0 53 0,0-19-53-1,-21 19 2 1,21 0-3 0,0 0 2-1,0 0-1 1,0 0-3-1,0 0 3 1,0 0 0 0,0 0 0-1,0 0 0 17,0 0 0-17,0 0 0 1,0 0 0-1,0-18-119 1,-41 18-59 0,-43 56-178-1</inkml:trace>
+</inkml:ink>
+</file>
+
+<file path=ppt/ink/ink10.xml><?xml version="1.0" encoding="utf-8"?>
+<inkml:ink xmlns:inkml="http://www.w3.org/2003/InkML">
+  <inkml:definitions>
+    <inkml:context xml:id="ctx0">
+      <inkml:inkSource xml:id="inkSrc0">
+        <inkml:traceFormat>
+          <inkml:channel name="X" type="integer" max="65535" units="cm"/>
+          <inkml:channel name="Y" type="integer" max="65535" units="cm"/>
+          <inkml:channel name="F" type="integer" max="1024" units="dev"/>
+          <inkml:channel name="T" type="integer" max="2.14748E9" units="dev"/>
+        </inkml:traceFormat>
+        <inkml:channelProperties>
+          <inkml:channelProperty channel="X" name="resolution" value="936.21429" units="1/cm"/>
+          <inkml:channelProperty channel="Y" name="resolution" value="1680.38464" units="1/cm"/>
+          <inkml:channelProperty channel="F" name="resolution" value="0" units="1/dev"/>
+          <inkml:channelProperty channel="T" name="resolution" value="1" units="1/dev"/>
+        </inkml:channelProperties>
+      </inkml:inkSource>
+      <inkml:timestamp xml:id="ts0" timeString="2024-11-30T00:49:43.728"/>
+    </inkml:context>
+    <inkml:brush xml:id="br0">
+      <inkml:brushProperty name="width" value="0.08819" units="cm"/>
+      <inkml:brushProperty name="height" value="0.35278" units="cm"/>
+      <inkml:brushProperty name="color" value="#FFFF00"/>
+      <inkml:brushProperty name="tip" value="rectangle"/>
+      <inkml:brushProperty name="rasterOp" value="maskPen"/>
+    </inkml:brush>
+  </inkml:definitions>
+  <inkml:trace contextRef="#ctx0" brushRef="#br0">29190 10589 98 0,'0'0'0'0,"-314"113"148"15,-126 58-34 1,-167 36-67-1,-190 0-28 1,-271-56-12 0,-209-133 48-1,104-113-14 1,253-111-41 0,291-152-20 15,273-113-51-16,272-58 40 1,230 133 36 0,482-75-7-1,441 56-19 1,250 133 9 0,0 225 11-1,-209 265 15 1,-356 225 1-1,-419 114 15 1,-439 37 30 0,-336-75 5 15,-105-57-14-31,-41-55-45 16,188-171-9 15,168-132-26-16,167-94-146 1,104-37-205-16</inkml:trace>
+</inkml:ink>
+</file>
+
+<file path=ppt/ink/ink11.xml><?xml version="1.0" encoding="utf-8"?>
+<inkml:ink xmlns:inkml="http://www.w3.org/2003/InkML">
+  <inkml:definitions>
+    <inkml:context xml:id="ctx0">
+      <inkml:inkSource xml:id="inkSrc0">
+        <inkml:traceFormat>
+          <inkml:channel name="X" type="integer" max="65535" units="cm"/>
+          <inkml:channel name="Y" type="integer" max="65535" units="cm"/>
+          <inkml:channel name="F" type="integer" max="1024" units="dev"/>
+          <inkml:channel name="T" type="integer" max="2.14748E9" units="dev"/>
+        </inkml:traceFormat>
+        <inkml:channelProperties>
+          <inkml:channelProperty channel="X" name="resolution" value="936.21429" units="1/cm"/>
+          <inkml:channelProperty channel="Y" name="resolution" value="1680.38464" units="1/cm"/>
+          <inkml:channelProperty channel="F" name="resolution" value="0" units="1/dev"/>
+          <inkml:channelProperty channel="T" name="resolution" value="1" units="1/dev"/>
+        </inkml:channelProperties>
+      </inkml:inkSource>
+      <inkml:timestamp xml:id="ts0" timeString="2024-11-30T00:49:44.140"/>
+    </inkml:context>
+    <inkml:brush xml:id="br0">
+      <inkml:brushProperty name="width" value="0.08819" units="cm"/>
+      <inkml:brushProperty name="height" value="0.35278" units="cm"/>
+      <inkml:brushProperty name="color" value="#FFFF00"/>
+      <inkml:brushProperty name="tip" value="rectangle"/>
+      <inkml:brushProperty name="rasterOp" value="maskPen"/>
+    </inkml:brush>
+  </inkml:definitions>
+  <inkml:trace contextRef="#ctx0" brushRef="#br0">28456 6969 304 0,'-63'-19'28'16,"-82"283"8"0,-45 339-25-1,169-187 17 1,85-285 59 0,83-131 32-1,187-188-100 1,106-57-20-1,0 19-52 1,-169 94-104 0,-39 56-186-1,-192 76 273 1</inkml:trace>
+</inkml:ink>
+</file>
+
+<file path=ppt/ink/ink12.xml><?xml version="1.0" encoding="utf-8"?>
+<inkml:ink xmlns:inkml="http://www.w3.org/2003/InkML">
+  <inkml:definitions>
+    <inkml:context xml:id="ctx0">
+      <inkml:inkSource xml:id="inkSrc0">
+        <inkml:traceFormat>
+          <inkml:channel name="X" type="integer" max="65535" units="cm"/>
+          <inkml:channel name="Y" type="integer" max="65535" units="cm"/>
+          <inkml:channel name="F" type="integer" max="1024" units="dev"/>
+          <inkml:channel name="T" type="integer" max="2.14748E9" units="dev"/>
+        </inkml:traceFormat>
+        <inkml:channelProperties>
+          <inkml:channelProperty channel="X" name="resolution" value="936.21429" units="1/cm"/>
+          <inkml:channelProperty channel="Y" name="resolution" value="1680.38464" units="1/cm"/>
+          <inkml:channelProperty channel="F" name="resolution" value="0" units="1/dev"/>
+          <inkml:channelProperty channel="T" name="resolution" value="1" units="1/dev"/>
+        </inkml:channelProperties>
+      </inkml:inkSource>
+      <inkml:timestamp xml:id="ts0" timeString="2024-11-30T00:49:46.906"/>
+    </inkml:context>
+    <inkml:brush xml:id="br0">
+      <inkml:brushProperty name="width" value="0.08819" units="cm"/>
+      <inkml:brushProperty name="height" value="0.35278" units="cm"/>
+      <inkml:brushProperty name="color" value="#FFFF00"/>
+      <inkml:brushProperty name="tip" value="rectangle"/>
+      <inkml:brushProperty name="rasterOp" value="maskPen"/>
+    </inkml:brush>
+  </inkml:definitions>
+  <inkml:trace contextRef="#ctx0" brushRef="#br0">22362 13191 206 0,'0'0'0'0,"-63"-19"63"16,-61 132 24-1,-23 132-10 1,62 76-24 0,85-19-32-1,127-151-22 1,124-133-17 0,22-187-30-1,-128-39-39 1,-228 20-57 15,-147-39 60-15,41 77 154-1,63 130 20 1,85 20-39 0,103 20-13-1,127-40-13 1,103-74-16-1,65 0-13 1,-106-19-16 0,-146 56-13-1,-63 38 31 1,-42 57 62 0,-21 94 16-1,21 0-10 1,21 57-27 15,42-1-37-15,20-37-67-1,-20-38-113 1,-20-113-159 0</inkml:trace>
+</inkml:ink>
+</file>
+
+<file path=ppt/ink/ink13.xml><?xml version="1.0" encoding="utf-8"?>
+<inkml:ink xmlns:inkml="http://www.w3.org/2003/InkML">
+  <inkml:definitions>
+    <inkml:context xml:id="ctx0">
+      <inkml:inkSource xml:id="inkSrc0">
+        <inkml:traceFormat>
+          <inkml:channel name="X" type="integer" max="65535" units="cm"/>
+          <inkml:channel name="Y" type="integer" max="65535" units="cm"/>
+          <inkml:channel name="F" type="integer" max="1024" units="dev"/>
+          <inkml:channel name="T" type="integer" max="2.14748E9" units="dev"/>
+        </inkml:traceFormat>
+        <inkml:channelProperties>
+          <inkml:channelProperty channel="X" name="resolution" value="936.21429" units="1/cm"/>
+          <inkml:channelProperty channel="Y" name="resolution" value="1680.38464" units="1/cm"/>
+          <inkml:channelProperty channel="F" name="resolution" value="0" units="1/dev"/>
+          <inkml:channelProperty channel="T" name="resolution" value="1" units="1/dev"/>
+        </inkml:channelProperties>
+      </inkml:inkSource>
+      <inkml:timestamp xml:id="ts0" timeString="2024-11-30T00:49:47.121"/>
+    </inkml:context>
+    <inkml:brush xml:id="br0">
+      <inkml:brushProperty name="width" value="0.08819" units="cm"/>
+      <inkml:brushProperty name="height" value="0.35278" units="cm"/>
+      <inkml:brushProperty name="color" value="#FFFF00"/>
+      <inkml:brushProperty name="tip" value="rectangle"/>
+      <inkml:brushProperty name="rasterOp" value="maskPen"/>
+    </inkml:brush>
+  </inkml:definitions>
+  <inkml:trace contextRef="#ctx0" brushRef="#br0">24017 12889 245 0,'-21'0'91'15,"21"113"33"1,0 132-5 0,42 57-54 15,42-19-55-31,21-113-42 31,-43-39-143-15,-19-111-247-16</inkml:trace>
+</inkml:ink>
+</file>
+
+<file path=ppt/ink/ink14.xml><?xml version="1.0" encoding="utf-8"?>
+<inkml:ink xmlns:inkml="http://www.w3.org/2003/InkML">
+  <inkml:definitions>
+    <inkml:context xml:id="ctx0">
+      <inkml:inkSource xml:id="inkSrc0">
+        <inkml:traceFormat>
+          <inkml:channel name="X" type="integer" max="65535" units="cm"/>
+          <inkml:channel name="Y" type="integer" max="65535" units="cm"/>
+          <inkml:channel name="F" type="integer" max="1024" units="dev"/>
+          <inkml:channel name="T" type="integer" max="2.14748E9" units="dev"/>
+        </inkml:traceFormat>
+        <inkml:channelProperties>
+          <inkml:channelProperty channel="X" name="resolution" value="936.21429" units="1/cm"/>
+          <inkml:channelProperty channel="Y" name="resolution" value="1680.38464" units="1/cm"/>
+          <inkml:channelProperty channel="F" name="resolution" value="0" units="1/dev"/>
+          <inkml:channelProperty channel="T" name="resolution" value="1" units="1/dev"/>
+        </inkml:channelProperties>
+      </inkml:inkSource>
+      <inkml:timestamp xml:id="ts0" timeString="2024-11-30T00:49:47.450"/>
+    </inkml:context>
+    <inkml:brush xml:id="br0">
+      <inkml:brushProperty name="width" value="0.08819" units="cm"/>
+      <inkml:brushProperty name="height" value="0.35278" units="cm"/>
+      <inkml:brushProperty name="color" value="#FFFF00"/>
+      <inkml:brushProperty name="tip" value="rectangle"/>
+      <inkml:brushProperty name="rasterOp" value="maskPen"/>
+    </inkml:brush>
+  </inkml:definitions>
+  <inkml:trace contextRef="#ctx0" brushRef="#br0">24478 12719 353 0,'-22'-56'36'15,"128"-77"42"1,124 77-33 0,21 94-17-1,-105 207-22 16,-188 75 7-15,-62-17 33 0,63-134-15-1,61-56-29 1,84-56-7 0,127-152-53-1,0-74-212 1,-126 94-12-1</inkml:trace>
+</inkml:ink>
+</file>
+
+<file path=ppt/ink/ink15.xml><?xml version="1.0" encoding="utf-8"?>
+<inkml:ink xmlns:inkml="http://www.w3.org/2003/InkML">
+  <inkml:definitions>
+    <inkml:context xml:id="ctx0">
+      <inkml:inkSource xml:id="inkSrc0">
+        <inkml:traceFormat>
+          <inkml:channel name="X" type="integer" max="65535" units="cm"/>
+          <inkml:channel name="Y" type="integer" max="65535" units="cm"/>
+          <inkml:channel name="F" type="integer" max="1024" units="dev"/>
+          <inkml:channel name="T" type="integer" max="2.14748E9" units="dev"/>
+        </inkml:traceFormat>
+        <inkml:channelProperties>
+          <inkml:channelProperty channel="X" name="resolution" value="936.21429" units="1/cm"/>
+          <inkml:channelProperty channel="Y" name="resolution" value="1680.38464" units="1/cm"/>
+          <inkml:channelProperty channel="F" name="resolution" value="0" units="1/dev"/>
+          <inkml:channelProperty channel="T" name="resolution" value="1" units="1/dev"/>
+        </inkml:channelProperties>
+      </inkml:inkSource>
+      <inkml:timestamp xml:id="ts0" timeString="2024-11-30T00:49:47.761"/>
+    </inkml:context>
+    <inkml:brush xml:id="br0">
+      <inkml:brushProperty name="width" value="0.08819" units="cm"/>
+      <inkml:brushProperty name="height" value="0.35278" units="cm"/>
+      <inkml:brushProperty name="color" value="#FFFF00"/>
+      <inkml:brushProperty name="tip" value="rectangle"/>
+      <inkml:brushProperty name="rasterOp" value="maskPen"/>
+    </inkml:brush>
+  </inkml:definitions>
+  <inkml:trace contextRef="#ctx0" brushRef="#br0">25399 12983 298 0,'-42'0'60'16,"63"-18"-25"-1,167-113 3 16,85 16-23-15,0 40-46 0,-106 37 24-1,-146 20 77 1,-21 36 17 0,-21 77-31-1,-1 75-22 1,44 36-14-1,19 40-27 1,22-95-108 0,22-38-225-1,-66-113 189 1</inkml:trace>
+</inkml:ink>
+</file>
+
+<file path=ppt/ink/ink16.xml><?xml version="1.0" encoding="utf-8"?>
+<inkml:ink xmlns:inkml="http://www.w3.org/2003/InkML">
+  <inkml:definitions>
+    <inkml:context xml:id="ctx0">
+      <inkml:inkSource xml:id="inkSrc0">
+        <inkml:traceFormat>
+          <inkml:channel name="X" type="integer" max="65535" units="cm"/>
+          <inkml:channel name="Y" type="integer" max="65535" units="cm"/>
+          <inkml:channel name="F" type="integer" max="1024" units="dev"/>
+          <inkml:channel name="T" type="integer" max="2.14748E9" units="dev"/>
+        </inkml:traceFormat>
+        <inkml:channelProperties>
+          <inkml:channelProperty channel="X" name="resolution" value="936.21429" units="1/cm"/>
+          <inkml:channelProperty channel="Y" name="resolution" value="1680.38464" units="1/cm"/>
+          <inkml:channelProperty channel="F" name="resolution" value="0" units="1/dev"/>
+          <inkml:channelProperty channel="T" name="resolution" value="1" units="1/dev"/>
+        </inkml:channelProperties>
+      </inkml:inkSource>
+      <inkml:timestamp xml:id="ts0" timeString="2024-11-30T00:49:47.989"/>
+    </inkml:context>
+    <inkml:brush xml:id="br0">
+      <inkml:brushProperty name="width" value="0.08819" units="cm"/>
+      <inkml:brushProperty name="height" value="0.35278" units="cm"/>
+      <inkml:brushProperty name="color" value="#FFFF00"/>
+      <inkml:brushProperty name="tip" value="rectangle"/>
+      <inkml:brushProperty name="rasterOp" value="maskPen"/>
+    </inkml:brush>
+  </inkml:definitions>
+  <inkml:trace contextRef="#ctx0" brushRef="#br0">28101 11890 486 0,'-43'113'73'16,"-62"208"55"-1,-125 131-104 1,104-151-41-1,63-36-151 1,22-96-339 0</inkml:trace>
+</inkml:ink>
+</file>
+
+<file path=ppt/ink/ink17.xml><?xml version="1.0" encoding="utf-8"?>
+<inkml:ink xmlns:inkml="http://www.w3.org/2003/InkML">
+  <inkml:definitions>
+    <inkml:context xml:id="ctx0">
+      <inkml:inkSource xml:id="inkSrc0">
+        <inkml:traceFormat>
+          <inkml:channel name="X" type="integer" max="65535" units="cm"/>
+          <inkml:channel name="Y" type="integer" max="65535" units="cm"/>
+          <inkml:channel name="F" type="integer" max="1024" units="dev"/>
+          <inkml:channel name="T" type="integer" max="2.14748E9" units="dev"/>
+        </inkml:traceFormat>
+        <inkml:channelProperties>
+          <inkml:channelProperty channel="X" name="resolution" value="936.21429" units="1/cm"/>
+          <inkml:channelProperty channel="Y" name="resolution" value="1680.38464" units="1/cm"/>
+          <inkml:channelProperty channel="F" name="resolution" value="0" units="1/dev"/>
+          <inkml:channelProperty channel="T" name="resolution" value="1" units="1/dev"/>
+        </inkml:channelProperties>
+      </inkml:inkSource>
+      <inkml:timestamp xml:id="ts0" timeString="2024-11-30T00:49:48.180"/>
+    </inkml:context>
+    <inkml:brush xml:id="br0">
+      <inkml:brushProperty name="width" value="0.08819" units="cm"/>
+      <inkml:brushProperty name="height" value="0.35278" units="cm"/>
+      <inkml:brushProperty name="color" value="#FFFF00"/>
+      <inkml:brushProperty name="tip" value="rectangle"/>
+      <inkml:brushProperty name="rasterOp" value="maskPen"/>
+    </inkml:brush>
+  </inkml:definitions>
+  <inkml:trace contextRef="#ctx0" brushRef="#br0">27179 12191 536 0,'-20'0'21'16,"20"39"34"0,146 112 13-1,210 56-47 1,125-19-93 0,-41 1-345-1,-378-152 246-15</inkml:trace>
+</inkml:ink>
+</file>
+
+<file path=ppt/ink/ink18.xml><?xml version="1.0" encoding="utf-8"?>
+<inkml:ink xmlns:inkml="http://www.w3.org/2003/InkML">
+  <inkml:definitions>
+    <inkml:context xml:id="ctx0">
+      <inkml:inkSource xml:id="inkSrc0">
+        <inkml:traceFormat>
+          <inkml:channel name="X" type="integer" max="65535" units="cm"/>
+          <inkml:channel name="Y" type="integer" max="65535" units="cm"/>
+          <inkml:channel name="F" type="integer" max="1024" units="dev"/>
+          <inkml:channel name="T" type="integer" max="2.14748E9" units="dev"/>
+        </inkml:traceFormat>
+        <inkml:channelProperties>
+          <inkml:channelProperty channel="X" name="resolution" value="936.21429" units="1/cm"/>
+          <inkml:channelProperty channel="Y" name="resolution" value="1680.38464" units="1/cm"/>
+          <inkml:channelProperty channel="F" name="resolution" value="0" units="1/dev"/>
+          <inkml:channelProperty channel="T" name="resolution" value="1" units="1/dev"/>
+        </inkml:channelProperties>
+      </inkml:inkSource>
+      <inkml:timestamp xml:id="ts0" timeString="2024-11-30T00:49:48.315"/>
+    </inkml:context>
+    <inkml:brush xml:id="br0">
+      <inkml:brushProperty name="width" value="0.08819" units="cm"/>
+      <inkml:brushProperty name="height" value="0.35278" units="cm"/>
+      <inkml:brushProperty name="color" value="#FFFF00"/>
+      <inkml:brushProperty name="tip" value="rectangle"/>
+      <inkml:brushProperty name="rasterOp" value="maskPen"/>
+    </inkml:brush>
+  </inkml:definitions>
+  <inkml:trace contextRef="#ctx0" brushRef="#br0">29210 13323 398 0,'0'0'67'0,"-20"0"182"16,-23 0-168 15,43-38-85-31,63-18-106 31,0 37-242-15,-41 19 54-16</inkml:trace>
+</inkml:ink>
+</file>
+
+<file path=ppt/ink/ink19.xml><?xml version="1.0" encoding="utf-8"?>
+<inkml:ink xmlns:inkml="http://www.w3.org/2003/InkML">
+  <inkml:definitions>
+    <inkml:context xml:id="ctx0">
+      <inkml:inkSource xml:id="inkSrc0">
+        <inkml:traceFormat>
+          <inkml:channel name="X" type="integer" max="65535" units="cm"/>
+          <inkml:channel name="Y" type="integer" max="65535" units="cm"/>
+          <inkml:channel name="T" type="integer" max="2.14748E9" units="dev"/>
+        </inkml:traceFormat>
+        <inkml:channelProperties>
+          <inkml:channelProperty channel="X" name="resolution" value="936.21429" units="1/cm"/>
+          <inkml:channelProperty channel="Y" name="resolution" value="1680.38464" units="1/cm"/>
+          <inkml:channelProperty channel="T" name="resolution" value="1" units="1/dev"/>
+        </inkml:channelProperties>
+      </inkml:inkSource>
+      <inkml:timestamp xml:id="ts0" timeString="2024-11-30T00:49:53.199"/>
+    </inkml:context>
+    <inkml:brush xml:id="br0">
+      <inkml:brushProperty name="width" value="0.08819" units="cm"/>
+      <inkml:brushProperty name="height" value="0.35278" units="cm"/>
+      <inkml:brushProperty name="color" value="#FFFF00"/>
+      <inkml:brushProperty name="tip" value="rectangle"/>
+      <inkml:brushProperty name="rasterOp" value="maskPen"/>
+    </inkml:brush>
+  </inkml:definitions>
+  <inkml:trace contextRef="#ctx0" brushRef="#br0">25566 16848 0,'0'0'0,"0"0"0,0 0 0,0 0 0,0 0 0,0 0 16,0 0 15,0 0-15</inkml:trace>
+</inkml:ink>
+</file>
+
+<file path=ppt/ink/ink2.xml><?xml version="1.0" encoding="utf-8"?>
+<inkml:ink xmlns:inkml="http://www.w3.org/2003/InkML">
+  <inkml:definitions>
+    <inkml:context xml:id="ctx0">
+      <inkml:inkSource xml:id="inkSrc0">
+        <inkml:traceFormat>
+          <inkml:channel name="X" type="integer" max="65535" units="cm"/>
+          <inkml:channel name="Y" type="integer" max="65535" units="cm"/>
+          <inkml:channel name="F" type="integer" max="1024" units="dev"/>
+          <inkml:channel name="T" type="integer" max="2.14748E9" units="dev"/>
+        </inkml:traceFormat>
+        <inkml:channelProperties>
+          <inkml:channelProperty channel="X" name="resolution" value="936.21429" units="1/cm"/>
+          <inkml:channelProperty channel="Y" name="resolution" value="1680.38464" units="1/cm"/>
+          <inkml:channelProperty channel="F" name="resolution" value="0" units="1/dev"/>
+          <inkml:channelProperty channel="T" name="resolution" value="1" units="1/dev"/>
+        </inkml:channelProperties>
+      </inkml:inkSource>
+      <inkml:timestamp xml:id="ts0" timeString="2024-11-30T00:49:19.429"/>
+    </inkml:context>
+    <inkml:brush xml:id="br0">
+      <inkml:brushProperty name="width" value="0.08819" units="cm"/>
+      <inkml:brushProperty name="height" value="0.35278" units="cm"/>
+      <inkml:brushProperty name="color" value="#FFFF00"/>
+      <inkml:brushProperty name="tip" value="rectangle"/>
+      <inkml:brushProperty name="rasterOp" value="maskPen"/>
+    </inkml:brush>
+  </inkml:definitions>
+  <inkml:trace contextRef="#ctx0" brushRef="#br0">21357 5687 49 0,'-20'-76'43'0,"20"38"-12"15,20 38 6 17,23 38 55-17,103-19 0 1,232-76-19 0,186 2-38-1,420-40-1 1,-104 1 6-1,104 37-3 1,84 38-27 0,-105 57-14-1,-250 18-1 1,-232-37 6 0,-166-19 1-1,-169 0-6 1,-146 0 3 15,0-19-8-15,0 19-30-1,0 0-52 1,0 0 91 0,-22 0-373-1,2 0 326-15</inkml:trace>
+</inkml:ink>
+</file>
+
+<file path=ppt/ink/ink20.xml><?xml version="1.0" encoding="utf-8"?>
+<inkml:ink xmlns:inkml="http://www.w3.org/2003/InkML">
+  <inkml:definitions>
+    <inkml:context xml:id="ctx0">
+      <inkml:inkSource xml:id="inkSrc0">
+        <inkml:traceFormat>
+          <inkml:channel name="X" type="integer" max="65535" units="cm"/>
+          <inkml:channel name="Y" type="integer" max="65535" units="cm"/>
+          <inkml:channel name="F" type="integer" max="1024" units="dev"/>
+          <inkml:channel name="T" type="integer" max="2.14748E9" units="dev"/>
+        </inkml:traceFormat>
+        <inkml:channelProperties>
+          <inkml:channelProperty channel="X" name="resolution" value="936.21429" units="1/cm"/>
+          <inkml:channelProperty channel="Y" name="resolution" value="1680.38464" units="1/cm"/>
+          <inkml:channelProperty channel="F" name="resolution" value="0" units="1/dev"/>
+          <inkml:channelProperty channel="T" name="resolution" value="1" units="1/dev"/>
+        </inkml:channelProperties>
+      </inkml:inkSource>
+      <inkml:timestamp xml:id="ts0" timeString="2024-11-30T00:49:53.555"/>
+    </inkml:context>
+    <inkml:brush xml:id="br0">
+      <inkml:brushProperty name="width" value="0.08819" units="cm"/>
+      <inkml:brushProperty name="height" value="0.35278" units="cm"/>
+      <inkml:brushProperty name="color" value="#FFFF00"/>
+      <inkml:brushProperty name="tip" value="rectangle"/>
+      <inkml:brushProperty name="rasterOp" value="maskPen"/>
+    </inkml:brush>
+  </inkml:definitions>
+  <inkml:trace contextRef="#ctx0" brushRef="#br0">9338 8760 181 0,'0'0'10'0,"0"-18"22"31,104-2 8-16,-19-18-39 1,-2 38 5 0,-20 0 12-1,1 20-18 1,-23-2-43 0,64-18-183-1</inkml:trace>
+</inkml:ink>
+</file>
+
+<file path=ppt/ink/ink21.xml><?xml version="1.0" encoding="utf-8"?>
+<inkml:ink xmlns:inkml="http://www.w3.org/2003/InkML">
+  <inkml:definitions>
+    <inkml:context xml:id="ctx0">
+      <inkml:inkSource xml:id="inkSrc0">
+        <inkml:traceFormat>
+          <inkml:channel name="X" type="integer" max="65535" units="cm"/>
+          <inkml:channel name="Y" type="integer" max="65535" units="cm"/>
+          <inkml:channel name="F" type="integer" max="1024" units="dev"/>
+          <inkml:channel name="T" type="integer" max="2.14748E9" units="dev"/>
+        </inkml:traceFormat>
+        <inkml:channelProperties>
+          <inkml:channelProperty channel="X" name="resolution" value="936.21429" units="1/cm"/>
+          <inkml:channelProperty channel="Y" name="resolution" value="1680.38464" units="1/cm"/>
+          <inkml:channelProperty channel="F" name="resolution" value="0" units="1/dev"/>
+          <inkml:channelProperty channel="T" name="resolution" value="1" units="1/dev"/>
+        </inkml:channelProperties>
+      </inkml:inkSource>
+      <inkml:timestamp xml:id="ts0" timeString="2024-11-30T00:49:54.432"/>
+    </inkml:context>
+    <inkml:brush xml:id="br0">
+      <inkml:brushProperty name="width" value="0.08819" units="cm"/>
+      <inkml:brushProperty name="height" value="0.35278" units="cm"/>
+      <inkml:brushProperty name="color" value="#FFFF00"/>
+      <inkml:brushProperty name="tip" value="rectangle"/>
+      <inkml:brushProperty name="rasterOp" value="maskPen"/>
+    </inkml:brush>
+  </inkml:definitions>
+  <inkml:trace contextRef="#ctx0" brushRef="#br0">18028 7705 181 0,'0'0'-3'15,"42"0"26"1,0 19 70-1,-21 37 32 1,-63 38-22 0,-83 0-53-1,-126 39-27 1,-294 56-16 0,-398 56 2-1,-208 37 47 1,61-37-40 15,-40-94-33-31,42-170 2 16,166-245 0 15,274-151-23-15,374-112 25-1,274 36 20 1,483-150-15-1,521-19-13 1,357 37 24 0,148 210 4-1,-65 318 11 1,-188 302-13 0,-271 303 1-1,-337 149 7 1,-459 2 21-1,-440-134 0 1,-189-94 3 0,146-150-42 15,86-93-137-15,102-230-101-1,88-35-73 1</inkml:trace>
+</inkml:ink>
+</file>
+
+<file path=ppt/ink/ink22.xml><?xml version="1.0" encoding="utf-8"?>
+<inkml:ink xmlns:inkml="http://www.w3.org/2003/InkML">
+  <inkml:definitions>
+    <inkml:context xml:id="ctx0">
+      <inkml:inkSource xml:id="inkSrc0">
+        <inkml:traceFormat>
+          <inkml:channel name="X" type="integer" max="65535" units="cm"/>
+          <inkml:channel name="Y" type="integer" max="65535" units="cm"/>
+          <inkml:channel name="F" type="integer" max="1024" units="dev"/>
+          <inkml:channel name="T" type="integer" max="2.14748E9" units="dev"/>
+        </inkml:traceFormat>
+        <inkml:channelProperties>
+          <inkml:channelProperty channel="X" name="resolution" value="936.21429" units="1/cm"/>
+          <inkml:channelProperty channel="Y" name="resolution" value="1680.38464" units="1/cm"/>
+          <inkml:channelProperty channel="F" name="resolution" value="0" units="1/dev"/>
+          <inkml:channelProperty channel="T" name="resolution" value="1" units="1/dev"/>
+        </inkml:channelProperties>
+      </inkml:inkSource>
+      <inkml:timestamp xml:id="ts0" timeString="2024-11-30T00:49:54.733"/>
+    </inkml:context>
+    <inkml:brush xml:id="br0">
+      <inkml:brushProperty name="width" value="0.08819" units="cm"/>
+      <inkml:brushProperty name="height" value="0.35278" units="cm"/>
+      <inkml:brushProperty name="color" value="#FFFF00"/>
+      <inkml:brushProperty name="tip" value="rectangle"/>
+      <inkml:brushProperty name="rasterOp" value="maskPen"/>
+    </inkml:brush>
+  </inkml:definitions>
+  <inkml:trace contextRef="#ctx0" brushRef="#br0">18573 5857 377 0,'0'0'8'0,"-21"-19"18"16,21 245 33-1,0 95 4 1,21-39-8 15,42 1-17-15,83-207-6 0,148-133-17-1,165-169-31 1,45-57-76-1,-128 114-123 1,-229 112-117 0</inkml:trace>
+</inkml:ink>
+</file>
+
+<file path=ppt/ink/ink23.xml><?xml version="1.0" encoding="utf-8"?>
+<inkml:ink xmlns:inkml="http://www.w3.org/2003/InkML">
+  <inkml:definitions>
+    <inkml:context xml:id="ctx0">
+      <inkml:inkSource xml:id="inkSrc0">
+        <inkml:traceFormat>
+          <inkml:channel name="X" type="integer" max="65535" units="cm"/>
+          <inkml:channel name="Y" type="integer" max="65535" units="cm"/>
+          <inkml:channel name="F" type="integer" max="1024" units="dev"/>
+          <inkml:channel name="T" type="integer" max="2.14748E9" units="dev"/>
+        </inkml:traceFormat>
+        <inkml:channelProperties>
+          <inkml:channelProperty channel="X" name="resolution" value="936.21429" units="1/cm"/>
+          <inkml:channelProperty channel="Y" name="resolution" value="1680.38464" units="1/cm"/>
+          <inkml:channelProperty channel="F" name="resolution" value="0" units="1/dev"/>
+          <inkml:channelProperty channel="T" name="resolution" value="1" units="1/dev"/>
+        </inkml:channelProperties>
+      </inkml:inkSource>
+      <inkml:timestamp xml:id="ts0" timeString="2024-11-30T00:49:55.459"/>
+    </inkml:context>
+    <inkml:brush xml:id="br0">
+      <inkml:brushProperty name="width" value="0.08819" units="cm"/>
+      <inkml:brushProperty name="height" value="0.35278" units="cm"/>
+      <inkml:brushProperty name="color" value="#FFFF00"/>
+      <inkml:brushProperty name="tip" value="rectangle"/>
+      <inkml:brushProperty name="rasterOp" value="maskPen"/>
+    </inkml:brush>
+  </inkml:definitions>
+  <inkml:trace contextRef="#ctx0" brushRef="#br0">20729 8119 305 0,'-84'-37'37'15,"64"37"-41"1,124 0 69 0,441-20 69-1,480-93-67 1,463-37-52-1,19 17-3 1,-292 40 9 15,-461 55-3-15,-398 38-28 0,-273 0-87-1,-124 0-108 1,-148 0-68-1,147 0 197-15</inkml:trace>
+</inkml:ink>
+</file>
+
+<file path=ppt/ink/ink24.xml><?xml version="1.0" encoding="utf-8"?>
+<inkml:ink xmlns:inkml="http://www.w3.org/2003/InkML">
+  <inkml:definitions>
+    <inkml:context xml:id="ctx0">
+      <inkml:inkSource xml:id="inkSrc0">
+        <inkml:traceFormat>
+          <inkml:channel name="X" type="integer" max="65535" units="cm"/>
+          <inkml:channel name="Y" type="integer" max="65535" units="cm"/>
+          <inkml:channel name="F" type="integer" max="1024" units="dev"/>
+          <inkml:channel name="T" type="integer" max="2.14748E9" units="dev"/>
+        </inkml:traceFormat>
+        <inkml:channelProperties>
+          <inkml:channelProperty channel="X" name="resolution" value="936.21429" units="1/cm"/>
+          <inkml:channelProperty channel="Y" name="resolution" value="1680.38464" units="1/cm"/>
+          <inkml:channelProperty channel="F" name="resolution" value="0" units="1/dev"/>
+          <inkml:channelProperty channel="T" name="resolution" value="1" units="1/dev"/>
+        </inkml:channelProperties>
+      </inkml:inkSource>
+      <inkml:timestamp xml:id="ts0" timeString="2024-11-30T00:49:56.004"/>
+    </inkml:context>
+    <inkml:brush xml:id="br0">
+      <inkml:brushProperty name="width" value="0.08819" units="cm"/>
+      <inkml:brushProperty name="height" value="0.35278" units="cm"/>
+      <inkml:brushProperty name="color" value="#FFFF00"/>
+      <inkml:brushProperty name="tip" value="rectangle"/>
+      <inkml:brushProperty name="rasterOp" value="maskPen"/>
+    </inkml:brush>
+  </inkml:definitions>
+  <inkml:trace contextRef="#ctx0" brushRef="#br0">28289 7761 330 0,'-63'95'37'16,"-105"168"24"0,-145 57-29-1,-232-37-19 1,-314-19 36-1,-293-56-18 1,-209-20 9 0,84-131-11-1,272-208-25 1,252-302-6 0,397-281-16-1,564-153 7 1,714 58 1 15,543 244-24-31,190 303 20 31,-273 470 18-15,-481 415 21 0,-566 227 31-1,-481-77-39 1,-315-150-10-1,42-150-12 1,188-94-162 0,147-265-274-1</inkml:trace>
+</inkml:ink>
+</file>
+
+<file path=ppt/ink/ink25.xml><?xml version="1.0" encoding="utf-8"?>
+<inkml:ink xmlns:inkml="http://www.w3.org/2003/InkML">
+  <inkml:definitions>
+    <inkml:context xml:id="ctx0">
+      <inkml:inkSource xml:id="inkSrc0">
+        <inkml:traceFormat>
+          <inkml:channel name="X" type="integer" max="65535" units="cm"/>
+          <inkml:channel name="Y" type="integer" max="65535" units="cm"/>
+          <inkml:channel name="F" type="integer" max="1024" units="dev"/>
+          <inkml:channel name="T" type="integer" max="2.14748E9" units="dev"/>
+        </inkml:traceFormat>
+        <inkml:channelProperties>
+          <inkml:channelProperty channel="X" name="resolution" value="936.21429" units="1/cm"/>
+          <inkml:channelProperty channel="Y" name="resolution" value="1680.38464" units="1/cm"/>
+          <inkml:channelProperty channel="F" name="resolution" value="0" units="1/dev"/>
+          <inkml:channelProperty channel="T" name="resolution" value="1" units="1/dev"/>
+        </inkml:channelProperties>
+      </inkml:inkSource>
+      <inkml:timestamp xml:id="ts0" timeString="2024-11-30T00:49:56.320"/>
+    </inkml:context>
+    <inkml:brush xml:id="br0">
+      <inkml:brushProperty name="width" value="0.08819" units="cm"/>
+      <inkml:brushProperty name="height" value="0.35278" units="cm"/>
+      <inkml:brushProperty name="color" value="#FFFF00"/>
+      <inkml:brushProperty name="tip" value="rectangle"/>
+      <inkml:brushProperty name="rasterOp" value="maskPen"/>
+    </inkml:brush>
+  </inkml:definitions>
+  <inkml:trace contextRef="#ctx0" brushRef="#br0">27534 5423 526 0,'0'0'0'16,"-20"150"9"-1,-22 454 43 1,-125-95-5-1,83-207-1 1,273-246 18 0,313-282-39-1,230-226-50 1,43-132-80 0,-229 188-100-1,-338 320-181 1</inkml:trace>
+</inkml:ink>
+</file>
+
+<file path=ppt/ink/ink26.xml><?xml version="1.0" encoding="utf-8"?>
+<inkml:ink xmlns:inkml="http://www.w3.org/2003/InkML">
+  <inkml:definitions>
+    <inkml:context xml:id="ctx0">
+      <inkml:inkSource xml:id="inkSrc0">
+        <inkml:traceFormat>
+          <inkml:channel name="X" type="integer" max="65535" units="cm"/>
+          <inkml:channel name="Y" type="integer" max="65535" units="cm"/>
+          <inkml:channel name="F" type="integer" max="1024" units="dev"/>
+          <inkml:channel name="T" type="integer" max="2.14748E9" units="dev"/>
+        </inkml:traceFormat>
+        <inkml:channelProperties>
+          <inkml:channelProperty channel="X" name="resolution" value="936.21429" units="1/cm"/>
+          <inkml:channelProperty channel="Y" name="resolution" value="1680.38464" units="1/cm"/>
+          <inkml:channelProperty channel="F" name="resolution" value="0" units="1/dev"/>
+          <inkml:channelProperty channel="T" name="resolution" value="1" units="1/dev"/>
+        </inkml:channelProperties>
+      </inkml:inkSource>
+      <inkml:timestamp xml:id="ts0" timeString="2024-11-30T00:49:56.497"/>
+    </inkml:context>
+    <inkml:brush xml:id="br0">
+      <inkml:brushProperty name="width" value="0.08819" units="cm"/>
+      <inkml:brushProperty name="height" value="0.35278" units="cm"/>
+      <inkml:brushProperty name="color" value="#FFFF00"/>
+      <inkml:brushProperty name="tip" value="rectangle"/>
+      <inkml:brushProperty name="rasterOp" value="maskPen"/>
+    </inkml:brush>
+  </inkml:definitions>
+  <inkml:trace contextRef="#ctx0" brushRef="#br0">30467 6441 351 0,'-106'-19'-52'15,"64"19"-63"1,84-56-66 15</inkml:trace>
+</inkml:ink>
+</file>
+
+<file path=ppt/ink/ink27.xml><?xml version="1.0" encoding="utf-8"?>
+<inkml:ink xmlns:inkml="http://www.w3.org/2003/InkML">
+  <inkml:definitions>
+    <inkml:context xml:id="ctx0">
+      <inkml:inkSource xml:id="inkSrc0">
+        <inkml:traceFormat>
+          <inkml:channel name="X" type="integer" max="65535" units="cm"/>
+          <inkml:channel name="Y" type="integer" max="65535" units="cm"/>
+          <inkml:channel name="F" type="integer" max="1024" units="dev"/>
+          <inkml:channel name="T" type="integer" max="2.14748E9" units="dev"/>
+        </inkml:traceFormat>
+        <inkml:channelProperties>
+          <inkml:channelProperty channel="X" name="resolution" value="936.21429" units="1/cm"/>
+          <inkml:channelProperty channel="Y" name="resolution" value="1680.38464" units="1/cm"/>
+          <inkml:channelProperty channel="F" name="resolution" value="0" units="1/dev"/>
+          <inkml:channelProperty channel="T" name="resolution" value="1" units="1/dev"/>
+        </inkml:channelProperties>
+      </inkml:inkSource>
+      <inkml:timestamp xml:id="ts0" timeString="2024-11-30T00:50:00.868"/>
+    </inkml:context>
+    <inkml:brush xml:id="br0">
+      <inkml:brushProperty name="width" value="0.08819" units="cm"/>
+      <inkml:brushProperty name="height" value="0.35278" units="cm"/>
+      <inkml:brushProperty name="color" value="#FFFF00"/>
+      <inkml:brushProperty name="tip" value="rectangle"/>
+      <inkml:brushProperty name="rasterOp" value="maskPen"/>
+    </inkml:brush>
+  </inkml:definitions>
+  <inkml:trace contextRef="#ctx0" brushRef="#br0">27514 7817 58 0,'20'0'55'0,"2"39"147"16,-22-21-60-1,-42 39-51 1,-126 74-36-1,-187-17-34 17,-253 55-16-17,-313 39 27 1,-189 56 17 0,-21-19-45-1,168-189-12 1,293-339 8-1,188-357-8 1,272-190 2 0,336 151 6-1,482 1-22 1,480-1 3 0,337 208 12-1,20 338 12 1,-335 454-6-1,-419 282 12 17,-461 170 10-17,-377-37 3 1,-251-77 4 0,43-149-23-1,123-171-26 1,149-263-42-1,83-76 63 1,83-38-515 0,-61 38 395-16</inkml:trace>
+</inkml:ink>
+</file>
+
+<file path=ppt/ink/ink28.xml><?xml version="1.0" encoding="utf-8"?>
+<inkml:ink xmlns:inkml="http://www.w3.org/2003/InkML">
+  <inkml:definitions>
+    <inkml:context xml:id="ctx0">
+      <inkml:inkSource xml:id="inkSrc0">
+        <inkml:traceFormat>
+          <inkml:channel name="X" type="integer" max="65535" units="cm"/>
+          <inkml:channel name="Y" type="integer" max="65535" units="cm"/>
+          <inkml:channel name="F" type="integer" max="1024" units="dev"/>
+          <inkml:channel name="T" type="integer" max="2.14748E9" units="dev"/>
+        </inkml:traceFormat>
+        <inkml:channelProperties>
+          <inkml:channelProperty channel="X" name="resolution" value="936.21429" units="1/cm"/>
+          <inkml:channelProperty channel="Y" name="resolution" value="1680.38464" units="1/cm"/>
+          <inkml:channelProperty channel="F" name="resolution" value="0" units="1/dev"/>
+          <inkml:channelProperty channel="T" name="resolution" value="1" units="1/dev"/>
+        </inkml:channelProperties>
+      </inkml:inkSource>
+      <inkml:timestamp xml:id="ts0" timeString="2024-11-30T00:50:59.027"/>
+    </inkml:context>
+    <inkml:brush xml:id="br0">
+      <inkml:brushProperty name="width" value="0.08819" units="cm"/>
+      <inkml:brushProperty name="height" value="0.35278" units="cm"/>
+      <inkml:brushProperty name="color" value="#FFFF00"/>
+      <inkml:brushProperty name="tip" value="rectangle"/>
+      <inkml:brushProperty name="rasterOp" value="maskPen"/>
+    </inkml:brush>
+  </inkml:definitions>
+  <inkml:trace contextRef="#ctx0" brushRef="#br0">29881 12266 35 0,'0'0'0'0,"0"0"0"16,0 0 0-1,0 0 0 1,0 0 344 0,0 0-344-1,0 0 0 1,0 21 105-1,0-21-105 1,0 0 51 0,0 0-51-1,0 0 0 17,0 0 99-32,0 37-80 15,-22 38-13 16,22-37 0-15,-41 18 12 0,20 19-5-1,-63 152-4 1,-62 18-1 0,-23-19 13-1,-82 19 3 1,-41-56-17-1,-170 0 0 1,-145-114-2 0,21-113-7-1,-63-169-3 1,-22-265 4 0,127-263-16-1,146 94 16 16,106 19-5-15,187-94-10 0,210-1-1-1,355-415 4 1,168 322 14 0,230 226-3-1,128 263 1 1,-108 396-15-1,-166 396 16 1,-147 190 5 0,-104-2 6-1,-126 1 1 1,-189 151 6 15,-229 1 5-31,-252 73 4 31,-63-112 11-15,63-131-11 0,147-171-23-1,83-207 5 1,84-189-9 0,21-75-8-1,0 0 8 1,0 0-6-1,0 0 6 1,0 38-13 0,0-38 13-1,0 0 0 1,0 0-22 0,0 0 21 15,0 0 2-16,0 0-2 1,0 0-2 0,21 0 4-1,-21 19-3 1,0-19 4 0,0 19 1-1,0-19-2 1,0 0-5-1,0 0 5 1,0 0-1 0,0 0 0-1,0 0 3 1,0 0-6 0,0 0 3 15,0 0 2-16,21 0-1 1,-21 0-1 0,0 0 0-1,0 0 0 1,0 0 0 0,0 0 0-1,0 0 0 1,0 18-1-1,0-18 1 1,0 0 0 0,0 0 0-1,0 0 0 17,0 0 6-17,-21 0-9 1,21 19 2-1,0-19 0 1,0 0 1 0,-21 0-5-1,21 0-3 1,0 19-4 0,-20-19-3-1,20 0-2 1,-22 19-14-1,-19 19 14 1,20-1 14 15,-1-37-3-31,22 0 6 16,0 0-10 15,0 0 10-15,0 0 0-1,0 0 0 1,0 0 0 0,22 0-223-1,19-37-75 1,2-20 147-16</inkml:trace>
+</inkml:ink>
+</file>
+
+<file path=ppt/ink/ink29.xml><?xml version="1.0" encoding="utf-8"?>
+<inkml:ink xmlns:inkml="http://www.w3.org/2003/InkML">
+  <inkml:definitions>
+    <inkml:context xml:id="ctx0">
+      <inkml:inkSource xml:id="inkSrc0">
+        <inkml:traceFormat>
+          <inkml:channel name="X" type="integer" max="65535" units="cm"/>
+          <inkml:channel name="Y" type="integer" max="65535" units="cm"/>
+          <inkml:channel name="F" type="integer" max="1024" units="dev"/>
+          <inkml:channel name="T" type="integer" max="2.14748E9" units="dev"/>
+        </inkml:traceFormat>
+        <inkml:channelProperties>
+          <inkml:channelProperty channel="X" name="resolution" value="936.21429" units="1/cm"/>
+          <inkml:channelProperty channel="Y" name="resolution" value="1680.38464" units="1/cm"/>
+          <inkml:channelProperty channel="F" name="resolution" value="0" units="1/dev"/>
+          <inkml:channelProperty channel="T" name="resolution" value="1" units="1/dev"/>
+        </inkml:channelProperties>
+      </inkml:inkSource>
+      <inkml:timestamp xml:id="ts0" timeString="2024-11-30T00:51:07.640"/>
+    </inkml:context>
+    <inkml:brush xml:id="br0">
+      <inkml:brushProperty name="width" value="0.08819" units="cm"/>
+      <inkml:brushProperty name="height" value="0.35278" units="cm"/>
+      <inkml:brushProperty name="color" value="#FFFF00"/>
+      <inkml:brushProperty name="tip" value="rectangle"/>
+      <inkml:brushProperty name="rasterOp" value="maskPen"/>
+    </inkml:brush>
+  </inkml:definitions>
+  <inkml:trace contextRef="#ctx0" brushRef="#br0">25944 14586 99 0,'-84'0'60'32,"21"19"32"-32,63-19-11 15,0 0-54 1,42 38 55 15,125-1-7-31,84 39-13 16,84 18-29 15,0 0-10-15,43 39 17-1,19-95 0 1,106-38-24 0,21-95-8-1,-85 19-6 1,-83 39 1-1,-126 18-1 1,-83 19 4 0,-83 19-6-1,-24 0 2 1,3-19-3 15,-43 0-2-15,0 0 3-1,0 0 0 1,0 0-13 0,0 0 4-1,21 0 6 1,-21 0 3 0,0 0 0-1,0 0 0 1,0 0 0-1,0 0 0 17,0 0-280-32,21 0-35 15,-21-19 192 1</inkml:trace>
+</inkml:ink>
+</file>
+
+<file path=ppt/ink/ink3.xml><?xml version="1.0" encoding="utf-8"?>
+<inkml:ink xmlns:inkml="http://www.w3.org/2003/InkML">
+  <inkml:definitions>
+    <inkml:context xml:id="ctx0">
+      <inkml:inkSource xml:id="inkSrc0">
+        <inkml:traceFormat>
+          <inkml:channel name="X" type="integer" max="65535" units="cm"/>
+          <inkml:channel name="Y" type="integer" max="65535" units="cm"/>
+          <inkml:channel name="T" type="integer" max="2.14748E9" units="dev"/>
+        </inkml:traceFormat>
+        <inkml:channelProperties>
+          <inkml:channelProperty channel="X" name="resolution" value="936.21429" units="1/cm"/>
+          <inkml:channelProperty channel="Y" name="resolution" value="1680.38464" units="1/cm"/>
+          <inkml:channelProperty channel="T" name="resolution" value="1" units="1/dev"/>
+        </inkml:channelProperties>
+      </inkml:inkSource>
+      <inkml:timestamp xml:id="ts0" timeString="2024-11-30T00:49:37.692"/>
+    </inkml:context>
+    <inkml:brush xml:id="br0">
+      <inkml:brushProperty name="width" value="0.08819" units="cm"/>
+      <inkml:brushProperty name="height" value="0.35278" units="cm"/>
+      <inkml:brushProperty name="color" value="#FFFF00"/>
+      <inkml:brushProperty name="tip" value="rectangle"/>
+      <inkml:brushProperty name="rasterOp" value="maskPen"/>
+    </inkml:brush>
+  </inkml:definitions>
+  <inkml:trace contextRef="#ctx0" brushRef="#br0">30132 13926 0,'0'0'0,"0"0"16,0 0-16,167-75 31,63 56-15,-20 38-1</inkml:trace>
+</inkml:ink>
+</file>
+
+<file path=ppt/ink/ink30.xml><?xml version="1.0" encoding="utf-8"?>
+<inkml:ink xmlns:inkml="http://www.w3.org/2003/InkML">
+  <inkml:definitions>
+    <inkml:context xml:id="ctx0">
+      <inkml:inkSource xml:id="inkSrc0">
+        <inkml:traceFormat>
+          <inkml:channel name="X" type="integer" max="65535" units="cm"/>
+          <inkml:channel name="Y" type="integer" max="65535" units="cm"/>
+          <inkml:channel name="F" type="integer" max="1024" units="dev"/>
+          <inkml:channel name="T" type="integer" max="2.14748E9" units="dev"/>
+        </inkml:traceFormat>
+        <inkml:channelProperties>
+          <inkml:channelProperty channel="X" name="resolution" value="936.21429" units="1/cm"/>
+          <inkml:channelProperty channel="Y" name="resolution" value="1680.38464" units="1/cm"/>
+          <inkml:channelProperty channel="F" name="resolution" value="0" units="1/dev"/>
+          <inkml:channelProperty channel="T" name="resolution" value="1" units="1/dev"/>
+        </inkml:channelProperties>
+      </inkml:inkSource>
+      <inkml:timestamp xml:id="ts0" timeString="2024-11-30T00:51:10.622"/>
+    </inkml:context>
+    <inkml:brush xml:id="br0">
+      <inkml:brushProperty name="width" value="0.08819" units="cm"/>
+      <inkml:brushProperty name="height" value="0.35278" units="cm"/>
+      <inkml:brushProperty name="color" value="#FFFF00"/>
+      <inkml:brushProperty name="tip" value="rectangle"/>
+      <inkml:brushProperty name="rasterOp" value="maskPen"/>
+    </inkml:brush>
+  </inkml:definitions>
+  <inkml:trace contextRef="#ctx0" brushRef="#br0">26153 16867 97 0,'-63'0'34'15,"21"0"57"1,42 0-26-1,21 0 16 1,146-56 34 0,232-38-29-1,104 57-30 1,104 168-25 0,62 39-21-1,-20-20-5 1,-104-37 3-1,-148-56-5 17,-124-38-1-17,-84-38 1 1,-106 0-4 0,-62-19 3-1,-21 38-2 1,0 0 0-1,0 0 0 1,-21 38 5 0,21-38-10-1,0 0-18 1,-41 0-13 0,20 0-28-1,-21-38-32 16,20 38-52-31,2-18-62 32,40-57 100-17</inkml:trace>
+</inkml:ink>
+</file>
+
+<file path=ppt/ink/ink31.xml><?xml version="1.0" encoding="utf-8"?>
+<inkml:ink xmlns:inkml="http://www.w3.org/2003/InkML">
+  <inkml:definitions>
+    <inkml:context xml:id="ctx0">
+      <inkml:inkSource xml:id="inkSrc0">
+        <inkml:traceFormat>
+          <inkml:channel name="X" type="integer" max="65535" units="cm"/>
+          <inkml:channel name="Y" type="integer" max="65535" units="cm"/>
+          <inkml:channel name="F" type="integer" max="1024" units="dev"/>
+          <inkml:channel name="T" type="integer" max="2.14748E9" units="dev"/>
+        </inkml:traceFormat>
+        <inkml:channelProperties>
+          <inkml:channelProperty channel="X" name="resolution" value="936.21429" units="1/cm"/>
+          <inkml:channelProperty channel="Y" name="resolution" value="1680.38464" units="1/cm"/>
+          <inkml:channelProperty channel="F" name="resolution" value="0" units="1/dev"/>
+          <inkml:channelProperty channel="T" name="resolution" value="1" units="1/dev"/>
+        </inkml:channelProperties>
+      </inkml:inkSource>
+      <inkml:timestamp xml:id="ts0" timeString="2024-11-30T00:51:15.665"/>
+    </inkml:context>
+    <inkml:brush xml:id="br0">
+      <inkml:brushProperty name="width" value="0.08819" units="cm"/>
+      <inkml:brushProperty name="height" value="0.35278" units="cm"/>
+      <inkml:brushProperty name="color" value="#FFFF00"/>
+      <inkml:brushProperty name="tip" value="rectangle"/>
+      <inkml:brushProperty name="rasterOp" value="maskPen"/>
+    </inkml:brush>
+  </inkml:definitions>
+  <inkml:trace contextRef="#ctx0" brushRef="#br0">19620 7988 36 0,'0'0'0'0,"-21"-20"12"16,0 1 10 15,63 19 2-15,62-37 16 0,147-58-7-1,22 58-27 1,-22 37 5-1,43 0 7 1,-22 0-7 0,-63 0-6-1,-63 0-2 1,-62 0-4 0,-84 0 14-1,0 0-13 1,0 0 0 15,0 0 80-15,-20 0-78-1,20 0-3 1,0 0-3 0,0 0 4-1,0 0 0 1,0 0 0-1,0 0 0 1,0 0 0 0,0 0-41-1,0 0-72 1,0 19-39 0</inkml:trace>
+</inkml:ink>
+</file>
+
+<file path=ppt/ink/ink32.xml><?xml version="1.0" encoding="utf-8"?>
+<inkml:ink xmlns:inkml="http://www.w3.org/2003/InkML">
+  <inkml:definitions>
+    <inkml:context xml:id="ctx0">
+      <inkml:inkSource xml:id="inkSrc0">
+        <inkml:traceFormat>
+          <inkml:channel name="X" type="integer" max="65535" units="cm"/>
+          <inkml:channel name="Y" type="integer" max="65535" units="cm"/>
+          <inkml:channel name="F" type="integer" max="1024" units="dev"/>
+          <inkml:channel name="T" type="integer" max="2.14748E9" units="dev"/>
+        </inkml:traceFormat>
+        <inkml:channelProperties>
+          <inkml:channelProperty channel="X" name="resolution" value="936.21429" units="1/cm"/>
+          <inkml:channelProperty channel="Y" name="resolution" value="1680.38464" units="1/cm"/>
+          <inkml:channelProperty channel="F" name="resolution" value="0" units="1/dev"/>
+          <inkml:channelProperty channel="T" name="resolution" value="1" units="1/dev"/>
+        </inkml:channelProperties>
+      </inkml:inkSource>
+      <inkml:timestamp xml:id="ts0" timeString="2024-11-30T00:51:18.600"/>
+    </inkml:context>
+    <inkml:brush xml:id="br0">
+      <inkml:brushProperty name="width" value="0.08819" units="cm"/>
+      <inkml:brushProperty name="height" value="0.35278" units="cm"/>
+      <inkml:brushProperty name="color" value="#FFFF00"/>
+      <inkml:brushProperty name="tip" value="rectangle"/>
+      <inkml:brushProperty name="rasterOp" value="maskPen"/>
+    </inkml:brush>
+  </inkml:definitions>
+  <inkml:trace contextRef="#ctx0" brushRef="#br0">22467 12757 28 0,'0'19'6'15,"-20"18"12"1,-22 58 1 0,-20 18 14-1,-23-94 16 1,-41 0-14 0,-126-95-32-1,-19-36 3 1,-1-58 9-1,146 37-10 1,84-169-4 0,106 3-3-1,103 52-3 17,21 78 8-17,84 56 0 1,63 169 0-1,-125 208 2 1,-105 132-2 0,-148-57 7-1,-103-56 10 1,-21-94 3 0,-1-133-28-1,85-75-58 1,60-132-89-1,46-56 95 1</inkml:trace>
+</inkml:ink>
+</file>
+
+<file path=ppt/ink/ink33.xml><?xml version="1.0" encoding="utf-8"?>
+<inkml:ink xmlns:inkml="http://www.w3.org/2003/InkML">
+  <inkml:definitions>
+    <inkml:context xml:id="ctx0">
+      <inkml:inkSource xml:id="inkSrc0">
+        <inkml:traceFormat>
+          <inkml:channel name="X" type="integer" max="65535" units="cm"/>
+          <inkml:channel name="Y" type="integer" max="65535" units="cm"/>
+          <inkml:channel name="F" type="integer" max="1024" units="dev"/>
+          <inkml:channel name="T" type="integer" max="2.14748E9" units="dev"/>
+        </inkml:traceFormat>
+        <inkml:channelProperties>
+          <inkml:channelProperty channel="X" name="resolution" value="936.21429" units="1/cm"/>
+          <inkml:channelProperty channel="Y" name="resolution" value="1680.38464" units="1/cm"/>
+          <inkml:channelProperty channel="F" name="resolution" value="0" units="1/dev"/>
+          <inkml:channelProperty channel="T" name="resolution" value="1" units="1/dev"/>
+        </inkml:channelProperties>
+      </inkml:inkSource>
+      <inkml:timestamp xml:id="ts0" timeString="2024-11-30T00:50:28.700"/>
+    </inkml:context>
+    <inkml:brush xml:id="br0">
+      <inkml:brushProperty name="width" value="0.08819" units="cm"/>
+      <inkml:brushProperty name="height" value="0.35278" units="cm"/>
+      <inkml:brushProperty name="color" value="#FFFF00"/>
+      <inkml:brushProperty name="tip" value="rectangle"/>
+      <inkml:brushProperty name="rasterOp" value="maskPen"/>
+    </inkml:brush>
+  </inkml:definitions>
+  <inkml:trace contextRef="#ctx0" brushRef="#br0">4103 10344 127 0,'-41'-18'59'15,"82"36"-55"1,253 76 2 15,125-75-16-15,104-56 2-1,22-57 4 1,-23 18 9 0,23-18 9-1,0-20 8 1,-21 58-1-1,-44 18-10 1,-80 38-5 0,-46 0-10-1,-124-94-12 1,-82 19-26 0,-64 55-20-1,-22-55-34 1,-41 56 63-1</inkml:trace>
+</inkml:ink>
+</file>
+
+<file path=ppt/ink/ink34.xml><?xml version="1.0" encoding="utf-8"?>
+<inkml:ink xmlns:inkml="http://www.w3.org/2003/InkML">
+  <inkml:definitions>
+    <inkml:context xml:id="ctx0">
+      <inkml:inkSource xml:id="inkSrc0">
+        <inkml:traceFormat>
+          <inkml:channel name="X" type="integer" max="65535" units="cm"/>
+          <inkml:channel name="Y" type="integer" max="65535" units="cm"/>
+          <inkml:channel name="F" type="integer" max="1024" units="dev"/>
+          <inkml:channel name="T" type="integer" max="2.14748E9" units="dev"/>
+        </inkml:traceFormat>
+        <inkml:channelProperties>
+          <inkml:channelProperty channel="X" name="resolution" value="936.21429" units="1/cm"/>
+          <inkml:channelProperty channel="Y" name="resolution" value="1680.38464" units="1/cm"/>
+          <inkml:channelProperty channel="F" name="resolution" value="0" units="1/dev"/>
+          <inkml:channelProperty channel="T" name="resolution" value="1" units="1/dev"/>
+        </inkml:channelProperties>
+      </inkml:inkSource>
+      <inkml:timestamp xml:id="ts0" timeString="2024-11-30T00:50:29.659"/>
+    </inkml:context>
+    <inkml:brush xml:id="br0">
+      <inkml:brushProperty name="width" value="0.08819" units="cm"/>
+      <inkml:brushProperty name="height" value="0.35278" units="cm"/>
+      <inkml:brushProperty name="color" value="#FFFF00"/>
+      <inkml:brushProperty name="tip" value="rectangle"/>
+      <inkml:brushProperty name="rasterOp" value="maskPen"/>
+    </inkml:brush>
+  </inkml:definitions>
+  <inkml:trace contextRef="#ctx0" brushRef="#br0">3497 11853 147 0,'-83'-39'75'15,"123"39"-91"1,190 39 23 0,64 16-7-1,125-17-5 16,168-38 12-15,-86 0 1 0,-18 0 7-1,-65 76 5 1,168 18-2 0,63 56-19-1,42-17 2 1,188-77 5-1,-229-56-6 1,126 0 7 0,-3 57-7-1,191-1-11 1,-316-36 16 0,169-78 22-1,-188 21-8 16,-1 18-21-15,63-56-14 0,-1-58-39-1,-20 3 7 1,-82 91 17 0,-85 39 17-1,-64 19 13 1,-42-56 4-1,-20-39-2 1,-62-56-35 0,-169 75-40-1,-146 21 39 1,-21 36 12 0</inkml:trace>
+</inkml:ink>
+</file>
+
+<file path=ppt/ink/ink35.xml><?xml version="1.0" encoding="utf-8"?>
+<inkml:ink xmlns:inkml="http://www.w3.org/2003/InkML">
+  <inkml:definitions>
+    <inkml:context xml:id="ctx0">
+      <inkml:inkSource xml:id="inkSrc0">
+        <inkml:traceFormat>
+          <inkml:channel name="X" type="integer" max="65535" units="cm"/>
+          <inkml:channel name="Y" type="integer" max="65535" units="cm"/>
+          <inkml:channel name="F" type="integer" max="1024" units="dev"/>
+          <inkml:channel name="T" type="integer" max="2.14748E9" units="dev"/>
+        </inkml:traceFormat>
+        <inkml:channelProperties>
+          <inkml:channelProperty channel="X" name="resolution" value="936.21429" units="1/cm"/>
+          <inkml:channelProperty channel="Y" name="resolution" value="1680.38464" units="1/cm"/>
+          <inkml:channelProperty channel="F" name="resolution" value="0" units="1/dev"/>
+          <inkml:channelProperty channel="T" name="resolution" value="1" units="1/dev"/>
+        </inkml:channelProperties>
+      </inkml:inkSource>
+      <inkml:timestamp xml:id="ts0" timeString="2024-11-30T00:50:31.153"/>
+    </inkml:context>
+    <inkml:brush xml:id="br0">
+      <inkml:brushProperty name="width" value="0.08819" units="cm"/>
+      <inkml:brushProperty name="height" value="0.35278" units="cm"/>
+      <inkml:brushProperty name="color" value="#FFFF00"/>
+      <inkml:brushProperty name="tip" value="rectangle"/>
+      <inkml:brushProperty name="rasterOp" value="maskPen"/>
+    </inkml:brush>
+  </inkml:definitions>
+  <inkml:trace contextRef="#ctx0" brushRef="#br0">3622 14115 132 0,'0'0'0'16,"43"-76"24"0,81 58-24-16,106 18 3 31,148-19-6-16,124-38 0 1,64-37 3 0,41 37 0-1,22 1 18 1,-1-20 8 0,42-18-1-1,-20-19-18 1,-64 0-4-1,-127 18-14 1,-124 58-35 0,-125-1-48-1,-105 1 13 17</inkml:trace>
+</inkml:ink>
+</file>
+
+<file path=ppt/ink/ink36.xml><?xml version="1.0" encoding="utf-8"?>
+<inkml:ink xmlns:inkml="http://www.w3.org/2003/InkML">
+  <inkml:definitions>
+    <inkml:context xml:id="ctx0">
+      <inkml:inkSource xml:id="inkSrc0">
+        <inkml:traceFormat>
+          <inkml:channel name="X" type="integer" max="65535" units="cm"/>
+          <inkml:channel name="Y" type="integer" max="65535" units="cm"/>
+          <inkml:channel name="F" type="integer" max="1024" units="dev"/>
+          <inkml:channel name="T" type="integer" max="2.14748E9" units="dev"/>
+        </inkml:traceFormat>
+        <inkml:channelProperties>
+          <inkml:channelProperty channel="X" name="resolution" value="936.21429" units="1/cm"/>
+          <inkml:channelProperty channel="Y" name="resolution" value="1680.38464" units="1/cm"/>
+          <inkml:channelProperty channel="F" name="resolution" value="0" units="1/dev"/>
+          <inkml:channelProperty channel="T" name="resolution" value="1" units="1/dev"/>
+        </inkml:channelProperties>
+      </inkml:inkSource>
+      <inkml:timestamp xml:id="ts0" timeString="2024-11-30T00:50:31.860"/>
+    </inkml:context>
+    <inkml:brush xml:id="br0">
+      <inkml:brushProperty name="width" value="0.08819" units="cm"/>
+      <inkml:brushProperty name="height" value="0.35278" units="cm"/>
+      <inkml:brushProperty name="color" value="#FFFF00"/>
+      <inkml:brushProperty name="tip" value="rectangle"/>
+      <inkml:brushProperty name="rasterOp" value="maskPen"/>
+    </inkml:brush>
+  </inkml:definitions>
+  <inkml:trace contextRef="#ctx0" brushRef="#br0">4921 14982 138 0,'0'0'0'0,"-63"57"32"16,83 0-40 0,127-20 16-1,83-55 30 1,105-1 15-1,43 75-35 1,60 1 2 0,86-19 26 15,83-38-14-15,63-38-15-1,42-19 17 1,63 57 0-1,63 0-32 1,41-19-1 0,44-75-6-1,-3-57-1 1,1 0-8 0,-62 0-13-1,-126 38-9 1,-147 37-71-1,-167 76-123 1,-356 0 190 0</inkml:trace>
+</inkml:ink>
+</file>
+
+<file path=ppt/ink/ink37.xml><?xml version="1.0" encoding="utf-8"?>
+<inkml:ink xmlns:inkml="http://www.w3.org/2003/InkML">
+  <inkml:definitions>
+    <inkml:context xml:id="ctx0">
+      <inkml:inkSource xml:id="inkSrc0">
+        <inkml:traceFormat>
+          <inkml:channel name="X" type="integer" max="65535" units="cm"/>
+          <inkml:channel name="Y" type="integer" max="65535" units="cm"/>
+          <inkml:channel name="F" type="integer" max="1024" units="dev"/>
+          <inkml:channel name="T" type="integer" max="2.14748E9" units="dev"/>
+        </inkml:traceFormat>
+        <inkml:channelProperties>
+          <inkml:channelProperty channel="X" name="resolution" value="936.21429" units="1/cm"/>
+          <inkml:channelProperty channel="Y" name="resolution" value="1680.38464" units="1/cm"/>
+          <inkml:channelProperty channel="F" name="resolution" value="0" units="1/dev"/>
+          <inkml:channelProperty channel="T" name="resolution" value="1" units="1/dev"/>
+        </inkml:channelProperties>
+      </inkml:inkSource>
+      <inkml:timestamp xml:id="ts0" timeString="2024-11-30T00:50:32.635"/>
+    </inkml:context>
+    <inkml:brush xml:id="br0">
+      <inkml:brushProperty name="width" value="0.08819" units="cm"/>
+      <inkml:brushProperty name="height" value="0.35278" units="cm"/>
+      <inkml:brushProperty name="color" value="#FFFF00"/>
+      <inkml:brushProperty name="tip" value="rectangle"/>
+      <inkml:brushProperty name="rasterOp" value="maskPen"/>
+    </inkml:brush>
+  </inkml:definitions>
+  <inkml:trace contextRef="#ctx0" brushRef="#br0">5150 16811 110 0,'0'0'99'0,"22"0"-81"16,208 113 38 15,85-19-28-15,187-75-5 0,127-38-2-1,81-37 21 1,44 18 4-1,-20 56-32 1,-24 2-10 0,3-115 9-1,-64-18 20 1,21 94-4 0,-41 19-25-1,-23-55-15 1,-61-41-24-1,-105-92-63 17,-126-38-107-17,-168 75 16-15</inkml:trace>
+</inkml:ink>
+</file>
+
+<file path=ppt/ink/ink38.xml><?xml version="1.0" encoding="utf-8"?>
+<inkml:ink xmlns:inkml="http://www.w3.org/2003/InkML">
+  <inkml:definitions>
+    <inkml:context xml:id="ctx0">
+      <inkml:inkSource xml:id="inkSrc0">
+        <inkml:traceFormat>
+          <inkml:channel name="X" type="integer" max="65535" units="cm"/>
+          <inkml:channel name="Y" type="integer" max="65535" units="cm"/>
+          <inkml:channel name="F" type="integer" max="1024" units="dev"/>
+          <inkml:channel name="T" type="integer" max="2.14748E9" units="dev"/>
+        </inkml:traceFormat>
+        <inkml:channelProperties>
+          <inkml:channelProperty channel="X" name="resolution" value="936.21429" units="1/cm"/>
+          <inkml:channelProperty channel="Y" name="resolution" value="1680.38464" units="1/cm"/>
+          <inkml:channelProperty channel="F" name="resolution" value="0" units="1/dev"/>
+          <inkml:channelProperty channel="T" name="resolution" value="1" units="1/dev"/>
+        </inkml:channelProperties>
+      </inkml:inkSource>
+      <inkml:timestamp xml:id="ts0" timeString="2024-11-30T00:50:35.329"/>
+    </inkml:context>
+    <inkml:brush xml:id="br0">
+      <inkml:brushProperty name="width" value="0.08819" units="cm"/>
+      <inkml:brushProperty name="height" value="0.35278" units="cm"/>
+      <inkml:brushProperty name="color" value="#FFFF00"/>
+      <inkml:brushProperty name="tip" value="rectangle"/>
+      <inkml:brushProperty name="rasterOp" value="maskPen"/>
+    </inkml:brush>
+  </inkml:definitions>
+  <inkml:trace contextRef="#ctx0" brushRef="#br0">26551 10156 32 0,'-83'0'32'0,"-2"-19"51"15,22 0 48 1,63 19-115 0,63 38-4-1,84 37-7 1,62 0 3 0,22 20 51 15,20 150 14-16,21 189-44 1,0 112-21 0,-21-18-10-1,-41 113 7 1,-169-76 49 0,-207 77 21-1,-127 36-46 1,-43-111-28-1,2-115-5 1,61-114 7 0,22-15-4-1,105-154-15 1,124-151-132 15,63-150-88-15,44-113-11-1</inkml:trace>
+</inkml:ink>
+</file>
+
+<file path=ppt/ink/ink39.xml><?xml version="1.0" encoding="utf-8"?>
+<inkml:ink xmlns:inkml="http://www.w3.org/2003/InkML">
+  <inkml:definitions>
+    <inkml:context xml:id="ctx0">
+      <inkml:inkSource xml:id="inkSrc0">
+        <inkml:traceFormat>
+          <inkml:channel name="X" type="integer" max="65535" units="cm"/>
+          <inkml:channel name="Y" type="integer" max="65535" units="cm"/>
+          <inkml:channel name="F" type="integer" max="1024" units="dev"/>
+          <inkml:channel name="T" type="integer" max="2.14748E9" units="dev"/>
+        </inkml:traceFormat>
+        <inkml:channelProperties>
+          <inkml:channelProperty channel="X" name="resolution" value="936.21429" units="1/cm"/>
+          <inkml:channelProperty channel="Y" name="resolution" value="1680.38464" units="1/cm"/>
+          <inkml:channelProperty channel="F" name="resolution" value="0" units="1/dev"/>
+          <inkml:channelProperty channel="T" name="resolution" value="1" units="1/dev"/>
+        </inkml:channelProperties>
+      </inkml:inkSource>
+      <inkml:timestamp xml:id="ts0" timeString="2024-11-30T00:50:36.265"/>
+    </inkml:context>
+    <inkml:brush xml:id="br0">
+      <inkml:brushProperty name="width" value="0.08819" units="cm"/>
+      <inkml:brushProperty name="height" value="0.35278" units="cm"/>
+      <inkml:brushProperty name="color" value="#FFFF00"/>
+      <inkml:brushProperty name="tip" value="rectangle"/>
+      <inkml:brushProperty name="rasterOp" value="maskPen"/>
+    </inkml:brush>
+  </inkml:definitions>
+  <inkml:trace contextRef="#ctx0" brushRef="#br0">26865 8742 177 0,'0'-20'50'0,"-63"-36"-2"16,63 56-6-1,21 94-14 17,0 208 6-17,-21 94-10 1,-63-19-1-1,1-132 28 1,41-113-11 0,62-76-15-1,126-93 5 1,148-208-16 0,125-76-13-1,-21 76-5 1,-63 94-38-1,-148 95-77 1,-123 37-112 0,-2 0 40 15</inkml:trace>
+</inkml:ink>
+</file>
+
+<file path=ppt/ink/ink4.xml><?xml version="1.0" encoding="utf-8"?>
+<inkml:ink xmlns:inkml="http://www.w3.org/2003/InkML">
+  <inkml:definitions>
+    <inkml:context xml:id="ctx0">
+      <inkml:inkSource xml:id="inkSrc0">
+        <inkml:traceFormat>
+          <inkml:channel name="X" type="integer" max="65535" units="cm"/>
+          <inkml:channel name="Y" type="integer" max="65535" units="cm"/>
+          <inkml:channel name="F" type="integer" max="1024" units="dev"/>
+          <inkml:channel name="T" type="integer" max="2.14748E9" units="dev"/>
+        </inkml:traceFormat>
+        <inkml:channelProperties>
+          <inkml:channelProperty channel="X" name="resolution" value="936.21429" units="1/cm"/>
+          <inkml:channelProperty channel="Y" name="resolution" value="1680.38464" units="1/cm"/>
+          <inkml:channelProperty channel="F" name="resolution" value="0" units="1/dev"/>
+          <inkml:channelProperty channel="T" name="resolution" value="1" units="1/dev"/>
+        </inkml:channelProperties>
+      </inkml:inkSource>
+      <inkml:timestamp xml:id="ts0" timeString="2024-11-30T00:49:38.286"/>
+    </inkml:context>
+    <inkml:brush xml:id="br0">
+      <inkml:brushProperty name="width" value="0.08819" units="cm"/>
+      <inkml:brushProperty name="height" value="0.35278" units="cm"/>
+      <inkml:brushProperty name="color" value="#FFFF00"/>
+      <inkml:brushProperty name="tip" value="rectangle"/>
+      <inkml:brushProperty name="rasterOp" value="maskPen"/>
+    </inkml:brush>
+  </inkml:definitions>
+  <inkml:trace contextRef="#ctx0" brushRef="#br0">18447 6196 102 0,'-41'0'79'0,"19"0"-33"16,22 0-46 0,85 0 212 15,60-38-146-16,106 0-9 1,127 1-16 0,271 37-26-1,209 0-20 1,43 0 0 0,-147 19 4-1,-189 37 1 1,-209-37 0-1,-146-19-24 1,-148-57-20 0,-40 39-59-1,-86-1-121 1,2 19 14 0</inkml:trace>
+</inkml:ink>
+</file>
+
+<file path=ppt/ink/ink40.xml><?xml version="1.0" encoding="utf-8"?>
+<inkml:ink xmlns:inkml="http://www.w3.org/2003/InkML">
+  <inkml:definitions>
+    <inkml:context xml:id="ctx0">
+      <inkml:inkSource xml:id="inkSrc0">
+        <inkml:traceFormat>
+          <inkml:channel name="X" type="integer" max="65535" units="cm"/>
+          <inkml:channel name="Y" type="integer" max="65535" units="cm"/>
+          <inkml:channel name="F" type="integer" max="1024" units="dev"/>
+          <inkml:channel name="T" type="integer" max="2.14748E9" units="dev"/>
+        </inkml:traceFormat>
+        <inkml:channelProperties>
+          <inkml:channelProperty channel="X" name="resolution" value="936.21429" units="1/cm"/>
+          <inkml:channelProperty channel="Y" name="resolution" value="1680.38464" units="1/cm"/>
+          <inkml:channelProperty channel="F" name="resolution" value="0" units="1/dev"/>
+          <inkml:channelProperty channel="T" name="resolution" value="1" units="1/dev"/>
+        </inkml:channelProperties>
+      </inkml:inkSource>
+      <inkml:timestamp xml:id="ts0" timeString="2024-11-30T00:50:37.375"/>
+    </inkml:context>
+    <inkml:brush xml:id="br0">
+      <inkml:brushProperty name="width" value="0.08819" units="cm"/>
+      <inkml:brushProperty name="height" value="0.35278" units="cm"/>
+      <inkml:brushProperty name="color" value="#FFFF00"/>
+      <inkml:brushProperty name="tip" value="rectangle"/>
+      <inkml:brushProperty name="rasterOp" value="maskPen"/>
+    </inkml:brush>
+  </inkml:definitions>
+  <inkml:trace contextRef="#ctx0" brushRef="#br0">29314 10759 106 0,'-230'38'117'0,"-42"113"-63"15,0-1-56 1,-20-55-48 15,-86-133 12-15,-103-132 68 0,-64-75 85-1,105-113-67 1,253-76-29-1,311 1-24 1,274 18-11 0,146 132-2-1,43 113-3 1,-43 207 14 0,-125 209 23-1,-189 206 33 1,-209 57 1-1,-210 1 23 17,-104-2-9-17,-20-149-35 1,-2-171-13 0,43-150-19-1,84-207-42 1,84-95-38-1,83 94-55 1,83 76-111 0,43 94 138-1</inkml:trace>
+</inkml:ink>
+</file>
+
+<file path=ppt/ink/ink41.xml><?xml version="1.0" encoding="utf-8"?>
+<inkml:ink xmlns:inkml="http://www.w3.org/2003/InkML">
+  <inkml:definitions>
+    <inkml:context xml:id="ctx0">
+      <inkml:inkSource xml:id="inkSrc0">
+        <inkml:traceFormat>
+          <inkml:channel name="X" type="integer" max="65535" units="cm"/>
+          <inkml:channel name="Y" type="integer" max="65535" units="cm"/>
+          <inkml:channel name="F" type="integer" max="1024" units="dev"/>
+          <inkml:channel name="T" type="integer" max="2.14748E9" units="dev"/>
+        </inkml:traceFormat>
+        <inkml:channelProperties>
+          <inkml:channelProperty channel="X" name="resolution" value="936.21429" units="1/cm"/>
+          <inkml:channelProperty channel="Y" name="resolution" value="1680.38464" units="1/cm"/>
+          <inkml:channelProperty channel="F" name="resolution" value="0" units="1/dev"/>
+          <inkml:channelProperty channel="T" name="resolution" value="1" units="1/dev"/>
+        </inkml:channelProperties>
+      </inkml:inkSource>
+      <inkml:timestamp xml:id="ts0" timeString="2024-11-30T00:50:38.464"/>
+    </inkml:context>
+    <inkml:brush xml:id="br0">
+      <inkml:brushProperty name="width" value="0.08819" units="cm"/>
+      <inkml:brushProperty name="height" value="0.35278" units="cm"/>
+      <inkml:brushProperty name="color" value="#FFFF00"/>
+      <inkml:brushProperty name="tip" value="rectangle"/>
+      <inkml:brushProperty name="rasterOp" value="maskPen"/>
+    </inkml:brush>
+  </inkml:definitions>
+  <inkml:trace contextRef="#ctx0" brushRef="#br0">28248 10778 261 0,'-147'-19'5'15,"-1"38"-22"1,107-19 60 0,41 0-61-1,41 19 36 1,43 93 18 0,0 2 4-1,62 74 20 16,64 115 4-31,20-3-30 32,85-92-9-17,125-151-14 1,40-95-10 0,2-132-8-1,-21-75-20 1,-63-94 14-1,-126-75 13 1,-124 55 0 0,-107 95-2-1,-82 56-10 1,-23 114-23 0,-20 19-70-1,22 56-95 1,19 19 38 15</inkml:trace>
+</inkml:ink>
+</file>
+
+<file path=ppt/ink/ink42.xml><?xml version="1.0" encoding="utf-8"?>
+<inkml:ink xmlns:inkml="http://www.w3.org/2003/InkML">
+  <inkml:definitions>
+    <inkml:context xml:id="ctx0">
+      <inkml:inkSource xml:id="inkSrc0">
+        <inkml:traceFormat>
+          <inkml:channel name="X" type="integer" max="65535" units="cm"/>
+          <inkml:channel name="Y" type="integer" max="65535" units="cm"/>
+          <inkml:channel name="F" type="integer" max="1024" units="dev"/>
+          <inkml:channel name="T" type="integer" max="2.14748E9" units="dev"/>
+        </inkml:traceFormat>
+        <inkml:channelProperties>
+          <inkml:channelProperty channel="X" name="resolution" value="936.21429" units="1/cm"/>
+          <inkml:channelProperty channel="Y" name="resolution" value="1680.38464" units="1/cm"/>
+          <inkml:channelProperty channel="F" name="resolution" value="0" units="1/dev"/>
+          <inkml:channelProperty channel="T" name="resolution" value="1" units="1/dev"/>
+        </inkml:channelProperties>
+      </inkml:inkSource>
+      <inkml:timestamp xml:id="ts0" timeString="2024-11-30T00:50:38.953"/>
+    </inkml:context>
+    <inkml:brush xml:id="br0">
+      <inkml:brushProperty name="width" value="0.08819" units="cm"/>
+      <inkml:brushProperty name="height" value="0.35278" units="cm"/>
+      <inkml:brushProperty name="color" value="#FFFF00"/>
+      <inkml:brushProperty name="tip" value="rectangle"/>
+      <inkml:brushProperty name="rasterOp" value="maskPen"/>
+    </inkml:brush>
+  </inkml:definitions>
+  <inkml:trace contextRef="#ctx0" brushRef="#br0">30697 9891 376 0,'0'0'0'0,"0"0"-21"32,147 133 31-17,61-1-25 1,127-57-1 0,-146 0 58-1,-126 1 43 1,-42 93 27-1,-105 209-61 1,1 149-47 0,40-149-10-1,43-115-15 1,0-112-45 0,21-112-133-1,-21-96-88 16,0 37 238-31</inkml:trace>
+</inkml:ink>
+</file>
+
+<file path=ppt/ink/ink43.xml><?xml version="1.0" encoding="utf-8"?>
+<inkml:ink xmlns:inkml="http://www.w3.org/2003/InkML">
+  <inkml:definitions>
+    <inkml:context xml:id="ctx0">
+      <inkml:inkSource xml:id="inkSrc0">
+        <inkml:traceFormat>
+          <inkml:channel name="X" type="integer" max="65535" units="cm"/>
+          <inkml:channel name="Y" type="integer" max="65535" units="cm"/>
+          <inkml:channel name="F" type="integer" max="1024" units="dev"/>
+          <inkml:channel name="T" type="integer" max="2.14748E9" units="dev"/>
+        </inkml:traceFormat>
+        <inkml:channelProperties>
+          <inkml:channelProperty channel="X" name="resolution" value="936.21429" units="1/cm"/>
+          <inkml:channelProperty channel="Y" name="resolution" value="1680.38464" units="1/cm"/>
+          <inkml:channelProperty channel="F" name="resolution" value="0" units="1/dev"/>
+          <inkml:channelProperty channel="T" name="resolution" value="1" units="1/dev"/>
+        </inkml:channelProperties>
+      </inkml:inkSource>
+      <inkml:timestamp xml:id="ts0" timeString="2024-11-30T00:50:39.788"/>
+    </inkml:context>
+    <inkml:brush xml:id="br0">
+      <inkml:brushProperty name="width" value="0.08819" units="cm"/>
+      <inkml:brushProperty name="height" value="0.35278" units="cm"/>
+      <inkml:brushProperty name="color" value="#FFFF00"/>
+      <inkml:brushProperty name="tip" value="rectangle"/>
+      <inkml:brushProperty name="rasterOp" value="maskPen"/>
+    </inkml:brush>
+  </inkml:definitions>
+  <inkml:trace contextRef="#ctx0" brushRef="#br0">33439 9420 255 0,'0'0'31'0,"-124"95"-53"15,-65 55 24 1,-84 39 1 0,-62-76 45-1,-63-132 0 16,-19-170-8-15,60-112-15 0,106-76 5-1,168 113-21 1,186-18-20 0,191-2 5-1,165 40 6 1,65 168 3-1,-105 152 5 1,-126 187 1 0,-166 114 18-1,-149-18 1 1,-104-58 11 0,-82-37-12 15,-43-56-15-16,0-96-12 1,62-55-49 0,83-151-60-1,64-56-111 1,64 55-7 0</inkml:trace>
+</inkml:ink>
+</file>
+
+<file path=ppt/ink/ink44.xml><?xml version="1.0" encoding="utf-8"?>
+<inkml:ink xmlns:inkml="http://www.w3.org/2003/InkML">
+  <inkml:definitions>
+    <inkml:context xml:id="ctx0">
+      <inkml:inkSource xml:id="inkSrc0">
+        <inkml:traceFormat>
+          <inkml:channel name="X" type="integer" max="65535" units="cm"/>
+          <inkml:channel name="Y" type="integer" max="65535" units="cm"/>
+          <inkml:channel name="F" type="integer" max="1024" units="dev"/>
+          <inkml:channel name="T" type="integer" max="2.14748E9" units="dev"/>
+        </inkml:traceFormat>
+        <inkml:channelProperties>
+          <inkml:channelProperty channel="X" name="resolution" value="936.21429" units="1/cm"/>
+          <inkml:channelProperty channel="Y" name="resolution" value="1680.38464" units="1/cm"/>
+          <inkml:channelProperty channel="F" name="resolution" value="0" units="1/dev"/>
+          <inkml:channelProperty channel="T" name="resolution" value="1" units="1/dev"/>
+        </inkml:channelProperties>
+      </inkml:inkSource>
+      <inkml:timestamp xml:id="ts0" timeString="2024-11-30T00:50:41.950"/>
+    </inkml:context>
+    <inkml:brush xml:id="br0">
+      <inkml:brushProperty name="width" value="0.08819" units="cm"/>
+      <inkml:brushProperty name="height" value="0.35278" units="cm"/>
+      <inkml:brushProperty name="color" value="#FFFF00"/>
+      <inkml:brushProperty name="tip" value="rectangle"/>
+      <inkml:brushProperty name="rasterOp" value="maskPen"/>
+    </inkml:brush>
+  </inkml:definitions>
+  <inkml:trace contextRef="#ctx0" brushRef="#br0">30153 6177 146 0,'-167'57'56'15,"62"131"-57"1,83-37-24-1,85-75-5 1,42-76 40 0,0-94 15-1,-21-39-12 1,-22 58-3 0,-41-1 2-1,-1 76-15 1,2 0 10-1,20 76 21 1,21-1 29 15,41 38-30-15,85-18-40 0,-2-1-72-1,-18-94-77 1,-106 0 90-1</inkml:trace>
+</inkml:ink>
+</file>
+
+<file path=ppt/ink/ink45.xml><?xml version="1.0" encoding="utf-8"?>
+<inkml:ink xmlns:inkml="http://www.w3.org/2003/InkML">
+  <inkml:definitions>
+    <inkml:context xml:id="ctx0">
+      <inkml:inkSource xml:id="inkSrc0">
+        <inkml:traceFormat>
+          <inkml:channel name="X" type="integer" max="65535" units="cm"/>
+          <inkml:channel name="Y" type="integer" max="65535" units="cm"/>
+          <inkml:channel name="F" type="integer" max="1024" units="dev"/>
+          <inkml:channel name="T" type="integer" max="2.14748E9" units="dev"/>
+        </inkml:traceFormat>
+        <inkml:channelProperties>
+          <inkml:channelProperty channel="X" name="resolution" value="936.21429" units="1/cm"/>
+          <inkml:channelProperty channel="Y" name="resolution" value="1680.38464" units="1/cm"/>
+          <inkml:channelProperty channel="F" name="resolution" value="0" units="1/dev"/>
+          <inkml:channelProperty channel="T" name="resolution" value="1" units="1/dev"/>
+        </inkml:channelProperties>
+      </inkml:inkSource>
+      <inkml:timestamp xml:id="ts0" timeString="2024-11-30T00:50:42.916"/>
+    </inkml:context>
+    <inkml:brush xml:id="br0">
+      <inkml:brushProperty name="width" value="0.08819" units="cm"/>
+      <inkml:brushProperty name="height" value="0.35278" units="cm"/>
+      <inkml:brushProperty name="color" value="#FFFF00"/>
+      <inkml:brushProperty name="tip" value="rectangle"/>
+      <inkml:brushProperty name="rasterOp" value="maskPen"/>
+    </inkml:brush>
+  </inkml:definitions>
+  <inkml:trace contextRef="#ctx0" brushRef="#br0">30341 7856 324 0,'-84'0'36'16,"43"245"-41"-1,19 189 2 17,106 74-31-17,62-150-42 1,1-188-116 0,-105-170 142-16</inkml:trace>
+</inkml:ink>
+</file>
+
+<file path=ppt/ink/ink46.xml><?xml version="1.0" encoding="utf-8"?>
+<inkml:ink xmlns:inkml="http://www.w3.org/2003/InkML">
+  <inkml:definitions>
+    <inkml:context xml:id="ctx0">
+      <inkml:inkSource xml:id="inkSrc0">
+        <inkml:traceFormat>
+          <inkml:channel name="X" type="integer" max="65535" units="cm"/>
+          <inkml:channel name="Y" type="integer" max="65535" units="cm"/>
+          <inkml:channel name="F" type="integer" max="1024" units="dev"/>
+          <inkml:channel name="T" type="integer" max="2.14748E9" units="dev"/>
+        </inkml:traceFormat>
+        <inkml:channelProperties>
+          <inkml:channelProperty channel="X" name="resolution" value="936.21429" units="1/cm"/>
+          <inkml:channelProperty channel="Y" name="resolution" value="1680.38464" units="1/cm"/>
+          <inkml:channelProperty channel="F" name="resolution" value="0" units="1/dev"/>
+          <inkml:channelProperty channel="T" name="resolution" value="1" units="1/dev"/>
+        </inkml:channelProperties>
+      </inkml:inkSource>
+      <inkml:timestamp xml:id="ts0" timeString="2024-11-30T00:50:43.178"/>
+    </inkml:context>
+    <inkml:brush xml:id="br0">
+      <inkml:brushProperty name="width" value="0.08819" units="cm"/>
+      <inkml:brushProperty name="height" value="0.35278" units="cm"/>
+      <inkml:brushProperty name="color" value="#FFFF00"/>
+      <inkml:brushProperty name="tip" value="rectangle"/>
+      <inkml:brushProperty name="rasterOp" value="maskPen"/>
+    </inkml:brush>
+  </inkml:definitions>
+  <inkml:trace contextRef="#ctx0" brushRef="#br0">30090 8062 57 0,'-42'-113'54'0,"63"-37"-14"16,147-20 17-1,124 114-23 1,23 149 15 15,-190 133-33-15,-146 77-15-1,-104-39 1 1,41-95-48 0,63-131-165-1,63-38 158-15</inkml:trace>
+</inkml:ink>
+</file>
+
+<file path=ppt/ink/ink47.xml><?xml version="1.0" encoding="utf-8"?>
+<inkml:ink xmlns:inkml="http://www.w3.org/2003/InkML">
+  <inkml:definitions>
+    <inkml:context xml:id="ctx0">
+      <inkml:inkSource xml:id="inkSrc0">
+        <inkml:traceFormat>
+          <inkml:channel name="X" type="integer" max="65535" units="cm"/>
+          <inkml:channel name="Y" type="integer" max="65535" units="cm"/>
+          <inkml:channel name="F" type="integer" max="1024" units="dev"/>
+          <inkml:channel name="T" type="integer" max="2.14748E9" units="dev"/>
+        </inkml:traceFormat>
+        <inkml:channelProperties>
+          <inkml:channelProperty channel="X" name="resolution" value="936.21429" units="1/cm"/>
+          <inkml:channelProperty channel="Y" name="resolution" value="1680.38464" units="1/cm"/>
+          <inkml:channelProperty channel="F" name="resolution" value="0" units="1/dev"/>
+          <inkml:channelProperty channel="T" name="resolution" value="1" units="1/dev"/>
+        </inkml:channelProperties>
+      </inkml:inkSource>
+      <inkml:timestamp xml:id="ts0" timeString="2024-11-30T00:50:43.621"/>
+    </inkml:context>
+    <inkml:brush xml:id="br0">
+      <inkml:brushProperty name="width" value="0.08819" units="cm"/>
+      <inkml:brushProperty name="height" value="0.35278" units="cm"/>
+      <inkml:brushProperty name="color" value="#FFFF00"/>
+      <inkml:brushProperty name="tip" value="rectangle"/>
+      <inkml:brushProperty name="rasterOp" value="maskPen"/>
+    </inkml:brush>
+  </inkml:definitions>
+  <inkml:trace contextRef="#ctx0" brushRef="#br0">31514 7214 304 0,'0'0'0'0,"-64"113"37"16,44 114-35 15,145-20-33-15,106-94-30-1,-84-75 10 1,-128-94 59 0,-38-95 32-1,-46-39 2 1,24-35-16-1,21 37 36 1,-1 149-1 0,21 39-72-1,41 114 11 1,43 94-3 0,41 17 6 15,23-18-20-31,-23-93-58 31,-20-96-119-15,-42-75 52-1</inkml:trace>
+</inkml:ink>
+</file>
+
+<file path=ppt/ink/ink48.xml><?xml version="1.0" encoding="utf-8"?>
+<inkml:ink xmlns:inkml="http://www.w3.org/2003/InkML">
+  <inkml:definitions>
+    <inkml:context xml:id="ctx0">
+      <inkml:inkSource xml:id="inkSrc0">
+        <inkml:traceFormat>
+          <inkml:channel name="X" type="integer" max="65535" units="cm"/>
+          <inkml:channel name="Y" type="integer" max="65535" units="cm"/>
+          <inkml:channel name="F" type="integer" max="1024" units="dev"/>
+          <inkml:channel name="T" type="integer" max="2.14748E9" units="dev"/>
+        </inkml:traceFormat>
+        <inkml:channelProperties>
+          <inkml:channelProperty channel="X" name="resolution" value="936.21429" units="1/cm"/>
+          <inkml:channelProperty channel="Y" name="resolution" value="1680.38464" units="1/cm"/>
+          <inkml:channelProperty channel="F" name="resolution" value="0" units="1/dev"/>
+          <inkml:channelProperty channel="T" name="resolution" value="1" units="1/dev"/>
+        </inkml:channelProperties>
+      </inkml:inkSource>
+      <inkml:timestamp xml:id="ts0" timeString="2024-11-30T00:50:43.939"/>
+    </inkml:context>
+    <inkml:brush xml:id="br0">
+      <inkml:brushProperty name="width" value="0.08819" units="cm"/>
+      <inkml:brushProperty name="height" value="0.35278" units="cm"/>
+      <inkml:brushProperty name="color" value="#FFFF00"/>
+      <inkml:brushProperty name="tip" value="rectangle"/>
+      <inkml:brushProperty name="rasterOp" value="maskPen"/>
+    </inkml:brush>
+  </inkml:definitions>
+  <inkml:trace contextRef="#ctx0" brushRef="#br0">32853 6573 142 0,'0'0'15'0,"-84"19"42"16,-20 151-17-1,-1 56-45 1,63 0-10 0,42-113 6 15,42-93 14-16,-42-20 21 1,21 75 51 0,-62 132-50-1,-2 76-34 1,64-113-78 0,42-133-61-1,-42-113 24 1</inkml:trace>
+</inkml:ink>
+</file>
+
+<file path=ppt/ink/ink49.xml><?xml version="1.0" encoding="utf-8"?>
+<inkml:ink xmlns:inkml="http://www.w3.org/2003/InkML">
+  <inkml:definitions>
+    <inkml:context xml:id="ctx0">
+      <inkml:inkSource xml:id="inkSrc0">
+        <inkml:traceFormat>
+          <inkml:channel name="X" type="integer" max="65535" units="cm"/>
+          <inkml:channel name="Y" type="integer" max="65535" units="cm"/>
+          <inkml:channel name="F" type="integer" max="1024" units="dev"/>
+          <inkml:channel name="T" type="integer" max="2.14748E9" units="dev"/>
+        </inkml:traceFormat>
+        <inkml:channelProperties>
+          <inkml:channelProperty channel="X" name="resolution" value="936.21429" units="1/cm"/>
+          <inkml:channelProperty channel="Y" name="resolution" value="1680.38464" units="1/cm"/>
+          <inkml:channelProperty channel="F" name="resolution" value="0" units="1/dev"/>
+          <inkml:channelProperty channel="T" name="resolution" value="1" units="1/dev"/>
+        </inkml:channelProperties>
+      </inkml:inkSource>
+      <inkml:timestamp xml:id="ts0" timeString="2024-11-30T00:50:44.332"/>
+    </inkml:context>
+    <inkml:brush xml:id="br0">
+      <inkml:brushProperty name="width" value="0.08819" units="cm"/>
+      <inkml:brushProperty name="height" value="0.35278" units="cm"/>
+      <inkml:brushProperty name="color" value="#FFFF00"/>
+      <inkml:brushProperty name="tip" value="rectangle"/>
+      <inkml:brushProperty name="rasterOp" value="maskPen"/>
+    </inkml:brush>
+  </inkml:definitions>
+  <inkml:trace contextRef="#ctx0" brushRef="#br0">32853 5970 114 0,'0'0'71'16,"0"75"3"0,-42 284-29-1,63 112-52 1,43 1-6 0,-2-133 4-1,-20-226 10 1,-42-113 53-1,0-94-39 1,43-114-18 0,18 58 15-1,-39 168-6 1,40 152 25 0,65 94-100 15,102-20-185-16,-186-205 189-15</inkml:trace>
+</inkml:ink>
+</file>
+
+<file path=ppt/ink/ink5.xml><?xml version="1.0" encoding="utf-8"?>
+<inkml:ink xmlns:inkml="http://www.w3.org/2003/InkML">
+  <inkml:definitions>
+    <inkml:context xml:id="ctx0">
+      <inkml:inkSource xml:id="inkSrc0">
+        <inkml:traceFormat>
+          <inkml:channel name="X" type="integer" max="65535" units="cm"/>
+          <inkml:channel name="Y" type="integer" max="65535" units="cm"/>
+          <inkml:channel name="F" type="integer" max="1024" units="dev"/>
+          <inkml:channel name="T" type="integer" max="2.14748E9" units="dev"/>
+        </inkml:traceFormat>
+        <inkml:channelProperties>
+          <inkml:channelProperty channel="X" name="resolution" value="936.21429" units="1/cm"/>
+          <inkml:channelProperty channel="Y" name="resolution" value="1680.38464" units="1/cm"/>
+          <inkml:channelProperty channel="F" name="resolution" value="0" units="1/dev"/>
+          <inkml:channelProperty channel="T" name="resolution" value="1" units="1/dev"/>
+        </inkml:channelProperties>
+      </inkml:inkSource>
+      <inkml:timestamp xml:id="ts0" timeString="2024-11-30T00:49:38.982"/>
+    </inkml:context>
+    <inkml:brush xml:id="br0">
+      <inkml:brushProperty name="width" value="0.08819" units="cm"/>
+      <inkml:brushProperty name="height" value="0.35278" units="cm"/>
+      <inkml:brushProperty name="color" value="#FFFF00"/>
+      <inkml:brushProperty name="tip" value="rectangle"/>
+      <inkml:brushProperty name="rasterOp" value="maskPen"/>
+    </inkml:brush>
+  </inkml:definitions>
+  <inkml:trace contextRef="#ctx0" brushRef="#br0">24268 6177 366 0,'-21'19'21'16,"-42"56"70"-1,-104 1-8 1,-105-1-47 15,-315 0-37-31,-355 39-7 16,-105-58 23 15,105-74 0-15,63-190-11-1,20-207-3 1,148-131 9 0,333 55 4-1,482-56-30 1,566-131-7 0,713-38 19-1,-231 470 4 1,167 190 1-1,-210 245-4 1,-313 169 1 0,-356 302 9-1,-357-20 11 1,-312 2 10 0,-233-95 5 15,87-171 5-16,122-93-11 1,106-113-19 0,85-114-7-1,62-56 1 1,0 0-2 0,0 0-18-1,22-18-25 1,-22-1-111-1,63-56-381 1</inkml:trace>
+</inkml:ink>
+</file>
+
+<file path=ppt/ink/ink50.xml><?xml version="1.0" encoding="utf-8"?>
+<inkml:ink xmlns:inkml="http://www.w3.org/2003/InkML">
+  <inkml:definitions>
+    <inkml:context xml:id="ctx0">
+      <inkml:inkSource xml:id="inkSrc0">
+        <inkml:traceFormat>
+          <inkml:channel name="X" type="integer" max="65535" units="cm"/>
+          <inkml:channel name="Y" type="integer" max="65535" units="cm"/>
+          <inkml:channel name="T" type="integer" max="2.14748E9" units="dev"/>
+        </inkml:traceFormat>
+        <inkml:channelProperties>
+          <inkml:channelProperty channel="X" name="resolution" value="936.21429" units="1/cm"/>
+          <inkml:channelProperty channel="Y" name="resolution" value="1680.38464" units="1/cm"/>
+          <inkml:channelProperty channel="T" name="resolution" value="1" units="1/dev"/>
+        </inkml:channelProperties>
+      </inkml:inkSource>
+      <inkml:timestamp xml:id="ts0" timeString="2024-11-30T00:50:50.171"/>
+    </inkml:context>
+    <inkml:brush xml:id="br0">
+      <inkml:brushProperty name="width" value="0.08819" units="cm"/>
+      <inkml:brushProperty name="height" value="0.35278" units="cm"/>
+      <inkml:brushProperty name="color" value="#FFFF00"/>
+      <inkml:brushProperty name="tip" value="rectangle"/>
+      <inkml:brushProperty name="rasterOp" value="maskPen"/>
+    </inkml:brush>
+  </inkml:definitions>
+  <inkml:trace contextRef="#ctx0" brushRef="#br0">33753 12399 0,'0'0'0,"0"0"0,0 0 0,0 0 16,0 0 0,0 0-1,0 0 1,0 0 0,0 0-1,-19 19 1,-24 37-1,64-37 1,-42 0 15,21 37-15,0-56 0</inkml:trace>
+</inkml:ink>
+</file>
+
+<file path=ppt/ink/ink51.xml><?xml version="1.0" encoding="utf-8"?>
+<inkml:ink xmlns:inkml="http://www.w3.org/2003/InkML">
+  <inkml:definitions>
+    <inkml:context xml:id="ctx0">
+      <inkml:inkSource xml:id="inkSrc0">
+        <inkml:traceFormat>
+          <inkml:channel name="X" type="integer" max="65535" units="cm"/>
+          <inkml:channel name="Y" type="integer" max="65535" units="cm"/>
+          <inkml:channel name="F" type="integer" max="1024" units="dev"/>
+          <inkml:channel name="T" type="integer" max="2.14748E9" units="dev"/>
+        </inkml:traceFormat>
+        <inkml:channelProperties>
+          <inkml:channelProperty channel="X" name="resolution" value="936.21429" units="1/cm"/>
+          <inkml:channelProperty channel="Y" name="resolution" value="1680.38464" units="1/cm"/>
+          <inkml:channelProperty channel="F" name="resolution" value="0" units="1/dev"/>
+          <inkml:channelProperty channel="T" name="resolution" value="1" units="1/dev"/>
+        </inkml:channelProperties>
+      </inkml:inkSource>
+      <inkml:timestamp xml:id="ts0" timeString="2024-11-30T00:50:50.729"/>
+    </inkml:context>
+    <inkml:brush xml:id="br0">
+      <inkml:brushProperty name="width" value="0.08819" units="cm"/>
+      <inkml:brushProperty name="height" value="0.35278" units="cm"/>
+      <inkml:brushProperty name="color" value="#FFFF00"/>
+      <inkml:brushProperty name="tip" value="rectangle"/>
+      <inkml:brushProperty name="rasterOp" value="maskPen"/>
+    </inkml:brush>
+  </inkml:definitions>
+  <inkml:trace contextRef="#ctx0" brushRef="#br0">21274 1501 34 0,'0'0'0'0,"42"-94"36"15,-1 56 31 1,2 20 15-1,-43 149 82 1,-167 322-95 15,-127 321-68-15,43-77-38 0,208-377-2-1,86-244-47 1,40-152-68-1,65-376 47 1,-107 282 77-16</inkml:trace>
+</inkml:ink>
+</file>
+
+<file path=ppt/ink/ink52.xml><?xml version="1.0" encoding="utf-8"?>
+<inkml:ink xmlns:inkml="http://www.w3.org/2003/InkML">
+  <inkml:definitions>
+    <inkml:context xml:id="ctx0">
+      <inkml:inkSource xml:id="inkSrc0">
+        <inkml:traceFormat>
+          <inkml:channel name="X" type="integer" max="65535" units="cm"/>
+          <inkml:channel name="Y" type="integer" max="65535" units="cm"/>
+          <inkml:channel name="F" type="integer" max="1024" units="dev"/>
+          <inkml:channel name="T" type="integer" max="2.14748E9" units="dev"/>
+        </inkml:traceFormat>
+        <inkml:channelProperties>
+          <inkml:channelProperty channel="X" name="resolution" value="936.21429" units="1/cm"/>
+          <inkml:channelProperty channel="Y" name="resolution" value="1680.38464" units="1/cm"/>
+          <inkml:channelProperty channel="F" name="resolution" value="0" units="1/dev"/>
+          <inkml:channelProperty channel="T" name="resolution" value="1" units="1/dev"/>
+        </inkml:channelProperties>
+      </inkml:inkSource>
+      <inkml:timestamp xml:id="ts0" timeString="2024-11-30T00:50:50.924"/>
+    </inkml:context>
+    <inkml:brush xml:id="br0">
+      <inkml:brushProperty name="width" value="0.08819" units="cm"/>
+      <inkml:brushProperty name="height" value="0.35278" units="cm"/>
+      <inkml:brushProperty name="color" value="#FFFF00"/>
+      <inkml:brushProperty name="tip" value="rectangle"/>
+      <inkml:brushProperty name="rasterOp" value="maskPen"/>
+    </inkml:brush>
+  </inkml:definitions>
+  <inkml:trace contextRef="#ctx0" brushRef="#br0">21211 1747 43 0,'0'0'0'0,"41"-152"86"16,2 152-10-1,62 95-11 1,20 131 38-1,1 38-7 17,-1 38-73-32,23-57-51 15,-86-57-112 17,-83-36-126-17,21-134 210-15</inkml:trace>
+</inkml:ink>
+</file>
+
+<file path=ppt/ink/ink53.xml><?xml version="1.0" encoding="utf-8"?>
+<inkml:ink xmlns:inkml="http://www.w3.org/2003/InkML">
+  <inkml:definitions>
+    <inkml:context xml:id="ctx0">
+      <inkml:inkSource xml:id="inkSrc0">
+        <inkml:traceFormat>
+          <inkml:channel name="X" type="integer" max="65535" units="cm"/>
+          <inkml:channel name="Y" type="integer" max="65535" units="cm"/>
+          <inkml:channel name="F" type="integer" max="1024" units="dev"/>
+          <inkml:channel name="T" type="integer" max="2.14748E9" units="dev"/>
+        </inkml:traceFormat>
+        <inkml:channelProperties>
+          <inkml:channelProperty channel="X" name="resolution" value="936.21429" units="1/cm"/>
+          <inkml:channelProperty channel="Y" name="resolution" value="1680.38464" units="1/cm"/>
+          <inkml:channelProperty channel="F" name="resolution" value="0" units="1/dev"/>
+          <inkml:channelProperty channel="T" name="resolution" value="1" units="1/dev"/>
+        </inkml:channelProperties>
+      </inkml:inkSource>
+      <inkml:timestamp xml:id="ts0" timeString="2024-11-30T00:50:51.101"/>
+    </inkml:context>
+    <inkml:brush xml:id="br0">
+      <inkml:brushProperty name="width" value="0.08819" units="cm"/>
+      <inkml:brushProperty name="height" value="0.35278" units="cm"/>
+      <inkml:brushProperty name="color" value="#FFFF00"/>
+      <inkml:brushProperty name="tip" value="rectangle"/>
+      <inkml:brushProperty name="rasterOp" value="maskPen"/>
+    </inkml:brush>
+  </inkml:definitions>
+  <inkml:trace contextRef="#ctx0" brushRef="#br0">21295 2425 144 0,'-43'-94'134'16,"65"57"-108"0,104-1-21-1,104 0-13 1,126 0-101-1,-43 76-82 1</inkml:trace>
+</inkml:ink>
+</file>
+
+<file path=ppt/ink/ink54.xml><?xml version="1.0" encoding="utf-8"?>
+<inkml:ink xmlns:inkml="http://www.w3.org/2003/InkML">
+  <inkml:definitions>
+    <inkml:context xml:id="ctx0">
+      <inkml:inkSource xml:id="inkSrc0">
+        <inkml:traceFormat>
+          <inkml:channel name="X" type="integer" max="65535" units="cm"/>
+          <inkml:channel name="Y" type="integer" max="65535" units="cm"/>
+          <inkml:channel name="F" type="integer" max="1024" units="dev"/>
+          <inkml:channel name="T" type="integer" max="2.14748E9" units="dev"/>
+        </inkml:traceFormat>
+        <inkml:channelProperties>
+          <inkml:channelProperty channel="X" name="resolution" value="936.21429" units="1/cm"/>
+          <inkml:channelProperty channel="Y" name="resolution" value="1680.38464" units="1/cm"/>
+          <inkml:channelProperty channel="F" name="resolution" value="0" units="1/dev"/>
+          <inkml:channelProperty channel="T" name="resolution" value="1" units="1/dev"/>
+        </inkml:channelProperties>
+      </inkml:inkSource>
+      <inkml:timestamp xml:id="ts0" timeString="2024-11-30T00:50:51.335"/>
+    </inkml:context>
+    <inkml:brush xml:id="br0">
+      <inkml:brushProperty name="width" value="0.08819" units="cm"/>
+      <inkml:brushProperty name="height" value="0.35278" units="cm"/>
+      <inkml:brushProperty name="color" value="#FFFF00"/>
+      <inkml:brushProperty name="tip" value="rectangle"/>
+      <inkml:brushProperty name="rasterOp" value="maskPen"/>
+    </inkml:brush>
+  </inkml:definitions>
+  <inkml:trace contextRef="#ctx0" brushRef="#br0">22990 1935 75 0,'0'0'0'0,"-229"132"101"15,-44 226 32 1,128 38-81 0,186-169-9-1,147-114-24 1,85-75-24 0,-65-76-33-1,-60-38-129 1,-107 1-45-1</inkml:trace>
+</inkml:ink>
+</file>
+
+<file path=ppt/ink/ink55.xml><?xml version="1.0" encoding="utf-8"?>
+<inkml:ink xmlns:inkml="http://www.w3.org/2003/InkML">
+  <inkml:definitions>
+    <inkml:context xml:id="ctx0">
+      <inkml:inkSource xml:id="inkSrc0">
+        <inkml:traceFormat>
+          <inkml:channel name="X" type="integer" max="65535" units="cm"/>
+          <inkml:channel name="Y" type="integer" max="65535" units="cm"/>
+          <inkml:channel name="F" type="integer" max="1024" units="dev"/>
+          <inkml:channel name="T" type="integer" max="2.14748E9" units="dev"/>
+        </inkml:traceFormat>
+        <inkml:channelProperties>
+          <inkml:channelProperty channel="X" name="resolution" value="936.21429" units="1/cm"/>
+          <inkml:channelProperty channel="Y" name="resolution" value="1680.38464" units="1/cm"/>
+          <inkml:channelProperty channel="F" name="resolution" value="0" units="1/dev"/>
+          <inkml:channelProperty channel="T" name="resolution" value="1" units="1/dev"/>
+        </inkml:channelProperties>
+      </inkml:inkSource>
+      <inkml:timestamp xml:id="ts0" timeString="2024-11-30T00:50:51.796"/>
+    </inkml:context>
+    <inkml:brush xml:id="br0">
+      <inkml:brushProperty name="width" value="0.08819" units="cm"/>
+      <inkml:brushProperty name="height" value="0.35278" units="cm"/>
+      <inkml:brushProperty name="color" value="#FFFF00"/>
+      <inkml:brushProperty name="tip" value="rectangle"/>
+      <inkml:brushProperty name="rasterOp" value="maskPen"/>
+    </inkml:brush>
+  </inkml:definitions>
+  <inkml:trace contextRef="#ctx0" brushRef="#br0">23641 2011 99 0,'-64'0'74'16,"-41"112"21"0,1 39-35-1,83-113 13 1,21 75-23 0,84-37-41-1,21-20-12 1,-21-18-40 15,-63-113-9-31,-42-39-11 31,-63 2 21-15,42-20 19 0,1-1 29-1,19 20 77 1,22 113-35-1,105-19-7 1,187 0-2 0,85-37-49-1,-20-19-113 1,-149 18-147 0,-208 38 223-1</inkml:trace>
+</inkml:ink>
+</file>
+
+<file path=ppt/ink/ink56.xml><?xml version="1.0" encoding="utf-8"?>
+<inkml:ink xmlns:inkml="http://www.w3.org/2003/InkML">
+  <inkml:definitions>
+    <inkml:context xml:id="ctx0">
+      <inkml:inkSource xml:id="inkSrc0">
+        <inkml:traceFormat>
+          <inkml:channel name="X" type="integer" max="65535" units="cm"/>
+          <inkml:channel name="Y" type="integer" max="65535" units="cm"/>
+          <inkml:channel name="F" type="integer" max="1024" units="dev"/>
+          <inkml:channel name="T" type="integer" max="2.14748E9" units="dev"/>
+        </inkml:traceFormat>
+        <inkml:channelProperties>
+          <inkml:channelProperty channel="X" name="resolution" value="936.21429" units="1/cm"/>
+          <inkml:channelProperty channel="Y" name="resolution" value="1680.38464" units="1/cm"/>
+          <inkml:channelProperty channel="F" name="resolution" value="0" units="1/dev"/>
+          <inkml:channelProperty channel="T" name="resolution" value="1" units="1/dev"/>
+        </inkml:channelProperties>
+      </inkml:inkSource>
+      <inkml:timestamp xml:id="ts0" timeString="2024-11-30T00:50:52.004"/>
+    </inkml:context>
+    <inkml:brush xml:id="br0">
+      <inkml:brushProperty name="width" value="0.08819" units="cm"/>
+      <inkml:brushProperty name="height" value="0.35278" units="cm"/>
+      <inkml:brushProperty name="color" value="#FFFF00"/>
+      <inkml:brushProperty name="tip" value="rectangle"/>
+      <inkml:brushProperty name="rasterOp" value="maskPen"/>
+    </inkml:brush>
+  </inkml:definitions>
+  <inkml:trace contextRef="#ctx0" brushRef="#br0">24163 1163 90 0,'-20'0'105'16,"20"281"-3"-1,-43 248-11 1,3 244-92-1,59-245-71 1,86-226-109 0,22-246 47-1</inkml:trace>
+</inkml:ink>
+</file>
+
+<file path=ppt/ink/ink57.xml><?xml version="1.0" encoding="utf-8"?>
+<inkml:ink xmlns:inkml="http://www.w3.org/2003/InkML">
+  <inkml:definitions>
+    <inkml:context xml:id="ctx0">
+      <inkml:inkSource xml:id="inkSrc0">
+        <inkml:traceFormat>
+          <inkml:channel name="X" type="integer" max="65535" units="cm"/>
+          <inkml:channel name="Y" type="integer" max="65535" units="cm"/>
+          <inkml:channel name="F" type="integer" max="1024" units="dev"/>
+          <inkml:channel name="T" type="integer" max="2.14748E9" units="dev"/>
+        </inkml:traceFormat>
+        <inkml:channelProperties>
+          <inkml:channelProperty channel="X" name="resolution" value="936.21429" units="1/cm"/>
+          <inkml:channelProperty channel="Y" name="resolution" value="1680.38464" units="1/cm"/>
+          <inkml:channelProperty channel="F" name="resolution" value="0" units="1/dev"/>
+          <inkml:channelProperty channel="T" name="resolution" value="1" units="1/dev"/>
+        </inkml:channelProperties>
+      </inkml:inkSource>
+      <inkml:timestamp xml:id="ts0" timeString="2024-11-30T00:50:52.220"/>
+    </inkml:context>
+    <inkml:brush xml:id="br0">
+      <inkml:brushProperty name="width" value="0.08819" units="cm"/>
+      <inkml:brushProperty name="height" value="0.35278" units="cm"/>
+      <inkml:brushProperty name="color" value="#FFFF00"/>
+      <inkml:brushProperty name="tip" value="rectangle"/>
+      <inkml:brushProperty name="rasterOp" value="maskPen"/>
+    </inkml:brush>
+  </inkml:definitions>
+  <inkml:trace contextRef="#ctx0" brushRef="#br0">24834 1840 100 0,'0'0'0'0,"-127"189"120"32,66 132-30-17,166-57-35 1,40-132-27 0,-39-57-26-1,-65-56-96 1,-20-19-143-1,0-19 173-15</inkml:trace>
+</inkml:ink>
+</file>
+
+<file path=ppt/ink/ink58.xml><?xml version="1.0" encoding="utf-8"?>
+<inkml:ink xmlns:inkml="http://www.w3.org/2003/InkML">
+  <inkml:definitions>
+    <inkml:context xml:id="ctx0">
+      <inkml:inkSource xml:id="inkSrc0">
+        <inkml:traceFormat>
+          <inkml:channel name="X" type="integer" max="65535" units="cm"/>
+          <inkml:channel name="Y" type="integer" max="65535" units="cm"/>
+          <inkml:channel name="F" type="integer" max="1024" units="dev"/>
+          <inkml:channel name="T" type="integer" max="2.14748E9" units="dev"/>
+        </inkml:traceFormat>
+        <inkml:channelProperties>
+          <inkml:channelProperty channel="X" name="resolution" value="936.21429" units="1/cm"/>
+          <inkml:channelProperty channel="Y" name="resolution" value="1680.38464" units="1/cm"/>
+          <inkml:channelProperty channel="F" name="resolution" value="0" units="1/dev"/>
+          <inkml:channelProperty channel="T" name="resolution" value="1" units="1/dev"/>
+        </inkml:channelProperties>
+      </inkml:inkSource>
+      <inkml:timestamp xml:id="ts0" timeString="2024-11-30T00:50:52.578"/>
+    </inkml:context>
+    <inkml:brush xml:id="br0">
+      <inkml:brushProperty name="width" value="0.08819" units="cm"/>
+      <inkml:brushProperty name="height" value="0.35278" units="cm"/>
+      <inkml:brushProperty name="color" value="#FFFF00"/>
+      <inkml:brushProperty name="tip" value="rectangle"/>
+      <inkml:brushProperty name="rasterOp" value="maskPen"/>
+    </inkml:brush>
+  </inkml:definitions>
+  <inkml:trace contextRef="#ctx0" brushRef="#br0">25440 1784 162 0,'-41'-19'109'16,"-22"170"-18"0,-63 151-64-1,86-76-20 1,144-113 26 0,43-56-62 15,-64-151-198-16,-83 56 72-15</inkml:trace>
+</inkml:ink>
+</file>
+
+<file path=ppt/ink/ink59.xml><?xml version="1.0" encoding="utf-8"?>
+<inkml:ink xmlns:inkml="http://www.w3.org/2003/InkML">
+  <inkml:definitions>
+    <inkml:context xml:id="ctx0">
+      <inkml:inkSource xml:id="inkSrc0">
+        <inkml:traceFormat>
+          <inkml:channel name="X" type="integer" max="65535" units="cm"/>
+          <inkml:channel name="Y" type="integer" max="65535" units="cm"/>
+          <inkml:channel name="F" type="integer" max="1024" units="dev"/>
+          <inkml:channel name="T" type="integer" max="2.14748E9" units="dev"/>
+        </inkml:traceFormat>
+        <inkml:channelProperties>
+          <inkml:channelProperty channel="X" name="resolution" value="936.21429" units="1/cm"/>
+          <inkml:channelProperty channel="Y" name="resolution" value="1680.38464" units="1/cm"/>
+          <inkml:channelProperty channel="F" name="resolution" value="0" units="1/dev"/>
+          <inkml:channelProperty channel="T" name="resolution" value="1" units="1/dev"/>
+        </inkml:channelProperties>
+      </inkml:inkSource>
+      <inkml:timestamp xml:id="ts0" timeString="2024-11-30T00:50:52.776"/>
+    </inkml:context>
+    <inkml:brush xml:id="br0">
+      <inkml:brushProperty name="width" value="0.08819" units="cm"/>
+      <inkml:brushProperty name="height" value="0.35278" units="cm"/>
+      <inkml:brushProperty name="color" value="#FFFF00"/>
+      <inkml:brushProperty name="tip" value="rectangle"/>
+      <inkml:brushProperty name="rasterOp" value="maskPen"/>
+    </inkml:brush>
+  </inkml:definitions>
+  <inkml:trace contextRef="#ctx0" brushRef="#br0">25126 843 239 0,'0'0'0'0,"-20"0"-48"16,103 55 57 0,106-18-80-1,42 58-21 1,-190-57 56 0</inkml:trace>
+</inkml:ink>
+</file>
+
+<file path=ppt/ink/ink6.xml><?xml version="1.0" encoding="utf-8"?>
+<inkml:ink xmlns:inkml="http://www.w3.org/2003/InkML">
+  <inkml:definitions>
+    <inkml:context xml:id="ctx0">
+      <inkml:inkSource xml:id="inkSrc0">
+        <inkml:traceFormat>
+          <inkml:channel name="X" type="integer" max="65535" units="cm"/>
+          <inkml:channel name="Y" type="integer" max="65535" units="cm"/>
+          <inkml:channel name="F" type="integer" max="1024" units="dev"/>
+          <inkml:channel name="T" type="integer" max="2.14748E9" units="dev"/>
+        </inkml:traceFormat>
+        <inkml:channelProperties>
+          <inkml:channelProperty channel="X" name="resolution" value="936.21429" units="1/cm"/>
+          <inkml:channelProperty channel="Y" name="resolution" value="1680.38464" units="1/cm"/>
+          <inkml:channelProperty channel="F" name="resolution" value="0" units="1/dev"/>
+          <inkml:channelProperty channel="T" name="resolution" value="1" units="1/dev"/>
+        </inkml:channelProperties>
+      </inkml:inkSource>
+      <inkml:timestamp xml:id="ts0" timeString="2024-11-30T00:49:39.307"/>
+    </inkml:context>
+    <inkml:brush xml:id="br0">
+      <inkml:brushProperty name="width" value="0.08819" units="cm"/>
+      <inkml:brushProperty name="height" value="0.35278" units="cm"/>
+      <inkml:brushProperty name="color" value="#FFFF00"/>
+      <inkml:brushProperty name="tip" value="rectangle"/>
+      <inkml:brushProperty name="rasterOp" value="maskPen"/>
+    </inkml:brush>
+  </inkml:definitions>
+  <inkml:trace contextRef="#ctx0" brushRef="#br0">24813 3029 456 0,'0'0'2'16,"-21"207"20"0,-64 114 34-1,24-76-14 1,39-94-4-1,105-75-5 17,148-134-2-32,146-111-30 31,42-1-20-31,-21 95-133 31,-62 56-335-31</inkml:trace>
+</inkml:ink>
+</file>
+
+<file path=ppt/ink/ink60.xml><?xml version="1.0" encoding="utf-8"?>
+<inkml:ink xmlns:inkml="http://www.w3.org/2003/InkML">
+  <inkml:definitions>
+    <inkml:context xml:id="ctx0">
+      <inkml:inkSource xml:id="inkSrc0">
+        <inkml:traceFormat>
+          <inkml:channel name="X" type="integer" max="65535" units="cm"/>
+          <inkml:channel name="Y" type="integer" max="65535" units="cm"/>
+          <inkml:channel name="F" type="integer" max="1024" units="dev"/>
+          <inkml:channel name="T" type="integer" max="2.14748E9" units="dev"/>
+        </inkml:traceFormat>
+        <inkml:channelProperties>
+          <inkml:channelProperty channel="X" name="resolution" value="936.21429" units="1/cm"/>
+          <inkml:channelProperty channel="Y" name="resolution" value="1680.38464" units="1/cm"/>
+          <inkml:channelProperty channel="F" name="resolution" value="0" units="1/dev"/>
+          <inkml:channelProperty channel="T" name="resolution" value="1" units="1/dev"/>
+        </inkml:channelProperties>
+      </inkml:inkSource>
+      <inkml:timestamp xml:id="ts0" timeString="2024-11-30T00:50:53.068"/>
+    </inkml:context>
+    <inkml:brush xml:id="br0">
+      <inkml:brushProperty name="width" value="0.08819" units="cm"/>
+      <inkml:brushProperty name="height" value="0.35278" units="cm"/>
+      <inkml:brushProperty name="color" value="#FFFF00"/>
+      <inkml:brushProperty name="tip" value="rectangle"/>
+      <inkml:brushProperty name="rasterOp" value="maskPen"/>
+    </inkml:brush>
+  </inkml:definitions>
+  <inkml:trace contextRef="#ctx0" brushRef="#br0">26279 1954 93 0,'-167'188'113'16,"-85"227"-12"-1,169-94-96 1,186-189 35 0,129-207 68-1,-44-151-91 1,-125-39-22-1,-126 58 22 1,-63 188 11 0,-125 151-25-1,-22 169-29 1,44-17-101 0,165-115-163 15,85-112 213-31</inkml:trace>
+</inkml:ink>
+</file>
+
+<file path=ppt/ink/ink61.xml><?xml version="1.0" encoding="utf-8"?>
+<inkml:ink xmlns:inkml="http://www.w3.org/2003/InkML">
+  <inkml:definitions>
+    <inkml:context xml:id="ctx0">
+      <inkml:inkSource xml:id="inkSrc0">
+        <inkml:traceFormat>
+          <inkml:channel name="X" type="integer" max="65535" units="cm"/>
+          <inkml:channel name="Y" type="integer" max="65535" units="cm"/>
+          <inkml:channel name="F" type="integer" max="1024" units="dev"/>
+          <inkml:channel name="T" type="integer" max="2.14748E9" units="dev"/>
+        </inkml:traceFormat>
+        <inkml:channelProperties>
+          <inkml:channelProperty channel="X" name="resolution" value="936.21429" units="1/cm"/>
+          <inkml:channelProperty channel="Y" name="resolution" value="1680.38464" units="1/cm"/>
+          <inkml:channelProperty channel="F" name="resolution" value="0" units="1/dev"/>
+          <inkml:channelProperty channel="T" name="resolution" value="1" units="1/dev"/>
+        </inkml:channelProperties>
+      </inkml:inkSource>
+      <inkml:timestamp xml:id="ts0" timeString="2024-11-30T00:50:53.506"/>
+    </inkml:context>
+    <inkml:brush xml:id="br0">
+      <inkml:brushProperty name="width" value="0.08819" units="cm"/>
+      <inkml:brushProperty name="height" value="0.35278" units="cm"/>
+      <inkml:brushProperty name="color" value="#FFFF00"/>
+      <inkml:brushProperty name="tip" value="rectangle"/>
+      <inkml:brushProperty name="rasterOp" value="maskPen"/>
+    </inkml:brush>
+  </inkml:definitions>
+  <inkml:trace contextRef="#ctx0" brushRef="#br0">27200 1840 315 0,'-21'19'5'0,"-63"189"7"16,21 131 9 15,22 1 1-15,-1-114 40-1,42-188-44 1,62-57-2 0,106-245-9-1,20-38 5 1,-62 189 27 0,-41 207 28-1,-23 151-25 1,0 133-48-1,106-96-93 1,63-93-161 0,-84-94-11-1</inkml:trace>
+</inkml:ink>
+</file>
+
+<file path=ppt/ink/ink62.xml><?xml version="1.0" encoding="utf-8"?>
+<inkml:ink xmlns:inkml="http://www.w3.org/2003/InkML">
+  <inkml:definitions>
+    <inkml:context xml:id="ctx0">
+      <inkml:inkSource xml:id="inkSrc0">
+        <inkml:traceFormat>
+          <inkml:channel name="X" type="integer" max="65535" units="cm"/>
+          <inkml:channel name="Y" type="integer" max="65535" units="cm"/>
+          <inkml:channel name="F" type="integer" max="1024" units="dev"/>
+          <inkml:channel name="T" type="integer" max="2.14748E9" units="dev"/>
+        </inkml:traceFormat>
+        <inkml:channelProperties>
+          <inkml:channelProperty channel="X" name="resolution" value="936.21429" units="1/cm"/>
+          <inkml:channelProperty channel="Y" name="resolution" value="1680.38464" units="1/cm"/>
+          <inkml:channelProperty channel="F" name="resolution" value="0" units="1/dev"/>
+          <inkml:channelProperty channel="T" name="resolution" value="1" units="1/dev"/>
+        </inkml:channelProperties>
+      </inkml:inkSource>
+      <inkml:timestamp xml:id="ts0" timeString="2024-11-30T00:49:29.256"/>
+    </inkml:context>
+    <inkml:brush xml:id="br0">
+      <inkml:brushProperty name="width" value="0.08819" units="cm"/>
+      <inkml:brushProperty name="height" value="0.35278" units="cm"/>
+      <inkml:brushProperty name="color" value="#FFFF00"/>
+      <inkml:brushProperty name="tip" value="rectangle"/>
+      <inkml:brushProperty name="rasterOp" value="maskPen"/>
+    </inkml:brush>
+  </inkml:definitions>
+  <inkml:trace contextRef="#ctx0" brushRef="#br0">13986 10967 306 0,'-19'0'3'0,"-45"0"8"16,86 37 24 15,104-18 65-31,187-38-28 31,168 0-11-15,169 114-33 0,166-39-8-1,148-56-5 1,-2-56-2 0,-123 56-1-1,-275 56 6 1,-165 19-4-1,-85 20-16 1,-85-58 3 0,-82 1 1-1,-83-38 3 1,-43 0 0 0,-21 0 6 15,0 0-11-16,0 0 34 1,0 0-33 0,0 0-3-1,0 0-5 1,0 0-3 0,0 0-13-1,-21 0-17 1,21 0-26-1,-22 0-100 1,1 0-85 0,21 0 51-1</inkml:trace>
+</inkml:ink>
+</file>
+
+<file path=ppt/ink/ink63.xml><?xml version="1.0" encoding="utf-8"?>
+<inkml:ink xmlns:inkml="http://www.w3.org/2003/InkML">
+  <inkml:definitions>
+    <inkml:context xml:id="ctx0">
+      <inkml:inkSource xml:id="inkSrc0">
+        <inkml:traceFormat>
+          <inkml:channel name="X" type="integer" max="65535" units="cm"/>
+          <inkml:channel name="Y" type="integer" max="65535" units="cm"/>
+          <inkml:channel name="F" type="integer" max="1024" units="dev"/>
+          <inkml:channel name="T" type="integer" max="2.14748E9" units="dev"/>
+        </inkml:traceFormat>
+        <inkml:channelProperties>
+          <inkml:channelProperty channel="X" name="resolution" value="936.21429" units="1/cm"/>
+          <inkml:channelProperty channel="Y" name="resolution" value="1680.38464" units="1/cm"/>
+          <inkml:channelProperty channel="F" name="resolution" value="0" units="1/dev"/>
+          <inkml:channelProperty channel="T" name="resolution" value="1" units="1/dev"/>
+        </inkml:channelProperties>
+      </inkml:inkSource>
+      <inkml:timestamp xml:id="ts0" timeString="2024-11-30T00:49:30.143"/>
+    </inkml:context>
+    <inkml:brush xml:id="br0">
+      <inkml:brushProperty name="width" value="0.08819" units="cm"/>
+      <inkml:brushProperty name="height" value="0.35278" units="cm"/>
+      <inkml:brushProperty name="color" value="#FFFF00"/>
+      <inkml:brushProperty name="tip" value="rectangle"/>
+      <inkml:brushProperty name="rasterOp" value="maskPen"/>
+    </inkml:brush>
+  </inkml:definitions>
+  <inkml:trace contextRef="#ctx0" brushRef="#br0">21190 10929 41 0,'0'0'0'0,"-42"38"84"16,-19 56 35-1,-87 18-39 1,-82 2-30 0,-189 37-27-1,-293-57 9 1,-105-37 23-1,-83-20-41 1,-64-37-8 0,65-245 10 15,124-227-7-15,271-75 8-1,358 76-3 1,377 0-35-1,375-38-17 1,295 37 31 0,168 152 9-1,-2 302 2 1,-83 244 8 0,-210 169-4-1,-250 96 18 1,-271 75-3-1,-234-77 12 1,-165-36-6 0,-127-113-6-1,1-76-11 17,21-75-8-17,84-77-5 1,83-55-7-1,64-57-38 1,40-38-44 0,64-56-103-1,-1-19-140 1</inkml:trace>
+</inkml:ink>
+</file>
+
+<file path=ppt/ink/ink64.xml><?xml version="1.0" encoding="utf-8"?>
+<inkml:ink xmlns:inkml="http://www.w3.org/2003/InkML">
+  <inkml:definitions>
+    <inkml:context xml:id="ctx0">
+      <inkml:inkSource xml:id="inkSrc0">
+        <inkml:traceFormat>
+          <inkml:channel name="X" type="integer" max="65535" units="cm"/>
+          <inkml:channel name="Y" type="integer" max="65535" units="cm"/>
+          <inkml:channel name="F" type="integer" max="1024" units="dev"/>
+          <inkml:channel name="T" type="integer" max="2.14748E9" units="dev"/>
+        </inkml:traceFormat>
+        <inkml:channelProperties>
+          <inkml:channelProperty channel="X" name="resolution" value="936.21429" units="1/cm"/>
+          <inkml:channelProperty channel="Y" name="resolution" value="1680.38464" units="1/cm"/>
+          <inkml:channelProperty channel="F" name="resolution" value="0" units="1/dev"/>
+          <inkml:channelProperty channel="T" name="resolution" value="1" units="1/dev"/>
+        </inkml:channelProperties>
+      </inkml:inkSource>
+      <inkml:timestamp xml:id="ts0" timeString="2024-11-30T00:49:31.048"/>
+    </inkml:context>
+    <inkml:brush xml:id="br0">
+      <inkml:brushProperty name="width" value="0.08819" units="cm"/>
+      <inkml:brushProperty name="height" value="0.35278" units="cm"/>
+      <inkml:brushProperty name="color" value="#FFFF00"/>
+      <inkml:brushProperty name="tip" value="rectangle"/>
+      <inkml:brushProperty name="rasterOp" value="maskPen"/>
+    </inkml:brush>
+  </inkml:definitions>
+  <inkml:trace contextRef="#ctx0" brushRef="#br0">13485 7044 203 0,'-43'-37'21'16,"86"18"-12"-1,249-94 80 1,317-19 37 0,269 0-43 15,211 94-55-15,62 38-11-1,64 38 0 1,-22 37-5-1,-228 57-13 1,-317 0 16 0,-270-75 3-1,-170 38-5 1,-82-58-7 0,-105-37 6-1,-21 0-12 1,-42 0 36-1,-20-37-38 1,62-2-29 15,0 39-37-31,-22 0-138 32,-62 0-131-17,64 0 280-15</inkml:trace>
+</inkml:ink>
+</file>
+
+<file path=ppt/ink/ink65.xml><?xml version="1.0" encoding="utf-8"?>
+<inkml:ink xmlns:inkml="http://www.w3.org/2003/InkML">
+  <inkml:definitions>
+    <inkml:context xml:id="ctx0">
+      <inkml:inkSource xml:id="inkSrc0">
+        <inkml:traceFormat>
+          <inkml:channel name="X" type="integer" max="65535" units="cm"/>
+          <inkml:channel name="Y" type="integer" max="65535" units="cm"/>
+          <inkml:channel name="F" type="integer" max="1024" units="dev"/>
+          <inkml:channel name="T" type="integer" max="2.14748E9" units="dev"/>
+        </inkml:traceFormat>
+        <inkml:channelProperties>
+          <inkml:channelProperty channel="X" name="resolution" value="936.21429" units="1/cm"/>
+          <inkml:channelProperty channel="Y" name="resolution" value="1680.38464" units="1/cm"/>
+          <inkml:channelProperty channel="F" name="resolution" value="0" units="1/dev"/>
+          <inkml:channelProperty channel="T" name="resolution" value="1" units="1/dev"/>
+        </inkml:channelProperties>
+      </inkml:inkSource>
+      <inkml:timestamp xml:id="ts0" timeString="2024-11-30T00:49:31.926"/>
+    </inkml:context>
+    <inkml:brush xml:id="br0">
+      <inkml:brushProperty name="width" value="0.08819" units="cm"/>
+      <inkml:brushProperty name="height" value="0.35278" units="cm"/>
+      <inkml:brushProperty name="color" value="#FFFF00"/>
+      <inkml:brushProperty name="tip" value="rectangle"/>
+      <inkml:brushProperty name="rasterOp" value="maskPen"/>
+    </inkml:brush>
+  </inkml:definitions>
+  <inkml:trace contextRef="#ctx0" brushRef="#br0">24184 5442 240 0,'-41'19'0'16,"-64"244"72"0,22 21 3-1,83-172-4 1,62-36-4-1,64-76-11 1,187-132-40 0,23-94-28-1,-22-57-47 1,273-170-194 0,-274 285-12-1</inkml:trace>
+</inkml:ink>
+</file>
+
+<file path=ppt/ink/ink66.xml><?xml version="1.0" encoding="utf-8"?>
+<inkml:ink xmlns:inkml="http://www.w3.org/2003/InkML">
+  <inkml:definitions>
+    <inkml:context xml:id="ctx0">
+      <inkml:inkSource xml:id="inkSrc0">
+        <inkml:traceFormat>
+          <inkml:channel name="X" type="integer" max="3840" units="cm"/>
+          <inkml:channel name="Y" type="integer" max="1080" units="cm"/>
+          <inkml:channel name="T" type="integer" max="2.14748E9" units="dev"/>
+        </inkml:traceFormat>
+        <inkml:channelProperties>
+          <inkml:channelProperty channel="X" name="resolution" value="54.85714" units="1/cm"/>
+          <inkml:channelProperty channel="Y" name="resolution" value="27.69231" units="1/cm"/>
+          <inkml:channelProperty channel="T" name="resolution" value="1" units="1/dev"/>
+        </inkml:channelProperties>
+      </inkml:inkSource>
+      <inkml:timestamp xml:id="ts0" timeString="2024-11-30T00:57:43.607"/>
+    </inkml:context>
+    <inkml:brush xml:id="br0">
+      <inkml:brushProperty name="width" value="0.06667" units="cm"/>
+      <inkml:brushProperty name="height" value="0.06667" units="cm"/>
+      <inkml:brushProperty name="fitToCurve" value="1"/>
+    </inkml:brush>
+  </inkml:definitions>
+  <inkml:traceGroup>
+    <inkml:annotationXML>
+      <emma:emma xmlns:emma="http://www.w3.org/2003/04/emma" version="1.0">
+        <emma:interpretation id="{FF3E928B-61B9-455E-AB0D-A59D8131BF37}" emma:medium="tactile" emma:mode="ink">
+          <msink:context xmlns:msink="http://schemas.microsoft.com/ink/2010/main" type="writingRegion" rotatedBoundingBox="5726,12010 7118,12010 7118,12929 5726,12929"/>
+        </emma:interpretation>
+      </emma:emma>
+    </inkml:annotationXML>
+    <inkml:traceGroup>
+      <inkml:annotationXML>
+        <emma:emma xmlns:emma="http://www.w3.org/2003/04/emma" version="1.0">
+          <emma:interpretation id="{055F2465-4469-4F06-8A0D-FA7F221FC940}" emma:medium="tactile" emma:mode="ink">
+            <msink:context xmlns:msink="http://schemas.microsoft.com/ink/2010/main" type="paragraph" rotatedBoundingBox="5726,12010 7118,12010 7118,12929 5726,12929" alignmentLevel="1"/>
+          </emma:interpretation>
+        </emma:emma>
+      </inkml:annotationXML>
+      <inkml:traceGroup>
+        <inkml:annotationXML>
+          <emma:emma xmlns:emma="http://www.w3.org/2003/04/emma" version="1.0">
+            <emma:interpretation id="{7FBDC3F0-AB33-49AD-82C0-909C64739A88}" emma:medium="tactile" emma:mode="ink">
+              <msink:context xmlns:msink="http://schemas.microsoft.com/ink/2010/main" type="line" rotatedBoundingBox="5726,12010 7118,12010 7118,12929 5726,12929"/>
+            </emma:interpretation>
+          </emma:emma>
+        </inkml:annotationXML>
+        <inkml:traceGroup>
+          <inkml:annotationXML>
+            <emma:emma xmlns:emma="http://www.w3.org/2003/04/emma" version="1.0">
+              <emma:interpretation id="{7A988220-9007-407F-9A56-4FCA704245E6}" emma:medium="tactile" emma:mode="ink">
+                <msink:context xmlns:msink="http://schemas.microsoft.com/ink/2010/main" type="inkWord" rotatedBoundingBox="5726,12010 5741,12010 5741,12025 5726,12025"/>
+              </emma:interpretation>
+              <emma:one-of disjunction-type="recognition" id="oneOf0">
+                <emma:interpretation id="interp0" emma:lang="ko-KR" emma:confidence="0">
+                  <emma:literal>'</emma:literal>
+                </emma:interpretation>
+                <emma:interpretation id="interp1" emma:lang="ko-KR" emma:confidence="0">
+                  <emma:literal>`</emma:literal>
+                </emma:interpretation>
+                <emma:interpretation id="interp2" emma:lang="ko-KR" emma:confidence="0">
+                  <emma:literal>‘</emma:literal>
+                </emma:interpretation>
+                <emma:interpretation id="interp3" emma:lang="ko-KR" emma:confidence="0">
+                  <emma:literal>′</emma:literal>
+                </emma:interpretation>
+                <emma:interpretation id="interp4" emma:lang="ko-KR" emma:confidence="0">
+                  <emma:literal>’</emma:literal>
+                </emma:interpretation>
+              </emma:one-of>
+            </emma:emma>
+          </inkml:annotationXML>
+          <inkml:trace contextRef="#ctx0" brushRef="#br0">0 0 0</inkml:trace>
+        </inkml:traceGroup>
+        <inkml:traceGroup>
+          <inkml:annotationXML>
+            <emma:emma xmlns:emma="http://www.w3.org/2003/04/emma" version="1.0">
+              <emma:interpretation id="{37D42444-02DD-472D-BB27-F71D7337C043}" emma:medium="tactile" emma:mode="ink">
+                <msink:context xmlns:msink="http://schemas.microsoft.com/ink/2010/main" type="inkWord" rotatedBoundingBox="7103,12914 7118,12914 7118,12929 7103,12929"/>
+              </emma:interpretation>
+              <emma:one-of disjunction-type="recognition" id="oneOf1">
+                <emma:interpretation id="interp5" emma:lang="ko-KR" emma:confidence="0">
+                  <emma:literal>.</emma:literal>
+                </emma:interpretation>
+                <emma:interpretation id="interp6" emma:lang="ko-KR" emma:confidence="0">
+                  <emma:literal>,</emma:literal>
+                </emma:interpretation>
+                <emma:interpretation id="interp7" emma:lang="ko-KR" emma:confidence="0">
+                  <emma:literal>`</emma:literal>
+                </emma:interpretation>
+                <emma:interpretation id="interp8" emma:lang="ko-KR" emma:confidence="0">
+                  <emma:literal>‘</emma:literal>
+                </emma:interpretation>
+                <emma:interpretation id="interp9" emma:lang="ko-KR" emma:confidence="0">
+                  <emma:literal>'</emma:literal>
+                </emma:interpretation>
+              </emma:one-of>
+            </emma:emma>
+          </inkml:annotationXML>
+          <inkml:trace contextRef="#ctx0" brushRef="#br0" timeOffset="8199.4713">1377 904 0</inkml:trace>
+        </inkml:traceGroup>
+      </inkml:traceGroup>
+    </inkml:traceGroup>
+  </inkml:traceGroup>
+</inkml:ink>
+</file>
+
+<file path=ppt/ink/ink67.xml><?xml version="1.0" encoding="utf-8"?>
+<inkml:ink xmlns:inkml="http://www.w3.org/2003/InkML">
+  <inkml:definitions>
+    <inkml:context xml:id="ctx0">
+      <inkml:inkSource xml:id="inkSrc0">
+        <inkml:traceFormat>
+          <inkml:channel name="X" type="integer" max="65535" units="cm"/>
+          <inkml:channel name="Y" type="integer" max="65535" units="cm"/>
+          <inkml:channel name="F" type="integer" max="1024" units="dev"/>
+          <inkml:channel name="T" type="integer" max="2.14748E9" units="dev"/>
+        </inkml:traceFormat>
+        <inkml:channelProperties>
+          <inkml:channelProperty channel="X" name="resolution" value="936.21429" units="1/cm"/>
+          <inkml:channelProperty channel="Y" name="resolution" value="1680.38464" units="1/cm"/>
+          <inkml:channelProperty channel="F" name="resolution" value="0" units="1/dev"/>
+          <inkml:channelProperty channel="T" name="resolution" value="1" units="1/dev"/>
+        </inkml:channelProperties>
+      </inkml:inkSource>
+      <inkml:timestamp xml:id="ts0" timeString="2024-11-30T00:53:41.685"/>
+    </inkml:context>
+    <inkml:brush xml:id="br0">
+      <inkml:brushProperty name="width" value="0.08819" units="cm"/>
+      <inkml:brushProperty name="height" value="0.35278" units="cm"/>
+      <inkml:brushProperty name="color" value="#FFFF00"/>
+      <inkml:brushProperty name="tip" value="rectangle"/>
+      <inkml:brushProperty name="rasterOp" value="maskPen"/>
+    </inkml:brush>
+  </inkml:definitions>
+  <inkml:trace contextRef="#ctx0" brushRef="#br0">11454 5687 169 0,'-21'-19'-13'0,"-126"0"125"16,42 189-94-1,63 94-7 1,84 0-10 0,42-132 1-1,0-38 3 1,0-75 10 0,-22-19 30 15,43-37-4-16,104-96-20 1,0-18-20 0,107-37-4-1,-107 75-11 1,20-19-78 0,-62 38-119-1,-104 56 113 1</inkml:trace>
+</inkml:ink>
+</file>
+
+<file path=ppt/ink/ink68.xml><?xml version="1.0" encoding="utf-8"?>
+<inkml:ink xmlns:inkml="http://www.w3.org/2003/InkML">
+  <inkml:definitions>
+    <inkml:context xml:id="ctx0">
+      <inkml:inkSource xml:id="inkSrc0">
+        <inkml:traceFormat>
+          <inkml:channel name="X" type="integer" max="65535" units="cm"/>
+          <inkml:channel name="Y" type="integer" max="65535" units="cm"/>
+          <inkml:channel name="F" type="integer" max="1024" units="dev"/>
+          <inkml:channel name="T" type="integer" max="2.14748E9" units="dev"/>
+        </inkml:traceFormat>
+        <inkml:channelProperties>
+          <inkml:channelProperty channel="X" name="resolution" value="936.21429" units="1/cm"/>
+          <inkml:channelProperty channel="Y" name="resolution" value="1680.38464" units="1/cm"/>
+          <inkml:channelProperty channel="F" name="resolution" value="0" units="1/dev"/>
+          <inkml:channelProperty channel="T" name="resolution" value="1" units="1/dev"/>
+        </inkml:channelProperties>
+      </inkml:inkSource>
+      <inkml:timestamp xml:id="ts0" timeString="2024-11-30T00:53:53.944"/>
+    </inkml:context>
+    <inkml:brush xml:id="br0">
+      <inkml:brushProperty name="width" value="0.08819" units="cm"/>
+      <inkml:brushProperty name="height" value="0.35278" units="cm"/>
+      <inkml:brushProperty name="color" value="#FFFF00"/>
+      <inkml:brushProperty name="tip" value="rectangle"/>
+      <inkml:brushProperty name="rasterOp" value="maskPen"/>
+    </inkml:brush>
+  </inkml:definitions>
+  <inkml:trace contextRef="#ctx0" brushRef="#br0">23556 6347 138 0,'-62'0'25'15,"-64"188"6"1,84 77-18 0,106-58-7-1,18-75 23 1,2-94 11 0,-20-19 7-1,-2-38 5 1,21 0-21-1,1-19-11 1,42-38-12 0,21 1 3-1,-1 19-3 1,-82-1 2 15,-64 57 13-15,0 0-23-1,0 0 0 1,0 0 0 0,0 0 0-1,0 0 0 1,0 0 0 0,0 0 0-1,0 0 0 1,0 0 0-1,0 0 0 1,0 0 144 0,0 0-144-1,0 0 0 17,0 0 0-17,0 0 0 1,0 0 0-1,0 0 0 1,0 0 0 0,0 0 0-1,0 0 0 1,0 0 0 0,0 0 0-1,0 0 0 1,0 0 0-1,0 0 0 1,0 0 0 0,0 0 0-1,0 0 0 1,0 0 0 15,0 0 0-15,0 0 0-1,0 0 0 1,0 0 0 0,0 0 0-1,0 0 0 1,0 0 0 0,0 0 0-1,0 0 0 1,0 0 0-1,0 0 0 1,0 0 0 0,0 0 0-1,0 0 0 1,0 0 0 15,0 0 0-15,0 0 0-1,0 0 0 1,0 0 0 0,0 0 0-1,0 0 0 1,0 0 0 0,0 0 0-1,0 0 0 1,0 0 0-1,0 0 0 1,0 0 0 0,0 0 105-1,0 0-105 17,0 0 0-17,0 0 0 1,0-18 15-1,0 18-15 1,0 0 0 0,0 0 0-1,0 0 0 1,0 0 7 0,0 0-7-1,0 0 4 1,0 0-4-1,0 0 0 17,0 0 0-32,0 0 8 31,0 0-8-15,0 0 0-1,0 0 6 1,0-20 0-1,0 20-6 1,0 0 0 0,0 0 0-1,-21 0-2 1,21 0 2 0,0 0 0-1,0 0 0 1,0 0 0-1,0 0 0 1,0 0 0 0,0 0 0 15,0 0 0-15,0 0 0-1,0 0 0 1,0 0 0-1,0 0 0 1,0 0 0 0,0 0 0-1,0 0 0 1,0 0 0 0,0 0 0-1,0 0 0 1,0 0-3-1,0 0-1 1,0-18-2 15,-22 18 5-15,22 0 0 0,0 0 1-1,0 0 0 1,0 0-6-1,0 0 6 1,0 0 0 0,0 0 0-1,0 0 0 1,0 0 0 0,0 0 0-1,0 0 0 1,0 0 0-1,0 0 0 1,0 0 0 15,0 0 0-15,0 0 0 0,0 0 0-1,0 0 0 1,0 0 0-1,0 0 0 1,0 0 0 0,0 0 0-1,0 0 0 1,0 0 0 0,0 0 0-1,0 0 0 1,0 0 0-1,0 0 0 1,0 0 0 15,0 0 0-15,0 0 0 0,0 0 0-1,0 0 0 1,0 0 0-1,0 0 0 1,0 0 0 0,0 0 0-1,0 0 0 1,0 0 0 0,0 0 0-1,0 0 0 1,0 0 0-1,0 0 0 1,0 0 0 15,0 0 0-15,0 0 0 0,0 0 21-1,0 0-21 1,0 0 0-1,0 0 0 1,0 0-18 0,0 0 18-1,0 0 0 1,0 0 0 0,0 0-450-1,22 0 135 1</inkml:trace>
+</inkml:ink>
+</file>
+
+<file path=ppt/ink/ink69.xml><?xml version="1.0" encoding="utf-8"?>
+<inkml:ink xmlns:inkml="http://www.w3.org/2003/InkML">
+  <inkml:definitions>
+    <inkml:context xml:id="ctx0">
+      <inkml:inkSource xml:id="inkSrc0">
+        <inkml:traceFormat>
+          <inkml:channel name="X" type="integer" max="65535" units="cm"/>
+          <inkml:channel name="Y" type="integer" max="65535" units="cm"/>
+          <inkml:channel name="F" type="integer" max="1024" units="dev"/>
+          <inkml:channel name="T" type="integer" max="2.14748E9" units="dev"/>
+        </inkml:traceFormat>
+        <inkml:channelProperties>
+          <inkml:channelProperty channel="X" name="resolution" value="936.21429" units="1/cm"/>
+          <inkml:channelProperty channel="Y" name="resolution" value="1680.38464" units="1/cm"/>
+          <inkml:channelProperty channel="F" name="resolution" value="0" units="1/dev"/>
+          <inkml:channelProperty channel="T" name="resolution" value="1" units="1/dev"/>
+        </inkml:channelProperties>
+      </inkml:inkSource>
+      <inkml:timestamp xml:id="ts0" timeString="2024-11-30T00:53:55.986"/>
+    </inkml:context>
+    <inkml:brush xml:id="br0">
+      <inkml:brushProperty name="width" value="0.08819" units="cm"/>
+      <inkml:brushProperty name="height" value="0.35278" units="cm"/>
+      <inkml:brushProperty name="color" value="#FFFF00"/>
+      <inkml:brushProperty name="tip" value="rectangle"/>
+      <inkml:brushProperty name="rasterOp" value="maskPen"/>
+    </inkml:brush>
+  </inkml:definitions>
+  <inkml:trace contextRef="#ctx0" brushRef="#br0">23892 7686 224 0,'-43'0'-5'0,"-165"170"39"16,123 56-13-1,170-132-23 1,39-37 10 0,-18-57 15-1,-65 0-8 1,43-38-7 0,20-56-17 15,85-58-50-16,63-36-58 1,-63 56 7 0,-149 132 79-16</inkml:trace>
+</inkml:ink>
+</file>
+
+<file path=ppt/ink/ink7.xml><?xml version="1.0" encoding="utf-8"?>
+<inkml:ink xmlns:inkml="http://www.w3.org/2003/InkML">
+  <inkml:definitions>
+    <inkml:context xml:id="ctx0">
+      <inkml:inkSource xml:id="inkSrc0">
+        <inkml:traceFormat>
+          <inkml:channel name="X" type="integer" max="65535" units="cm"/>
+          <inkml:channel name="Y" type="integer" max="65535" units="cm"/>
+          <inkml:channel name="F" type="integer" max="1024" units="dev"/>
+          <inkml:channel name="T" type="integer" max="2.14748E9" units="dev"/>
+        </inkml:traceFormat>
+        <inkml:channelProperties>
+          <inkml:channelProperty channel="X" name="resolution" value="936.21429" units="1/cm"/>
+          <inkml:channelProperty channel="Y" name="resolution" value="1680.38464" units="1/cm"/>
+          <inkml:channelProperty channel="F" name="resolution" value="0" units="1/dev"/>
+          <inkml:channelProperty channel="T" name="resolution" value="1" units="1/dev"/>
+        </inkml:channelProperties>
+      </inkml:inkSource>
+      <inkml:timestamp xml:id="ts0" timeString="2024-11-30T00:49:39.463"/>
+    </inkml:context>
+    <inkml:brush xml:id="br0">
+      <inkml:brushProperty name="width" value="0.08819" units="cm"/>
+      <inkml:brushProperty name="height" value="0.35278" units="cm"/>
+      <inkml:brushProperty name="color" value="#FFFF00"/>
+      <inkml:brushProperty name="tip" value="rectangle"/>
+      <inkml:brushProperty name="rasterOp" value="maskPen"/>
+    </inkml:brush>
+  </inkml:definitions>
+  <inkml:trace contextRef="#ctx0" brushRef="#br0">27054 3576 468 0,'-22'0'52'0,"-61"19"31"16,40 18-55 0,24 20-34-1,19-20-92 1,0 57-411-1</inkml:trace>
+</inkml:ink>
+</file>
+
+<file path=ppt/ink/ink70.xml><?xml version="1.0" encoding="utf-8"?>
+<inkml:ink xmlns:inkml="http://www.w3.org/2003/InkML">
+  <inkml:definitions>
+    <inkml:context xml:id="ctx0">
+      <inkml:inkSource xml:id="inkSrc0">
+        <inkml:traceFormat>
+          <inkml:channel name="X" type="integer" max="65535" units="cm"/>
+          <inkml:channel name="Y" type="integer" max="65535" units="cm"/>
+          <inkml:channel name="F" type="integer" max="1024" units="dev"/>
+          <inkml:channel name="T" type="integer" max="2.14748E9" units="dev"/>
+        </inkml:traceFormat>
+        <inkml:channelProperties>
+          <inkml:channelProperty channel="X" name="resolution" value="936.21429" units="1/cm"/>
+          <inkml:channelProperty channel="Y" name="resolution" value="1680.38464" units="1/cm"/>
+          <inkml:channelProperty channel="F" name="resolution" value="0" units="1/dev"/>
+          <inkml:channelProperty channel="T" name="resolution" value="1" units="1/dev"/>
+        </inkml:channelProperties>
+      </inkml:inkSource>
+      <inkml:timestamp xml:id="ts0" timeString="2024-11-30T00:53:58.311"/>
+    </inkml:context>
+    <inkml:brush xml:id="br0">
+      <inkml:brushProperty name="width" value="0.08819" units="cm"/>
+      <inkml:brushProperty name="height" value="0.35278" units="cm"/>
+      <inkml:brushProperty name="color" value="#FFFF00"/>
+      <inkml:brushProperty name="tip" value="rectangle"/>
+      <inkml:brushProperty name="rasterOp" value="maskPen"/>
+    </inkml:brush>
+  </inkml:definitions>
+  <inkml:trace contextRef="#ctx0" brushRef="#br0">26217 10306 375 0,'-127'-75'93'16,"-61"75"-16"-1,146-19-141 1,126 38-89 0,20 18-84-1,-83 1 149 1</inkml:trace>
+</inkml:ink>
+</file>
+
+<file path=ppt/ink/ink71.xml><?xml version="1.0" encoding="utf-8"?>
+<inkml:ink xmlns:inkml="http://www.w3.org/2003/InkML">
+  <inkml:definitions>
+    <inkml:context xml:id="ctx0">
+      <inkml:inkSource xml:id="inkSrc0">
+        <inkml:traceFormat>
+          <inkml:channel name="X" type="integer" max="65535" units="cm"/>
+          <inkml:channel name="Y" type="integer" max="65535" units="cm"/>
+          <inkml:channel name="F" type="integer" max="1024" units="dev"/>
+          <inkml:channel name="T" type="integer" max="2.14748E9" units="dev"/>
+        </inkml:traceFormat>
+        <inkml:channelProperties>
+          <inkml:channelProperty channel="X" name="resolution" value="936.21429" units="1/cm"/>
+          <inkml:channelProperty channel="Y" name="resolution" value="1680.38464" units="1/cm"/>
+          <inkml:channelProperty channel="F" name="resolution" value="0" units="1/dev"/>
+          <inkml:channelProperty channel="T" name="resolution" value="1" units="1/dev"/>
+        </inkml:channelProperties>
+      </inkml:inkSource>
+      <inkml:timestamp xml:id="ts0" timeString="2024-11-30T00:54:00.731"/>
+    </inkml:context>
+    <inkml:brush xml:id="br0">
+      <inkml:brushProperty name="width" value="0.08819" units="cm"/>
+      <inkml:brushProperty name="height" value="0.35278" units="cm"/>
+      <inkml:brushProperty name="color" value="#FFFF00"/>
+      <inkml:brushProperty name="tip" value="rectangle"/>
+      <inkml:brushProperty name="rasterOp" value="maskPen"/>
+    </inkml:brush>
+  </inkml:definitions>
+  <inkml:trace contextRef="#ctx0" brushRef="#br0">5987 13398 98 0,'22'-38'9'15,"166"1"13"1,189-20 24 0,335 1-13-1,-105 18-7 16,295 95 11-15,-3 37 4 0,107-57-13-1,103-55-7 1,-187-58-10 0,417 20-2-1,-186 56-6 1,-211 37-2-1,356-18 16 1,-125-113 2 0,-1-95-9-1,-20 19 7 1,-126 114-5 0,-273 18-2 15,149 38 12-16,-275 0-13 1,-82-36 6 0,-169 36-8-1,-103 0-5 1,-126 0-6 0,-106 0-3-1,-41 0 7 1,-41 0-110-1,-23-20-202 1,44 1 228 0</inkml:trace>
+</inkml:ink>
+</file>
+
+<file path=ppt/ink/ink72.xml><?xml version="1.0" encoding="utf-8"?>
+<inkml:ink xmlns:inkml="http://www.w3.org/2003/InkML">
+  <inkml:definitions>
+    <inkml:context xml:id="ctx0">
+      <inkml:inkSource xml:id="inkSrc0">
+        <inkml:traceFormat>
+          <inkml:channel name="X" type="integer" max="65535" units="cm"/>
+          <inkml:channel name="Y" type="integer" max="65535" units="cm"/>
+          <inkml:channel name="F" type="integer" max="1024" units="dev"/>
+          <inkml:channel name="T" type="integer" max="2.14748E9" units="dev"/>
+        </inkml:traceFormat>
+        <inkml:channelProperties>
+          <inkml:channelProperty channel="X" name="resolution" value="936.21429" units="1/cm"/>
+          <inkml:channelProperty channel="Y" name="resolution" value="1680.38464" units="1/cm"/>
+          <inkml:channelProperty channel="F" name="resolution" value="0" units="1/dev"/>
+          <inkml:channelProperty channel="T" name="resolution" value="1" units="1/dev"/>
+        </inkml:channelProperties>
+      </inkml:inkSource>
+      <inkml:timestamp xml:id="ts0" timeString="2024-11-30T00:54:01.184"/>
+    </inkml:context>
+    <inkml:brush xml:id="br0">
+      <inkml:brushProperty name="width" value="0.08819" units="cm"/>
+      <inkml:brushProperty name="height" value="0.35278" units="cm"/>
+      <inkml:brushProperty name="color" value="#FFFF00"/>
+      <inkml:brushProperty name="tip" value="rectangle"/>
+      <inkml:brushProperty name="rasterOp" value="maskPen"/>
+    </inkml:brush>
+  </inkml:definitions>
+  <inkml:trace contextRef="#ctx0" brushRef="#br0">25797 10985 320 0,'0'0'0'0,"-147"-37"80"15,1 244-57 1,104 132-26-1,105-75 1 1,21-114 9 0,-43-91 15-1,2-23 6 1,41-36 19 0,83-113-25 15,42-19-20-16,1 0-8 1,-64 20-24 0,-63 54-37-1,-61 58-47 1,-1 0-32 0,-1 20 7-1,1-2 95 1</inkml:trace>
+</inkml:ink>
+</file>
+
+<file path=ppt/ink/ink8.xml><?xml version="1.0" encoding="utf-8"?>
+<inkml:ink xmlns:inkml="http://www.w3.org/2003/InkML">
+  <inkml:definitions>
+    <inkml:context xml:id="ctx0">
+      <inkml:inkSource xml:id="inkSrc0">
+        <inkml:traceFormat>
+          <inkml:channel name="X" type="integer" max="65535" units="cm"/>
+          <inkml:channel name="Y" type="integer" max="65535" units="cm"/>
+          <inkml:channel name="F" type="integer" max="1024" units="dev"/>
+          <inkml:channel name="T" type="integer" max="2.14748E9" units="dev"/>
+        </inkml:traceFormat>
+        <inkml:channelProperties>
+          <inkml:channelProperty channel="X" name="resolution" value="936.21429" units="1/cm"/>
+          <inkml:channelProperty channel="Y" name="resolution" value="1680.38464" units="1/cm"/>
+          <inkml:channelProperty channel="F" name="resolution" value="0" units="1/dev"/>
+          <inkml:channelProperty channel="T" name="resolution" value="1" units="1/dev"/>
+        </inkml:channelProperties>
+      </inkml:inkSource>
+      <inkml:timestamp xml:id="ts0" timeString="2024-11-30T00:49:41.272"/>
+    </inkml:context>
+    <inkml:brush xml:id="br0">
+      <inkml:brushProperty name="width" value="0.08819" units="cm"/>
+      <inkml:brushProperty name="height" value="0.35278" units="cm"/>
+      <inkml:brushProperty name="color" value="#FFFF00"/>
+      <inkml:brushProperty name="tip" value="rectangle"/>
+      <inkml:brushProperty name="rasterOp" value="maskPen"/>
+    </inkml:brush>
+  </inkml:definitions>
+  <inkml:trace contextRef="#ctx0" brushRef="#br0">6239 10212 117 0,'0'0'17'0,"-20"-19"41"15,20 19-58 17,63 0 90-17,125 0-5 1,106 0-21-1,82 0-35 1,126-37-16 0,85-77-3-1,-21 20 8 1,-23 37 10 0,23 57 7-1,82 76-23 1,107-76-9-1,145-38 8 17,84-18 7-17,21 74 3 1,-83 58-7 0,-20-1-7-1,18-75 5 1,-105 0-4-1,-123 0 0 1,-231 0-5 0,-231 0-2-1,-147 38-2 1,-83-38 3 0,0 0 21-1,-19 0-19 1,-45-18-19-1,2-2-40 17,40 20-100-17,22 0-157 1,43 0 146-16</inkml:trace>
+</inkml:ink>
+</file>
+
+<file path=ppt/ink/ink9.xml><?xml version="1.0" encoding="utf-8"?>
+<inkml:ink xmlns:inkml="http://www.w3.org/2003/InkML">
+  <inkml:definitions>
+    <inkml:context xml:id="ctx0">
+      <inkml:inkSource xml:id="inkSrc0">
+        <inkml:traceFormat>
+          <inkml:channel name="X" type="integer" max="65535" units="cm"/>
+          <inkml:channel name="Y" type="integer" max="65535" units="cm"/>
+          <inkml:channel name="F" type="integer" max="1024" units="dev"/>
+          <inkml:channel name="T" type="integer" max="2.14748E9" units="dev"/>
+        </inkml:traceFormat>
+        <inkml:channelProperties>
+          <inkml:channelProperty channel="X" name="resolution" value="936.21429" units="1/cm"/>
+          <inkml:channelProperty channel="Y" name="resolution" value="1680.38464" units="1/cm"/>
+          <inkml:channelProperty channel="F" name="resolution" value="0" units="1/dev"/>
+          <inkml:channelProperty channel="T" name="resolution" value="1" units="1/dev"/>
+        </inkml:channelProperties>
+      </inkml:inkSource>
+      <inkml:timestamp xml:id="ts0" timeString="2024-11-30T00:49:43.089"/>
+    </inkml:context>
+    <inkml:brush xml:id="br0">
+      <inkml:brushProperty name="width" value="0.08819" units="cm"/>
+      <inkml:brushProperty name="height" value="0.35278" units="cm"/>
+      <inkml:brushProperty name="color" value="#FFFF00"/>
+      <inkml:brushProperty name="tip" value="rectangle"/>
+      <inkml:brushProperty name="rasterOp" value="maskPen"/>
+    </inkml:brush>
+  </inkml:definitions>
+  <inkml:trace contextRef="#ctx0" brushRef="#br0">20458 10457 117 0,'-21'-19'22'16,"-22"1"12"-1,86 18-1 1,229 18 78 0,252-94 18-1,291 20-68 1,150 18-39 0,60 38-3-1,22-18 12 16,-20-57 17-15,-190-20-28 0,-272 57 3-1,-271 38-24 1,-232 0-9 0,-103-18-61-1,-148-1-104 1,21 56-226-1</inkml:trace>
+</inkml:ink>
+</file>
+
 <file path=ppt/notesMasters/notesMaster1.xml><?xml version="1.0" encoding="utf-8"?>
 <p:notesMaster xmlns:a="http://schemas.openxmlformats.org/drawingml/2006/main" xmlns:r="http://schemas.openxmlformats.org/officeDocument/2006/relationships" xmlns:p="http://schemas.openxmlformats.org/presentationml/2006/main">
   <p:cSld>
@@ -229,7 +2605,7 @@
           <a:p>
             <a:fld id="{289F927B-D436-4FC1-B81A-67BDF5029F0D}" type="datetimeFigureOut">
               <a:rPr lang="ko-KR" altLang="en-US" smtClean="0"/>
-              <a:t>2024-11-28</a:t>
+              <a:t>2024-11-30</a:t>
             </a:fld>
             <a:endParaRPr lang="ko-KR" altLang="en-US"/>
           </a:p>
@@ -571,7 +2947,7 @@
     </p:spTree>
     <p:extLst>
       <p:ext uri="{BB962C8B-B14F-4D97-AF65-F5344CB8AC3E}">
-        <p14:creationId xmlns:p14="http://schemas.microsoft.com/office/powerpoint/2010/main" val="1591631559"/>
+        <p14:creationId xmlns:p14="http://schemas.microsoft.com/office/powerpoint/2010/main" val="1462800161"/>
       </p:ext>
     </p:extLst>
   </p:cSld>
@@ -646,7 +3022,7 @@
           <a:p>
             <a:fld id="{81C63009-2860-489F-9F1F-D0242D90D8F7}" type="slidenum">
               <a:rPr lang="ko-KR" altLang="en-US" smtClean="0"/>
-              <a:t>4</a:t>
+              <a:t>3</a:t>
             </a:fld>
             <a:endParaRPr lang="ko-KR" altLang="en-US"/>
           </a:p>
@@ -655,7 +3031,7 @@
     </p:spTree>
     <p:extLst>
       <p:ext uri="{BB962C8B-B14F-4D97-AF65-F5344CB8AC3E}">
-        <p14:creationId xmlns:p14="http://schemas.microsoft.com/office/powerpoint/2010/main" val="1461569221"/>
+        <p14:creationId xmlns:p14="http://schemas.microsoft.com/office/powerpoint/2010/main" val="1591631559"/>
       </p:ext>
     </p:extLst>
   </p:cSld>
@@ -739,7 +3115,7 @@
     </p:spTree>
     <p:extLst>
       <p:ext uri="{BB962C8B-B14F-4D97-AF65-F5344CB8AC3E}">
-        <p14:creationId xmlns:p14="http://schemas.microsoft.com/office/powerpoint/2010/main" val="2513106770"/>
+        <p14:creationId xmlns:p14="http://schemas.microsoft.com/office/powerpoint/2010/main" val="1461569221"/>
       </p:ext>
     </p:extLst>
   </p:cSld>
@@ -814,7 +3190,175 @@
           <a:p>
             <a:fld id="{81C63009-2860-489F-9F1F-D0242D90D8F7}" type="slidenum">
               <a:rPr lang="ko-KR" altLang="en-US" smtClean="0"/>
-              <a:t>12</a:t>
+              <a:t>6</a:t>
+            </a:fld>
+            <a:endParaRPr lang="ko-KR" altLang="en-US"/>
+          </a:p>
+        </p:txBody>
+      </p:sp>
+    </p:spTree>
+    <p:extLst>
+      <p:ext uri="{BB962C8B-B14F-4D97-AF65-F5344CB8AC3E}">
+        <p14:creationId xmlns:p14="http://schemas.microsoft.com/office/powerpoint/2010/main" val="2513106770"/>
+      </p:ext>
+    </p:extLst>
+  </p:cSld>
+  <p:clrMapOvr>
+    <a:masterClrMapping/>
+  </p:clrMapOvr>
+</p:notes>
+</file>
+
+<file path=ppt/notesSlides/notesSlide5.xml><?xml version="1.0" encoding="utf-8"?>
+<p:notes xmlns:a="http://schemas.openxmlformats.org/drawingml/2006/main" xmlns:r="http://schemas.openxmlformats.org/officeDocument/2006/relationships" xmlns:p="http://schemas.openxmlformats.org/presentationml/2006/main">
+  <p:cSld>
+    <p:spTree>
+      <p:nvGrpSpPr>
+        <p:cNvPr id="1" name=""/>
+        <p:cNvGrpSpPr/>
+        <p:nvPr/>
+      </p:nvGrpSpPr>
+      <p:grpSpPr>
+        <a:xfrm>
+          <a:off x="0" y="0"/>
+          <a:ext cx="0" cy="0"/>
+          <a:chOff x="0" y="0"/>
+          <a:chExt cx="0" cy="0"/>
+        </a:xfrm>
+      </p:grpSpPr>
+      <p:sp>
+        <p:nvSpPr>
+          <p:cNvPr id="2" name="Slide Image Placeholder 1"/>
+          <p:cNvSpPr>
+            <a:spLocks noGrp="1" noRot="1" noChangeAspect="1"/>
+          </p:cNvSpPr>
+          <p:nvPr>
+            <p:ph type="sldImg"/>
+          </p:nvPr>
+        </p:nvSpPr>
+        <p:spPr/>
+      </p:sp>
+      <p:sp>
+        <p:nvSpPr>
+          <p:cNvPr id="3" name="Notes Placeholder 2"/>
+          <p:cNvSpPr>
+            <a:spLocks noGrp="1"/>
+          </p:cNvSpPr>
+          <p:nvPr>
+            <p:ph type="body" idx="1"/>
+          </p:nvPr>
+        </p:nvSpPr>
+        <p:spPr/>
+        <p:txBody>
+          <a:bodyPr/>
+          <a:lstStyle/>
+          <a:p>
+            <a:endParaRPr lang="ko-KR" altLang="en-US" dirty="0"/>
+          </a:p>
+        </p:txBody>
+      </p:sp>
+      <p:sp>
+        <p:nvSpPr>
+          <p:cNvPr id="4" name="Slide Number Placeholder 3"/>
+          <p:cNvSpPr>
+            <a:spLocks noGrp="1"/>
+          </p:cNvSpPr>
+          <p:nvPr>
+            <p:ph type="sldNum" sz="quarter" idx="10"/>
+          </p:nvPr>
+        </p:nvSpPr>
+        <p:spPr/>
+        <p:txBody>
+          <a:bodyPr/>
+          <a:lstStyle/>
+          <a:p>
+            <a:fld id="{81C63009-2860-489F-9F1F-D0242D90D8F7}" type="slidenum">
+              <a:rPr lang="ko-KR" altLang="en-US" smtClean="0"/>
+              <a:t>9</a:t>
+            </a:fld>
+            <a:endParaRPr lang="ko-KR" altLang="en-US"/>
+          </a:p>
+        </p:txBody>
+      </p:sp>
+    </p:spTree>
+    <p:extLst>
+      <p:ext uri="{BB962C8B-B14F-4D97-AF65-F5344CB8AC3E}">
+        <p14:creationId xmlns:p14="http://schemas.microsoft.com/office/powerpoint/2010/main" val="425534770"/>
+      </p:ext>
+    </p:extLst>
+  </p:cSld>
+  <p:clrMapOvr>
+    <a:masterClrMapping/>
+  </p:clrMapOvr>
+</p:notes>
+</file>
+
+<file path=ppt/notesSlides/notesSlide6.xml><?xml version="1.0" encoding="utf-8"?>
+<p:notes xmlns:a="http://schemas.openxmlformats.org/drawingml/2006/main" xmlns:r="http://schemas.openxmlformats.org/officeDocument/2006/relationships" xmlns:p="http://schemas.openxmlformats.org/presentationml/2006/main">
+  <p:cSld>
+    <p:spTree>
+      <p:nvGrpSpPr>
+        <p:cNvPr id="1" name=""/>
+        <p:cNvGrpSpPr/>
+        <p:nvPr/>
+      </p:nvGrpSpPr>
+      <p:grpSpPr>
+        <a:xfrm>
+          <a:off x="0" y="0"/>
+          <a:ext cx="0" cy="0"/>
+          <a:chOff x="0" y="0"/>
+          <a:chExt cx="0" cy="0"/>
+        </a:xfrm>
+      </p:grpSpPr>
+      <p:sp>
+        <p:nvSpPr>
+          <p:cNvPr id="2" name="Slide Image Placeholder 1"/>
+          <p:cNvSpPr>
+            <a:spLocks noGrp="1" noRot="1" noChangeAspect="1"/>
+          </p:cNvSpPr>
+          <p:nvPr>
+            <p:ph type="sldImg"/>
+          </p:nvPr>
+        </p:nvSpPr>
+        <p:spPr/>
+      </p:sp>
+      <p:sp>
+        <p:nvSpPr>
+          <p:cNvPr id="3" name="Notes Placeholder 2"/>
+          <p:cNvSpPr>
+            <a:spLocks noGrp="1"/>
+          </p:cNvSpPr>
+          <p:nvPr>
+            <p:ph type="body" idx="1"/>
+          </p:nvPr>
+        </p:nvSpPr>
+        <p:spPr/>
+        <p:txBody>
+          <a:bodyPr/>
+          <a:lstStyle/>
+          <a:p>
+            <a:endParaRPr lang="ko-KR" altLang="en-US" dirty="0"/>
+          </a:p>
+        </p:txBody>
+      </p:sp>
+      <p:sp>
+        <p:nvSpPr>
+          <p:cNvPr id="4" name="Slide Number Placeholder 3"/>
+          <p:cNvSpPr>
+            <a:spLocks noGrp="1"/>
+          </p:cNvSpPr>
+          <p:nvPr>
+            <p:ph type="sldNum" sz="quarter" idx="10"/>
+          </p:nvPr>
+        </p:nvSpPr>
+        <p:spPr/>
+        <p:txBody>
+          <a:bodyPr/>
+          <a:lstStyle/>
+          <a:p>
+            <a:fld id="{81C63009-2860-489F-9F1F-D0242D90D8F7}" type="slidenum">
+              <a:rPr lang="ko-KR" altLang="en-US" smtClean="0"/>
+              <a:t>14</a:t>
             </a:fld>
             <a:endParaRPr lang="ko-KR" altLang="en-US"/>
           </a:p>
@@ -964,7 +3508,7 @@
           <a:p>
             <a:fld id="{13035935-73D9-4FD2-A983-329B58F0F719}" type="datetimeFigureOut">
               <a:rPr lang="ko-KR" altLang="en-US" smtClean="0"/>
-              <a:t>2024-11-28</a:t>
+              <a:t>2024-11-30</a:t>
             </a:fld>
             <a:endParaRPr lang="ko-KR" altLang="en-US"/>
           </a:p>
@@ -1134,7 +3678,7 @@
           <a:p>
             <a:fld id="{13035935-73D9-4FD2-A983-329B58F0F719}" type="datetimeFigureOut">
               <a:rPr lang="ko-KR" altLang="en-US" smtClean="0"/>
-              <a:t>2024-11-28</a:t>
+              <a:t>2024-11-30</a:t>
             </a:fld>
             <a:endParaRPr lang="ko-KR" altLang="en-US"/>
           </a:p>
@@ -1314,7 +3858,7 @@
           <a:p>
             <a:fld id="{13035935-73D9-4FD2-A983-329B58F0F719}" type="datetimeFigureOut">
               <a:rPr lang="ko-KR" altLang="en-US" smtClean="0"/>
-              <a:t>2024-11-28</a:t>
+              <a:t>2024-11-30</a:t>
             </a:fld>
             <a:endParaRPr lang="ko-KR" altLang="en-US"/>
           </a:p>
@@ -1609,7 +4153,7 @@
           <a:p>
             <a:fld id="{13035935-73D9-4FD2-A983-329B58F0F719}" type="datetimeFigureOut">
               <a:rPr lang="ko-KR" altLang="en-US" smtClean="0"/>
-              <a:t>2024-11-28</a:t>
+              <a:t>2024-11-30</a:t>
             </a:fld>
             <a:endParaRPr lang="ko-KR" altLang="en-US"/>
           </a:p>
@@ -1855,7 +4399,7 @@
           <a:p>
             <a:fld id="{13035935-73D9-4FD2-A983-329B58F0F719}" type="datetimeFigureOut">
               <a:rPr lang="ko-KR" altLang="en-US" smtClean="0"/>
-              <a:t>2024-11-28</a:t>
+              <a:t>2024-11-30</a:t>
             </a:fld>
             <a:endParaRPr lang="ko-KR" altLang="en-US"/>
           </a:p>
@@ -2087,7 +4631,7 @@
           <a:p>
             <a:fld id="{13035935-73D9-4FD2-A983-329B58F0F719}" type="datetimeFigureOut">
               <a:rPr lang="ko-KR" altLang="en-US" smtClean="0"/>
-              <a:t>2024-11-28</a:t>
+              <a:t>2024-11-30</a:t>
             </a:fld>
             <a:endParaRPr lang="ko-KR" altLang="en-US"/>
           </a:p>
@@ -2454,7 +4998,7 @@
           <a:p>
             <a:fld id="{13035935-73D9-4FD2-A983-329B58F0F719}" type="datetimeFigureOut">
               <a:rPr lang="ko-KR" altLang="en-US" smtClean="0"/>
-              <a:t>2024-11-28</a:t>
+              <a:t>2024-11-30</a:t>
             </a:fld>
             <a:endParaRPr lang="ko-KR" altLang="en-US"/>
           </a:p>
@@ -2572,7 +5116,7 @@
           <a:p>
             <a:fld id="{13035935-73D9-4FD2-A983-329B58F0F719}" type="datetimeFigureOut">
               <a:rPr lang="ko-KR" altLang="en-US" smtClean="0"/>
-              <a:t>2024-11-28</a:t>
+              <a:t>2024-11-30</a:t>
             </a:fld>
             <a:endParaRPr lang="ko-KR" altLang="en-US"/>
           </a:p>
@@ -2667,7 +5211,7 @@
           <a:p>
             <a:fld id="{13035935-73D9-4FD2-A983-329B58F0F719}" type="datetimeFigureOut">
               <a:rPr lang="ko-KR" altLang="en-US" smtClean="0"/>
-              <a:t>2024-11-28</a:t>
+              <a:t>2024-11-30</a:t>
             </a:fld>
             <a:endParaRPr lang="ko-KR" altLang="en-US"/>
           </a:p>
@@ -2944,7 +5488,7 @@
           <a:p>
             <a:fld id="{13035935-73D9-4FD2-A983-329B58F0F719}" type="datetimeFigureOut">
               <a:rPr lang="ko-KR" altLang="en-US" smtClean="0"/>
-              <a:t>2024-11-28</a:t>
+              <a:t>2024-11-30</a:t>
             </a:fld>
             <a:endParaRPr lang="ko-KR" altLang="en-US"/>
           </a:p>
@@ -3197,7 +5741,7 @@
           <a:p>
             <a:fld id="{13035935-73D9-4FD2-A983-329B58F0F719}" type="datetimeFigureOut">
               <a:rPr lang="ko-KR" altLang="en-US" smtClean="0"/>
-              <a:t>2024-11-28</a:t>
+              <a:t>2024-11-30</a:t>
             </a:fld>
             <a:endParaRPr lang="ko-KR" altLang="en-US"/>
           </a:p>
@@ -3410,7 +5954,7 @@
           <a:p>
             <a:fld id="{13035935-73D9-4FD2-A983-329B58F0F719}" type="datetimeFigureOut">
               <a:rPr lang="ko-KR" altLang="en-US" smtClean="0"/>
-              <a:t>2024-11-28</a:t>
+              <a:t>2024-11-30</a:t>
             </a:fld>
             <a:endParaRPr lang="ko-KR" altLang="en-US"/>
           </a:p>
@@ -4248,6 +6792,84 @@
           </a:p>
         </p:txBody>
       </p:sp>
+      <mc:AlternateContent xmlns:mc="http://schemas.openxmlformats.org/markup-compatibility/2006">
+        <mc:Choice xmlns:p14="http://schemas.microsoft.com/office/powerpoint/2010/main" Requires="p14">
+          <p:contentPart p14:bwMode="auto" r:id="rId2">
+            <p14:nvContentPartPr>
+              <p14:cNvPr id="2" name="Ink 1"/>
+              <p14:cNvContentPartPr/>
+              <p14:nvPr/>
+            </p14:nvContentPartPr>
+            <p14:xfrm>
+              <a:off x="4153320" y="1843560"/>
+              <a:ext cx="2985480" cy="183600"/>
+            </p14:xfrm>
+          </p:contentPart>
+        </mc:Choice>
+        <mc:Fallback>
+          <p:pic>
+            <p:nvPicPr>
+              <p:cNvPr id="2" name="Ink 1"/>
+              <p:cNvPicPr/>
+              <p:nvPr/>
+            </p:nvPicPr>
+            <p:blipFill>
+              <a:blip r:embed="rId3"/>
+              <a:stretch>
+                <a:fillRect/>
+              </a:stretch>
+            </p:blipFill>
+            <p:spPr>
+              <a:xfrm>
+                <a:off x="4143240" y="1776600"/>
+                <a:ext cx="3015360" cy="289080"/>
+              </a:xfrm>
+              <a:prstGeom prst="rect">
+                <a:avLst/>
+              </a:prstGeom>
+            </p:spPr>
+          </p:pic>
+        </mc:Fallback>
+      </mc:AlternateContent>
+      <mc:AlternateContent xmlns:mc="http://schemas.openxmlformats.org/markup-compatibility/2006">
+        <mc:Choice xmlns:p14="http://schemas.microsoft.com/office/powerpoint/2010/main" Requires="p14">
+          <p:contentPart p14:bwMode="auto" r:id="rId4">
+            <p14:nvContentPartPr>
+              <p14:cNvPr id="3" name="Ink 2"/>
+              <p14:cNvContentPartPr/>
+              <p14:nvPr/>
+            </p14:nvContentPartPr>
+            <p14:xfrm>
+              <a:off x="7681320" y="1891080"/>
+              <a:ext cx="2766960" cy="156600"/>
+            </p14:xfrm>
+          </p:contentPart>
+        </mc:Choice>
+        <mc:Fallback>
+          <p:pic>
+            <p:nvPicPr>
+              <p:cNvPr id="3" name="Ink 2"/>
+              <p:cNvPicPr/>
+              <p:nvPr/>
+            </p:nvPicPr>
+            <p:blipFill>
+              <a:blip r:embed="rId5"/>
+              <a:stretch>
+                <a:fillRect/>
+              </a:stretch>
+            </p:blipFill>
+            <p:spPr>
+              <a:xfrm>
+                <a:off x="7674480" y="1821960"/>
+                <a:ext cx="2791080" cy="253080"/>
+              </a:xfrm>
+              <a:prstGeom prst="rect">
+                <a:avLst/>
+              </a:prstGeom>
+            </p:spPr>
+          </p:pic>
+        </mc:Fallback>
+      </mc:AlternateContent>
     </p:spTree>
     <p:extLst>
       <p:ext uri="{BB962C8B-B14F-4D97-AF65-F5344CB8AC3E}">
@@ -4269,6 +6891,844 @@
 </file>
 
 <file path=ppt/slides/slide10.xml><?xml version="1.0" encoding="utf-8"?>
+<p:sld xmlns:a="http://schemas.openxmlformats.org/drawingml/2006/main" xmlns:r="http://schemas.openxmlformats.org/officeDocument/2006/relationships" xmlns:p="http://schemas.openxmlformats.org/presentationml/2006/main">
+  <p:cSld>
+    <p:spTree>
+      <p:nvGrpSpPr>
+        <p:cNvPr id="1" name=""/>
+        <p:cNvGrpSpPr/>
+        <p:nvPr/>
+      </p:nvGrpSpPr>
+      <p:grpSpPr>
+        <a:xfrm>
+          <a:off x="0" y="0"/>
+          <a:ext cx="0" cy="0"/>
+          <a:chOff x="0" y="0"/>
+          <a:chExt cx="0" cy="0"/>
+        </a:xfrm>
+      </p:grpSpPr>
+      <p:sp>
+        <p:nvSpPr>
+          <p:cNvPr id="2" name="Title 1"/>
+          <p:cNvSpPr>
+            <a:spLocks noGrp="1"/>
+          </p:cNvSpPr>
+          <p:nvPr>
+            <p:ph type="title"/>
+          </p:nvPr>
+        </p:nvSpPr>
+        <p:spPr/>
+        <p:txBody>
+          <a:bodyPr/>
+          <a:lstStyle/>
+          <a:p>
+            <a:r>
+              <a:rPr lang="en-US" altLang="ko-KR" dirty="0" smtClean="0"/>
+              <a:t>2.CD – </a:t>
+            </a:r>
+            <a:r>
+              <a:rPr lang="en-US" altLang="ko-KR" dirty="0" err="1" smtClean="0"/>
+              <a:t>ArgoCD</a:t>
+            </a:r>
+            <a:r>
+              <a:rPr lang="en-US" altLang="ko-KR" dirty="0" smtClean="0"/>
+              <a:t> </a:t>
+            </a:r>
+            <a:r>
+              <a:rPr lang="ko-KR" altLang="en-US" dirty="0" smtClean="0"/>
+              <a:t>실습</a:t>
+            </a:r>
+            <a:endParaRPr lang="ko-KR" altLang="en-US" dirty="0"/>
+          </a:p>
+        </p:txBody>
+      </p:sp>
+      <p:sp>
+        <p:nvSpPr>
+          <p:cNvPr id="3" name="Content Placeholder 2"/>
+          <p:cNvSpPr>
+            <a:spLocks noGrp="1"/>
+          </p:cNvSpPr>
+          <p:nvPr>
+            <p:ph idx="1"/>
+          </p:nvPr>
+        </p:nvSpPr>
+        <p:spPr/>
+        <p:txBody>
+          <a:bodyPr/>
+          <a:lstStyle/>
+          <a:p>
+            <a:r>
+              <a:rPr lang="ko-KR" altLang="en-US" dirty="0" smtClean="0"/>
+              <a:t>깃허브 액션을 통해 도커이미지를 빌드하고 실행테스트를 진행했지만</a:t>
+            </a:r>
+            <a:r>
+              <a:rPr lang="en-US" altLang="ko-KR" dirty="0" smtClean="0"/>
+              <a:t>, </a:t>
+            </a:r>
+            <a:r>
+              <a:rPr lang="ko-KR" altLang="en-US" dirty="0" smtClean="0"/>
+              <a:t>쿠버네티스를 활용한 애플리케이션 배포는 어려움</a:t>
+            </a:r>
+            <a:r>
+              <a:rPr lang="en-US" altLang="ko-KR" dirty="0" smtClean="0"/>
+              <a:t/>
+            </a:r>
+            <a:br>
+              <a:rPr lang="en-US" altLang="ko-KR" dirty="0" smtClean="0"/>
+            </a:br>
+            <a:r>
+              <a:rPr lang="ko-KR" altLang="en-US" dirty="0" smtClean="0">
+                <a:solidFill>
+                  <a:srgbClr val="C00000"/>
+                </a:solidFill>
+              </a:rPr>
+              <a:t>서비스는 실행되지만 배포까지 연결되지는 않은 단계 </a:t>
+            </a:r>
+            <a:endParaRPr lang="en-US" altLang="ko-KR" dirty="0">
+              <a:solidFill>
+                <a:srgbClr val="C00000"/>
+              </a:solidFill>
+            </a:endParaRPr>
+          </a:p>
+          <a:p>
+            <a:pPr marL="0" indent="0">
+              <a:buNone/>
+            </a:pPr>
+            <a:r>
+              <a:rPr lang="ko-KR" altLang="en-US" dirty="0" smtClean="0"/>
+              <a:t>→ </a:t>
+            </a:r>
+            <a:r>
+              <a:rPr lang="en-US" altLang="ko-KR" dirty="0" err="1" smtClean="0"/>
+              <a:t>ArgoCD</a:t>
+            </a:r>
+            <a:r>
+              <a:rPr lang="ko-KR" altLang="en-US" dirty="0" smtClean="0"/>
+              <a:t>는 쿠버네티스 애플리케이션의 자동 배포를 가능하게 해주는 오픈소스 소프트웨어임</a:t>
+            </a:r>
+            <a:endParaRPr lang="en-US" altLang="ko-KR" dirty="0" smtClean="0"/>
+          </a:p>
+          <a:p>
+            <a:r>
+              <a:rPr lang="en-US" altLang="ko-KR" dirty="0" err="1" smtClean="0"/>
+              <a:t>ArgoCD</a:t>
+            </a:r>
+            <a:r>
+              <a:rPr lang="ko-KR" altLang="en-US" dirty="0" smtClean="0"/>
+              <a:t>를 설치하고 </a:t>
+            </a:r>
+            <a:r>
+              <a:rPr lang="en-US" altLang="ko-KR" dirty="0" err="1" smtClean="0"/>
+              <a:t>ex02</a:t>
+            </a:r>
+            <a:r>
+              <a:rPr lang="ko-KR" altLang="en-US" dirty="0" smtClean="0"/>
+              <a:t>의 </a:t>
+            </a:r>
+            <a:r>
+              <a:rPr lang="en-US" altLang="ko-KR" dirty="0" err="1" smtClean="0"/>
+              <a:t>yaml</a:t>
+            </a:r>
+            <a:r>
+              <a:rPr lang="ko-KR" altLang="en-US" dirty="0" smtClean="0"/>
+              <a:t>을 실행합니다</a:t>
+            </a:r>
+            <a:endParaRPr lang="en-US" altLang="ko-KR" dirty="0" smtClean="0"/>
+          </a:p>
+          <a:p>
+            <a:pPr lvl="1"/>
+            <a:r>
+              <a:rPr lang="it-IT" altLang="ko-KR" dirty="0"/>
+              <a:t> helm repo add argo </a:t>
+            </a:r>
+            <a:r>
+              <a:rPr lang="it-IT" altLang="ko-KR" dirty="0">
+                <a:hlinkClick r:id="rId2"/>
+              </a:rPr>
+              <a:t>https://</a:t>
+            </a:r>
+            <a:r>
+              <a:rPr lang="it-IT" altLang="ko-KR" dirty="0" smtClean="0">
+                <a:hlinkClick r:id="rId2"/>
+              </a:rPr>
+              <a:t>argoproj.github.io/argo-helm</a:t>
+            </a:r>
+            <a:endParaRPr lang="it-IT" altLang="ko-KR" dirty="0" smtClean="0"/>
+          </a:p>
+          <a:p>
+            <a:pPr lvl="1"/>
+            <a:r>
+              <a:rPr lang="en-US" altLang="ko-KR" dirty="0"/>
+              <a:t>helm repo </a:t>
+            </a:r>
+            <a:r>
+              <a:rPr lang="en-US" altLang="ko-KR" dirty="0" smtClean="0"/>
+              <a:t>update</a:t>
+            </a:r>
+          </a:p>
+          <a:p>
+            <a:pPr lvl="1"/>
+            <a:r>
+              <a:rPr lang="en-US" altLang="ko-KR" dirty="0"/>
+              <a:t>helm pull </a:t>
+            </a:r>
+            <a:r>
+              <a:rPr lang="en-US" altLang="ko-KR" dirty="0" err="1"/>
+              <a:t>argo</a:t>
+            </a:r>
+            <a:r>
+              <a:rPr lang="en-US" altLang="ko-KR" dirty="0"/>
+              <a:t>/</a:t>
+            </a:r>
+            <a:r>
+              <a:rPr lang="en-US" altLang="ko-KR" dirty="0" err="1"/>
+              <a:t>argo</a:t>
+            </a:r>
+            <a:r>
+              <a:rPr lang="en-US" altLang="ko-KR" dirty="0"/>
+              <a:t>-cd</a:t>
+            </a:r>
+            <a:endParaRPr lang="it-IT" altLang="ko-KR" dirty="0" smtClean="0"/>
+          </a:p>
+          <a:p>
+            <a:pPr lvl="1"/>
+            <a:r>
+              <a:rPr lang="en-US" altLang="ko-KR" dirty="0"/>
+              <a:t>t</a:t>
+            </a:r>
+            <a:r>
+              <a:rPr lang="en-US" altLang="ko-KR" dirty="0" smtClean="0"/>
+              <a:t>ar </a:t>
+            </a:r>
+            <a:r>
+              <a:rPr lang="en-US" altLang="ko-KR" dirty="0" err="1" smtClean="0"/>
+              <a:t>xvfz</a:t>
+            </a:r>
+            <a:r>
+              <a:rPr lang="en-US" altLang="ko-KR" dirty="0"/>
+              <a:t> argo-cd-7.7.5.tgz </a:t>
+            </a:r>
+            <a:endParaRPr lang="en-US" altLang="ko-KR" dirty="0" smtClean="0"/>
+          </a:p>
+        </p:txBody>
+      </p:sp>
+      <mc:AlternateContent xmlns:mc="http://schemas.openxmlformats.org/markup-compatibility/2006">
+        <mc:Choice xmlns:p14="http://schemas.microsoft.com/office/powerpoint/2010/main" Requires="p14">
+          <p:contentPart p14:bwMode="auto" r:id="rId3">
+            <p14:nvContentPartPr>
+              <p14:cNvPr id="18" name="Ink 17"/>
+              <p14:cNvContentPartPr/>
+              <p14:nvPr/>
+            </p14:nvContentPartPr>
+            <p14:xfrm>
+              <a:off x="2061409" y="4323887"/>
+              <a:ext cx="496080" cy="325800"/>
+            </p14:xfrm>
+          </p:contentPart>
+        </mc:Choice>
+        <mc:Fallback>
+          <p:pic>
+            <p:nvPicPr>
+              <p:cNvPr id="18" name="Ink 17"/>
+              <p:cNvPicPr/>
+              <p:nvPr/>
+            </p:nvPicPr>
+            <p:blipFill>
+              <a:blip r:embed="rId4"/>
+              <a:stretch>
+                <a:fillRect/>
+              </a:stretch>
+            </p:blipFill>
+            <p:spPr>
+              <a:xfrm>
+                <a:off x="2049529" y="4312007"/>
+                <a:ext cx="519840" cy="349560"/>
+              </a:xfrm>
+              <a:prstGeom prst="rect">
+                <a:avLst/>
+              </a:prstGeom>
+            </p:spPr>
+          </p:pic>
+        </mc:Fallback>
+      </mc:AlternateContent>
+    </p:spTree>
+    <p:extLst>
+      <p:ext uri="{BB962C8B-B14F-4D97-AF65-F5344CB8AC3E}">
+        <p14:creationId xmlns:p14="http://schemas.microsoft.com/office/powerpoint/2010/main" val="1416304609"/>
+      </p:ext>
+    </p:extLst>
+  </p:cSld>
+  <p:clrMapOvr>
+    <a:masterClrMapping/>
+  </p:clrMapOvr>
+  <p:timing>
+    <p:tnLst>
+      <p:par>
+        <p:cTn id="1" dur="indefinite" restart="never" nodeType="tmRoot"/>
+      </p:par>
+    </p:tnLst>
+  </p:timing>
+</p:sld>
+</file>
+
+<file path=ppt/slides/slide11.xml><?xml version="1.0" encoding="utf-8"?>
+<p:sld xmlns:a="http://schemas.openxmlformats.org/drawingml/2006/main" xmlns:r="http://schemas.openxmlformats.org/officeDocument/2006/relationships" xmlns:p="http://schemas.openxmlformats.org/presentationml/2006/main">
+  <p:cSld>
+    <p:spTree>
+      <p:nvGrpSpPr>
+        <p:cNvPr id="1" name=""/>
+        <p:cNvGrpSpPr/>
+        <p:nvPr/>
+      </p:nvGrpSpPr>
+      <p:grpSpPr>
+        <a:xfrm>
+          <a:off x="0" y="0"/>
+          <a:ext cx="0" cy="0"/>
+          <a:chOff x="0" y="0"/>
+          <a:chExt cx="0" cy="0"/>
+        </a:xfrm>
+      </p:grpSpPr>
+      <p:sp>
+        <p:nvSpPr>
+          <p:cNvPr id="2" name="Title 1"/>
+          <p:cNvSpPr>
+            <a:spLocks noGrp="1"/>
+          </p:cNvSpPr>
+          <p:nvPr>
+            <p:ph type="title"/>
+          </p:nvPr>
+        </p:nvSpPr>
+        <p:spPr/>
+        <p:txBody>
+          <a:bodyPr/>
+          <a:lstStyle/>
+          <a:p>
+            <a:r>
+              <a:rPr lang="en-US" altLang="ko-KR" dirty="0" smtClean="0"/>
+              <a:t>2.CD – </a:t>
+            </a:r>
+            <a:r>
+              <a:rPr lang="en-US" altLang="ko-KR" dirty="0" err="1" smtClean="0"/>
+              <a:t>ArgoCD</a:t>
+            </a:r>
+            <a:r>
+              <a:rPr lang="en-US" altLang="ko-KR" dirty="0" smtClean="0"/>
+              <a:t> </a:t>
+            </a:r>
+            <a:r>
+              <a:rPr lang="ko-KR" altLang="en-US" dirty="0" smtClean="0"/>
+              <a:t>실습</a:t>
+            </a:r>
+            <a:endParaRPr lang="ko-KR" altLang="en-US" dirty="0"/>
+          </a:p>
+        </p:txBody>
+      </p:sp>
+      <p:sp>
+        <p:nvSpPr>
+          <p:cNvPr id="3" name="Content Placeholder 2"/>
+          <p:cNvSpPr>
+            <a:spLocks noGrp="1"/>
+          </p:cNvSpPr>
+          <p:nvPr>
+            <p:ph idx="1"/>
+          </p:nvPr>
+        </p:nvSpPr>
+        <p:spPr/>
+        <p:txBody>
+          <a:bodyPr/>
+          <a:lstStyle/>
+          <a:p>
+            <a:r>
+              <a:rPr lang="en-US" altLang="ko-KR" dirty="0" smtClean="0"/>
+              <a:t>Namespace</a:t>
+            </a:r>
+            <a:r>
+              <a:rPr lang="ko-KR" altLang="en-US" dirty="0" smtClean="0"/>
+              <a:t>를 만들고 </a:t>
+            </a:r>
+            <a:r>
+              <a:rPr lang="en-US" altLang="ko-KR" dirty="0" err="1" smtClean="0"/>
+              <a:t>values.yaml</a:t>
+            </a:r>
+            <a:r>
+              <a:rPr lang="ko-KR" altLang="en-US" dirty="0" smtClean="0"/>
+              <a:t>을 인스톨 합니다</a:t>
+            </a:r>
+            <a:r>
+              <a:rPr lang="en-US" altLang="ko-KR" dirty="0" smtClean="0"/>
+              <a:t>.</a:t>
+            </a:r>
+            <a:br>
+              <a:rPr lang="en-US" altLang="ko-KR" dirty="0" smtClean="0"/>
+            </a:br>
+            <a:endParaRPr lang="en-US" altLang="ko-KR" dirty="0" smtClean="0"/>
+          </a:p>
+          <a:p>
+            <a:pPr lvl="1"/>
+            <a:r>
+              <a:rPr lang="en-US" altLang="ko-KR" dirty="0" smtClean="0"/>
+              <a:t>cd </a:t>
+            </a:r>
+            <a:r>
+              <a:rPr lang="en-US" altLang="ko-KR" dirty="0" err="1" smtClean="0"/>
+              <a:t>argo</a:t>
+            </a:r>
+            <a:r>
+              <a:rPr lang="en-US" altLang="ko-KR" dirty="0" smtClean="0"/>
+              <a:t>-cd</a:t>
+            </a:r>
+          </a:p>
+          <a:p>
+            <a:pPr lvl="1"/>
+            <a:r>
+              <a:rPr lang="en-US" altLang="ko-KR" dirty="0" err="1"/>
+              <a:t>kubectl</a:t>
+            </a:r>
+            <a:r>
+              <a:rPr lang="en-US" altLang="ko-KR" dirty="0"/>
+              <a:t> create namespace </a:t>
+            </a:r>
+            <a:r>
+              <a:rPr lang="en-US" altLang="ko-KR" dirty="0" err="1" smtClean="0"/>
+              <a:t>myargocd</a:t>
+            </a:r>
+            <a:endParaRPr lang="en-US" altLang="ko-KR" dirty="0" smtClean="0"/>
+          </a:p>
+          <a:p>
+            <a:pPr lvl="1"/>
+            <a:r>
+              <a:rPr lang="en-US" altLang="ko-KR" dirty="0"/>
+              <a:t>helm install --namespace </a:t>
+            </a:r>
+            <a:r>
+              <a:rPr lang="en-US" altLang="ko-KR" dirty="0" err="1"/>
+              <a:t>myargocd</a:t>
+            </a:r>
+            <a:r>
+              <a:rPr lang="en-US" altLang="ko-KR" dirty="0"/>
+              <a:t> --generate-name </a:t>
+            </a:r>
+            <a:r>
+              <a:rPr lang="en-US" altLang="ko-KR" dirty="0" err="1"/>
+              <a:t>argo</a:t>
+            </a:r>
+            <a:r>
+              <a:rPr lang="en-US" altLang="ko-KR" dirty="0"/>
+              <a:t>/</a:t>
+            </a:r>
+            <a:r>
+              <a:rPr lang="en-US" altLang="ko-KR" dirty="0" err="1"/>
+              <a:t>argo</a:t>
+            </a:r>
+            <a:r>
+              <a:rPr lang="en-US" altLang="ko-KR" dirty="0"/>
+              <a:t>-cd -f </a:t>
+            </a:r>
+            <a:r>
+              <a:rPr lang="en-US" altLang="ko-KR" dirty="0" err="1" smtClean="0"/>
+              <a:t>values.yaml</a:t>
+            </a:r>
+            <a:endParaRPr lang="en-US" altLang="ko-KR" dirty="0" smtClean="0"/>
+          </a:p>
+          <a:p>
+            <a:pPr lvl="1"/>
+            <a:r>
+              <a:rPr lang="en-US" altLang="ko-KR" dirty="0" smtClean="0"/>
+              <a:t>#</a:t>
+            </a:r>
+            <a:r>
+              <a:rPr lang="ko-KR" altLang="en-US" dirty="0" smtClean="0"/>
+              <a:t>확인</a:t>
+            </a:r>
+            <a:endParaRPr lang="en-US" altLang="ko-KR" dirty="0" smtClean="0"/>
+          </a:p>
+          <a:p>
+            <a:pPr lvl="1"/>
+            <a:r>
+              <a:rPr lang="en-US" altLang="ko-KR" dirty="0" err="1"/>
+              <a:t>kubectl</a:t>
+            </a:r>
+            <a:r>
+              <a:rPr lang="en-US" altLang="ko-KR" dirty="0"/>
+              <a:t> get all --namespace </a:t>
+            </a:r>
+            <a:r>
+              <a:rPr lang="en-US" altLang="ko-KR" dirty="0" err="1" smtClean="0"/>
+              <a:t>myargocd</a:t>
+            </a:r>
+            <a:r>
+              <a:rPr lang="en-US" altLang="ko-KR" dirty="0"/>
+              <a:t/>
+            </a:r>
+            <a:br>
+              <a:rPr lang="en-US" altLang="ko-KR" dirty="0"/>
+            </a:br>
+            <a:endParaRPr lang="en-US" altLang="ko-KR" dirty="0" smtClean="0"/>
+          </a:p>
+        </p:txBody>
+      </p:sp>
+      <p:pic>
+        <p:nvPicPr>
+          <p:cNvPr id="5" name="Picture 4"/>
+          <p:cNvPicPr>
+            <a:picLocks noChangeAspect="1"/>
+          </p:cNvPicPr>
+          <p:nvPr/>
+        </p:nvPicPr>
+        <p:blipFill>
+          <a:blip r:embed="rId2"/>
+          <a:stretch>
+            <a:fillRect/>
+          </a:stretch>
+        </p:blipFill>
+        <p:spPr>
+          <a:xfrm>
+            <a:off x="1548250" y="4836432"/>
+            <a:ext cx="8444577" cy="989005"/>
+          </a:xfrm>
+          <a:prstGeom prst="rect">
+            <a:avLst/>
+          </a:prstGeom>
+        </p:spPr>
+      </p:pic>
+      <p:sp>
+        <p:nvSpPr>
+          <p:cNvPr id="6" name="Rectangle 5"/>
+          <p:cNvSpPr/>
+          <p:nvPr/>
+        </p:nvSpPr>
+        <p:spPr>
+          <a:xfrm>
+            <a:off x="8446576" y="5300420"/>
+            <a:ext cx="1627322" cy="666427"/>
+          </a:xfrm>
+          <a:prstGeom prst="rect">
+            <a:avLst/>
+          </a:prstGeom>
+          <a:noFill/>
+          <a:ln w="57150">
+            <a:solidFill>
+              <a:srgbClr val="C00000"/>
+            </a:solidFill>
+          </a:ln>
+        </p:spPr>
+        <p:style>
+          <a:lnRef idx="2">
+            <a:schemeClr val="accent1">
+              <a:shade val="50000"/>
+            </a:schemeClr>
+          </a:lnRef>
+          <a:fillRef idx="1">
+            <a:schemeClr val="accent1"/>
+          </a:fillRef>
+          <a:effectRef idx="0">
+            <a:schemeClr val="accent1"/>
+          </a:effectRef>
+          <a:fontRef idx="minor">
+            <a:schemeClr val="lt1"/>
+          </a:fontRef>
+        </p:style>
+        <p:txBody>
+          <a:bodyPr rtlCol="0" anchor="ctr"/>
+          <a:lstStyle/>
+          <a:p>
+            <a:pPr algn="ctr"/>
+            <a:endParaRPr lang="ko-KR" altLang="en-US"/>
+          </a:p>
+        </p:txBody>
+      </p:sp>
+      <p:sp>
+        <p:nvSpPr>
+          <p:cNvPr id="7" name="Rectangle 6"/>
+          <p:cNvSpPr/>
+          <p:nvPr/>
+        </p:nvSpPr>
+        <p:spPr>
+          <a:xfrm>
+            <a:off x="5603936" y="6091187"/>
+            <a:ext cx="6011454" cy="369332"/>
+          </a:xfrm>
+          <a:prstGeom prst="rect">
+            <a:avLst/>
+          </a:prstGeom>
+        </p:spPr>
+        <p:txBody>
+          <a:bodyPr wrap="none">
+            <a:spAutoFit/>
+          </a:bodyPr>
+          <a:lstStyle/>
+          <a:p>
+            <a:r>
+              <a:rPr lang="ko-KR" altLang="en-US" dirty="0" smtClean="0"/>
+              <a:t>외부에서 접속하려면 </a:t>
+            </a:r>
+            <a:r>
+              <a:rPr lang="en-US" altLang="ko-KR" dirty="0" err="1" smtClean="0"/>
+              <a:t>loadbalancer</a:t>
+            </a:r>
+            <a:r>
+              <a:rPr lang="ko-KR" altLang="en-US" dirty="0" smtClean="0"/>
+              <a:t>타입으로 변경합니다</a:t>
+            </a:r>
+            <a:endParaRPr lang="ko-KR" altLang="en-US" dirty="0"/>
+          </a:p>
+        </p:txBody>
+      </p:sp>
+      <mc:AlternateContent xmlns:mc="http://schemas.openxmlformats.org/markup-compatibility/2006">
+        <mc:Choice xmlns:p14="http://schemas.microsoft.com/office/powerpoint/2010/main" Requires="p14">
+          <p:contentPart p14:bwMode="auto" r:id="rId3">
+            <p14:nvContentPartPr>
+              <p14:cNvPr id="8" name="Ink 7"/>
+              <p14:cNvContentPartPr/>
+              <p14:nvPr/>
+            </p14:nvContentPartPr>
+            <p14:xfrm>
+              <a:off x="4010040" y="2033640"/>
+              <a:ext cx="671040" cy="339840"/>
+            </p14:xfrm>
+          </p:contentPart>
+        </mc:Choice>
+        <mc:Fallback>
+          <p:pic>
+            <p:nvPicPr>
+              <p:cNvPr id="8" name="Ink 7"/>
+              <p:cNvPicPr/>
+              <p:nvPr/>
+            </p:nvPicPr>
+            <p:blipFill>
+              <a:blip r:embed="rId4"/>
+              <a:stretch>
+                <a:fillRect/>
+              </a:stretch>
+            </p:blipFill>
+            <p:spPr>
+              <a:xfrm>
+                <a:off x="3999240" y="1992960"/>
+                <a:ext cx="686160" cy="430200"/>
+              </a:xfrm>
+              <a:prstGeom prst="rect">
+                <a:avLst/>
+              </a:prstGeom>
+            </p:spPr>
+          </p:pic>
+        </mc:Fallback>
+      </mc:AlternateContent>
+      <mc:AlternateContent xmlns:mc="http://schemas.openxmlformats.org/markup-compatibility/2006">
+        <mc:Choice xmlns:p14="http://schemas.microsoft.com/office/powerpoint/2010/main" Requires="p14">
+          <p:contentPart p14:bwMode="auto" r:id="rId5">
+            <p14:nvContentPartPr>
+              <p14:cNvPr id="10" name="Ink 9"/>
+              <p14:cNvContentPartPr/>
+              <p14:nvPr/>
+            </p14:nvContentPartPr>
+            <p14:xfrm>
+              <a:off x="8397360" y="2284920"/>
+              <a:ext cx="362520" cy="306000"/>
+            </p14:xfrm>
+          </p:contentPart>
+        </mc:Choice>
+        <mc:Fallback>
+          <p:pic>
+            <p:nvPicPr>
+              <p:cNvPr id="10" name="Ink 9"/>
+              <p:cNvPicPr/>
+              <p:nvPr/>
+            </p:nvPicPr>
+            <p:blipFill>
+              <a:blip r:embed="rId6"/>
+              <a:stretch>
+                <a:fillRect/>
+              </a:stretch>
+            </p:blipFill>
+            <p:spPr>
+              <a:xfrm>
+                <a:off x="8388360" y="2253960"/>
+                <a:ext cx="393840" cy="383400"/>
+              </a:xfrm>
+              <a:prstGeom prst="rect">
+                <a:avLst/>
+              </a:prstGeom>
+            </p:spPr>
+          </p:pic>
+        </mc:Fallback>
+      </mc:AlternateContent>
+      <mc:AlternateContent xmlns:mc="http://schemas.openxmlformats.org/markup-compatibility/2006">
+        <mc:Choice xmlns:p14="http://schemas.microsoft.com/office/powerpoint/2010/main" Requires="p14">
+          <p:contentPart p14:bwMode="auto" r:id="rId7">
+            <p14:nvContentPartPr>
+              <p14:cNvPr id="12" name="Ink 11"/>
+              <p14:cNvContentPartPr/>
+              <p14:nvPr/>
+            </p14:nvContentPartPr>
+            <p14:xfrm>
+              <a:off x="8480160" y="2746440"/>
+              <a:ext cx="437400" cy="217800"/>
+            </p14:xfrm>
+          </p:contentPart>
+        </mc:Choice>
+        <mc:Fallback>
+          <p:pic>
+            <p:nvPicPr>
+              <p:cNvPr id="12" name="Ink 11"/>
+              <p:cNvPicPr/>
+              <p:nvPr/>
+            </p:nvPicPr>
+            <p:blipFill>
+              <a:blip r:embed="rId8"/>
+              <a:stretch>
+                <a:fillRect/>
+              </a:stretch>
+            </p:blipFill>
+            <p:spPr>
+              <a:xfrm>
+                <a:off x="8469720" y="2727720"/>
+                <a:ext cx="451800" cy="281880"/>
+              </a:xfrm>
+              <a:prstGeom prst="rect">
+                <a:avLst/>
+              </a:prstGeom>
+            </p:spPr>
+          </p:pic>
+        </mc:Fallback>
+      </mc:AlternateContent>
+      <mc:AlternateContent xmlns:mc="http://schemas.openxmlformats.org/markup-compatibility/2006">
+        <mc:Choice xmlns:p14="http://schemas.microsoft.com/office/powerpoint/2010/main" Requires="p14">
+          <p:contentPart p14:bwMode="auto" r:id="rId9">
+            <p14:nvContentPartPr>
+              <p14:cNvPr id="16" name="Ink 15"/>
+              <p14:cNvContentPartPr/>
+              <p14:nvPr/>
+            </p14:nvContentPartPr>
+            <p14:xfrm>
+              <a:off x="9309600" y="3676320"/>
+              <a:ext cx="128880" cy="34200"/>
+            </p14:xfrm>
+          </p:contentPart>
+        </mc:Choice>
+        <mc:Fallback>
+          <p:pic>
+            <p:nvPicPr>
+              <p:cNvPr id="16" name="Ink 15"/>
+              <p:cNvPicPr/>
+              <p:nvPr/>
+            </p:nvPicPr>
+            <p:blipFill>
+              <a:blip r:embed="rId10"/>
+              <a:stretch>
+                <a:fillRect/>
+              </a:stretch>
+            </p:blipFill>
+            <p:spPr>
+              <a:xfrm>
+                <a:off x="9294480" y="3615840"/>
+                <a:ext cx="156600" cy="145440"/>
+              </a:xfrm>
+              <a:prstGeom prst="rect">
+                <a:avLst/>
+              </a:prstGeom>
+            </p:spPr>
+          </p:pic>
+        </mc:Fallback>
+      </mc:AlternateContent>
+      <mc:AlternateContent xmlns:mc="http://schemas.openxmlformats.org/markup-compatibility/2006">
+        <mc:Choice xmlns:p14="http://schemas.microsoft.com/office/powerpoint/2010/main" Requires="p14">
+          <p:contentPart p14:bwMode="auto" r:id="rId11">
+            <p14:nvContentPartPr>
+              <p14:cNvPr id="17" name="Ink 16"/>
+              <p14:cNvContentPartPr/>
+              <p14:nvPr/>
+            </p14:nvContentPartPr>
+            <p14:xfrm>
+              <a:off x="2155320" y="4551840"/>
+              <a:ext cx="7079040" cy="271800"/>
+            </p14:xfrm>
+          </p:contentPart>
+        </mc:Choice>
+        <mc:Fallback>
+          <p:pic>
+            <p:nvPicPr>
+              <p:cNvPr id="17" name="Ink 16"/>
+              <p:cNvPicPr/>
+              <p:nvPr/>
+            </p:nvPicPr>
+            <p:blipFill>
+              <a:blip r:embed="rId12"/>
+              <a:stretch>
+                <a:fillRect/>
+              </a:stretch>
+            </p:blipFill>
+            <p:spPr>
+              <a:xfrm>
+                <a:off x="2149200" y="4501080"/>
+                <a:ext cx="7101000" cy="356400"/>
+              </a:xfrm>
+              <a:prstGeom prst="rect">
+                <a:avLst/>
+              </a:prstGeom>
+            </p:spPr>
+          </p:pic>
+        </mc:Fallback>
+      </mc:AlternateContent>
+      <mc:AlternateContent xmlns:mc="http://schemas.openxmlformats.org/markup-compatibility/2006">
+        <mc:Choice xmlns:p14="http://schemas.microsoft.com/office/powerpoint/2010/main" Requires="p14">
+          <p:contentPart p14:bwMode="auto" r:id="rId13">
+            <p14:nvContentPartPr>
+              <p14:cNvPr id="18" name="Ink 17"/>
+              <p14:cNvContentPartPr/>
+              <p14:nvPr/>
+            </p14:nvContentPartPr>
+            <p14:xfrm>
+              <a:off x="9166320" y="3941280"/>
+              <a:ext cx="437400" cy="380160"/>
+            </p14:xfrm>
+          </p:contentPart>
+        </mc:Choice>
+        <mc:Fallback>
+          <p:pic>
+            <p:nvPicPr>
+              <p:cNvPr id="18" name="Ink 17"/>
+              <p:cNvPicPr/>
+              <p:nvPr/>
+            </p:nvPicPr>
+            <p:blipFill>
+              <a:blip r:embed="rId14"/>
+              <a:stretch>
+                <a:fillRect/>
+              </a:stretch>
+            </p:blipFill>
+            <p:spPr>
+              <a:xfrm>
+                <a:off x="9152280" y="3888000"/>
+                <a:ext cx="455400" cy="497880"/>
+              </a:xfrm>
+              <a:prstGeom prst="rect">
+                <a:avLst/>
+              </a:prstGeom>
+            </p:spPr>
+          </p:pic>
+        </mc:Fallback>
+      </mc:AlternateContent>
+    </p:spTree>
+    <p:extLst>
+      <p:ext uri="{BB962C8B-B14F-4D97-AF65-F5344CB8AC3E}">
+        <p14:creationId xmlns:p14="http://schemas.microsoft.com/office/powerpoint/2010/main" val="1281009738"/>
+      </p:ext>
+    </p:extLst>
+  </p:cSld>
+  <p:clrMapOvr>
+    <a:masterClrMapping/>
+  </p:clrMapOvr>
+  <p:timing>
+    <p:tnLst>
+      <p:par>
+        <p:cTn id="1" dur="indefinite" restart="never" nodeType="tmRoot"/>
+      </p:par>
+    </p:tnLst>
+  </p:timing>
+</p:sld>
+</file>
+
+<file path=ppt/slides/slide12.xml><?xml version="1.0" encoding="utf-8"?>
 <p:sld xmlns:a="http://schemas.openxmlformats.org/drawingml/2006/main" xmlns:r="http://schemas.openxmlformats.org/officeDocument/2006/relationships" xmlns:p="http://schemas.openxmlformats.org/presentationml/2006/main">
   <p:cSld>
     <p:spTree>
@@ -4538,7 +7998,7 @@
 </p:sld>
 </file>
 
-<file path=ppt/slides/slide11.xml><?xml version="1.0" encoding="utf-8"?>
+<file path=ppt/slides/slide13.xml><?xml version="1.0" encoding="utf-8"?>
 <p:sld xmlns:a="http://schemas.openxmlformats.org/drawingml/2006/main" xmlns:r="http://schemas.openxmlformats.org/officeDocument/2006/relationships" xmlns:p="http://schemas.openxmlformats.org/presentationml/2006/main">
   <p:cSld>
     <p:spTree>
@@ -4908,17 +8368,17 @@
                   </a:schemeClr>
                 </a:solidFill>
               </a:rPr>
-              <a:t>    </a:t>
-            </a:r>
-            <a:r>
-              <a:rPr lang="en-US" altLang="ko-KR" dirty="0" err="1" smtClean="0">
+              <a:t> </a:t>
+            </a:r>
+            <a:r>
+              <a:rPr lang="en-US" altLang="ko-KR" dirty="0" err="1">
                 <a:solidFill>
                   <a:schemeClr val="bg1">
                     <a:lumMod val="85000"/>
                   </a:schemeClr>
                 </a:solidFill>
               </a:rPr>
-              <a:t>nfJdrc9lapyH1tOJ</a:t>
+              <a:t>ef8S0fks5pLsQ7Ma</a:t>
             </a:r>
             <a:endParaRPr lang="en-US" altLang="ko-KR" dirty="0" smtClean="0">
               <a:solidFill>
@@ -4936,7 +8396,11 @@
             </a:r>
             <a:r>
               <a:rPr lang="en-US" altLang="ko-KR" dirty="0"/>
-              <a:t> port-forward --address 0.0.0.0 service/</a:t>
+              <a:t> port-forward --address 0.0.0.0 </a:t>
+            </a:r>
+            <a:r>
+              <a:rPr lang="en-US" altLang="ko-KR" dirty="0"/>
+              <a:t>service/</a:t>
             </a:r>
             <a:r>
               <a:rPr lang="en-US" altLang="ko-KR" dirty="0" err="1"/>
@@ -4944,15 +8408,23 @@
             </a:r>
             <a:r>
               <a:rPr lang="en-US" altLang="ko-KR" dirty="0"/>
-              <a:t>-cd-1732737447-</a:t>
-            </a:r>
-            <a:r>
-              <a:rPr lang="en-US" altLang="ko-KR" dirty="0" err="1"/>
+              <a:t>-cd- </a:t>
+            </a:r>
+            <a:r>
+              <a:rPr lang="en-US" altLang="ko-KR" dirty="0" smtClean="0"/>
+              <a:t>1732929073 -</a:t>
+            </a:r>
+            <a:r>
+              <a:rPr lang="en-US" altLang="ko-KR" dirty="0" err="1" smtClean="0"/>
               <a:t>argocd</a:t>
             </a:r>
             <a:r>
+              <a:rPr lang="en-US" altLang="ko-KR" dirty="0" smtClean="0"/>
+              <a:t>-server </a:t>
+            </a:r>
+            <a:r>
               <a:rPr lang="en-US" altLang="ko-KR" dirty="0"/>
-              <a:t>-server -n </a:t>
+              <a:t>-n </a:t>
             </a:r>
             <a:r>
               <a:rPr lang="en-US" altLang="ko-KR" dirty="0" err="1"/>
@@ -4965,16 +8437,6 @@
             <a:r>
               <a:rPr lang="en-US" altLang="ko-KR" dirty="0" smtClean="0"/>
               <a:t>2001:80</a:t>
-            </a:r>
-            <a:r>
-              <a:rPr lang="en-US" altLang="ko-KR" dirty="0">
-                <a:solidFill>
-                  <a:schemeClr val="accent5">
-                    <a:lumMod val="50000"/>
-                  </a:schemeClr>
-                </a:solidFill>
-              </a:rPr>
-              <a:t> </a:t>
             </a:r>
             <a:r>
               <a:rPr lang="en-US" altLang="ko-KR" dirty="0" smtClean="0">
@@ -4984,7 +8446,7 @@
                   </a:schemeClr>
                 </a:solidFill>
               </a:rPr>
-              <a:t>#</a:t>
+              <a:t> #</a:t>
             </a:r>
             <a:r>
               <a:rPr lang="ko-KR" altLang="en-US" dirty="0" smtClean="0">
@@ -5080,7 +8542,7 @@
 </p:sld>
 </file>
 
-<file path=ppt/slides/slide12.xml><?xml version="1.0" encoding="utf-8"?>
+<file path=ppt/slides/slide14.xml><?xml version="1.0" encoding="utf-8"?>
 <p:sld xmlns:a="http://schemas.openxmlformats.org/drawingml/2006/main" xmlns:r="http://schemas.openxmlformats.org/officeDocument/2006/relationships" xmlns:p="http://schemas.openxmlformats.org/presentationml/2006/main">
   <p:cSld>
     <p:spTree>
@@ -5338,7 +8800,7 @@
 </p:sld>
 </file>
 
-<file path=ppt/slides/slide13.xml><?xml version="1.0" encoding="utf-8"?>
+<file path=ppt/slides/slide15.xml><?xml version="1.0" encoding="utf-8"?>
 <p:sld xmlns:a="http://schemas.openxmlformats.org/drawingml/2006/main" xmlns:r="http://schemas.openxmlformats.org/officeDocument/2006/relationships" xmlns:p="http://schemas.openxmlformats.org/presentationml/2006/main">
   <p:cSld>
     <p:spTree>
@@ -5652,7 +9114,7 @@
 </p:sld>
 </file>
 
-<file path=ppt/slides/slide14.xml><?xml version="1.0" encoding="utf-8"?>
+<file path=ppt/slides/slide16.xml><?xml version="1.0" encoding="utf-8"?>
 <p:sld xmlns:a="http://schemas.openxmlformats.org/drawingml/2006/main" xmlns:r="http://schemas.openxmlformats.org/officeDocument/2006/relationships" xmlns:p="http://schemas.openxmlformats.org/presentationml/2006/main">
   <p:cSld>
     <p:spTree>
@@ -6063,7 +9525,7 @@
 </p:sld>
 </file>
 
-<file path=ppt/slides/slide15.xml><?xml version="1.0" encoding="utf-8"?>
+<file path=ppt/slides/slide17.xml><?xml version="1.0" encoding="utf-8"?>
 <p:sld xmlns:a="http://schemas.openxmlformats.org/drawingml/2006/main" xmlns:r="http://schemas.openxmlformats.org/officeDocument/2006/relationships" xmlns:p="http://schemas.openxmlformats.org/presentationml/2006/main">
   <p:cSld>
     <p:spTree>
@@ -6663,7 +10125,7 @@
         </p:blipFill>
         <p:spPr>
           <a:xfrm>
-            <a:off x="6691125" y="2889299"/>
+            <a:off x="6854985" y="2786624"/>
             <a:ext cx="4885873" cy="1597077"/>
           </a:xfrm>
           <a:prstGeom prst="rect">
@@ -6759,7 +10221,7 @@
 </p:sld>
 </file>
 
-<file path=ppt/slides/slide16.xml><?xml version="1.0" encoding="utf-8"?>
+<file path=ppt/slides/slide18.xml><?xml version="1.0" encoding="utf-8"?>
 <p:sld xmlns:a="http://schemas.openxmlformats.org/drawingml/2006/main" xmlns:r="http://schemas.openxmlformats.org/officeDocument/2006/relationships" xmlns:p="http://schemas.openxmlformats.org/presentationml/2006/main">
   <p:cSld>
     <p:spTree>
@@ -7348,7 +10810,7 @@
 </p:sld>
 </file>
 
-<file path=ppt/slides/slide17.xml><?xml version="1.0" encoding="utf-8"?>
+<file path=ppt/slides/slide19.xml><?xml version="1.0" encoding="utf-8"?>
 <p:sld xmlns:a="http://schemas.openxmlformats.org/drawingml/2006/main" xmlns:r="http://schemas.openxmlformats.org/officeDocument/2006/relationships" xmlns:p="http://schemas.openxmlformats.org/presentationml/2006/main">
   <p:cSld>
     <p:spTree>
@@ -7451,7 +10913,7 @@
         <p:spPr>
           <a:xfrm>
             <a:off x="774392" y="2098671"/>
-            <a:ext cx="5016597" cy="4261831"/>
+            <a:ext cx="5104612" cy="4336604"/>
           </a:xfrm>
           <a:prstGeom prst="rect">
             <a:avLst/>
@@ -8022,7 +11484,458 @@
 </p:sld>
 </file>
 
-<file path=ppt/slides/slide18.xml><?xml version="1.0" encoding="utf-8"?>
+<file path=ppt/slides/slide2.xml><?xml version="1.0" encoding="utf-8"?>
+<p:sld xmlns:a="http://schemas.openxmlformats.org/drawingml/2006/main" xmlns:r="http://schemas.openxmlformats.org/officeDocument/2006/relationships" xmlns:p="http://schemas.openxmlformats.org/presentationml/2006/main">
+  <p:cSld>
+    <p:spTree>
+      <p:nvGrpSpPr>
+        <p:cNvPr id="1" name=""/>
+        <p:cNvGrpSpPr/>
+        <p:nvPr/>
+      </p:nvGrpSpPr>
+      <p:grpSpPr>
+        <a:xfrm>
+          <a:off x="0" y="0"/>
+          <a:ext cx="0" cy="0"/>
+          <a:chOff x="0" y="0"/>
+          <a:chExt cx="0" cy="0"/>
+        </a:xfrm>
+      </p:grpSpPr>
+      <p:sp>
+        <p:nvSpPr>
+          <p:cNvPr id="4" name="Title 1"/>
+          <p:cNvSpPr>
+            <a:spLocks noGrp="1"/>
+          </p:cNvSpPr>
+          <p:nvPr>
+            <p:ph type="ctrTitle"/>
+          </p:nvPr>
+        </p:nvSpPr>
+        <p:spPr>
+          <a:xfrm>
+            <a:off x="1524000" y="1122363"/>
+            <a:ext cx="9144000" cy="2387600"/>
+          </a:xfrm>
+        </p:spPr>
+        <p:txBody>
+          <a:bodyPr anchor="ctr" anchorCtr="0">
+            <a:normAutofit/>
+          </a:bodyPr>
+          <a:lstStyle/>
+          <a:p>
+            <a:r>
+              <a:rPr lang="en-US" altLang="ko-KR" sz="4800" dirty="0" smtClean="0">
+                <a:gradFill>
+                  <a:gsLst>
+                    <a:gs pos="100000">
+                      <a:schemeClr val="tx1"/>
+                    </a:gs>
+                    <a:gs pos="100000">
+                      <a:schemeClr val="tx1"/>
+                    </a:gs>
+                  </a:gsLst>
+                  <a:lin ang="5400000" scaled="1"/>
+                </a:gradFill>
+                <a:latin typeface="SB 어그로 Medium" panose="02020603020101020101" pitchFamily="18" charset="-127"/>
+                <a:ea typeface="SB 어그로 Medium" panose="02020603020101020101" pitchFamily="18" charset="-127"/>
+              </a:rPr>
+              <a:t>CI</a:t>
+            </a:r>
+            <a:r>
+              <a:rPr lang="ko-KR" altLang="en-US" sz="4800" dirty="0" smtClean="0">
+                <a:gradFill>
+                  <a:gsLst>
+                    <a:gs pos="100000">
+                      <a:schemeClr val="tx1"/>
+                    </a:gs>
+                    <a:gs pos="100000">
+                      <a:schemeClr val="tx1"/>
+                    </a:gs>
+                  </a:gsLst>
+                  <a:lin ang="5400000" scaled="1"/>
+                </a:gradFill>
+                <a:latin typeface="SB 어그로 Medium" panose="02020603020101020101" pitchFamily="18" charset="-127"/>
+                <a:ea typeface="SB 어그로 Medium" panose="02020603020101020101" pitchFamily="18" charset="-127"/>
+              </a:rPr>
+              <a:t>실습하기</a:t>
+            </a:r>
+            <a:r>
+              <a:rPr lang="en-US" altLang="ko-KR" sz="4800" dirty="0" smtClean="0">
+                <a:gradFill>
+                  <a:gsLst>
+                    <a:gs pos="100000">
+                      <a:schemeClr val="tx1"/>
+                    </a:gs>
+                    <a:gs pos="100000">
+                      <a:schemeClr val="tx1"/>
+                    </a:gs>
+                  </a:gsLst>
+                  <a:lin ang="5400000" scaled="1"/>
+                </a:gradFill>
+                <a:latin typeface="SB 어그로 Medium" panose="02020603020101020101" pitchFamily="18" charset="-127"/>
+                <a:ea typeface="SB 어그로 Medium" panose="02020603020101020101" pitchFamily="18" charset="-127"/>
+              </a:rPr>
+              <a:t/>
+            </a:r>
+            <a:br>
+              <a:rPr lang="en-US" altLang="ko-KR" sz="4800" dirty="0" smtClean="0">
+                <a:gradFill>
+                  <a:gsLst>
+                    <a:gs pos="100000">
+                      <a:schemeClr val="tx1"/>
+                    </a:gs>
+                    <a:gs pos="100000">
+                      <a:schemeClr val="tx1"/>
+                    </a:gs>
+                  </a:gsLst>
+                  <a:lin ang="5400000" scaled="1"/>
+                </a:gradFill>
+                <a:latin typeface="SB 어그로 Medium" panose="02020603020101020101" pitchFamily="18" charset="-127"/>
+                <a:ea typeface="SB 어그로 Medium" panose="02020603020101020101" pitchFamily="18" charset="-127"/>
+              </a:rPr>
+            </a:br>
+            <a:endParaRPr lang="ko-KR" altLang="en-US" sz="4800" dirty="0">
+              <a:gradFill>
+                <a:gsLst>
+                  <a:gs pos="100000">
+                    <a:schemeClr val="tx1"/>
+                  </a:gs>
+                  <a:gs pos="100000">
+                    <a:schemeClr val="tx1"/>
+                  </a:gs>
+                </a:gsLst>
+                <a:lin ang="5400000" scaled="1"/>
+              </a:gradFill>
+              <a:latin typeface="SB 어그로 Medium" panose="02020603020101020101" pitchFamily="18" charset="-127"/>
+              <a:ea typeface="SB 어그로 Medium" panose="02020603020101020101" pitchFamily="18" charset="-127"/>
+            </a:endParaRPr>
+          </a:p>
+        </p:txBody>
+      </p:sp>
+      <p:sp>
+        <p:nvSpPr>
+          <p:cNvPr id="5" name="Subtitle 2"/>
+          <p:cNvSpPr>
+            <a:spLocks noGrp="1"/>
+          </p:cNvSpPr>
+          <p:nvPr>
+            <p:ph type="subTitle" idx="1"/>
+          </p:nvPr>
+        </p:nvSpPr>
+        <p:spPr>
+          <a:xfrm>
+            <a:off x="1524000" y="3602038"/>
+            <a:ext cx="9144000" cy="1655762"/>
+          </a:xfrm>
+        </p:spPr>
+        <p:txBody>
+          <a:bodyPr>
+            <a:normAutofit/>
+          </a:bodyPr>
+          <a:lstStyle/>
+          <a:p>
+            <a:pPr marL="342900" indent="-342900">
+              <a:buFontTx/>
+              <a:buChar char="-"/>
+            </a:pPr>
+            <a:r>
+              <a:rPr lang="en-US" altLang="ko-KR" dirty="0" err="1" smtClean="0">
+                <a:gradFill>
+                  <a:gsLst>
+                    <a:gs pos="100000">
+                      <a:schemeClr val="tx1"/>
+                    </a:gs>
+                    <a:gs pos="100000">
+                      <a:schemeClr val="tx1"/>
+                    </a:gs>
+                  </a:gsLst>
+                  <a:lin ang="5400000" scaled="1"/>
+                </a:gradFill>
+                <a:latin typeface="SB 어그로 Medium" panose="02020603020101020101" pitchFamily="18" charset="-127"/>
+                <a:ea typeface="SB 어그로 Medium" panose="02020603020101020101" pitchFamily="18" charset="-127"/>
+              </a:rPr>
+              <a:t>github</a:t>
+            </a:r>
+            <a:r>
+              <a:rPr lang="en-US" altLang="ko-KR" dirty="0" smtClean="0">
+                <a:gradFill>
+                  <a:gsLst>
+                    <a:gs pos="100000">
+                      <a:schemeClr val="tx1"/>
+                    </a:gs>
+                    <a:gs pos="100000">
+                      <a:schemeClr val="tx1"/>
+                    </a:gs>
+                  </a:gsLst>
+                  <a:lin ang="5400000" scaled="1"/>
+                </a:gradFill>
+                <a:latin typeface="SB 어그로 Medium" panose="02020603020101020101" pitchFamily="18" charset="-127"/>
+                <a:ea typeface="SB 어그로 Medium" panose="02020603020101020101" pitchFamily="18" charset="-127"/>
+              </a:rPr>
+              <a:t> action </a:t>
+            </a:r>
+            <a:r>
+              <a:rPr lang="ko-KR" altLang="en-US" dirty="0" smtClean="0">
+                <a:gradFill>
+                  <a:gsLst>
+                    <a:gs pos="100000">
+                      <a:schemeClr val="tx1"/>
+                    </a:gs>
+                    <a:gs pos="100000">
+                      <a:schemeClr val="tx1"/>
+                    </a:gs>
+                  </a:gsLst>
+                  <a:lin ang="5400000" scaled="1"/>
+                </a:gradFill>
+                <a:latin typeface="SB 어그로 Medium" panose="02020603020101020101" pitchFamily="18" charset="-127"/>
+                <a:ea typeface="SB 어그로 Medium" panose="02020603020101020101" pitchFamily="18" charset="-127"/>
+              </a:rPr>
+              <a:t>실습</a:t>
+            </a:r>
+            <a:endParaRPr lang="en-US" altLang="ko-KR" dirty="0" smtClean="0">
+              <a:gradFill>
+                <a:gsLst>
+                  <a:gs pos="100000">
+                    <a:schemeClr val="tx1"/>
+                  </a:gs>
+                  <a:gs pos="100000">
+                    <a:schemeClr val="tx1"/>
+                  </a:gs>
+                </a:gsLst>
+                <a:lin ang="5400000" scaled="1"/>
+              </a:gradFill>
+              <a:latin typeface="SB 어그로 Medium" panose="02020603020101020101" pitchFamily="18" charset="-127"/>
+              <a:ea typeface="SB 어그로 Medium" panose="02020603020101020101" pitchFamily="18" charset="-127"/>
+            </a:endParaRPr>
+          </a:p>
+        </p:txBody>
+      </p:sp>
+      <p:sp>
+        <p:nvSpPr>
+          <p:cNvPr id="6" name="Rectangle 5"/>
+          <p:cNvSpPr/>
+          <p:nvPr/>
+        </p:nvSpPr>
+        <p:spPr>
+          <a:xfrm>
+            <a:off x="3304674" y="5349875"/>
+            <a:ext cx="6096000" cy="646331"/>
+          </a:xfrm>
+          <a:prstGeom prst="rect">
+            <a:avLst/>
+          </a:prstGeom>
+        </p:spPr>
+        <p:txBody>
+          <a:bodyPr>
+            <a:spAutoFit/>
+          </a:bodyPr>
+          <a:lstStyle/>
+          <a:p>
+            <a:pPr algn="ctr"/>
+            <a:r>
+              <a:rPr lang="ko-KR" altLang="en-US" dirty="0" smtClean="0">
+                <a:gradFill>
+                  <a:gsLst>
+                    <a:gs pos="100000">
+                      <a:schemeClr val="accent1">
+                        <a:lumMod val="50000"/>
+                      </a:schemeClr>
+                    </a:gs>
+                    <a:gs pos="100000">
+                      <a:schemeClr val="accent1">
+                        <a:lumMod val="45000"/>
+                        <a:lumOff val="55000"/>
+                      </a:schemeClr>
+                    </a:gs>
+                  </a:gsLst>
+                  <a:lin ang="5400000" scaled="1"/>
+                </a:gradFill>
+                <a:latin typeface="SB 어그로 Medium" panose="02020603020101020101" pitchFamily="18" charset="-127"/>
+                <a:ea typeface="SB 어그로 Medium" panose="02020603020101020101" pitchFamily="18" charset="-127"/>
+              </a:rPr>
+              <a:t>한권으로 배우는 도커 </a:t>
+            </a:r>
+            <a:r>
+              <a:rPr lang="en-US" altLang="ko-KR" dirty="0" smtClean="0">
+                <a:gradFill>
+                  <a:gsLst>
+                    <a:gs pos="100000">
+                      <a:schemeClr val="accent1">
+                        <a:lumMod val="50000"/>
+                      </a:schemeClr>
+                    </a:gs>
+                    <a:gs pos="100000">
+                      <a:schemeClr val="accent1">
+                        <a:lumMod val="45000"/>
+                        <a:lumOff val="55000"/>
+                      </a:schemeClr>
+                    </a:gs>
+                  </a:gsLst>
+                  <a:lin ang="5400000" scaled="1"/>
+                </a:gradFill>
+                <a:latin typeface="SB 어그로 Medium" panose="02020603020101020101" pitchFamily="18" charset="-127"/>
+                <a:ea typeface="SB 어그로 Medium" panose="02020603020101020101" pitchFamily="18" charset="-127"/>
+              </a:rPr>
+              <a:t>&amp; </a:t>
+            </a:r>
+            <a:r>
+              <a:rPr lang="ko-KR" altLang="en-US" dirty="0" smtClean="0">
+                <a:gradFill>
+                  <a:gsLst>
+                    <a:gs pos="100000">
+                      <a:schemeClr val="accent1">
+                        <a:lumMod val="50000"/>
+                      </a:schemeClr>
+                    </a:gs>
+                    <a:gs pos="100000">
+                      <a:schemeClr val="accent1">
+                        <a:lumMod val="45000"/>
+                        <a:lumOff val="55000"/>
+                      </a:schemeClr>
+                    </a:gs>
+                  </a:gsLst>
+                  <a:lin ang="5400000" scaled="1"/>
+                </a:gradFill>
+                <a:latin typeface="SB 어그로 Medium" panose="02020603020101020101" pitchFamily="18" charset="-127"/>
+                <a:ea typeface="SB 어그로 Medium" panose="02020603020101020101" pitchFamily="18" charset="-127"/>
+              </a:rPr>
+              <a:t>쿠버네티스 </a:t>
+            </a:r>
+            <a:r>
+              <a:rPr lang="en-US" altLang="ko-KR" dirty="0" smtClean="0">
+                <a:gradFill>
+                  <a:gsLst>
+                    <a:gs pos="100000">
+                      <a:schemeClr val="accent1">
+                        <a:lumMod val="50000"/>
+                      </a:schemeClr>
+                    </a:gs>
+                    <a:gs pos="100000">
+                      <a:schemeClr val="accent1">
+                        <a:lumMod val="45000"/>
+                        <a:lumOff val="55000"/>
+                      </a:schemeClr>
+                    </a:gs>
+                  </a:gsLst>
+                  <a:lin ang="5400000" scaled="1"/>
+                </a:gradFill>
+                <a:latin typeface="SB 어그로 Medium" panose="02020603020101020101" pitchFamily="18" charset="-127"/>
+                <a:ea typeface="SB 어그로 Medium" panose="02020603020101020101" pitchFamily="18" charset="-127"/>
+              </a:rPr>
+              <a:t/>
+            </a:r>
+            <a:br>
+              <a:rPr lang="en-US" altLang="ko-KR" dirty="0" smtClean="0">
+                <a:gradFill>
+                  <a:gsLst>
+                    <a:gs pos="100000">
+                      <a:schemeClr val="accent1">
+                        <a:lumMod val="50000"/>
+                      </a:schemeClr>
+                    </a:gs>
+                    <a:gs pos="100000">
+                      <a:schemeClr val="accent1">
+                        <a:lumMod val="45000"/>
+                        <a:lumOff val="55000"/>
+                      </a:schemeClr>
+                    </a:gs>
+                  </a:gsLst>
+                  <a:lin ang="5400000" scaled="1"/>
+                </a:gradFill>
+                <a:latin typeface="SB 어그로 Medium" panose="02020603020101020101" pitchFamily="18" charset="-127"/>
+                <a:ea typeface="SB 어그로 Medium" panose="02020603020101020101" pitchFamily="18" charset="-127"/>
+              </a:rPr>
+            </a:br>
+            <a:r>
+              <a:rPr lang="en-US" altLang="ko-KR" dirty="0" smtClean="0">
+                <a:gradFill>
+                  <a:gsLst>
+                    <a:gs pos="100000">
+                      <a:schemeClr val="accent1">
+                        <a:lumMod val="50000"/>
+                      </a:schemeClr>
+                    </a:gs>
+                    <a:gs pos="100000">
+                      <a:schemeClr val="accent1">
+                        <a:lumMod val="45000"/>
+                        <a:lumOff val="55000"/>
+                      </a:schemeClr>
+                    </a:gs>
+                  </a:gsLst>
+                  <a:lin ang="5400000" scaled="1"/>
+                </a:gradFill>
+                <a:latin typeface="SB 어그로 Medium" panose="02020603020101020101" pitchFamily="18" charset="-127"/>
+                <a:ea typeface="SB 어그로 Medium" panose="02020603020101020101" pitchFamily="18" charset="-127"/>
+              </a:rPr>
+              <a:t>: </a:t>
+            </a:r>
+            <a:r>
+              <a:rPr lang="ko-KR" altLang="en-US" dirty="0" smtClean="0">
+                <a:gradFill>
+                  <a:gsLst>
+                    <a:gs pos="100000">
+                      <a:schemeClr val="accent1">
+                        <a:lumMod val="50000"/>
+                      </a:schemeClr>
+                    </a:gs>
+                    <a:gs pos="100000">
+                      <a:schemeClr val="accent1">
+                        <a:lumMod val="45000"/>
+                        <a:lumOff val="55000"/>
+                      </a:schemeClr>
+                    </a:gs>
+                  </a:gsLst>
+                  <a:lin ang="5400000" scaled="1"/>
+                </a:gradFill>
+                <a:latin typeface="SB 어그로 Medium" panose="02020603020101020101" pitchFamily="18" charset="-127"/>
+                <a:ea typeface="SB 어그로 Medium" panose="02020603020101020101" pitchFamily="18" charset="-127"/>
+              </a:rPr>
+              <a:t>컨테이너 개념부터 쿠버네티스를 활용한 배포까지</a:t>
+            </a:r>
+            <a:endParaRPr lang="ko-KR" altLang="en-US" dirty="0">
+              <a:gradFill>
+                <a:gsLst>
+                  <a:gs pos="100000">
+                    <a:schemeClr val="accent1">
+                      <a:lumMod val="50000"/>
+                    </a:schemeClr>
+                  </a:gs>
+                  <a:gs pos="100000">
+                    <a:schemeClr val="accent1">
+                      <a:lumMod val="45000"/>
+                      <a:lumOff val="55000"/>
+                    </a:schemeClr>
+                  </a:gs>
+                </a:gsLst>
+                <a:lin ang="5400000" scaled="1"/>
+              </a:gradFill>
+              <a:latin typeface="SB 어그로 Medium" panose="02020603020101020101" pitchFamily="18" charset="-127"/>
+              <a:ea typeface="SB 어그로 Medium" panose="02020603020101020101" pitchFamily="18" charset="-127"/>
+            </a:endParaRPr>
+          </a:p>
+        </p:txBody>
+      </p:sp>
+    </p:spTree>
+    <p:extLst>
+      <p:ext uri="{BB962C8B-B14F-4D97-AF65-F5344CB8AC3E}">
+        <p14:creationId xmlns:p14="http://schemas.microsoft.com/office/powerpoint/2010/main" val="2221424863"/>
+      </p:ext>
+    </p:extLst>
+  </p:cSld>
+  <p:clrMapOvr>
+    <a:masterClrMapping/>
+  </p:clrMapOvr>
+  <p:timing>
+    <p:tnLst>
+      <p:par>
+        <p:cTn id="1" dur="indefinite" restart="never" nodeType="tmRoot"/>
+      </p:par>
+    </p:tnLst>
+  </p:timing>
+</p:sld>
+</file>
+
+<file path=ppt/slides/slide20.xml><?xml version="1.0" encoding="utf-8"?>
 <p:sld xmlns:a="http://schemas.openxmlformats.org/drawingml/2006/main" xmlns:r="http://schemas.openxmlformats.org/officeDocument/2006/relationships" xmlns:p="http://schemas.openxmlformats.org/presentationml/2006/main">
   <p:cSld>
     <p:spTree>
@@ -8238,7 +12151,7 @@
 </p:sld>
 </file>
 
-<file path=ppt/slides/slide19.xml><?xml version="1.0" encoding="utf-8"?>
+<file path=ppt/slides/slide21.xml><?xml version="1.0" encoding="utf-8"?>
 <p:sld xmlns:a="http://schemas.openxmlformats.org/drawingml/2006/main" xmlns:r="http://schemas.openxmlformats.org/officeDocument/2006/relationships" xmlns:p="http://schemas.openxmlformats.org/presentationml/2006/main">
   <p:cSld>
     <p:spTree>
@@ -8382,7 +12295,7 @@
 </p:sld>
 </file>
 
-<file path=ppt/slides/slide2.xml><?xml version="1.0" encoding="utf-8"?>
+<file path=ppt/slides/slide22.xml><?xml version="1.0" encoding="utf-8"?>
 <p:sld xmlns:a="http://schemas.openxmlformats.org/drawingml/2006/main" xmlns:r="http://schemas.openxmlformats.org/officeDocument/2006/relationships" xmlns:p="http://schemas.openxmlformats.org/presentationml/2006/main">
   <p:cSld>
     <p:spTree>
@@ -8415,163 +12328,6 @@
           <a:lstStyle/>
           <a:p>
             <a:r>
-              <a:rPr lang="ko-KR" altLang="en-US" dirty="0" smtClean="0"/>
-              <a:t>진행내용 요약</a:t>
-            </a:r>
-            <a:endParaRPr lang="ko-KR" altLang="en-US" dirty="0"/>
-          </a:p>
-        </p:txBody>
-      </p:sp>
-      <p:sp>
-        <p:nvSpPr>
-          <p:cNvPr id="5" name="Content Placeholder 2"/>
-          <p:cNvSpPr>
-            <a:spLocks noGrp="1"/>
-          </p:cNvSpPr>
-          <p:nvPr>
-            <p:ph idx="1"/>
-          </p:nvPr>
-        </p:nvSpPr>
-        <p:spPr>
-          <a:xfrm>
-            <a:off x="838200" y="1548000"/>
-            <a:ext cx="10515600" cy="4712400"/>
-          </a:xfrm>
-        </p:spPr>
-        <p:txBody>
-          <a:bodyPr/>
-          <a:lstStyle/>
-          <a:p>
-            <a:pPr>
-              <a:lnSpc>
-                <a:spcPct val="150000"/>
-              </a:lnSpc>
-            </a:pPr>
-            <a:r>
-              <a:rPr lang="en-US" altLang="ko-KR" dirty="0" smtClean="0"/>
-              <a:t>CI (</a:t>
-            </a:r>
-            <a:r>
-              <a:rPr lang="en-US" altLang="ko-KR" dirty="0" err="1" smtClean="0"/>
-              <a:t>Continus</a:t>
-            </a:r>
-            <a:r>
-              <a:rPr lang="en-US" altLang="ko-KR" dirty="0" smtClean="0"/>
-              <a:t> Integration) : </a:t>
-            </a:r>
-            <a:r>
-              <a:rPr lang="ko-KR" altLang="en-US" dirty="0" smtClean="0"/>
-              <a:t>지속적 통합</a:t>
-            </a:r>
-            <a:endParaRPr lang="en-US" altLang="ko-KR" dirty="0" smtClean="0"/>
-          </a:p>
-          <a:p>
-            <a:pPr>
-              <a:lnSpc>
-                <a:spcPct val="150000"/>
-              </a:lnSpc>
-            </a:pPr>
-            <a:r>
-              <a:rPr lang="en-US" altLang="ko-KR" dirty="0" smtClean="0"/>
-              <a:t>CD (</a:t>
-            </a:r>
-            <a:r>
-              <a:rPr lang="en-US" altLang="ko-KR" dirty="0" err="1" smtClean="0"/>
-              <a:t>Continus</a:t>
-            </a:r>
-            <a:r>
-              <a:rPr lang="en-US" altLang="ko-KR" dirty="0" smtClean="0"/>
-              <a:t> Deployment) : </a:t>
-            </a:r>
-            <a:r>
-              <a:rPr lang="ko-KR" altLang="en-US" dirty="0" smtClean="0"/>
-              <a:t>지속적 전달</a:t>
-            </a:r>
-            <a:endParaRPr lang="en-US" altLang="ko-KR" dirty="0" smtClean="0"/>
-          </a:p>
-          <a:p>
-            <a:pPr>
-              <a:lnSpc>
-                <a:spcPct val="150000"/>
-              </a:lnSpc>
-            </a:pPr>
-            <a:r>
-              <a:rPr lang="ko-KR" altLang="en-US" dirty="0" smtClean="0"/>
-              <a:t>다양한 개발자가 참여하는 프로젝트에서</a:t>
-            </a:r>
-            <a:r>
-              <a:rPr lang="en-US" altLang="ko-KR" dirty="0" smtClean="0"/>
-              <a:t>, </a:t>
-            </a:r>
-            <a:r>
-              <a:rPr lang="ko-KR" altLang="en-US" dirty="0" smtClean="0"/>
-              <a:t>기존 코드를 통합하고</a:t>
-            </a:r>
-            <a:r>
-              <a:rPr lang="en-US" altLang="ko-KR" dirty="0" smtClean="0"/>
-              <a:t>, </a:t>
-            </a:r>
-            <a:r>
-              <a:rPr lang="ko-KR" altLang="en-US" dirty="0" smtClean="0"/>
-              <a:t>배포하는 과정을 자동화 하는 것을 알아봅시다</a:t>
-            </a:r>
-            <a:endParaRPr lang="ko-KR" altLang="en-US" dirty="0"/>
-          </a:p>
-        </p:txBody>
-      </p:sp>
-    </p:spTree>
-    <p:extLst>
-      <p:ext uri="{BB962C8B-B14F-4D97-AF65-F5344CB8AC3E}">
-        <p14:creationId xmlns:p14="http://schemas.microsoft.com/office/powerpoint/2010/main" val="2719550796"/>
-      </p:ext>
-    </p:extLst>
-  </p:cSld>
-  <p:clrMapOvr>
-    <a:masterClrMapping/>
-  </p:clrMapOvr>
-  <p:timing>
-    <p:tnLst>
-      <p:par>
-        <p:cTn id="1" dur="indefinite" restart="never" nodeType="tmRoot"/>
-      </p:par>
-    </p:tnLst>
-  </p:timing>
-</p:sld>
-</file>
-
-<file path=ppt/slides/slide20.xml><?xml version="1.0" encoding="utf-8"?>
-<p:sld xmlns:a="http://schemas.openxmlformats.org/drawingml/2006/main" xmlns:r="http://schemas.openxmlformats.org/officeDocument/2006/relationships" xmlns:p="http://schemas.openxmlformats.org/presentationml/2006/main">
-  <p:cSld>
-    <p:spTree>
-      <p:nvGrpSpPr>
-        <p:cNvPr id="1" name=""/>
-        <p:cNvGrpSpPr/>
-        <p:nvPr/>
-      </p:nvGrpSpPr>
-      <p:grpSpPr>
-        <a:xfrm>
-          <a:off x="0" y="0"/>
-          <a:ext cx="0" cy="0"/>
-          <a:chOff x="0" y="0"/>
-          <a:chExt cx="0" cy="0"/>
-        </a:xfrm>
-      </p:grpSpPr>
-      <p:sp>
-        <p:nvSpPr>
-          <p:cNvPr id="2" name="Title 1"/>
-          <p:cNvSpPr>
-            <a:spLocks noGrp="1"/>
-          </p:cNvSpPr>
-          <p:nvPr>
-            <p:ph type="title"/>
-          </p:nvPr>
-        </p:nvSpPr>
-        <p:spPr/>
-        <p:txBody>
-          <a:bodyPr/>
-          <a:lstStyle/>
-          <a:p>
-            <a:r>
               <a:rPr lang="en-US" altLang="ko-KR" dirty="0"/>
               <a:t>2.CD – </a:t>
             </a:r>
@@ -8683,7 +12439,7 @@
 </p:sld>
 </file>
 
-<file path=ppt/slides/slide21.xml><?xml version="1.0" encoding="utf-8"?>
+<file path=ppt/slides/slide23.xml><?xml version="1.0" encoding="utf-8"?>
 <p:sld xmlns:a="http://schemas.openxmlformats.org/drawingml/2006/main" xmlns:r="http://schemas.openxmlformats.org/officeDocument/2006/relationships" xmlns:p="http://schemas.openxmlformats.org/presentationml/2006/main">
   <p:cSld>
     <p:spTree>
@@ -9184,7 +12940,7 @@
 </p:sld>
 </file>
 
-<file path=ppt/slides/slide22.xml><?xml version="1.0" encoding="utf-8"?>
+<file path=ppt/slides/slide24.xml><?xml version="1.0" encoding="utf-8"?>
 <p:sld xmlns:a="http://schemas.openxmlformats.org/drawingml/2006/main" xmlns:r="http://schemas.openxmlformats.org/officeDocument/2006/relationships" xmlns:p="http://schemas.openxmlformats.org/presentationml/2006/main">
   <p:cSld>
     <p:spTree>
@@ -9347,6 +13103,787 @@
           <a:lstStyle/>
           <a:p>
             <a:r>
+              <a:rPr lang="ko-KR" altLang="en-US" dirty="0" smtClean="0"/>
+              <a:t>진행내용 요약</a:t>
+            </a:r>
+            <a:endParaRPr lang="ko-KR" altLang="en-US" dirty="0"/>
+          </a:p>
+        </p:txBody>
+      </p:sp>
+      <p:sp>
+        <p:nvSpPr>
+          <p:cNvPr id="5" name="Content Placeholder 2"/>
+          <p:cNvSpPr>
+            <a:spLocks noGrp="1"/>
+          </p:cNvSpPr>
+          <p:nvPr>
+            <p:ph idx="1"/>
+          </p:nvPr>
+        </p:nvSpPr>
+        <p:spPr>
+          <a:xfrm>
+            <a:off x="838200" y="1548000"/>
+            <a:ext cx="10515600" cy="4712400"/>
+          </a:xfrm>
+        </p:spPr>
+        <p:txBody>
+          <a:bodyPr/>
+          <a:lstStyle/>
+          <a:p>
+            <a:pPr>
+              <a:lnSpc>
+                <a:spcPct val="150000"/>
+              </a:lnSpc>
+            </a:pPr>
+            <a:r>
+              <a:rPr lang="en-US" altLang="ko-KR" dirty="0" smtClean="0"/>
+              <a:t>CI (</a:t>
+            </a:r>
+            <a:r>
+              <a:rPr lang="en-US" altLang="ko-KR" dirty="0" err="1" smtClean="0"/>
+              <a:t>Continus</a:t>
+            </a:r>
+            <a:r>
+              <a:rPr lang="en-US" altLang="ko-KR" dirty="0" smtClean="0"/>
+              <a:t> Integration) : </a:t>
+            </a:r>
+            <a:r>
+              <a:rPr lang="ko-KR" altLang="en-US" dirty="0" smtClean="0"/>
+              <a:t>지속적 통합</a:t>
+            </a:r>
+            <a:endParaRPr lang="en-US" altLang="ko-KR" dirty="0" smtClean="0"/>
+          </a:p>
+          <a:p>
+            <a:pPr>
+              <a:lnSpc>
+                <a:spcPct val="150000"/>
+              </a:lnSpc>
+            </a:pPr>
+            <a:r>
+              <a:rPr lang="en-US" altLang="ko-KR" dirty="0" smtClean="0"/>
+              <a:t>CD (</a:t>
+            </a:r>
+            <a:r>
+              <a:rPr lang="en-US" altLang="ko-KR" dirty="0" err="1" smtClean="0"/>
+              <a:t>Continus</a:t>
+            </a:r>
+            <a:r>
+              <a:rPr lang="en-US" altLang="ko-KR" dirty="0" smtClean="0"/>
+              <a:t> Deployment) : </a:t>
+            </a:r>
+            <a:r>
+              <a:rPr lang="ko-KR" altLang="en-US" dirty="0" smtClean="0"/>
+              <a:t>지속적 전달</a:t>
+            </a:r>
+            <a:endParaRPr lang="en-US" altLang="ko-KR" dirty="0" smtClean="0"/>
+          </a:p>
+          <a:p>
+            <a:pPr>
+              <a:lnSpc>
+                <a:spcPct val="150000"/>
+              </a:lnSpc>
+            </a:pPr>
+            <a:r>
+              <a:rPr lang="ko-KR" altLang="en-US" dirty="0" smtClean="0"/>
+              <a:t>다양한 개발자가 참여하는 프로젝트에서</a:t>
+            </a:r>
+            <a:r>
+              <a:rPr lang="en-US" altLang="ko-KR" dirty="0" smtClean="0"/>
+              <a:t>, </a:t>
+            </a:r>
+            <a:r>
+              <a:rPr lang="ko-KR" altLang="en-US" dirty="0" smtClean="0"/>
+              <a:t>기존 코드를 통합하고</a:t>
+            </a:r>
+            <a:r>
+              <a:rPr lang="en-US" altLang="ko-KR" dirty="0" smtClean="0"/>
+              <a:t>, </a:t>
+            </a:r>
+            <a:r>
+              <a:rPr lang="ko-KR" altLang="en-US" dirty="0" smtClean="0"/>
+              <a:t>배포하는 과정을 자동화 하는 것을 알아봅시다</a:t>
+            </a:r>
+            <a:endParaRPr lang="ko-KR" altLang="en-US" dirty="0"/>
+          </a:p>
+        </p:txBody>
+      </p:sp>
+      <mc:AlternateContent xmlns:mc="http://schemas.openxmlformats.org/markup-compatibility/2006">
+        <mc:Choice xmlns:p14="http://schemas.microsoft.com/office/powerpoint/2010/main" Requires="p14">
+          <p:contentPart p14:bwMode="auto" r:id="rId3">
+            <p14:nvContentPartPr>
+              <p14:cNvPr id="3" name="Ink 2"/>
+              <p14:cNvContentPartPr/>
+              <p14:nvPr/>
+            </p14:nvContentPartPr>
+            <p14:xfrm>
+              <a:off x="10847520" y="4979520"/>
+              <a:ext cx="218880" cy="34200"/>
+            </p14:xfrm>
+          </p:contentPart>
+        </mc:Choice>
+        <mc:Fallback>
+          <p:pic>
+            <p:nvPicPr>
+              <p:cNvPr id="3" name="Ink 2"/>
+              <p:cNvPicPr/>
+              <p:nvPr/>
+            </p:nvPicPr>
+            <p:blipFill>
+              <a:blip r:embed="rId4"/>
+              <a:stretch>
+                <a:fillRect/>
+              </a:stretch>
+            </p:blipFill>
+            <p:spPr>
+              <a:xfrm>
+                <a:off x="10831680" y="4916160"/>
+                <a:ext cx="250560" cy="160920"/>
+              </a:xfrm>
+              <a:prstGeom prst="rect">
+                <a:avLst/>
+              </a:prstGeom>
+            </p:spPr>
+          </p:pic>
+        </mc:Fallback>
+      </mc:AlternateContent>
+      <mc:AlternateContent xmlns:mc="http://schemas.openxmlformats.org/markup-compatibility/2006">
+        <mc:Choice xmlns:p14="http://schemas.microsoft.com/office/powerpoint/2010/main" Requires="p14">
+          <p:contentPart p14:bwMode="auto" r:id="rId5">
+            <p14:nvContentPartPr>
+              <p14:cNvPr id="4" name="Ink 3"/>
+              <p14:cNvContentPartPr/>
+              <p14:nvPr/>
+            </p14:nvContentPartPr>
+            <p14:xfrm>
+              <a:off x="6618240" y="2189880"/>
+              <a:ext cx="1885320" cy="41040"/>
+            </p14:xfrm>
+          </p:contentPart>
+        </mc:Choice>
+        <mc:Fallback>
+          <p:pic>
+            <p:nvPicPr>
+              <p:cNvPr id="4" name="Ink 3"/>
+              <p:cNvPicPr/>
+              <p:nvPr/>
+            </p:nvPicPr>
+            <p:blipFill>
+              <a:blip r:embed="rId6"/>
+              <a:stretch>
+                <a:fillRect/>
+              </a:stretch>
+            </p:blipFill>
+            <p:spPr>
+              <a:xfrm>
+                <a:off x="6609240" y="2116440"/>
+                <a:ext cx="1908360" cy="180000"/>
+              </a:xfrm>
+              <a:prstGeom prst="rect">
+                <a:avLst/>
+              </a:prstGeom>
+            </p:spPr>
+          </p:pic>
+        </mc:Fallback>
+      </mc:AlternateContent>
+      <mc:AlternateContent xmlns:mc="http://schemas.openxmlformats.org/markup-compatibility/2006">
+        <mc:Choice xmlns:p14="http://schemas.microsoft.com/office/powerpoint/2010/main" Requires="p14">
+          <p:contentPart p14:bwMode="auto" r:id="rId7">
+            <p14:nvContentPartPr>
+              <p14:cNvPr id="6" name="Ink 5"/>
+              <p14:cNvContentPartPr/>
+              <p14:nvPr/>
+            </p14:nvContentPartPr>
+            <p14:xfrm>
+              <a:off x="6264000" y="988560"/>
+              <a:ext cx="2540520" cy="1411920"/>
+            </p14:xfrm>
+          </p:contentPart>
+        </mc:Choice>
+        <mc:Fallback>
+          <p:pic>
+            <p:nvPicPr>
+              <p:cNvPr id="6" name="Ink 5"/>
+              <p:cNvPicPr/>
+              <p:nvPr/>
+            </p:nvPicPr>
+            <p:blipFill>
+              <a:blip r:embed="rId8"/>
+              <a:stretch>
+                <a:fillRect/>
+              </a:stretch>
+            </p:blipFill>
+            <p:spPr>
+              <a:xfrm>
+                <a:off x="6245280" y="916560"/>
+                <a:ext cx="2577960" cy="1570680"/>
+              </a:xfrm>
+              <a:prstGeom prst="rect">
+                <a:avLst/>
+              </a:prstGeom>
+            </p:spPr>
+          </p:pic>
+        </mc:Fallback>
+      </mc:AlternateContent>
+      <mc:AlternateContent xmlns:mc="http://schemas.openxmlformats.org/markup-compatibility/2006">
+        <mc:Choice xmlns:p14="http://schemas.microsoft.com/office/powerpoint/2010/main" Requires="p14">
+          <p:contentPart p14:bwMode="auto" r:id="rId9">
+            <p14:nvContentPartPr>
+              <p14:cNvPr id="7" name="Ink 6"/>
+              <p14:cNvContentPartPr/>
+              <p14:nvPr/>
+            </p14:nvContentPartPr>
+            <p14:xfrm>
+              <a:off x="8864640" y="1090440"/>
+              <a:ext cx="664200" cy="360360"/>
+            </p14:xfrm>
+          </p:contentPart>
+        </mc:Choice>
+        <mc:Fallback>
+          <p:pic>
+            <p:nvPicPr>
+              <p:cNvPr id="7" name="Ink 6"/>
+              <p:cNvPicPr/>
+              <p:nvPr/>
+            </p:nvPicPr>
+            <p:blipFill>
+              <a:blip r:embed="rId10"/>
+              <a:stretch>
+                <a:fillRect/>
+              </a:stretch>
+            </p:blipFill>
+            <p:spPr>
+              <a:xfrm>
+                <a:off x="8846280" y="1031760"/>
+                <a:ext cx="686880" cy="495000"/>
+              </a:xfrm>
+              <a:prstGeom prst="rect">
+                <a:avLst/>
+              </a:prstGeom>
+            </p:spPr>
+          </p:pic>
+        </mc:Fallback>
+      </mc:AlternateContent>
+      <mc:AlternateContent xmlns:mc="http://schemas.openxmlformats.org/markup-compatibility/2006">
+        <mc:Choice xmlns:p14="http://schemas.microsoft.com/office/powerpoint/2010/main" Requires="p14">
+          <p:contentPart p14:bwMode="auto" r:id="rId11">
+            <p14:nvContentPartPr>
+              <p14:cNvPr id="8" name="Ink 7"/>
+              <p14:cNvContentPartPr/>
+              <p14:nvPr/>
+            </p14:nvContentPartPr>
+            <p14:xfrm>
+              <a:off x="9679320" y="1287360"/>
+              <a:ext cx="60480" cy="88200"/>
+            </p14:xfrm>
+          </p:contentPart>
+        </mc:Choice>
+        <mc:Fallback>
+          <p:pic>
+            <p:nvPicPr>
+              <p:cNvPr id="8" name="Ink 7"/>
+              <p:cNvPicPr/>
+              <p:nvPr/>
+            </p:nvPicPr>
+            <p:blipFill>
+              <a:blip r:embed="rId12"/>
+              <a:stretch>
+                <a:fillRect/>
+              </a:stretch>
+            </p:blipFill>
+            <p:spPr>
+              <a:xfrm>
+                <a:off x="9660600" y="1222200"/>
+                <a:ext cx="93960" cy="184320"/>
+              </a:xfrm>
+              <a:prstGeom prst="rect">
+                <a:avLst/>
+              </a:prstGeom>
+            </p:spPr>
+          </p:pic>
+        </mc:Fallback>
+      </mc:AlternateContent>
+      <mc:AlternateContent xmlns:mc="http://schemas.openxmlformats.org/markup-compatibility/2006">
+        <mc:Choice xmlns:p14="http://schemas.microsoft.com/office/powerpoint/2010/main" Requires="p14">
+          <p:contentPart p14:bwMode="auto" r:id="rId13">
+            <p14:nvContentPartPr>
+              <p14:cNvPr id="9" name="Ink 8"/>
+              <p14:cNvContentPartPr/>
+              <p14:nvPr/>
+            </p14:nvContentPartPr>
+            <p14:xfrm>
+              <a:off x="2238840" y="3554280"/>
+              <a:ext cx="4681080" cy="122400"/>
+            </p14:xfrm>
+          </p:contentPart>
+        </mc:Choice>
+        <mc:Fallback>
+          <p:pic>
+            <p:nvPicPr>
+              <p:cNvPr id="9" name="Ink 8"/>
+              <p:cNvPicPr/>
+              <p:nvPr/>
+            </p:nvPicPr>
+            <p:blipFill>
+              <a:blip r:embed="rId14"/>
+              <a:stretch>
+                <a:fillRect/>
+              </a:stretch>
+            </p:blipFill>
+            <p:spPr>
+              <a:xfrm>
+                <a:off x="2230200" y="3481920"/>
+                <a:ext cx="4710240" cy="246600"/>
+              </a:xfrm>
+              <a:prstGeom prst="rect">
+                <a:avLst/>
+              </a:prstGeom>
+            </p:spPr>
+          </p:pic>
+        </mc:Fallback>
+      </mc:AlternateContent>
+      <mc:AlternateContent xmlns:mc="http://schemas.openxmlformats.org/markup-compatibility/2006">
+        <mc:Choice xmlns:p14="http://schemas.microsoft.com/office/powerpoint/2010/main" Requires="p14">
+          <p:contentPart p14:bwMode="auto" r:id="rId15">
+            <p14:nvContentPartPr>
+              <p14:cNvPr id="10" name="Ink 9"/>
+              <p14:cNvContentPartPr/>
+              <p14:nvPr/>
+            </p14:nvContentPartPr>
+            <p14:xfrm>
+              <a:off x="7341840" y="3601800"/>
+              <a:ext cx="2691720" cy="163080"/>
+            </p14:xfrm>
+          </p:contentPart>
+        </mc:Choice>
+        <mc:Fallback>
+          <p:pic>
+            <p:nvPicPr>
+              <p:cNvPr id="10" name="Ink 9"/>
+              <p:cNvPicPr/>
+              <p:nvPr/>
+            </p:nvPicPr>
+            <p:blipFill>
+              <a:blip r:embed="rId16"/>
+              <a:stretch>
+                <a:fillRect/>
+              </a:stretch>
+            </p:blipFill>
+            <p:spPr>
+              <a:xfrm>
+                <a:off x="7333920" y="3537000"/>
+                <a:ext cx="2718720" cy="266400"/>
+              </a:xfrm>
+              <a:prstGeom prst="rect">
+                <a:avLst/>
+              </a:prstGeom>
+            </p:spPr>
+          </p:pic>
+        </mc:Fallback>
+      </mc:AlternateContent>
+      <mc:AlternateContent xmlns:mc="http://schemas.openxmlformats.org/markup-compatibility/2006">
+        <mc:Choice xmlns:p14="http://schemas.microsoft.com/office/powerpoint/2010/main" Requires="p14">
+          <p:contentPart p14:bwMode="auto" r:id="rId17">
+            <p14:nvContentPartPr>
+              <p14:cNvPr id="11" name="Ink 10"/>
+              <p14:cNvContentPartPr/>
+              <p14:nvPr/>
+            </p14:nvContentPartPr>
+            <p14:xfrm>
+              <a:off x="7749000" y="2943360"/>
+              <a:ext cx="2759760" cy="1242360"/>
+            </p14:xfrm>
+          </p:contentPart>
+        </mc:Choice>
+        <mc:Fallback>
+          <p:pic>
+            <p:nvPicPr>
+              <p:cNvPr id="11" name="Ink 10"/>
+              <p:cNvPicPr/>
+              <p:nvPr/>
+            </p:nvPicPr>
+            <p:blipFill>
+              <a:blip r:embed="rId18"/>
+              <a:stretch>
+                <a:fillRect/>
+              </a:stretch>
+            </p:blipFill>
+            <p:spPr>
+              <a:xfrm>
+                <a:off x="7735320" y="2892240"/>
+                <a:ext cx="2779560" cy="1363680"/>
+              </a:xfrm>
+              <a:prstGeom prst="rect">
+                <a:avLst/>
+              </a:prstGeom>
+            </p:spPr>
+          </p:pic>
+        </mc:Fallback>
+      </mc:AlternateContent>
+      <mc:AlternateContent xmlns:mc="http://schemas.openxmlformats.org/markup-compatibility/2006">
+        <mc:Choice xmlns:p14="http://schemas.microsoft.com/office/powerpoint/2010/main" Requires="p14">
+          <p:contentPart p14:bwMode="auto" r:id="rId19">
+            <p14:nvContentPartPr>
+              <p14:cNvPr id="12" name="Ink 11"/>
+              <p14:cNvContentPartPr/>
+              <p14:nvPr/>
+            </p14:nvContentPartPr>
+            <p14:xfrm>
+              <a:off x="10093320" y="2502000"/>
+              <a:ext cx="708840" cy="509400"/>
+            </p14:xfrm>
+          </p:contentPart>
+        </mc:Choice>
+        <mc:Fallback>
+          <p:pic>
+            <p:nvPicPr>
+              <p:cNvPr id="12" name="Ink 11"/>
+              <p:cNvPicPr/>
+              <p:nvPr/>
+            </p:nvPicPr>
+            <p:blipFill>
+              <a:blip r:embed="rId20"/>
+              <a:stretch>
+                <a:fillRect/>
+              </a:stretch>
+            </p:blipFill>
+            <p:spPr>
+              <a:xfrm>
+                <a:off x="10080000" y="2455200"/>
+                <a:ext cx="726480" cy="629280"/>
+              </a:xfrm>
+              <a:prstGeom prst="rect">
+                <a:avLst/>
+              </a:prstGeom>
+            </p:spPr>
+          </p:pic>
+        </mc:Fallback>
+      </mc:AlternateContent>
+      <mc:AlternateContent xmlns:mc="http://schemas.openxmlformats.org/markup-compatibility/2006">
+        <mc:Choice xmlns:p14="http://schemas.microsoft.com/office/powerpoint/2010/main" Requires="p14">
+          <p:contentPart p14:bwMode="auto" r:id="rId21">
+            <p14:nvContentPartPr>
+              <p14:cNvPr id="13" name="Ink 12"/>
+              <p14:cNvContentPartPr/>
+              <p14:nvPr/>
+            </p14:nvContentPartPr>
+            <p14:xfrm>
+              <a:off x="7899480" y="4673880"/>
+              <a:ext cx="604080" cy="482400"/>
+            </p14:xfrm>
+          </p:contentPart>
+        </mc:Choice>
+        <mc:Fallback>
+          <p:pic>
+            <p:nvPicPr>
+              <p:cNvPr id="13" name="Ink 12"/>
+              <p:cNvPicPr/>
+              <p:nvPr/>
+            </p:nvPicPr>
+            <p:blipFill>
+              <a:blip r:embed="rId22"/>
+              <a:stretch>
+                <a:fillRect/>
+              </a:stretch>
+            </p:blipFill>
+            <p:spPr>
+              <a:xfrm>
+                <a:off x="7884000" y="4625640"/>
+                <a:ext cx="623520" cy="591840"/>
+              </a:xfrm>
+              <a:prstGeom prst="rect">
+                <a:avLst/>
+              </a:prstGeom>
+            </p:spPr>
+          </p:pic>
+        </mc:Fallback>
+      </mc:AlternateContent>
+      <mc:AlternateContent xmlns:mc="http://schemas.openxmlformats.org/markup-compatibility/2006">
+        <mc:Choice xmlns:p14="http://schemas.microsoft.com/office/powerpoint/2010/main" Requires="p14">
+          <p:contentPart p14:bwMode="auto" r:id="rId23">
+            <p14:nvContentPartPr>
+              <p14:cNvPr id="14" name="Ink 13"/>
+              <p14:cNvContentPartPr/>
+              <p14:nvPr/>
+            </p14:nvContentPartPr>
+            <p14:xfrm>
+              <a:off x="8638560" y="4640040"/>
+              <a:ext cx="121320" cy="455400"/>
+            </p14:xfrm>
+          </p:contentPart>
+        </mc:Choice>
+        <mc:Fallback>
+          <p:pic>
+            <p:nvPicPr>
+              <p:cNvPr id="14" name="Ink 13"/>
+              <p:cNvPicPr/>
+              <p:nvPr/>
+            </p:nvPicPr>
+            <p:blipFill>
+              <a:blip r:embed="rId24"/>
+              <a:stretch>
+                <a:fillRect/>
+              </a:stretch>
+            </p:blipFill>
+            <p:spPr>
+              <a:xfrm>
+                <a:off x="8620920" y="4592880"/>
+                <a:ext cx="143640" cy="552960"/>
+              </a:xfrm>
+              <a:prstGeom prst="rect">
+                <a:avLst/>
+              </a:prstGeom>
+            </p:spPr>
+          </p:pic>
+        </mc:Fallback>
+      </mc:AlternateContent>
+      <mc:AlternateContent xmlns:mc="http://schemas.openxmlformats.org/markup-compatibility/2006">
+        <mc:Choice xmlns:p14="http://schemas.microsoft.com/office/powerpoint/2010/main" Requires="p14">
+          <p:contentPart p14:bwMode="auto" r:id="rId25">
+            <p14:nvContentPartPr>
+              <p14:cNvPr id="15" name="Ink 14"/>
+              <p14:cNvContentPartPr/>
+              <p14:nvPr/>
+            </p14:nvContentPartPr>
+            <p14:xfrm>
+              <a:off x="8804160" y="4490640"/>
+              <a:ext cx="445680" cy="448560"/>
+            </p14:xfrm>
+          </p:contentPart>
+        </mc:Choice>
+        <mc:Fallback>
+          <p:pic>
+            <p:nvPicPr>
+              <p:cNvPr id="15" name="Ink 14"/>
+              <p:cNvPicPr/>
+              <p:nvPr/>
+            </p:nvPicPr>
+            <p:blipFill>
+              <a:blip r:embed="rId26"/>
+              <a:stretch>
+                <a:fillRect/>
+              </a:stretch>
+            </p:blipFill>
+            <p:spPr>
+              <a:xfrm>
+                <a:off x="8791200" y="4427280"/>
+                <a:ext cx="463320" cy="586800"/>
+              </a:xfrm>
+              <a:prstGeom prst="rect">
+                <a:avLst/>
+              </a:prstGeom>
+            </p:spPr>
+          </p:pic>
+        </mc:Fallback>
+      </mc:AlternateContent>
+      <mc:AlternateContent xmlns:mc="http://schemas.openxmlformats.org/markup-compatibility/2006">
+        <mc:Choice xmlns:p14="http://schemas.microsoft.com/office/powerpoint/2010/main" Requires="p14">
+          <p:contentPart p14:bwMode="auto" r:id="rId27">
+            <p14:nvContentPartPr>
+              <p14:cNvPr id="16" name="Ink 15"/>
+              <p14:cNvContentPartPr/>
+              <p14:nvPr/>
+            </p14:nvContentPartPr>
+            <p14:xfrm>
+              <a:off x="9128520" y="4531680"/>
+              <a:ext cx="407160" cy="360000"/>
+            </p14:xfrm>
+          </p:contentPart>
+        </mc:Choice>
+        <mc:Fallback>
+          <p:pic>
+            <p:nvPicPr>
+              <p:cNvPr id="16" name="Ink 15"/>
+              <p:cNvPicPr/>
+              <p:nvPr/>
+            </p:nvPicPr>
+            <p:blipFill>
+              <a:blip r:embed="rId28"/>
+              <a:stretch>
+                <a:fillRect/>
+              </a:stretch>
+            </p:blipFill>
+            <p:spPr>
+              <a:xfrm>
+                <a:off x="9116280" y="4469760"/>
+                <a:ext cx="424800" cy="457560"/>
+              </a:xfrm>
+              <a:prstGeom prst="rect">
+                <a:avLst/>
+              </a:prstGeom>
+            </p:spPr>
+          </p:pic>
+        </mc:Fallback>
+      </mc:AlternateContent>
+      <mc:AlternateContent xmlns:mc="http://schemas.openxmlformats.org/markup-compatibility/2006">
+        <mc:Choice xmlns:p14="http://schemas.microsoft.com/office/powerpoint/2010/main" Requires="p14">
+          <p:contentPart p14:bwMode="auto" r:id="rId29">
+            <p14:nvContentPartPr>
+              <p14:cNvPr id="17" name="Ink 16"/>
+              <p14:cNvContentPartPr/>
+              <p14:nvPr/>
+            </p14:nvContentPartPr>
+            <p14:xfrm>
+              <a:off x="9897480" y="4280400"/>
+              <a:ext cx="219240" cy="583920"/>
+            </p14:xfrm>
+          </p:contentPart>
+        </mc:Choice>
+        <mc:Fallback>
+          <p:pic>
+            <p:nvPicPr>
+              <p:cNvPr id="17" name="Ink 16"/>
+              <p:cNvPicPr/>
+              <p:nvPr/>
+            </p:nvPicPr>
+            <p:blipFill>
+              <a:blip r:embed="rId30"/>
+              <a:stretch>
+                <a:fillRect/>
+              </a:stretch>
+            </p:blipFill>
+            <p:spPr>
+              <a:xfrm>
+                <a:off x="9893160" y="4219560"/>
+                <a:ext cx="239040" cy="662400"/>
+              </a:xfrm>
+              <a:prstGeom prst="rect">
+                <a:avLst/>
+              </a:prstGeom>
+            </p:spPr>
+          </p:pic>
+        </mc:Fallback>
+      </mc:AlternateContent>
+      <mc:AlternateContent xmlns:mc="http://schemas.openxmlformats.org/markup-compatibility/2006">
+        <mc:Choice xmlns:p14="http://schemas.microsoft.com/office/powerpoint/2010/main" Requires="p14">
+          <p:contentPart p14:bwMode="auto" r:id="rId31">
+            <p14:nvContentPartPr>
+              <p14:cNvPr id="18" name="Ink 17"/>
+              <p14:cNvContentPartPr/>
+              <p14:nvPr/>
+            </p14:nvContentPartPr>
+            <p14:xfrm>
+              <a:off x="9777240" y="4388760"/>
+              <a:ext cx="534960" cy="292320"/>
+            </p14:xfrm>
+          </p:contentPart>
+        </mc:Choice>
+        <mc:Fallback>
+          <p:pic>
+            <p:nvPicPr>
+              <p:cNvPr id="18" name="Ink 17"/>
+              <p:cNvPicPr/>
+              <p:nvPr/>
+            </p:nvPicPr>
+            <p:blipFill>
+              <a:blip r:embed="rId32"/>
+              <a:stretch>
+                <a:fillRect/>
+              </a:stretch>
+            </p:blipFill>
+            <p:spPr>
+              <a:xfrm>
+                <a:off x="9758880" y="4321080"/>
+                <a:ext cx="558360" cy="382320"/>
+              </a:xfrm>
+              <a:prstGeom prst="rect">
+                <a:avLst/>
+              </a:prstGeom>
+            </p:spPr>
+          </p:pic>
+        </mc:Fallback>
+      </mc:AlternateContent>
+      <mc:AlternateContent xmlns:mc="http://schemas.openxmlformats.org/markup-compatibility/2006">
+        <mc:Choice xmlns:p14="http://schemas.microsoft.com/office/powerpoint/2010/main" Requires="p14">
+          <p:contentPart p14:bwMode="auto" r:id="rId33">
+            <p14:nvContentPartPr>
+              <p14:cNvPr id="19" name="Ink 18"/>
+              <p14:cNvContentPartPr/>
+              <p14:nvPr/>
+            </p14:nvContentPartPr>
+            <p14:xfrm>
+              <a:off x="10492920" y="4755600"/>
+              <a:ext cx="53640" cy="41040"/>
+            </p14:xfrm>
+          </p:contentPart>
+        </mc:Choice>
+        <mc:Fallback>
+          <p:pic>
+            <p:nvPicPr>
+              <p:cNvPr id="19" name="Ink 18"/>
+              <p:cNvPicPr/>
+              <p:nvPr/>
+            </p:nvPicPr>
+            <p:blipFill>
+              <a:blip r:embed="rId34"/>
+              <a:stretch>
+                <a:fillRect/>
+              </a:stretch>
+            </p:blipFill>
+            <p:spPr>
+              <a:xfrm>
+                <a:off x="10470600" y="4683240"/>
+                <a:ext cx="80640" cy="203400"/>
+              </a:xfrm>
+              <a:prstGeom prst="rect">
+                <a:avLst/>
+              </a:prstGeom>
+            </p:spPr>
+          </p:pic>
+        </mc:Fallback>
+      </mc:AlternateContent>
+    </p:spTree>
+    <p:extLst>
+      <p:ext uri="{BB962C8B-B14F-4D97-AF65-F5344CB8AC3E}">
+        <p14:creationId xmlns:p14="http://schemas.microsoft.com/office/powerpoint/2010/main" val="2719550796"/>
+      </p:ext>
+    </p:extLst>
+  </p:cSld>
+  <p:clrMapOvr>
+    <a:masterClrMapping/>
+  </p:clrMapOvr>
+  <p:timing>
+    <p:tnLst>
+      <p:par>
+        <p:cTn id="1" dur="indefinite" restart="never" nodeType="tmRoot"/>
+      </p:par>
+    </p:tnLst>
+  </p:timing>
+</p:sld>
+</file>
+
+<file path=ppt/slides/slide4.xml><?xml version="1.0" encoding="utf-8"?>
+<p:sld xmlns:a="http://schemas.openxmlformats.org/drawingml/2006/main" xmlns:r="http://schemas.openxmlformats.org/officeDocument/2006/relationships" xmlns:p="http://schemas.openxmlformats.org/presentationml/2006/main">
+  <p:cSld>
+    <p:spTree>
+      <p:nvGrpSpPr>
+        <p:cNvPr id="1" name=""/>
+        <p:cNvGrpSpPr/>
+        <p:nvPr/>
+      </p:nvGrpSpPr>
+      <p:grpSpPr>
+        <a:xfrm>
+          <a:off x="0" y="0"/>
+          <a:ext cx="0" cy="0"/>
+          <a:chOff x="0" y="0"/>
+          <a:chExt cx="0" cy="0"/>
+        </a:xfrm>
+      </p:grpSpPr>
+      <p:sp>
+        <p:nvSpPr>
+          <p:cNvPr id="2" name="Title 1"/>
+          <p:cNvSpPr>
+            <a:spLocks noGrp="1"/>
+          </p:cNvSpPr>
+          <p:nvPr>
+            <p:ph type="title"/>
+          </p:nvPr>
+        </p:nvSpPr>
+        <p:spPr/>
+        <p:txBody>
+          <a:bodyPr/>
+          <a:lstStyle/>
+          <a:p>
+            <a:r>
               <a:rPr lang="en-US" altLang="ko-KR" dirty="0" smtClean="0"/>
               <a:t>1. CI – </a:t>
             </a:r>
@@ -9486,6 +14023,318 @@
           </a:prstGeom>
         </p:spPr>
       </p:pic>
+      <mc:AlternateContent xmlns:mc="http://schemas.openxmlformats.org/markup-compatibility/2006">
+        <mc:Choice xmlns:p14="http://schemas.microsoft.com/office/powerpoint/2010/main" Requires="p14">
+          <p:contentPart p14:bwMode="auto" r:id="rId3">
+            <p14:nvContentPartPr>
+              <p14:cNvPr id="5" name="Ink 4"/>
+              <p14:cNvContentPartPr/>
+              <p14:nvPr/>
+            </p14:nvContentPartPr>
+            <p14:xfrm>
+              <a:off x="9203760" y="6065280"/>
+              <a:ext cx="360" cy="360"/>
+            </p14:xfrm>
+          </p:contentPart>
+        </mc:Choice>
+        <mc:Fallback>
+          <p:pic>
+            <p:nvPicPr>
+              <p:cNvPr id="5" name="Ink 4"/>
+              <p:cNvPicPr/>
+              <p:nvPr/>
+            </p:nvPicPr>
+            <p:blipFill>
+              <a:blip r:embed="rId4"/>
+              <a:stretch>
+                <a:fillRect/>
+              </a:stretch>
+            </p:blipFill>
+            <p:spPr>
+              <a:xfrm>
+                <a:off x="9187920" y="6001920"/>
+                <a:ext cx="32040" cy="127080"/>
+              </a:xfrm>
+              <a:prstGeom prst="rect">
+                <a:avLst/>
+              </a:prstGeom>
+            </p:spPr>
+          </p:pic>
+        </mc:Fallback>
+      </mc:AlternateContent>
+      <mc:AlternateContent xmlns:mc="http://schemas.openxmlformats.org/markup-compatibility/2006">
+        <mc:Choice xmlns:p14="http://schemas.microsoft.com/office/powerpoint/2010/main" Requires="p14">
+          <p:contentPart p14:bwMode="auto" r:id="rId5">
+            <p14:nvContentPartPr>
+              <p14:cNvPr id="6" name="Ink 5"/>
+              <p14:cNvContentPartPr/>
+              <p14:nvPr/>
+            </p14:nvContentPartPr>
+            <p14:xfrm>
+              <a:off x="3361680" y="3126240"/>
+              <a:ext cx="196560" cy="27720"/>
+            </p14:xfrm>
+          </p:contentPart>
+        </mc:Choice>
+        <mc:Fallback>
+          <p:pic>
+            <p:nvPicPr>
+              <p:cNvPr id="6" name="Ink 5"/>
+              <p:cNvPicPr/>
+              <p:nvPr/>
+            </p:nvPicPr>
+            <p:blipFill>
+              <a:blip r:embed="rId6"/>
+              <a:stretch>
+                <a:fillRect/>
+              </a:stretch>
+            </p:blipFill>
+            <p:spPr>
+              <a:xfrm>
+                <a:off x="3352320" y="3083760"/>
+                <a:ext cx="210600" cy="104040"/>
+              </a:xfrm>
+              <a:prstGeom prst="rect">
+                <a:avLst/>
+              </a:prstGeom>
+            </p:spPr>
+          </p:pic>
+        </mc:Fallback>
+      </mc:AlternateContent>
+      <mc:AlternateContent xmlns:mc="http://schemas.openxmlformats.org/markup-compatibility/2006">
+        <mc:Choice xmlns:p14="http://schemas.microsoft.com/office/powerpoint/2010/main" Requires="p14">
+          <p:contentPart p14:bwMode="auto" r:id="rId7">
+            <p14:nvContentPartPr>
+              <p14:cNvPr id="7" name="Ink 6"/>
+              <p14:cNvContentPartPr/>
+              <p14:nvPr/>
+            </p14:nvContentPartPr>
+            <p14:xfrm>
+              <a:off x="3572640" y="1823400"/>
+              <a:ext cx="3196800" cy="1493640"/>
+            </p14:xfrm>
+          </p:contentPart>
+        </mc:Choice>
+        <mc:Fallback>
+          <p:pic>
+            <p:nvPicPr>
+              <p:cNvPr id="7" name="Ink 6"/>
+              <p:cNvPicPr/>
+              <p:nvPr/>
+            </p:nvPicPr>
+            <p:blipFill>
+              <a:blip r:embed="rId8"/>
+              <a:stretch>
+                <a:fillRect/>
+              </a:stretch>
+            </p:blipFill>
+            <p:spPr>
+              <a:xfrm>
+                <a:off x="3555000" y="1752480"/>
+                <a:ext cx="3233520" cy="1642320"/>
+              </a:xfrm>
+              <a:prstGeom prst="rect">
+                <a:avLst/>
+              </a:prstGeom>
+            </p:spPr>
+          </p:pic>
+        </mc:Fallback>
+      </mc:AlternateContent>
+      <mc:AlternateContent xmlns:mc="http://schemas.openxmlformats.org/markup-compatibility/2006">
+        <mc:Choice xmlns:p14="http://schemas.microsoft.com/office/powerpoint/2010/main" Requires="p14">
+          <p:contentPart p14:bwMode="auto" r:id="rId9">
+            <p14:nvContentPartPr>
+              <p14:cNvPr id="8" name="Ink 7"/>
+              <p14:cNvContentPartPr/>
+              <p14:nvPr/>
+            </p14:nvContentPartPr>
+            <p14:xfrm>
+              <a:off x="6678720" y="2101680"/>
+              <a:ext cx="723960" cy="428040"/>
+            </p14:xfrm>
+          </p:contentPart>
+        </mc:Choice>
+        <mc:Fallback>
+          <p:pic>
+            <p:nvPicPr>
+              <p:cNvPr id="8" name="Ink 7"/>
+              <p:cNvPicPr/>
+              <p:nvPr/>
+            </p:nvPicPr>
+            <p:blipFill>
+              <a:blip r:embed="rId10"/>
+              <a:stretch>
+                <a:fillRect/>
+              </a:stretch>
+            </p:blipFill>
+            <p:spPr>
+              <a:xfrm>
+                <a:off x="6662520" y="2047680"/>
+                <a:ext cx="744480" cy="559080"/>
+              </a:xfrm>
+              <a:prstGeom prst="rect">
+                <a:avLst/>
+              </a:prstGeom>
+            </p:spPr>
+          </p:pic>
+        </mc:Fallback>
+      </mc:AlternateContent>
+      <mc:AlternateContent xmlns:mc="http://schemas.openxmlformats.org/markup-compatibility/2006">
+        <mc:Choice xmlns:p14="http://schemas.microsoft.com/office/powerpoint/2010/main" Requires="p14">
+          <p:contentPart p14:bwMode="auto" r:id="rId11">
+            <p14:nvContentPartPr>
+              <p14:cNvPr id="9" name="Ink 8"/>
+              <p14:cNvContentPartPr/>
+              <p14:nvPr/>
+            </p14:nvContentPartPr>
+            <p14:xfrm>
+              <a:off x="7425000" y="2712600"/>
+              <a:ext cx="2548080" cy="210600"/>
+            </p14:xfrm>
+          </p:contentPart>
+        </mc:Choice>
+        <mc:Fallback>
+          <p:pic>
+            <p:nvPicPr>
+              <p:cNvPr id="9" name="Ink 8"/>
+              <p:cNvPicPr/>
+              <p:nvPr/>
+            </p:nvPicPr>
+            <p:blipFill>
+              <a:blip r:embed="rId12"/>
+              <a:stretch>
+                <a:fillRect/>
+              </a:stretch>
+            </p:blipFill>
+            <p:spPr>
+              <a:xfrm>
+                <a:off x="7413120" y="2634480"/>
+                <a:ext cx="2576880" cy="334080"/>
+              </a:xfrm>
+              <a:prstGeom prst="rect">
+                <a:avLst/>
+              </a:prstGeom>
+            </p:spPr>
+          </p:pic>
+        </mc:Fallback>
+      </mc:AlternateContent>
+      <mc:AlternateContent xmlns:mc="http://schemas.openxmlformats.org/markup-compatibility/2006">
+        <mc:Choice xmlns:p14="http://schemas.microsoft.com/office/powerpoint/2010/main" Requires="p14">
+          <p:contentPart p14:bwMode="auto" r:id="rId13">
+            <p14:nvContentPartPr>
+              <p14:cNvPr id="10" name="Ink 9"/>
+              <p14:cNvContentPartPr/>
+              <p14:nvPr/>
+            </p14:nvContentPartPr>
+            <p14:xfrm>
+              <a:off x="7357320" y="1986480"/>
+              <a:ext cx="2827080" cy="1411920"/>
+            </p14:xfrm>
+          </p:contentPart>
+        </mc:Choice>
+        <mc:Fallback>
+          <p:pic>
+            <p:nvPicPr>
+              <p:cNvPr id="10" name="Ink 9"/>
+              <p:cNvPicPr/>
+              <p:nvPr/>
+            </p:nvPicPr>
+            <p:blipFill>
+              <a:blip r:embed="rId14"/>
+              <a:stretch>
+                <a:fillRect/>
+              </a:stretch>
+            </p:blipFill>
+            <p:spPr>
+              <a:xfrm>
+                <a:off x="7339320" y="1920600"/>
+                <a:ext cx="2856600" cy="1551600"/>
+              </a:xfrm>
+              <a:prstGeom prst="rect">
+                <a:avLst/>
+              </a:prstGeom>
+            </p:spPr>
+          </p:pic>
+        </mc:Fallback>
+      </mc:AlternateContent>
+      <mc:AlternateContent xmlns:mc="http://schemas.openxmlformats.org/markup-compatibility/2006">
+        <mc:Choice xmlns:p14="http://schemas.microsoft.com/office/powerpoint/2010/main" Requires="p14">
+          <p:contentPart p14:bwMode="auto" r:id="rId15">
+            <p14:nvContentPartPr>
+              <p14:cNvPr id="11" name="Ink 10"/>
+              <p14:cNvContentPartPr/>
+              <p14:nvPr/>
+            </p14:nvContentPartPr>
+            <p14:xfrm>
+              <a:off x="9799560" y="1911600"/>
+              <a:ext cx="1063080" cy="624600"/>
+            </p14:xfrm>
+          </p:contentPart>
+        </mc:Choice>
+        <mc:Fallback>
+          <p:pic>
+            <p:nvPicPr>
+              <p:cNvPr id="11" name="Ink 10"/>
+              <p:cNvPicPr/>
+              <p:nvPr/>
+            </p:nvPicPr>
+            <p:blipFill>
+              <a:blip r:embed="rId16"/>
+              <a:stretch>
+                <a:fillRect/>
+              </a:stretch>
+            </p:blipFill>
+            <p:spPr>
+              <a:xfrm>
+                <a:off x="9779760" y="1882800"/>
+                <a:ext cx="1087920" cy="738360"/>
+              </a:xfrm>
+              <a:prstGeom prst="rect">
+                <a:avLst/>
+              </a:prstGeom>
+            </p:spPr>
+          </p:pic>
+        </mc:Fallback>
+      </mc:AlternateContent>
+      <mc:AlternateContent xmlns:mc="http://schemas.openxmlformats.org/markup-compatibility/2006">
+        <mc:Choice xmlns:p14="http://schemas.microsoft.com/office/powerpoint/2010/main" Requires="p14">
+          <p:contentPart p14:bwMode="auto" r:id="rId17">
+            <p14:nvContentPartPr>
+              <p14:cNvPr id="12" name="Ink 11"/>
+              <p14:cNvContentPartPr/>
+              <p14:nvPr/>
+            </p14:nvContentPartPr>
+            <p14:xfrm>
+              <a:off x="10914840" y="2291760"/>
+              <a:ext cx="53640" cy="27360"/>
+            </p14:xfrm>
+          </p:contentPart>
+        </mc:Choice>
+        <mc:Fallback>
+          <p:pic>
+            <p:nvPicPr>
+              <p:cNvPr id="12" name="Ink 11"/>
+              <p:cNvPicPr/>
+              <p:nvPr/>
+            </p:nvPicPr>
+            <p:blipFill>
+              <a:blip r:embed="rId18"/>
+              <a:stretch>
+                <a:fillRect/>
+              </a:stretch>
+            </p:blipFill>
+            <p:spPr>
+              <a:xfrm>
+                <a:off x="10906560" y="2268000"/>
+                <a:ext cx="73800" cy="99720"/>
+              </a:xfrm>
+              <a:prstGeom prst="rect">
+                <a:avLst/>
+              </a:prstGeom>
+            </p:spPr>
+          </p:pic>
+        </mc:Fallback>
+      </mc:AlternateContent>
     </p:spTree>
     <p:extLst>
       <p:ext uri="{BB962C8B-B14F-4D97-AF65-F5344CB8AC3E}">
@@ -9506,7 +14355,7 @@
 </p:sld>
 </file>
 
-<file path=ppt/slides/slide4.xml><?xml version="1.0" encoding="utf-8"?>
+<file path=ppt/slides/slide5.xml><?xml version="1.0" encoding="utf-8"?>
 <p:sld xmlns:a="http://schemas.openxmlformats.org/drawingml/2006/main" xmlns:r="http://schemas.openxmlformats.org/officeDocument/2006/relationships" xmlns:p="http://schemas.openxmlformats.org/presentationml/2006/main">
   <p:cSld>
     <p:spTree>
@@ -9839,6 +14688,45 @@
           </a:p>
         </p:txBody>
       </p:sp>
+      <mc:AlternateContent xmlns:mc="http://schemas.openxmlformats.org/markup-compatibility/2006">
+        <mc:Choice xmlns:p14="http://schemas.microsoft.com/office/powerpoint/2010/main" Requires="p14">
+          <p:contentPart p14:bwMode="auto" r:id="rId4">
+            <p14:nvContentPartPr>
+              <p14:cNvPr id="4" name="Ink 3"/>
+              <p14:cNvContentPartPr/>
+              <p14:nvPr/>
+            </p14:nvContentPartPr>
+            <p14:xfrm>
+              <a:off x="7522560" y="1701000"/>
+              <a:ext cx="2420640" cy="1581840"/>
+            </p14:xfrm>
+          </p:contentPart>
+        </mc:Choice>
+        <mc:Fallback>
+          <p:pic>
+            <p:nvPicPr>
+              <p:cNvPr id="4" name="Ink 3"/>
+              <p:cNvPicPr/>
+              <p:nvPr/>
+            </p:nvPicPr>
+            <p:blipFill>
+              <a:blip r:embed="rId5"/>
+              <a:stretch>
+                <a:fillRect/>
+              </a:stretch>
+            </p:blipFill>
+            <p:spPr>
+              <a:xfrm>
+                <a:off x="7502760" y="1625040"/>
+                <a:ext cx="2460240" cy="1739520"/>
+              </a:xfrm>
+              <a:prstGeom prst="rect">
+                <a:avLst/>
+              </a:prstGeom>
+            </p:spPr>
+          </p:pic>
+        </mc:Fallback>
+      </mc:AlternateContent>
     </p:spTree>
     <p:extLst>
       <p:ext uri="{BB962C8B-B14F-4D97-AF65-F5344CB8AC3E}">
@@ -9859,7 +14747,7 @@
 </p:sld>
 </file>
 
-<file path=ppt/slides/slide5.xml><?xml version="1.0" encoding="utf-8"?>
+<file path=ppt/slides/slide6.xml><?xml version="1.0" encoding="utf-8"?>
 <p:sld xmlns:a="http://schemas.openxmlformats.org/drawingml/2006/main" xmlns:r="http://schemas.openxmlformats.org/officeDocument/2006/relationships" xmlns:p="http://schemas.openxmlformats.org/presentationml/2006/main">
   <p:cSld>
     <p:spTree>
@@ -10708,179 +15596,6 @@
 </p:sld>
 </file>
 
-<file path=ppt/slides/slide6.xml><?xml version="1.0" encoding="utf-8"?>
-<p:sld xmlns:a="http://schemas.openxmlformats.org/drawingml/2006/main" xmlns:r="http://schemas.openxmlformats.org/officeDocument/2006/relationships" xmlns:p="http://schemas.openxmlformats.org/presentationml/2006/main">
-  <p:cSld>
-    <p:spTree>
-      <p:nvGrpSpPr>
-        <p:cNvPr id="1" name=""/>
-        <p:cNvGrpSpPr/>
-        <p:nvPr/>
-      </p:nvGrpSpPr>
-      <p:grpSpPr>
-        <a:xfrm>
-          <a:off x="0" y="0"/>
-          <a:ext cx="0" cy="0"/>
-          <a:chOff x="0" y="0"/>
-          <a:chExt cx="0" cy="0"/>
-        </a:xfrm>
-      </p:grpSpPr>
-      <p:sp>
-        <p:nvSpPr>
-          <p:cNvPr id="2" name="Title 1"/>
-          <p:cNvSpPr>
-            <a:spLocks noGrp="1"/>
-          </p:cNvSpPr>
-          <p:nvPr>
-            <p:ph type="title"/>
-          </p:nvPr>
-        </p:nvSpPr>
-        <p:spPr/>
-        <p:txBody>
-          <a:bodyPr/>
-          <a:lstStyle/>
-          <a:p>
-            <a:r>
-              <a:rPr lang="en-US" altLang="ko-KR" dirty="0"/>
-              <a:t>CI - </a:t>
-            </a:r>
-            <a:r>
-              <a:rPr lang="ko-KR" altLang="en-US" dirty="0" smtClean="0"/>
-              <a:t>워크플로 확인</a:t>
-            </a:r>
-            <a:endParaRPr lang="ko-KR" altLang="en-US" dirty="0"/>
-          </a:p>
-        </p:txBody>
-      </p:sp>
-      <p:sp>
-        <p:nvSpPr>
-          <p:cNvPr id="3" name="Content Placeholder 2"/>
-          <p:cNvSpPr>
-            <a:spLocks noGrp="1"/>
-          </p:cNvSpPr>
-          <p:nvPr>
-            <p:ph idx="1"/>
-          </p:nvPr>
-        </p:nvSpPr>
-        <p:spPr/>
-        <p:txBody>
-          <a:bodyPr/>
-          <a:lstStyle/>
-          <a:p>
-            <a:r>
-              <a:rPr lang="en-US" altLang="ko-KR" dirty="0" smtClean="0"/>
-              <a:t>[Actions] </a:t>
-            </a:r>
-            <a:r>
-              <a:rPr lang="ko-KR" altLang="en-US" dirty="0" smtClean="0"/>
-              <a:t>→ </a:t>
-            </a:r>
-            <a:r>
-              <a:rPr lang="en-US" altLang="ko-KR" b="1" dirty="0"/>
-              <a:t>Create </a:t>
-            </a:r>
-            <a:r>
-              <a:rPr lang="en-US" altLang="ko-KR" b="1" dirty="0" err="1" smtClean="0"/>
-              <a:t>main.yml</a:t>
-            </a:r>
-            <a:r>
-              <a:rPr lang="ko-KR" altLang="en-US" dirty="0"/>
-              <a:t> </a:t>
-            </a:r>
-            <a:r>
-              <a:rPr lang="ko-KR" altLang="en-US" dirty="0" smtClean="0"/>
-              <a:t>→</a:t>
-            </a:r>
-            <a:r>
-              <a:rPr lang="en-US" altLang="ko-KR" dirty="0" smtClean="0"/>
-              <a:t>echo</a:t>
-            </a:r>
-            <a:r>
-              <a:rPr lang="ko-KR" altLang="en-US" dirty="0" smtClean="0"/>
-              <a:t>에서 </a:t>
-            </a:r>
-            <a:r>
-              <a:rPr lang="en-US" altLang="ko-KR" dirty="0" smtClean="0"/>
-              <a:t/>
-            </a:r>
-            <a:br>
-              <a:rPr lang="en-US" altLang="ko-KR" dirty="0" smtClean="0"/>
-            </a:br>
-            <a:r>
-              <a:rPr lang="ko-KR" altLang="en-US" dirty="0" smtClean="0"/>
-              <a:t>워크플로를 확인</a:t>
-            </a:r>
-            <a:endParaRPr lang="en-US" altLang="ko-KR" dirty="0" smtClean="0"/>
-          </a:p>
-          <a:p>
-            <a:r>
-              <a:rPr lang="ko-KR" altLang="en-US" dirty="0" smtClean="0"/>
-              <a:t>실행할 이미지</a:t>
-            </a:r>
-            <a:r>
-              <a:rPr lang="en-US" altLang="ko-KR" dirty="0" smtClean="0"/>
-              <a:t>, </a:t>
-            </a:r>
-            <a:r>
-              <a:rPr lang="ko-KR" altLang="en-US" dirty="0" smtClean="0"/>
-              <a:t>버전</a:t>
-            </a:r>
-            <a:r>
-              <a:rPr lang="en-US" altLang="ko-KR" dirty="0" smtClean="0"/>
-              <a:t>, </a:t>
-            </a:r>
-            <a:r>
-              <a:rPr lang="ko-KR" altLang="en-US" dirty="0" smtClean="0"/>
-              <a:t>작업순서 확인</a:t>
-            </a:r>
-            <a:endParaRPr lang="ko-KR" altLang="en-US" dirty="0"/>
-          </a:p>
-        </p:txBody>
-      </p:sp>
-      <p:pic>
-        <p:nvPicPr>
-          <p:cNvPr id="4" name="Picture 3"/>
-          <p:cNvPicPr>
-            <a:picLocks noChangeAspect="1"/>
-          </p:cNvPicPr>
-          <p:nvPr/>
-        </p:nvPicPr>
-        <p:blipFill>
-          <a:blip r:embed="rId2"/>
-          <a:stretch>
-            <a:fillRect/>
-          </a:stretch>
-        </p:blipFill>
-        <p:spPr>
-          <a:xfrm>
-            <a:off x="6686843" y="1986160"/>
-            <a:ext cx="5031545" cy="4449115"/>
-          </a:xfrm>
-          <a:prstGeom prst="rect">
-            <a:avLst/>
-          </a:prstGeom>
-        </p:spPr>
-      </p:pic>
-    </p:spTree>
-    <p:extLst>
-      <p:ext uri="{BB962C8B-B14F-4D97-AF65-F5344CB8AC3E}">
-        <p14:creationId xmlns:p14="http://schemas.microsoft.com/office/powerpoint/2010/main" val="354812839"/>
-      </p:ext>
-    </p:extLst>
-  </p:cSld>
-  <p:clrMapOvr>
-    <a:masterClrMapping/>
-  </p:clrMapOvr>
-  <p:timing>
-    <p:tnLst>
-      <p:par>
-        <p:cTn id="1" dur="indefinite" restart="never" nodeType="tmRoot"/>
-      </p:par>
-    </p:tnLst>
-  </p:timing>
-</p:sld>
-</file>
-
 <file path=ppt/slides/slide7.xml><?xml version="1.0" encoding="utf-8"?>
 <p:sld xmlns:a="http://schemas.openxmlformats.org/drawingml/2006/main" xmlns:r="http://schemas.openxmlformats.org/officeDocument/2006/relationships" xmlns:p="http://schemas.openxmlformats.org/presentationml/2006/main">
   <p:cSld>
@@ -10919,7 +15634,7 @@
             </a:r>
             <a:r>
               <a:rPr lang="ko-KR" altLang="en-US" dirty="0" smtClean="0"/>
-              <a:t>실습</a:t>
+              <a:t>워크플로 확인</a:t>
             </a:r>
             <a:endParaRPr lang="ko-KR" altLang="en-US" dirty="0"/>
           </a:p>
@@ -10927,7 +15642,7 @@
       </p:sp>
       <p:sp>
         <p:nvSpPr>
-          <p:cNvPr id="5" name="Content Placeholder 4"/>
+          <p:cNvPr id="3" name="Content Placeholder 2"/>
           <p:cNvSpPr>
             <a:spLocks noGrp="1"/>
           </p:cNvSpPr>
@@ -10940,12 +15655,55 @@
           <a:bodyPr/>
           <a:lstStyle/>
           <a:p>
-            <a:pPr marL="0" indent="0">
-              <a:buNone/>
-            </a:pPr>
+            <a:r>
+              <a:rPr lang="en-US" altLang="ko-KR" dirty="0" smtClean="0"/>
+              <a:t>[Actions] </a:t>
+            </a:r>
             <a:r>
               <a:rPr lang="ko-KR" altLang="en-US" dirty="0" smtClean="0"/>
-              <a:t>해당 경로로 이동하여</a:t>
+              <a:t>→ </a:t>
+            </a:r>
+            <a:r>
+              <a:rPr lang="en-US" altLang="ko-KR" b="1" dirty="0"/>
+              <a:t>Create </a:t>
+            </a:r>
+            <a:r>
+              <a:rPr lang="en-US" altLang="ko-KR" b="1" dirty="0" err="1" smtClean="0"/>
+              <a:t>main.yml</a:t>
+            </a:r>
+            <a:r>
+              <a:rPr lang="ko-KR" altLang="en-US" dirty="0"/>
+              <a:t> </a:t>
+            </a:r>
+            <a:r>
+              <a:rPr lang="ko-KR" altLang="en-US" dirty="0" smtClean="0"/>
+              <a:t>→</a:t>
+            </a:r>
+            <a:r>
+              <a:rPr lang="en-US" altLang="ko-KR" dirty="0" smtClean="0"/>
+              <a:t>echo</a:t>
+            </a:r>
+            <a:r>
+              <a:rPr lang="ko-KR" altLang="en-US" dirty="0" smtClean="0"/>
+              <a:t>에서 </a:t>
+            </a:r>
+            <a:r>
+              <a:rPr lang="en-US" altLang="ko-KR" dirty="0" smtClean="0"/>
+              <a:t/>
+            </a:r>
+            <a:br>
+              <a:rPr lang="en-US" altLang="ko-KR" dirty="0" smtClean="0"/>
+            </a:br>
+            <a:r>
+              <a:rPr lang="ko-KR" altLang="en-US" dirty="0" smtClean="0"/>
+              <a:t>워크플로를 확인</a:t>
+            </a:r>
+            <a:endParaRPr lang="en-US" altLang="ko-KR" dirty="0" smtClean="0"/>
+          </a:p>
+          <a:p>
+            <a:r>
+              <a:rPr lang="ko-KR" altLang="en-US" dirty="0" smtClean="0"/>
+              <a:t>실행할 이미지</a:t>
             </a:r>
             <a:r>
               <a:rPr lang="en-US" altLang="ko-KR" dirty="0" smtClean="0"/>
@@ -10953,119 +15711,243 @@
             </a:r>
             <a:r>
               <a:rPr lang="ko-KR" altLang="en-US" dirty="0" smtClean="0"/>
-              <a:t>리포지터리 주소를 복사</a:t>
+              <a:t>버전</a:t>
             </a:r>
             <a:r>
               <a:rPr lang="en-US" altLang="ko-KR" dirty="0" smtClean="0"/>
-              <a:t>, add/commit/push</a:t>
+              <a:t>, </a:t>
             </a:r>
             <a:r>
               <a:rPr lang="ko-KR" altLang="en-US" dirty="0" smtClean="0"/>
-              <a:t>하면 </a:t>
-            </a:r>
-            <a:r>
-              <a:rPr lang="en-US" altLang="ko-KR" dirty="0"/>
-              <a:t> </a:t>
-            </a:r>
-            <a:r>
-              <a:rPr lang="ko-KR" altLang="en-US" dirty="0" smtClean="0"/>
-              <a:t>성공적으로 배포되는지 확인 가능</a:t>
-            </a:r>
-            <a:endParaRPr lang="en-US" altLang="ko-KR" dirty="0" smtClean="0"/>
-          </a:p>
-          <a:p>
-            <a:endParaRPr lang="en-US" altLang="ko-KR" dirty="0"/>
-          </a:p>
-          <a:p>
-            <a:r>
-              <a:rPr lang="en-US" altLang="ko-KR" dirty="0" smtClean="0"/>
-              <a:t>cd </a:t>
-            </a:r>
-            <a:r>
-              <a:rPr lang="ko-KR" altLang="en-US" dirty="0" smtClean="0"/>
-              <a:t>해당경로</a:t>
-            </a:r>
-            <a:endParaRPr lang="en-US" altLang="ko-KR" dirty="0" smtClean="0"/>
-          </a:p>
-          <a:p>
-            <a:r>
-              <a:rPr lang="en-US" altLang="ko-KR" dirty="0" err="1"/>
-              <a:t>git</a:t>
-            </a:r>
-            <a:r>
-              <a:rPr lang="en-US" altLang="ko-KR" dirty="0"/>
-              <a:t> </a:t>
-            </a:r>
-            <a:r>
-              <a:rPr lang="en-US" altLang="ko-KR" dirty="0" err="1" smtClean="0"/>
-              <a:t>init</a:t>
-            </a:r>
-            <a:endParaRPr lang="en-US" altLang="ko-KR" dirty="0" smtClean="0"/>
-          </a:p>
-          <a:p>
-            <a:r>
-              <a:rPr lang="en-US" altLang="ko-KR" dirty="0" err="1"/>
-              <a:t>git</a:t>
-            </a:r>
-            <a:r>
-              <a:rPr lang="en-US" altLang="ko-KR" dirty="0"/>
-              <a:t> remote add origin [</a:t>
-            </a:r>
-            <a:r>
-              <a:rPr lang="ko-KR" altLang="en-US" dirty="0"/>
-              <a:t>복사한 리포지토리 주소</a:t>
-            </a:r>
-            <a:r>
-              <a:rPr lang="en-US" altLang="ko-KR" dirty="0" smtClean="0"/>
-              <a:t>]</a:t>
-            </a:r>
-          </a:p>
-          <a:p>
-            <a:r>
-              <a:rPr lang="en-US" altLang="ko-KR" dirty="0" err="1"/>
-              <a:t>git</a:t>
-            </a:r>
-            <a:r>
-              <a:rPr lang="en-US" altLang="ko-KR" dirty="0"/>
-              <a:t> add . </a:t>
-            </a:r>
-            <a:endParaRPr lang="en-US" altLang="ko-KR" dirty="0" smtClean="0"/>
-          </a:p>
-          <a:p>
-            <a:r>
-              <a:rPr lang="en-US" altLang="ko-KR" dirty="0" err="1" smtClean="0"/>
-              <a:t>git</a:t>
-            </a:r>
-            <a:r>
-              <a:rPr lang="en-US" altLang="ko-KR" dirty="0" smtClean="0"/>
-              <a:t> </a:t>
-            </a:r>
-            <a:r>
-              <a:rPr lang="en-US" altLang="ko-KR" dirty="0"/>
-              <a:t>commit -m "first </a:t>
-            </a:r>
-            <a:r>
-              <a:rPr lang="en-US" altLang="ko-KR" dirty="0" smtClean="0"/>
-              <a:t>commit“</a:t>
-            </a:r>
-          </a:p>
-          <a:p>
-            <a:r>
-              <a:rPr lang="en-US" altLang="ko-KR" dirty="0" err="1"/>
-              <a:t>git</a:t>
-            </a:r>
-            <a:r>
-              <a:rPr lang="en-US" altLang="ko-KR" dirty="0"/>
-              <a:t> push -u origin main</a:t>
+              <a:t>작업순서 확인</a:t>
             </a:r>
             <a:endParaRPr lang="ko-KR" altLang="en-US" dirty="0"/>
           </a:p>
         </p:txBody>
       </p:sp>
+      <p:pic>
+        <p:nvPicPr>
+          <p:cNvPr id="4" name="Picture 3"/>
+          <p:cNvPicPr>
+            <a:picLocks noChangeAspect="1"/>
+          </p:cNvPicPr>
+          <p:nvPr/>
+        </p:nvPicPr>
+        <p:blipFill>
+          <a:blip r:embed="rId2"/>
+          <a:stretch>
+            <a:fillRect/>
+          </a:stretch>
+        </p:blipFill>
+        <p:spPr>
+          <a:xfrm>
+            <a:off x="6686843" y="1986160"/>
+            <a:ext cx="5031545" cy="4449115"/>
+          </a:xfrm>
+          <a:prstGeom prst="rect">
+            <a:avLst/>
+          </a:prstGeom>
+        </p:spPr>
+      </p:pic>
+      <mc:AlternateContent xmlns:mc="http://schemas.openxmlformats.org/markup-compatibility/2006">
+        <mc:Choice xmlns:p14="http://schemas.microsoft.com/office/powerpoint/2010/main" Requires="p14">
+          <p:contentPart p14:bwMode="auto" r:id="rId3">
+            <p14:nvContentPartPr>
+              <p14:cNvPr id="5" name="Ink 4"/>
+              <p14:cNvContentPartPr/>
+              <p14:nvPr/>
+            </p14:nvContentPartPr>
+            <p14:xfrm>
+              <a:off x="8834760" y="2508840"/>
+              <a:ext cx="2208600" cy="2694960"/>
+            </p14:xfrm>
+          </p:contentPart>
+        </mc:Choice>
+        <mc:Fallback>
+          <p:pic>
+            <p:nvPicPr>
+              <p:cNvPr id="5" name="Ink 4"/>
+              <p:cNvPicPr/>
+              <p:nvPr/>
+            </p:nvPicPr>
+            <p:blipFill>
+              <a:blip r:embed="rId4"/>
+              <a:stretch>
+                <a:fillRect/>
+              </a:stretch>
+            </p:blipFill>
+            <p:spPr>
+              <a:xfrm>
+                <a:off x="8813520" y="2427840"/>
+                <a:ext cx="2250720" cy="2856960"/>
+              </a:xfrm>
+              <a:prstGeom prst="rect">
+                <a:avLst/>
+              </a:prstGeom>
+            </p:spPr>
+          </p:pic>
+        </mc:Fallback>
+      </mc:AlternateContent>
+      <mc:AlternateContent xmlns:mc="http://schemas.openxmlformats.org/markup-compatibility/2006">
+        <mc:Choice xmlns:p14="http://schemas.microsoft.com/office/powerpoint/2010/main" Requires="p14">
+          <p:contentPart p14:bwMode="auto" r:id="rId5">
+            <p14:nvContentPartPr>
+              <p14:cNvPr id="6" name="Ink 5"/>
+              <p14:cNvContentPartPr/>
+              <p14:nvPr/>
+            </p14:nvContentPartPr>
+            <p14:xfrm>
+              <a:off x="9286920" y="5250960"/>
+              <a:ext cx="1545840" cy="190800"/>
+            </p14:xfrm>
+          </p:contentPart>
+        </mc:Choice>
+        <mc:Fallback>
+          <p:pic>
+            <p:nvPicPr>
+              <p:cNvPr id="6" name="Ink 5"/>
+              <p:cNvPicPr/>
+              <p:nvPr/>
+            </p:nvPicPr>
+            <p:blipFill>
+              <a:blip r:embed="rId6"/>
+              <a:stretch>
+                <a:fillRect/>
+              </a:stretch>
+            </p:blipFill>
+            <p:spPr>
+              <a:xfrm>
+                <a:off x="9274680" y="5208480"/>
+                <a:ext cx="1571400" cy="317160"/>
+              </a:xfrm>
+              <a:prstGeom prst="rect">
+                <a:avLst/>
+              </a:prstGeom>
+            </p:spPr>
+          </p:pic>
+        </mc:Fallback>
+      </mc:AlternateContent>
+      <mc:AlternateContent xmlns:mc="http://schemas.openxmlformats.org/markup-compatibility/2006">
+        <mc:Choice xmlns:p14="http://schemas.microsoft.com/office/powerpoint/2010/main" Requires="p14">
+          <p:contentPart p14:bwMode="auto" r:id="rId7">
+            <p14:nvContentPartPr>
+              <p14:cNvPr id="7" name="Ink 6"/>
+              <p14:cNvContentPartPr/>
+              <p14:nvPr/>
+            </p14:nvContentPartPr>
+            <p14:xfrm>
+              <a:off x="9377280" y="6004800"/>
+              <a:ext cx="1628640" cy="230760"/>
+            </p14:xfrm>
+          </p:contentPart>
+        </mc:Choice>
+        <mc:Fallback>
+          <p:pic>
+            <p:nvPicPr>
+              <p:cNvPr id="7" name="Ink 6"/>
+              <p:cNvPicPr/>
+              <p:nvPr/>
+            </p:nvPicPr>
+            <p:blipFill>
+              <a:blip r:embed="rId8"/>
+              <a:stretch>
+                <a:fillRect/>
+              </a:stretch>
+            </p:blipFill>
+            <p:spPr>
+              <a:xfrm>
+                <a:off x="9366840" y="5930640"/>
+                <a:ext cx="1659240" cy="384480"/>
+              </a:xfrm>
+              <a:prstGeom prst="rect">
+                <a:avLst/>
+              </a:prstGeom>
+            </p:spPr>
+          </p:pic>
+        </mc:Fallback>
+      </mc:AlternateContent>
+      <mc:AlternateContent xmlns:mc="http://schemas.openxmlformats.org/markup-compatibility/2006">
+        <mc:Choice xmlns:p14="http://schemas.microsoft.com/office/powerpoint/2010/main" Requires="p14">
+          <p:contentPart p14:bwMode="auto" r:id="rId9">
+            <p14:nvContentPartPr>
+              <p14:cNvPr id="8" name="Ink 7"/>
+              <p14:cNvContentPartPr/>
+              <p14:nvPr/>
+            </p14:nvContentPartPr>
+            <p14:xfrm>
+              <a:off x="7048080" y="2800800"/>
+              <a:ext cx="693720" cy="75240"/>
+            </p14:xfrm>
+          </p:contentPart>
+        </mc:Choice>
+        <mc:Fallback>
+          <p:pic>
+            <p:nvPicPr>
+              <p:cNvPr id="8" name="Ink 7"/>
+              <p:cNvPicPr/>
+              <p:nvPr/>
+            </p:nvPicPr>
+            <p:blipFill>
+              <a:blip r:embed="rId10"/>
+              <a:stretch>
+                <a:fillRect/>
+              </a:stretch>
+            </p:blipFill>
+            <p:spPr>
+              <a:xfrm>
+                <a:off x="7042320" y="2755440"/>
+                <a:ext cx="710640" cy="139680"/>
+              </a:xfrm>
+              <a:prstGeom prst="rect">
+                <a:avLst/>
+              </a:prstGeom>
+            </p:spPr>
+          </p:pic>
+        </mc:Fallback>
+      </mc:AlternateContent>
+      <mc:AlternateContent xmlns:mc="http://schemas.openxmlformats.org/markup-compatibility/2006">
+        <mc:Choice xmlns:p14="http://schemas.microsoft.com/office/powerpoint/2010/main" Requires="p14">
+          <p:contentPart p14:bwMode="auto" r:id="rId11">
+            <p14:nvContentPartPr>
+              <p14:cNvPr id="9" name="Ink 8"/>
+              <p14:cNvContentPartPr/>
+              <p14:nvPr/>
+            </p14:nvContentPartPr>
+            <p14:xfrm>
+              <a:off x="7620840" y="4117680"/>
+              <a:ext cx="483120" cy="583920"/>
+            </p14:xfrm>
+          </p:contentPart>
+        </mc:Choice>
+        <mc:Fallback>
+          <p:pic>
+            <p:nvPicPr>
+              <p:cNvPr id="9" name="Ink 8"/>
+              <p:cNvPicPr/>
+              <p:nvPr/>
+            </p:nvPicPr>
+            <p:blipFill>
+              <a:blip r:embed="rId12"/>
+              <a:stretch>
+                <a:fillRect/>
+              </a:stretch>
+            </p:blipFill>
+            <p:spPr>
+              <a:xfrm>
+                <a:off x="7611840" y="4081680"/>
+                <a:ext cx="501120" cy="653400"/>
+              </a:xfrm>
+              <a:prstGeom prst="rect">
+                <a:avLst/>
+              </a:prstGeom>
+            </p:spPr>
+          </p:pic>
+        </mc:Fallback>
+      </mc:AlternateContent>
     </p:spTree>
     <p:extLst>
       <p:ext uri="{BB962C8B-B14F-4D97-AF65-F5344CB8AC3E}">
-        <p14:creationId xmlns:p14="http://schemas.microsoft.com/office/powerpoint/2010/main" val="2217248977"/>
+        <p14:creationId xmlns:p14="http://schemas.microsoft.com/office/powerpoint/2010/main" val="354812839"/>
       </p:ext>
     </p:extLst>
   </p:cSld>
@@ -11115,16 +15997,8 @@
           <a:lstStyle/>
           <a:p>
             <a:r>
-              <a:rPr lang="en-US" altLang="ko-KR" dirty="0" smtClean="0"/>
-              <a:t>2.CD – </a:t>
-            </a:r>
-            <a:r>
-              <a:rPr lang="en-US" altLang="ko-KR" dirty="0" err="1" smtClean="0"/>
-              <a:t>ArgoCD</a:t>
-            </a:r>
-            <a:r>
-              <a:rPr lang="en-US" altLang="ko-KR" dirty="0" smtClean="0"/>
-              <a:t> </a:t>
+              <a:rPr lang="en-US" altLang="ko-KR" dirty="0"/>
+              <a:t>CI - </a:t>
             </a:r>
             <a:r>
               <a:rPr lang="ko-KR" altLang="en-US" dirty="0" smtClean="0"/>
@@ -11136,7 +16010,7 @@
       </p:sp>
       <p:sp>
         <p:nvSpPr>
-          <p:cNvPr id="3" name="Content Placeholder 2"/>
+          <p:cNvPr id="5" name="Content Placeholder 4"/>
           <p:cNvSpPr>
             <a:spLocks noGrp="1"/>
           </p:cNvSpPr>
@@ -11149,171 +16023,1276 @@
           <a:bodyPr/>
           <a:lstStyle/>
           <a:p>
-            <a:r>
-              <a:rPr lang="ko-KR" altLang="en-US" dirty="0" smtClean="0"/>
-              <a:t>깃허브 액션을 통해 도커이미지를 빌드하고 실행테스트를 진행했지만</a:t>
-            </a:r>
-            <a:r>
-              <a:rPr lang="en-US" altLang="ko-KR" dirty="0" smtClean="0"/>
-              <a:t>, </a:t>
-            </a:r>
-            <a:r>
-              <a:rPr lang="ko-KR" altLang="en-US" dirty="0" smtClean="0"/>
-              <a:t>쿠버네티스를 활용한 애플리케이션 배포는 어려움</a:t>
-            </a:r>
-            <a:r>
-              <a:rPr lang="en-US" altLang="ko-KR" dirty="0" smtClean="0"/>
-              <a:t/>
-            </a:r>
-            <a:br>
-              <a:rPr lang="en-US" altLang="ko-KR" dirty="0" smtClean="0"/>
-            </a:br>
-            <a:r>
-              <a:rPr lang="ko-KR" altLang="en-US" dirty="0" smtClean="0">
-                <a:solidFill>
-                  <a:srgbClr val="C00000"/>
-                </a:solidFill>
-              </a:rPr>
-              <a:t>서비스는 실행되지만 배포까지 연결되지는 않은 단계 </a:t>
-            </a:r>
-            <a:endParaRPr lang="en-US" altLang="ko-KR" dirty="0">
-              <a:solidFill>
-                <a:srgbClr val="C00000"/>
-              </a:solidFill>
-            </a:endParaRPr>
-          </a:p>
-          <a:p>
             <a:pPr marL="0" indent="0">
               <a:buNone/>
             </a:pPr>
             <a:r>
               <a:rPr lang="ko-KR" altLang="en-US" dirty="0" smtClean="0"/>
-              <a:t>→ </a:t>
+              <a:t>해당 경로로 이동하여</a:t>
+            </a:r>
+            <a:r>
+              <a:rPr lang="en-US" altLang="ko-KR" dirty="0" smtClean="0"/>
+              <a:t>, </a:t>
+            </a:r>
+            <a:r>
+              <a:rPr lang="ko-KR" altLang="en-US" dirty="0" smtClean="0"/>
+              <a:t>리포지터리 주소를 복사</a:t>
+            </a:r>
+            <a:r>
+              <a:rPr lang="en-US" altLang="ko-KR" dirty="0" smtClean="0"/>
+              <a:t>, add/commit/push</a:t>
+            </a:r>
+            <a:r>
+              <a:rPr lang="ko-KR" altLang="en-US" dirty="0" smtClean="0"/>
+              <a:t>하면 </a:t>
+            </a:r>
+            <a:r>
+              <a:rPr lang="en-US" altLang="ko-KR" dirty="0"/>
+              <a:t> </a:t>
+            </a:r>
+            <a:r>
+              <a:rPr lang="ko-KR" altLang="en-US" dirty="0" smtClean="0"/>
+              <a:t>성공적으로 배포되는지 확인 가능</a:t>
+            </a:r>
+            <a:endParaRPr lang="en-US" altLang="ko-KR" dirty="0" smtClean="0"/>
+          </a:p>
+          <a:p>
+            <a:endParaRPr lang="en-US" altLang="ko-KR" dirty="0"/>
+          </a:p>
+          <a:p>
+            <a:r>
+              <a:rPr lang="en-US" altLang="ko-KR" dirty="0" smtClean="0"/>
+              <a:t>cd </a:t>
+            </a:r>
+            <a:r>
+              <a:rPr lang="ko-KR" altLang="en-US" dirty="0" smtClean="0"/>
+              <a:t>해당경로</a:t>
+            </a:r>
+            <a:endParaRPr lang="en-US" altLang="ko-KR" dirty="0" smtClean="0"/>
+          </a:p>
+          <a:p>
+            <a:r>
+              <a:rPr lang="en-US" altLang="ko-KR" dirty="0" err="1"/>
+              <a:t>git</a:t>
+            </a:r>
+            <a:r>
+              <a:rPr lang="en-US" altLang="ko-KR" dirty="0"/>
+              <a:t> </a:t>
             </a:r>
             <a:r>
               <a:rPr lang="en-US" altLang="ko-KR" dirty="0" err="1" smtClean="0"/>
-              <a:t>ArgoCD</a:t>
-            </a:r>
-            <a:r>
-              <a:rPr lang="ko-KR" altLang="en-US" dirty="0" smtClean="0"/>
-              <a:t>는 쿠버네티스 애플리케이션의 자동 배포를 가능하게 해주는 오픈소스 소프트웨어임</a:t>
+              <a:t>init</a:t>
             </a:r>
             <a:endParaRPr lang="en-US" altLang="ko-KR" dirty="0" smtClean="0"/>
           </a:p>
           <a:p>
             <a:r>
+              <a:rPr lang="en-US" altLang="ko-KR" dirty="0" err="1"/>
+              <a:t>git</a:t>
+            </a:r>
+            <a:r>
+              <a:rPr lang="en-US" altLang="ko-KR" dirty="0"/>
+              <a:t> remote add origin [</a:t>
+            </a:r>
+            <a:r>
+              <a:rPr lang="ko-KR" altLang="en-US" dirty="0"/>
+              <a:t>복사한 리포지토리 주소</a:t>
+            </a:r>
+            <a:r>
+              <a:rPr lang="en-US" altLang="ko-KR" dirty="0" smtClean="0"/>
+              <a:t>]</a:t>
+            </a:r>
+          </a:p>
+          <a:p>
+            <a:r>
+              <a:rPr lang="en-US" altLang="ko-KR" dirty="0" err="1"/>
+              <a:t>git</a:t>
+            </a:r>
+            <a:r>
+              <a:rPr lang="en-US" altLang="ko-KR" dirty="0"/>
+              <a:t> add . </a:t>
+            </a:r>
+            <a:endParaRPr lang="en-US" altLang="ko-KR" dirty="0" smtClean="0"/>
+          </a:p>
+          <a:p>
+            <a:r>
               <a:rPr lang="en-US" altLang="ko-KR" dirty="0" err="1" smtClean="0"/>
-              <a:t>ArgoCD</a:t>
-            </a:r>
-            <a:r>
-              <a:rPr lang="ko-KR" altLang="en-US" dirty="0" smtClean="0"/>
-              <a:t>를 설치하고 </a:t>
-            </a:r>
-            <a:r>
-              <a:rPr lang="en-US" altLang="ko-KR" dirty="0" err="1" smtClean="0"/>
-              <a:t>ex02</a:t>
-            </a:r>
-            <a:r>
-              <a:rPr lang="ko-KR" altLang="en-US" dirty="0" smtClean="0"/>
-              <a:t>의 </a:t>
-            </a:r>
-            <a:r>
-              <a:rPr lang="en-US" altLang="ko-KR" dirty="0" err="1" smtClean="0"/>
-              <a:t>yaml</a:t>
-            </a:r>
-            <a:r>
-              <a:rPr lang="ko-KR" altLang="en-US" dirty="0" smtClean="0"/>
-              <a:t>을 실행합니다</a:t>
-            </a:r>
-            <a:endParaRPr lang="en-US" altLang="ko-KR" dirty="0" smtClean="0"/>
-          </a:p>
-          <a:p>
-            <a:pPr lvl="1"/>
-            <a:r>
-              <a:rPr lang="it-IT" altLang="ko-KR" dirty="0"/>
-              <a:t> helm repo add argo </a:t>
-            </a:r>
-            <a:r>
-              <a:rPr lang="it-IT" altLang="ko-KR" dirty="0">
-                <a:hlinkClick r:id="rId2"/>
-              </a:rPr>
-              <a:t>https://</a:t>
-            </a:r>
-            <a:r>
-              <a:rPr lang="it-IT" altLang="ko-KR" dirty="0" smtClean="0">
-                <a:hlinkClick r:id="rId2"/>
-              </a:rPr>
-              <a:t>argoproj.github.io/argo-helm</a:t>
-            </a:r>
-            <a:endParaRPr lang="it-IT" altLang="ko-KR" dirty="0" smtClean="0"/>
-          </a:p>
-          <a:p>
-            <a:pPr lvl="1"/>
+              <a:t>git</a:t>
+            </a:r>
+            <a:r>
+              <a:rPr lang="en-US" altLang="ko-KR" dirty="0" smtClean="0"/>
+              <a:t> </a:t>
+            </a:r>
             <a:r>
               <a:rPr lang="en-US" altLang="ko-KR" dirty="0"/>
-              <a:t>helm repo </a:t>
+              <a:t>commit -m "first </a:t>
             </a:r>
             <a:r>
               <a:rPr lang="en-US" altLang="ko-KR" dirty="0" smtClean="0"/>
-              <a:t>update</a:t>
-            </a:r>
-          </a:p>
-          <a:p>
-            <a:pPr lvl="1"/>
+              <a:t>commit“</a:t>
+            </a:r>
+          </a:p>
+          <a:p>
+            <a:r>
+              <a:rPr lang="en-US" altLang="ko-KR" dirty="0" err="1"/>
+              <a:t>git</a:t>
+            </a:r>
             <a:r>
               <a:rPr lang="en-US" altLang="ko-KR" dirty="0"/>
-              <a:t>helm pull </a:t>
-            </a:r>
-            <a:r>
-              <a:rPr lang="en-US" altLang="ko-KR" dirty="0" err="1"/>
-              <a:t>argo</a:t>
-            </a:r>
-            <a:r>
-              <a:rPr lang="en-US" altLang="ko-KR" dirty="0"/>
-              <a:t>/</a:t>
-            </a:r>
-            <a:r>
-              <a:rPr lang="en-US" altLang="ko-KR" dirty="0" err="1"/>
-              <a:t>argo</a:t>
-            </a:r>
-            <a:r>
-              <a:rPr lang="en-US" altLang="ko-KR" dirty="0"/>
-              <a:t>-cd</a:t>
-            </a:r>
-            <a:endParaRPr lang="it-IT" altLang="ko-KR" dirty="0" smtClean="0"/>
-          </a:p>
-          <a:p>
-            <a:pPr lvl="1"/>
-            <a:r>
-              <a:rPr lang="en-US" altLang="ko-KR" dirty="0"/>
-              <a:t>t</a:t>
-            </a:r>
-            <a:r>
-              <a:rPr lang="en-US" altLang="ko-KR" dirty="0" smtClean="0"/>
-              <a:t>ar </a:t>
-            </a:r>
-            <a:r>
-              <a:rPr lang="en-US" altLang="ko-KR" dirty="0" err="1" smtClean="0"/>
-              <a:t>xvfz</a:t>
-            </a:r>
-            <a:r>
-              <a:rPr lang="en-US" altLang="ko-KR" dirty="0"/>
-              <a:t> argo-cd-7.7.5.tgz </a:t>
-            </a:r>
-            <a:endParaRPr lang="en-US" altLang="ko-KR" dirty="0" smtClean="0"/>
+              <a:t> push -u origin main</a:t>
+            </a:r>
+            <a:endParaRPr lang="ko-KR" altLang="en-US" dirty="0"/>
           </a:p>
         </p:txBody>
       </p:sp>
+      <mc:AlternateContent xmlns:mc="http://schemas.openxmlformats.org/markup-compatibility/2006">
+        <mc:Choice xmlns:p14="http://schemas.microsoft.com/office/powerpoint/2010/main" Requires="p14">
+          <p:contentPart p14:bwMode="auto" r:id="rId2">
+            <p14:nvContentPartPr>
+              <p14:cNvPr id="3" name="Ink 2"/>
+              <p14:cNvContentPartPr/>
+              <p14:nvPr/>
+            </p14:nvContentPartPr>
+            <p14:xfrm>
+              <a:off x="1462320" y="3479400"/>
+              <a:ext cx="2065680" cy="285480"/>
+            </p14:xfrm>
+          </p:contentPart>
+        </mc:Choice>
+        <mc:Fallback>
+          <p:pic>
+            <p:nvPicPr>
+              <p:cNvPr id="3" name="Ink 2"/>
+              <p:cNvPicPr/>
+              <p:nvPr/>
+            </p:nvPicPr>
+            <p:blipFill>
+              <a:blip r:embed="rId3"/>
+              <a:stretch>
+                <a:fillRect/>
+              </a:stretch>
+            </p:blipFill>
+            <p:spPr>
+              <a:xfrm>
+                <a:off x="1454040" y="3463560"/>
+                <a:ext cx="2077920" cy="334440"/>
+              </a:xfrm>
+              <a:prstGeom prst="rect">
+                <a:avLst/>
+              </a:prstGeom>
+            </p:spPr>
+          </p:pic>
+        </mc:Fallback>
+      </mc:AlternateContent>
+      <mc:AlternateContent xmlns:mc="http://schemas.openxmlformats.org/markup-compatibility/2006">
+        <mc:Choice xmlns:p14="http://schemas.microsoft.com/office/powerpoint/2010/main" Requires="p14">
+          <p:contentPart p14:bwMode="auto" r:id="rId4">
+            <p14:nvContentPartPr>
+              <p14:cNvPr id="4" name="Ink 3"/>
+              <p14:cNvContentPartPr/>
+              <p14:nvPr/>
+            </p14:nvContentPartPr>
+            <p14:xfrm>
+              <a:off x="1229040" y="4240080"/>
+              <a:ext cx="5932440" cy="291960"/>
+            </p14:xfrm>
+          </p:contentPart>
+        </mc:Choice>
+        <mc:Fallback>
+          <p:pic>
+            <p:nvPicPr>
+              <p:cNvPr id="4" name="Ink 3"/>
+              <p:cNvPicPr/>
+              <p:nvPr/>
+            </p:nvPicPr>
+            <p:blipFill>
+              <a:blip r:embed="rId5"/>
+              <a:stretch>
+                <a:fillRect/>
+              </a:stretch>
+            </p:blipFill>
+            <p:spPr>
+              <a:xfrm>
+                <a:off x="1220040" y="4216680"/>
+                <a:ext cx="5946840" cy="357480"/>
+              </a:xfrm>
+              <a:prstGeom prst="rect">
+                <a:avLst/>
+              </a:prstGeom>
+            </p:spPr>
+          </p:pic>
+        </mc:Fallback>
+      </mc:AlternateContent>
+      <mc:AlternateContent xmlns:mc="http://schemas.openxmlformats.org/markup-compatibility/2006">
+        <mc:Choice xmlns:p14="http://schemas.microsoft.com/office/powerpoint/2010/main" Requires="p14">
+          <p:contentPart p14:bwMode="auto" r:id="rId6">
+            <p14:nvContentPartPr>
+              <p14:cNvPr id="6" name="Ink 5"/>
+              <p14:cNvContentPartPr/>
+              <p14:nvPr/>
+            </p14:nvContentPartPr>
+            <p14:xfrm>
+              <a:off x="1303920" y="4728600"/>
+              <a:ext cx="2420280" cy="353160"/>
+            </p14:xfrm>
+          </p:contentPart>
+        </mc:Choice>
+        <mc:Fallback>
+          <p:pic>
+            <p:nvPicPr>
+              <p:cNvPr id="6" name="Ink 5"/>
+              <p:cNvPicPr/>
+              <p:nvPr/>
+            </p:nvPicPr>
+            <p:blipFill>
+              <a:blip r:embed="rId7"/>
+              <a:stretch>
+                <a:fillRect/>
+              </a:stretch>
+            </p:blipFill>
+            <p:spPr>
+              <a:xfrm>
+                <a:off x="1296720" y="4712760"/>
+                <a:ext cx="2431440" cy="397080"/>
+              </a:xfrm>
+              <a:prstGeom prst="rect">
+                <a:avLst/>
+              </a:prstGeom>
+            </p:spPr>
+          </p:pic>
+        </mc:Fallback>
+      </mc:AlternateContent>
+      <mc:AlternateContent xmlns:mc="http://schemas.openxmlformats.org/markup-compatibility/2006">
+        <mc:Choice xmlns:p14="http://schemas.microsoft.com/office/powerpoint/2010/main" Requires="p14">
+          <p:contentPart p14:bwMode="auto" r:id="rId8">
+            <p14:nvContentPartPr>
+              <p14:cNvPr id="7" name="Ink 6"/>
+              <p14:cNvContentPartPr/>
+              <p14:nvPr/>
+            </p14:nvContentPartPr>
+            <p14:xfrm>
+              <a:off x="1748880" y="5182920"/>
+              <a:ext cx="4312080" cy="306360"/>
+            </p14:xfrm>
+          </p:contentPart>
+        </mc:Choice>
+        <mc:Fallback>
+          <p:pic>
+            <p:nvPicPr>
+              <p:cNvPr id="7" name="Ink 6"/>
+              <p:cNvPicPr/>
+              <p:nvPr/>
+            </p:nvPicPr>
+            <p:blipFill>
+              <a:blip r:embed="rId9"/>
+              <a:stretch>
+                <a:fillRect/>
+              </a:stretch>
+            </p:blipFill>
+            <p:spPr>
+              <a:xfrm>
+                <a:off x="1740960" y="5141880"/>
+                <a:ext cx="4323960" cy="398160"/>
+              </a:xfrm>
+              <a:prstGeom prst="rect">
+                <a:avLst/>
+              </a:prstGeom>
+            </p:spPr>
+          </p:pic>
+        </mc:Fallback>
+      </mc:AlternateContent>
+      <mc:AlternateContent xmlns:mc="http://schemas.openxmlformats.org/markup-compatibility/2006">
+        <mc:Choice xmlns:p14="http://schemas.microsoft.com/office/powerpoint/2010/main" Requires="p14">
+          <p:contentPart p14:bwMode="auto" r:id="rId10">
+            <p14:nvContentPartPr>
+              <p14:cNvPr id="8" name="Ink 7"/>
+              <p14:cNvContentPartPr/>
+              <p14:nvPr/>
+            </p14:nvContentPartPr>
+            <p14:xfrm>
+              <a:off x="1854000" y="5766840"/>
+              <a:ext cx="3354840" cy="366840"/>
+            </p14:xfrm>
+          </p:contentPart>
+        </mc:Choice>
+        <mc:Fallback>
+          <p:pic>
+            <p:nvPicPr>
+              <p:cNvPr id="8" name="Ink 7"/>
+              <p:cNvPicPr/>
+              <p:nvPr/>
+            </p:nvPicPr>
+            <p:blipFill>
+              <a:blip r:embed="rId11"/>
+              <a:stretch>
+                <a:fillRect/>
+              </a:stretch>
+            </p:blipFill>
+            <p:spPr>
+              <a:xfrm>
+                <a:off x="1845000" y="5751000"/>
+                <a:ext cx="3367800" cy="429840"/>
+              </a:xfrm>
+              <a:prstGeom prst="rect">
+                <a:avLst/>
+              </a:prstGeom>
+            </p:spPr>
+          </p:pic>
+        </mc:Fallback>
+      </mc:AlternateContent>
+      <mc:AlternateContent xmlns:mc="http://schemas.openxmlformats.org/markup-compatibility/2006">
+        <mc:Choice xmlns:p14="http://schemas.microsoft.com/office/powerpoint/2010/main" Requires="p14">
+          <p:contentPart p14:bwMode="auto" r:id="rId12">
+            <p14:nvContentPartPr>
+              <p14:cNvPr id="9" name="Ink 8"/>
+              <p14:cNvContentPartPr/>
+              <p14:nvPr/>
+            </p14:nvContentPartPr>
+            <p14:xfrm>
+              <a:off x="9475200" y="3642480"/>
+              <a:ext cx="701280" cy="2314800"/>
+            </p14:xfrm>
+          </p:contentPart>
+        </mc:Choice>
+        <mc:Fallback>
+          <p:pic>
+            <p:nvPicPr>
+              <p:cNvPr id="9" name="Ink 8"/>
+              <p:cNvPicPr/>
+              <p:nvPr/>
+            </p:nvPicPr>
+            <p:blipFill>
+              <a:blip r:embed="rId13"/>
+              <a:stretch>
+                <a:fillRect/>
+              </a:stretch>
+            </p:blipFill>
+            <p:spPr>
+              <a:xfrm>
+                <a:off x="9464400" y="3599280"/>
+                <a:ext cx="728640" cy="2426040"/>
+              </a:xfrm>
+              <a:prstGeom prst="rect">
+                <a:avLst/>
+              </a:prstGeom>
+            </p:spPr>
+          </p:pic>
+        </mc:Fallback>
+      </mc:AlternateContent>
+      <mc:AlternateContent xmlns:mc="http://schemas.openxmlformats.org/markup-compatibility/2006">
+        <mc:Choice xmlns:p14="http://schemas.microsoft.com/office/powerpoint/2010/main" Requires="p14">
+          <p:contentPart p14:bwMode="auto" r:id="rId14">
+            <p14:nvContentPartPr>
+              <p14:cNvPr id="10" name="Ink 9"/>
+              <p14:cNvContentPartPr/>
+              <p14:nvPr/>
+            </p14:nvContentPartPr>
+            <p14:xfrm>
+              <a:off x="9611280" y="3119760"/>
+              <a:ext cx="761400" cy="577080"/>
+            </p14:xfrm>
+          </p:contentPart>
+        </mc:Choice>
+        <mc:Fallback>
+          <p:pic>
+            <p:nvPicPr>
+              <p:cNvPr id="10" name="Ink 9"/>
+              <p:cNvPicPr/>
+              <p:nvPr/>
+            </p:nvPicPr>
+            <p:blipFill>
+              <a:blip r:embed="rId15"/>
+              <a:stretch>
+                <a:fillRect/>
+              </a:stretch>
+            </p:blipFill>
+            <p:spPr>
+              <a:xfrm>
+                <a:off x="9595080" y="3074400"/>
+                <a:ext cx="781560" cy="688680"/>
+              </a:xfrm>
+              <a:prstGeom prst="rect">
+                <a:avLst/>
+              </a:prstGeom>
+            </p:spPr>
+          </p:pic>
+        </mc:Fallback>
+      </mc:AlternateContent>
+      <mc:AlternateContent xmlns:mc="http://schemas.openxmlformats.org/markup-compatibility/2006">
+        <mc:Choice xmlns:p14="http://schemas.microsoft.com/office/powerpoint/2010/main" Requires="p14">
+          <p:contentPart p14:bwMode="auto" r:id="rId16">
+            <p14:nvContentPartPr>
+              <p14:cNvPr id="11" name="Ink 10"/>
+              <p14:cNvContentPartPr/>
+              <p14:nvPr/>
+            </p14:nvContentPartPr>
+            <p14:xfrm>
+              <a:off x="9438120" y="3112920"/>
+              <a:ext cx="1115280" cy="1025280"/>
+            </p14:xfrm>
+          </p:contentPart>
+        </mc:Choice>
+        <mc:Fallback>
+          <p:pic>
+            <p:nvPicPr>
+              <p:cNvPr id="11" name="Ink 10"/>
+              <p:cNvPicPr/>
+              <p:nvPr/>
+            </p:nvPicPr>
+            <p:blipFill>
+              <a:blip r:embed="rId17"/>
+              <a:stretch>
+                <a:fillRect/>
+              </a:stretch>
+            </p:blipFill>
+            <p:spPr>
+              <a:xfrm>
+                <a:off x="9424800" y="3065760"/>
+                <a:ext cx="1135080" cy="1146600"/>
+              </a:xfrm>
+              <a:prstGeom prst="rect">
+                <a:avLst/>
+              </a:prstGeom>
+            </p:spPr>
+          </p:pic>
+        </mc:Fallback>
+      </mc:AlternateContent>
+      <mc:AlternateContent xmlns:mc="http://schemas.openxmlformats.org/markup-compatibility/2006">
+        <mc:Choice xmlns:p14="http://schemas.microsoft.com/office/powerpoint/2010/main" Requires="p14">
+          <p:contentPart p14:bwMode="auto" r:id="rId18">
+            <p14:nvContentPartPr>
+              <p14:cNvPr id="12" name="Ink 11"/>
+              <p14:cNvContentPartPr/>
+              <p14:nvPr/>
+            </p14:nvContentPartPr>
+            <p14:xfrm>
+              <a:off x="10048320" y="3547440"/>
+              <a:ext cx="1379880" cy="801360"/>
+            </p14:xfrm>
+          </p:contentPart>
+        </mc:Choice>
+        <mc:Fallback>
+          <p:pic>
+            <p:nvPicPr>
+              <p:cNvPr id="12" name="Ink 11"/>
+              <p:cNvPicPr/>
+              <p:nvPr/>
+            </p:nvPicPr>
+            <p:blipFill>
+              <a:blip r:embed="rId19"/>
+              <a:stretch>
+                <a:fillRect/>
+              </a:stretch>
+            </p:blipFill>
+            <p:spPr>
+              <a:xfrm>
+                <a:off x="10037520" y="3504960"/>
+                <a:ext cx="1406520" cy="911880"/>
+              </a:xfrm>
+              <a:prstGeom prst="rect">
+                <a:avLst/>
+              </a:prstGeom>
+            </p:spPr>
+          </p:pic>
+        </mc:Fallback>
+      </mc:AlternateContent>
+      <mc:AlternateContent xmlns:mc="http://schemas.openxmlformats.org/markup-compatibility/2006">
+        <mc:Choice xmlns:p14="http://schemas.microsoft.com/office/powerpoint/2010/main" Requires="p14">
+          <p:contentPart p14:bwMode="auto" r:id="rId20">
+            <p14:nvContentPartPr>
+              <p14:cNvPr id="13" name="Ink 12"/>
+              <p14:cNvContentPartPr/>
+              <p14:nvPr/>
+            </p14:nvContentPartPr>
+            <p14:xfrm>
+              <a:off x="11050920" y="3560760"/>
+              <a:ext cx="347040" cy="862920"/>
+            </p14:xfrm>
+          </p:contentPart>
+        </mc:Choice>
+        <mc:Fallback>
+          <p:pic>
+            <p:nvPicPr>
+              <p:cNvPr id="13" name="Ink 12"/>
+              <p:cNvPicPr/>
+              <p:nvPr/>
+            </p:nvPicPr>
+            <p:blipFill>
+              <a:blip r:embed="rId21"/>
+              <a:stretch>
+                <a:fillRect/>
+              </a:stretch>
+            </p:blipFill>
+            <p:spPr>
+              <a:xfrm>
+                <a:off x="11037960" y="3510000"/>
+                <a:ext cx="377280" cy="965520"/>
+              </a:xfrm>
+              <a:prstGeom prst="rect">
+                <a:avLst/>
+              </a:prstGeom>
+            </p:spPr>
+          </p:pic>
+        </mc:Fallback>
+      </mc:AlternateContent>
+      <mc:AlternateContent xmlns:mc="http://schemas.openxmlformats.org/markup-compatibility/2006">
+        <mc:Choice xmlns:p14="http://schemas.microsoft.com/office/powerpoint/2010/main" Requires="p14">
+          <p:contentPart p14:bwMode="auto" r:id="rId22">
+            <p14:nvContentPartPr>
+              <p14:cNvPr id="14" name="Ink 13"/>
+              <p14:cNvContentPartPr/>
+              <p14:nvPr/>
+            </p14:nvContentPartPr>
+            <p14:xfrm>
+              <a:off x="11164320" y="2855160"/>
+              <a:ext cx="874080" cy="733320"/>
+            </p14:xfrm>
+          </p:contentPart>
+        </mc:Choice>
+        <mc:Fallback>
+          <p:pic>
+            <p:nvPicPr>
+              <p:cNvPr id="14" name="Ink 13"/>
+              <p:cNvPicPr/>
+              <p:nvPr/>
+            </p:nvPicPr>
+            <p:blipFill>
+              <a:blip r:embed="rId23"/>
+              <a:stretch>
+                <a:fillRect/>
+              </a:stretch>
+            </p:blipFill>
+            <p:spPr>
+              <a:xfrm>
+                <a:off x="11149200" y="2796840"/>
+                <a:ext cx="900000" cy="852480"/>
+              </a:xfrm>
+              <a:prstGeom prst="rect">
+                <a:avLst/>
+              </a:prstGeom>
+            </p:spPr>
+          </p:pic>
+        </mc:Fallback>
+      </mc:AlternateContent>
+      <mc:AlternateContent xmlns:mc="http://schemas.openxmlformats.org/markup-compatibility/2006">
+        <mc:Choice xmlns:p14="http://schemas.microsoft.com/office/powerpoint/2010/main" Requires="p14">
+          <p:contentPart p14:bwMode="auto" r:id="rId24">
+            <p14:nvContentPartPr>
+              <p14:cNvPr id="15" name="Ink 14"/>
+              <p14:cNvContentPartPr/>
+              <p14:nvPr/>
+            </p14:nvContentPartPr>
+            <p14:xfrm>
+              <a:off x="10749240" y="2223720"/>
+              <a:ext cx="468000" cy="197280"/>
+            </p14:xfrm>
+          </p:contentPart>
+        </mc:Choice>
+        <mc:Fallback>
+          <p:pic>
+            <p:nvPicPr>
+              <p:cNvPr id="15" name="Ink 14"/>
+              <p:cNvPicPr/>
+              <p:nvPr/>
+            </p:nvPicPr>
+            <p:blipFill>
+              <a:blip r:embed="rId25"/>
+              <a:stretch>
+                <a:fillRect/>
+              </a:stretch>
+            </p:blipFill>
+            <p:spPr>
+              <a:xfrm>
+                <a:off x="10741320" y="2194200"/>
+                <a:ext cx="479880" cy="264240"/>
+              </a:xfrm>
+              <a:prstGeom prst="rect">
+                <a:avLst/>
+              </a:prstGeom>
+            </p:spPr>
+          </p:pic>
+        </mc:Fallback>
+      </mc:AlternateContent>
+      <mc:AlternateContent xmlns:mc="http://schemas.openxmlformats.org/markup-compatibility/2006">
+        <mc:Choice xmlns:p14="http://schemas.microsoft.com/office/powerpoint/2010/main" Requires="p14">
+          <p:contentPart p14:bwMode="auto" r:id="rId26">
+            <p14:nvContentPartPr>
+              <p14:cNvPr id="16" name="Ink 15"/>
+              <p14:cNvContentPartPr/>
+              <p14:nvPr/>
+            </p14:nvContentPartPr>
+            <p14:xfrm>
+              <a:off x="10869840" y="2828160"/>
+              <a:ext cx="151200" cy="617760"/>
+            </p14:xfrm>
+          </p:contentPart>
+        </mc:Choice>
+        <mc:Fallback>
+          <p:pic>
+            <p:nvPicPr>
+              <p:cNvPr id="16" name="Ink 15"/>
+              <p:cNvPicPr/>
+              <p:nvPr/>
+            </p:nvPicPr>
+            <p:blipFill>
+              <a:blip r:embed="rId27"/>
+              <a:stretch>
+                <a:fillRect/>
+              </a:stretch>
+            </p:blipFill>
+            <p:spPr>
+              <a:xfrm>
+                <a:off x="10857960" y="2778840"/>
+                <a:ext cx="167040" cy="687600"/>
+              </a:xfrm>
+              <a:prstGeom prst="rect">
+                <a:avLst/>
+              </a:prstGeom>
+            </p:spPr>
+          </p:pic>
+        </mc:Fallback>
+      </mc:AlternateContent>
+      <mc:AlternateContent xmlns:mc="http://schemas.openxmlformats.org/markup-compatibility/2006">
+        <mc:Choice xmlns:p14="http://schemas.microsoft.com/office/powerpoint/2010/main" Requires="p14">
+          <p:contentPart p14:bwMode="auto" r:id="rId28">
+            <p14:nvContentPartPr>
+              <p14:cNvPr id="17" name="Ink 16"/>
+              <p14:cNvContentPartPr/>
+              <p14:nvPr/>
+            </p14:nvContentPartPr>
+            <p14:xfrm>
+              <a:off x="10817280" y="2726280"/>
+              <a:ext cx="331920" cy="393840"/>
+            </p14:xfrm>
+          </p:contentPart>
+        </mc:Choice>
+        <mc:Fallback>
+          <p:pic>
+            <p:nvPicPr>
+              <p:cNvPr id="17" name="Ink 16"/>
+              <p:cNvPicPr/>
+              <p:nvPr/>
+            </p:nvPicPr>
+            <p:blipFill>
+              <a:blip r:embed="rId29"/>
+              <a:stretch>
+                <a:fillRect/>
+              </a:stretch>
+            </p:blipFill>
+            <p:spPr>
+              <a:xfrm>
+                <a:off x="10810800" y="2687760"/>
+                <a:ext cx="349560" cy="459360"/>
+              </a:xfrm>
+              <a:prstGeom prst="rect">
+                <a:avLst/>
+              </a:prstGeom>
+            </p:spPr>
+          </p:pic>
+        </mc:Fallback>
+      </mc:AlternateContent>
+      <mc:AlternateContent xmlns:mc="http://schemas.openxmlformats.org/markup-compatibility/2006">
+        <mc:Choice xmlns:p14="http://schemas.microsoft.com/office/powerpoint/2010/main" Requires="p14">
+          <p:contentPart p14:bwMode="auto" r:id="rId30">
+            <p14:nvContentPartPr>
+              <p14:cNvPr id="18" name="Ink 17"/>
+              <p14:cNvContentPartPr/>
+              <p14:nvPr/>
+            </p14:nvContentPartPr>
+            <p14:xfrm>
+              <a:off x="11314800" y="2542680"/>
+              <a:ext cx="377280" cy="319320"/>
+            </p14:xfrm>
+          </p:contentPart>
+        </mc:Choice>
+        <mc:Fallback>
+          <p:pic>
+            <p:nvPicPr>
+              <p:cNvPr id="18" name="Ink 17"/>
+              <p:cNvPicPr/>
+              <p:nvPr/>
+            </p:nvPicPr>
+            <p:blipFill>
+              <a:blip r:embed="rId31"/>
+              <a:stretch>
+                <a:fillRect/>
+              </a:stretch>
+            </p:blipFill>
+            <p:spPr>
+              <a:xfrm>
+                <a:off x="11302920" y="2485800"/>
+                <a:ext cx="393120" cy="416880"/>
+              </a:xfrm>
+              <a:prstGeom prst="rect">
+                <a:avLst/>
+              </a:prstGeom>
+            </p:spPr>
+          </p:pic>
+        </mc:Fallback>
+      </mc:AlternateContent>
+      <mc:AlternateContent xmlns:mc="http://schemas.openxmlformats.org/markup-compatibility/2006">
+        <mc:Choice xmlns:p14="http://schemas.microsoft.com/office/powerpoint/2010/main" Requires="p14">
+          <p:contentPart p14:bwMode="auto" r:id="rId32">
+            <p14:nvContentPartPr>
+              <p14:cNvPr id="19" name="Ink 18"/>
+              <p14:cNvContentPartPr/>
+              <p14:nvPr/>
+            </p14:nvContentPartPr>
+            <p14:xfrm>
+              <a:off x="11698920" y="2366280"/>
+              <a:ext cx="128520" cy="556920"/>
+            </p14:xfrm>
+          </p:contentPart>
+        </mc:Choice>
+        <mc:Fallback>
+          <p:pic>
+            <p:nvPicPr>
+              <p:cNvPr id="19" name="Ink 18"/>
+              <p:cNvPicPr/>
+              <p:nvPr/>
+            </p:nvPicPr>
+            <p:blipFill>
+              <a:blip r:embed="rId33"/>
+              <a:stretch>
+                <a:fillRect/>
+              </a:stretch>
+            </p:blipFill>
+            <p:spPr>
+              <a:xfrm>
+                <a:off x="11686680" y="2335680"/>
+                <a:ext cx="148320" cy="614880"/>
+              </a:xfrm>
+              <a:prstGeom prst="rect">
+                <a:avLst/>
+              </a:prstGeom>
+            </p:spPr>
+          </p:pic>
+        </mc:Fallback>
+      </mc:AlternateContent>
+      <mc:AlternateContent xmlns:mc="http://schemas.openxmlformats.org/markup-compatibility/2006">
+        <mc:Choice xmlns:p14="http://schemas.microsoft.com/office/powerpoint/2010/main" Requires="p14">
+          <p:contentPart p14:bwMode="auto" r:id="rId34">
+            <p14:nvContentPartPr>
+              <p14:cNvPr id="20" name="Ink 19"/>
+              <p14:cNvContentPartPr/>
+              <p14:nvPr/>
+            </p14:nvContentPartPr>
+            <p14:xfrm>
+              <a:off x="11811960" y="2149200"/>
+              <a:ext cx="279720" cy="760680"/>
+            </p14:xfrm>
+          </p:contentPart>
+        </mc:Choice>
+        <mc:Fallback>
+          <p:pic>
+            <p:nvPicPr>
+              <p:cNvPr id="20" name="Ink 19"/>
+              <p:cNvPicPr/>
+              <p:nvPr/>
+            </p:nvPicPr>
+            <p:blipFill>
+              <a:blip r:embed="rId35"/>
+              <a:stretch>
+                <a:fillRect/>
+              </a:stretch>
+            </p:blipFill>
+            <p:spPr>
+              <a:xfrm>
+                <a:off x="11800800" y="2116080"/>
+                <a:ext cx="295200" cy="810000"/>
+              </a:xfrm>
+              <a:prstGeom prst="rect">
+                <a:avLst/>
+              </a:prstGeom>
+            </p:spPr>
+          </p:pic>
+        </mc:Fallback>
+      </mc:AlternateContent>
+      <mc:AlternateContent xmlns:mc="http://schemas.openxmlformats.org/markup-compatibility/2006">
+        <mc:Choice xmlns:p14="http://schemas.microsoft.com/office/powerpoint/2010/main" Requires="p14">
+          <p:contentPart p14:bwMode="auto" r:id="rId36">
+            <p14:nvContentPartPr>
+              <p14:cNvPr id="21" name="Ink 20"/>
+              <p14:cNvContentPartPr/>
+              <p14:nvPr/>
+            </p14:nvContentPartPr>
+            <p14:xfrm>
+              <a:off x="12128760" y="4463640"/>
+              <a:ext cx="22680" cy="61200"/>
+            </p14:xfrm>
+          </p:contentPart>
+        </mc:Choice>
+        <mc:Fallback>
+          <p:pic>
+            <p:nvPicPr>
+              <p:cNvPr id="21" name="Ink 20"/>
+              <p:cNvPicPr/>
+              <p:nvPr/>
+            </p:nvPicPr>
+            <p:blipFill>
+              <a:blip r:embed="rId37"/>
+              <a:stretch>
+                <a:fillRect/>
+              </a:stretch>
+            </p:blipFill>
+            <p:spPr>
+              <a:xfrm>
+                <a:off x="12112920" y="4400280"/>
+                <a:ext cx="54360" cy="188280"/>
+              </a:xfrm>
+              <a:prstGeom prst="rect">
+                <a:avLst/>
+              </a:prstGeom>
+            </p:spPr>
+          </p:pic>
+        </mc:Fallback>
+      </mc:AlternateContent>
+      <mc:AlternateContent xmlns:mc="http://schemas.openxmlformats.org/markup-compatibility/2006">
+        <mc:Choice xmlns:p14="http://schemas.microsoft.com/office/powerpoint/2010/main" Requires="p14">
+          <p:contentPart p14:bwMode="auto" r:id="rId38">
+            <p14:nvContentPartPr>
+              <p14:cNvPr id="22" name="Ink 21"/>
+              <p14:cNvContentPartPr/>
+              <p14:nvPr/>
+            </p14:nvContentPartPr>
+            <p14:xfrm>
+              <a:off x="7432200" y="486360"/>
+              <a:ext cx="272160" cy="882720"/>
+            </p14:xfrm>
+          </p:contentPart>
+        </mc:Choice>
+        <mc:Fallback>
+          <p:pic>
+            <p:nvPicPr>
+              <p:cNvPr id="22" name="Ink 21"/>
+              <p:cNvPicPr/>
+              <p:nvPr/>
+            </p:nvPicPr>
+            <p:blipFill>
+              <a:blip r:embed="rId39"/>
+              <a:stretch>
+                <a:fillRect/>
+              </a:stretch>
+            </p:blipFill>
+            <p:spPr>
+              <a:xfrm>
+                <a:off x="7419600" y="450360"/>
+                <a:ext cx="297720" cy="961560"/>
+              </a:xfrm>
+              <a:prstGeom prst="rect">
+                <a:avLst/>
+              </a:prstGeom>
+            </p:spPr>
+          </p:pic>
+        </mc:Fallback>
+      </mc:AlternateContent>
+      <mc:AlternateContent xmlns:mc="http://schemas.openxmlformats.org/markup-compatibility/2006">
+        <mc:Choice xmlns:p14="http://schemas.microsoft.com/office/powerpoint/2010/main" Requires="p14">
+          <p:contentPart p14:bwMode="auto" r:id="rId40">
+            <p14:nvContentPartPr>
+              <p14:cNvPr id="23" name="Ink 22"/>
+              <p14:cNvContentPartPr/>
+              <p14:nvPr/>
+            </p14:nvContentPartPr>
+            <p14:xfrm>
+              <a:off x="7635960" y="574200"/>
+              <a:ext cx="279360" cy="536760"/>
+            </p14:xfrm>
+          </p:contentPart>
+        </mc:Choice>
+        <mc:Fallback>
+          <p:pic>
+            <p:nvPicPr>
+              <p:cNvPr id="23" name="Ink 22"/>
+              <p:cNvPicPr/>
+              <p:nvPr/>
+            </p:nvPicPr>
+            <p:blipFill>
+              <a:blip r:embed="rId41"/>
+              <a:stretch>
+                <a:fillRect/>
+              </a:stretch>
+            </p:blipFill>
+            <p:spPr>
+              <a:xfrm>
+                <a:off x="7631280" y="539280"/>
+                <a:ext cx="295560" cy="587520"/>
+              </a:xfrm>
+              <a:prstGeom prst="rect">
+                <a:avLst/>
+              </a:prstGeom>
+            </p:spPr>
+          </p:pic>
+        </mc:Fallback>
+      </mc:AlternateContent>
+      <mc:AlternateContent xmlns:mc="http://schemas.openxmlformats.org/markup-compatibility/2006">
+        <mc:Choice xmlns:p14="http://schemas.microsoft.com/office/powerpoint/2010/main" Requires="p14">
+          <p:contentPart p14:bwMode="auto" r:id="rId42">
+            <p14:nvContentPartPr>
+              <p14:cNvPr id="24" name="Ink 23"/>
+              <p14:cNvContentPartPr/>
+              <p14:nvPr/>
+            </p14:nvContentPartPr>
+            <p14:xfrm>
+              <a:off x="7650720" y="784800"/>
+              <a:ext cx="377280" cy="88560"/>
+            </p14:xfrm>
+          </p:contentPart>
+        </mc:Choice>
+        <mc:Fallback>
+          <p:pic>
+            <p:nvPicPr>
+              <p:cNvPr id="24" name="Ink 23"/>
+              <p:cNvPicPr/>
+              <p:nvPr/>
+            </p:nvPicPr>
+            <p:blipFill>
+              <a:blip r:embed="rId43"/>
+              <a:stretch>
+                <a:fillRect/>
+              </a:stretch>
+            </p:blipFill>
+            <p:spPr>
+              <a:xfrm>
+                <a:off x="7640280" y="750960"/>
+                <a:ext cx="391680" cy="151920"/>
+              </a:xfrm>
+              <a:prstGeom prst="rect">
+                <a:avLst/>
+              </a:prstGeom>
+            </p:spPr>
+          </p:pic>
+        </mc:Fallback>
+      </mc:AlternateContent>
+      <mc:AlternateContent xmlns:mc="http://schemas.openxmlformats.org/markup-compatibility/2006">
+        <mc:Choice xmlns:p14="http://schemas.microsoft.com/office/powerpoint/2010/main" Requires="p14">
+          <p:contentPart p14:bwMode="auto" r:id="rId44">
+            <p14:nvContentPartPr>
+              <p14:cNvPr id="25" name="Ink 24"/>
+              <p14:cNvContentPartPr/>
+              <p14:nvPr/>
+            </p14:nvContentPartPr>
+            <p14:xfrm>
+              <a:off x="8043480" y="696600"/>
+              <a:ext cx="324000" cy="455400"/>
+            </p14:xfrm>
+          </p:contentPart>
+        </mc:Choice>
+        <mc:Fallback>
+          <p:pic>
+            <p:nvPicPr>
+              <p:cNvPr id="25" name="Ink 24"/>
+              <p:cNvPicPr/>
+              <p:nvPr/>
+            </p:nvPicPr>
+            <p:blipFill>
+              <a:blip r:embed="rId45"/>
+              <a:stretch>
+                <a:fillRect/>
+              </a:stretch>
+            </p:blipFill>
+            <p:spPr>
+              <a:xfrm>
+                <a:off x="8030880" y="673560"/>
+                <a:ext cx="340560" cy="533160"/>
+              </a:xfrm>
+              <a:prstGeom prst="rect">
+                <a:avLst/>
+              </a:prstGeom>
+            </p:spPr>
+          </p:pic>
+        </mc:Fallback>
+      </mc:AlternateContent>
+      <mc:AlternateContent xmlns:mc="http://schemas.openxmlformats.org/markup-compatibility/2006">
+        <mc:Choice xmlns:p14="http://schemas.microsoft.com/office/powerpoint/2010/main" Requires="p14">
+          <p:contentPart p14:bwMode="auto" r:id="rId46">
+            <p14:nvContentPartPr>
+              <p14:cNvPr id="26" name="Ink 25"/>
+              <p14:cNvContentPartPr/>
+              <p14:nvPr/>
+            </p14:nvContentPartPr>
+            <p14:xfrm>
+              <a:off x="8404920" y="601560"/>
+              <a:ext cx="512640" cy="333000"/>
+            </p14:xfrm>
+          </p:contentPart>
+        </mc:Choice>
+        <mc:Fallback>
+          <p:pic>
+            <p:nvPicPr>
+              <p:cNvPr id="26" name="Ink 25"/>
+              <p:cNvPicPr/>
+              <p:nvPr/>
+            </p:nvPicPr>
+            <p:blipFill>
+              <a:blip r:embed="rId47"/>
+              <a:stretch>
+                <a:fillRect/>
+              </a:stretch>
+            </p:blipFill>
+            <p:spPr>
+              <a:xfrm>
+                <a:off x="8390520" y="583560"/>
+                <a:ext cx="532440" cy="405360"/>
+              </a:xfrm>
+              <a:prstGeom prst="rect">
+                <a:avLst/>
+              </a:prstGeom>
+            </p:spPr>
+          </p:pic>
+        </mc:Fallback>
+      </mc:AlternateContent>
+      <mc:AlternateContent xmlns:mc="http://schemas.openxmlformats.org/markup-compatibility/2006">
+        <mc:Choice xmlns:p14="http://schemas.microsoft.com/office/powerpoint/2010/main" Requires="p14">
+          <p:contentPart p14:bwMode="auto" r:id="rId48">
+            <p14:nvContentPartPr>
+              <p14:cNvPr id="27" name="Ink 26"/>
+              <p14:cNvContentPartPr/>
+              <p14:nvPr/>
+            </p14:nvContentPartPr>
+            <p14:xfrm>
+              <a:off x="8661600" y="418680"/>
+              <a:ext cx="90720" cy="889200"/>
+            </p14:xfrm>
+          </p:contentPart>
+        </mc:Choice>
+        <mc:Fallback>
+          <p:pic>
+            <p:nvPicPr>
+              <p:cNvPr id="27" name="Ink 26"/>
+              <p:cNvPicPr/>
+              <p:nvPr/>
+            </p:nvPicPr>
+            <p:blipFill>
+              <a:blip r:embed="rId49"/>
+              <a:stretch>
+                <a:fillRect/>
+              </a:stretch>
+            </p:blipFill>
+            <p:spPr>
+              <a:xfrm>
+                <a:off x="8648640" y="384480"/>
+                <a:ext cx="107640" cy="939240"/>
+              </a:xfrm>
+              <a:prstGeom prst="rect">
+                <a:avLst/>
+              </a:prstGeom>
+            </p:spPr>
+          </p:pic>
+        </mc:Fallback>
+      </mc:AlternateContent>
+      <mc:AlternateContent xmlns:mc="http://schemas.openxmlformats.org/markup-compatibility/2006">
+        <mc:Choice xmlns:p14="http://schemas.microsoft.com/office/powerpoint/2010/main" Requires="p14">
+          <p:contentPart p14:bwMode="auto" r:id="rId50">
+            <p14:nvContentPartPr>
+              <p14:cNvPr id="28" name="Ink 27"/>
+              <p14:cNvContentPartPr/>
+              <p14:nvPr/>
+            </p14:nvContentPartPr>
+            <p14:xfrm>
+              <a:off x="8872560" y="662400"/>
+              <a:ext cx="158400" cy="360360"/>
+            </p14:xfrm>
+          </p:contentPart>
+        </mc:Choice>
+        <mc:Fallback>
+          <p:pic>
+            <p:nvPicPr>
+              <p:cNvPr id="28" name="Ink 27"/>
+              <p:cNvPicPr/>
+              <p:nvPr/>
+            </p:nvPicPr>
+            <p:blipFill>
+              <a:blip r:embed="rId51"/>
+              <a:stretch>
+                <a:fillRect/>
+              </a:stretch>
+            </p:blipFill>
+            <p:spPr>
+              <a:xfrm>
+                <a:off x="8861400" y="637200"/>
+                <a:ext cx="173520" cy="431280"/>
+              </a:xfrm>
+              <a:prstGeom prst="rect">
+                <a:avLst/>
+              </a:prstGeom>
+            </p:spPr>
+          </p:pic>
+        </mc:Fallback>
+      </mc:AlternateContent>
+      <mc:AlternateContent xmlns:mc="http://schemas.openxmlformats.org/markup-compatibility/2006">
+        <mc:Choice xmlns:p14="http://schemas.microsoft.com/office/powerpoint/2010/main" Requires="p14">
+          <p:contentPart p14:bwMode="auto" r:id="rId52">
+            <p14:nvContentPartPr>
+              <p14:cNvPr id="29" name="Ink 28"/>
+              <p14:cNvContentPartPr/>
+              <p14:nvPr/>
+            </p14:nvContentPartPr>
+            <p14:xfrm>
+              <a:off x="9061200" y="635400"/>
+              <a:ext cx="120600" cy="306000"/>
+            </p14:xfrm>
+          </p:contentPart>
+        </mc:Choice>
+        <mc:Fallback>
+          <p:pic>
+            <p:nvPicPr>
+              <p:cNvPr id="29" name="Ink 28"/>
+              <p:cNvPicPr/>
+              <p:nvPr/>
+            </p:nvPicPr>
+            <p:blipFill>
+              <a:blip r:embed="rId53"/>
+              <a:stretch>
+                <a:fillRect/>
+              </a:stretch>
+            </p:blipFill>
+            <p:spPr>
+              <a:xfrm>
+                <a:off x="9047880" y="594360"/>
+                <a:ext cx="141840" cy="399960"/>
+              </a:xfrm>
+              <a:prstGeom prst="rect">
+                <a:avLst/>
+              </a:prstGeom>
+            </p:spPr>
+          </p:pic>
+        </mc:Fallback>
+      </mc:AlternateContent>
+      <mc:AlternateContent xmlns:mc="http://schemas.openxmlformats.org/markup-compatibility/2006">
+        <mc:Choice xmlns:p14="http://schemas.microsoft.com/office/powerpoint/2010/main" Requires="p14">
+          <p:contentPart p14:bwMode="auto" r:id="rId54">
+            <p14:nvContentPartPr>
+              <p14:cNvPr id="30" name="Ink 29"/>
+              <p14:cNvContentPartPr/>
+              <p14:nvPr/>
+            </p14:nvContentPartPr>
+            <p14:xfrm>
+              <a:off x="9038160" y="303480"/>
+              <a:ext cx="196200" cy="81360"/>
+            </p14:xfrm>
+          </p:contentPart>
+        </mc:Choice>
+        <mc:Fallback>
+          <p:pic>
+            <p:nvPicPr>
+              <p:cNvPr id="30" name="Ink 29"/>
+              <p:cNvPicPr/>
+              <p:nvPr/>
+            </p:nvPicPr>
+            <p:blipFill>
+              <a:blip r:embed="rId55"/>
+              <a:stretch>
+                <a:fillRect/>
+              </a:stretch>
+            </p:blipFill>
+            <p:spPr>
+              <a:xfrm>
+                <a:off x="9029520" y="265320"/>
+                <a:ext cx="208800" cy="135720"/>
+              </a:xfrm>
+              <a:prstGeom prst="rect">
+                <a:avLst/>
+              </a:prstGeom>
+            </p:spPr>
+          </p:pic>
+        </mc:Fallback>
+      </mc:AlternateContent>
+      <mc:AlternateContent xmlns:mc="http://schemas.openxmlformats.org/markup-compatibility/2006">
+        <mc:Choice xmlns:p14="http://schemas.microsoft.com/office/powerpoint/2010/main" Requires="p14">
+          <p:contentPart p14:bwMode="auto" r:id="rId56">
+            <p14:nvContentPartPr>
+              <p14:cNvPr id="31" name="Ink 30"/>
+              <p14:cNvContentPartPr/>
+              <p14:nvPr/>
+            </p14:nvContentPartPr>
+            <p14:xfrm>
+              <a:off x="9128520" y="703440"/>
+              <a:ext cx="362520" cy="434880"/>
+            </p14:xfrm>
+          </p:contentPart>
+        </mc:Choice>
+        <mc:Fallback>
+          <p:pic>
+            <p:nvPicPr>
+              <p:cNvPr id="31" name="Ink 30"/>
+              <p:cNvPicPr/>
+              <p:nvPr/>
+            </p:nvPicPr>
+            <p:blipFill>
+              <a:blip r:embed="rId57"/>
+              <a:stretch>
+                <a:fillRect/>
+              </a:stretch>
+            </p:blipFill>
+            <p:spPr>
+              <a:xfrm>
+                <a:off x="9122760" y="678960"/>
+                <a:ext cx="383400" cy="475200"/>
+              </a:xfrm>
+              <a:prstGeom prst="rect">
+                <a:avLst/>
+              </a:prstGeom>
+            </p:spPr>
+          </p:pic>
+        </mc:Fallback>
+      </mc:AlternateContent>
+      <mc:AlternateContent xmlns:mc="http://schemas.openxmlformats.org/markup-compatibility/2006">
+        <mc:Choice xmlns:p14="http://schemas.microsoft.com/office/powerpoint/2010/main" Requires="p14">
+          <p:contentPart p14:bwMode="auto" r:id="rId58">
+            <p14:nvContentPartPr>
+              <p14:cNvPr id="32" name="Ink 31"/>
+              <p14:cNvContentPartPr/>
+              <p14:nvPr/>
+            </p14:nvContentPartPr>
+            <p14:xfrm>
+              <a:off x="9701640" y="662400"/>
+              <a:ext cx="468000" cy="632160"/>
+            </p14:xfrm>
+          </p:contentPart>
+        </mc:Choice>
+        <mc:Fallback>
+          <p:pic>
+            <p:nvPicPr>
+              <p:cNvPr id="32" name="Ink 31"/>
+              <p:cNvPicPr/>
+              <p:nvPr/>
+            </p:nvPicPr>
+            <p:blipFill>
+              <a:blip r:embed="rId59"/>
+              <a:stretch>
+                <a:fillRect/>
+              </a:stretch>
+            </p:blipFill>
+            <p:spPr>
+              <a:xfrm>
+                <a:off x="9686880" y="617400"/>
+                <a:ext cx="486720" cy="693000"/>
+              </a:xfrm>
+              <a:prstGeom prst="rect">
+                <a:avLst/>
+              </a:prstGeom>
+            </p:spPr>
+          </p:pic>
+        </mc:Fallback>
+      </mc:AlternateContent>
     </p:spTree>
     <p:extLst>
       <p:ext uri="{BB962C8B-B14F-4D97-AF65-F5344CB8AC3E}">
-        <p14:creationId xmlns:p14="http://schemas.microsoft.com/office/powerpoint/2010/main" val="1416304609"/>
+        <p14:creationId xmlns:p14="http://schemas.microsoft.com/office/powerpoint/2010/main" val="2217248977"/>
       </p:ext>
     </p:extLst>
   </p:cSld>
   <p:clrMapOvr>
     <a:masterClrMapping/>
   </p:clrMapOvr>
+  <p:timing>
+    <p:tnLst>
+      <p:par>
+        <p:cTn id="1" dur="indefinite" restart="never" nodeType="tmRoot"/>
+      </p:par>
+    </p:tnLst>
+  </p:timing>
 </p:sld>
 </file>
 
@@ -11336,207 +17315,213 @@
       </p:grpSpPr>
       <p:sp>
         <p:nvSpPr>
-          <p:cNvPr id="2" name="Title 1"/>
+          <p:cNvPr id="4" name="Title 1"/>
           <p:cNvSpPr>
             <a:spLocks noGrp="1"/>
           </p:cNvSpPr>
           <p:nvPr>
-            <p:ph type="title"/>
+            <p:ph type="ctrTitle"/>
           </p:nvPr>
         </p:nvSpPr>
-        <p:spPr/>
+        <p:spPr>
+          <a:xfrm>
+            <a:off x="1524000" y="1122363"/>
+            <a:ext cx="9144000" cy="2387600"/>
+          </a:xfrm>
+        </p:spPr>
         <p:txBody>
-          <a:bodyPr/>
+          <a:bodyPr anchor="ctr" anchorCtr="0">
+            <a:normAutofit/>
+          </a:bodyPr>
           <a:lstStyle/>
           <a:p>
             <a:r>
-              <a:rPr lang="en-US" altLang="ko-KR" dirty="0" smtClean="0"/>
-              <a:t>2.CD – </a:t>
-            </a:r>
-            <a:r>
-              <a:rPr lang="en-US" altLang="ko-KR" dirty="0" err="1" smtClean="0"/>
-              <a:t>ArgoCD</a:t>
-            </a:r>
-            <a:r>
-              <a:rPr lang="en-US" altLang="ko-KR" dirty="0" smtClean="0"/>
-              <a:t> </a:t>
-            </a:r>
-            <a:r>
-              <a:rPr lang="ko-KR" altLang="en-US" dirty="0" smtClean="0"/>
-              <a:t>실습</a:t>
-            </a:r>
-            <a:endParaRPr lang="ko-KR" altLang="en-US" dirty="0"/>
+              <a:rPr lang="en-US" altLang="ko-KR" sz="4800" dirty="0" smtClean="0">
+                <a:gradFill>
+                  <a:gsLst>
+                    <a:gs pos="100000">
+                      <a:schemeClr val="tx1"/>
+                    </a:gs>
+                    <a:gs pos="100000">
+                      <a:schemeClr val="tx1"/>
+                    </a:gs>
+                  </a:gsLst>
+                  <a:lin ang="5400000" scaled="1"/>
+                </a:gradFill>
+                <a:latin typeface="SB 어그로 Medium" panose="02020603020101020101" pitchFamily="18" charset="-127"/>
+                <a:ea typeface="SB 어그로 Medium" panose="02020603020101020101" pitchFamily="18" charset="-127"/>
+              </a:rPr>
+              <a:t>CD</a:t>
+            </a:r>
+            <a:r>
+              <a:rPr lang="ko-KR" altLang="en-US" sz="4800" dirty="0" smtClean="0">
+                <a:gradFill>
+                  <a:gsLst>
+                    <a:gs pos="100000">
+                      <a:schemeClr val="tx1"/>
+                    </a:gs>
+                    <a:gs pos="100000">
+                      <a:schemeClr val="tx1"/>
+                    </a:gs>
+                  </a:gsLst>
+                  <a:lin ang="5400000" scaled="1"/>
+                </a:gradFill>
+                <a:latin typeface="SB 어그로 Medium" panose="02020603020101020101" pitchFamily="18" charset="-127"/>
+                <a:ea typeface="SB 어그로 Medium" panose="02020603020101020101" pitchFamily="18" charset="-127"/>
+              </a:rPr>
+              <a:t>실습하기</a:t>
+            </a:r>
+            <a:r>
+              <a:rPr lang="en-US" altLang="ko-KR" sz="4800" dirty="0" smtClean="0">
+                <a:gradFill>
+                  <a:gsLst>
+                    <a:gs pos="100000">
+                      <a:schemeClr val="tx1"/>
+                    </a:gs>
+                    <a:gs pos="100000">
+                      <a:schemeClr val="tx1"/>
+                    </a:gs>
+                  </a:gsLst>
+                  <a:lin ang="5400000" scaled="1"/>
+                </a:gradFill>
+                <a:latin typeface="SB 어그로 Medium" panose="02020603020101020101" pitchFamily="18" charset="-127"/>
+                <a:ea typeface="SB 어그로 Medium" panose="02020603020101020101" pitchFamily="18" charset="-127"/>
+              </a:rPr>
+              <a:t/>
+            </a:r>
+            <a:br>
+              <a:rPr lang="en-US" altLang="ko-KR" sz="4800" dirty="0" smtClean="0">
+                <a:gradFill>
+                  <a:gsLst>
+                    <a:gs pos="100000">
+                      <a:schemeClr val="tx1"/>
+                    </a:gs>
+                    <a:gs pos="100000">
+                      <a:schemeClr val="tx1"/>
+                    </a:gs>
+                  </a:gsLst>
+                  <a:lin ang="5400000" scaled="1"/>
+                </a:gradFill>
+                <a:latin typeface="SB 어그로 Medium" panose="02020603020101020101" pitchFamily="18" charset="-127"/>
+                <a:ea typeface="SB 어그로 Medium" panose="02020603020101020101" pitchFamily="18" charset="-127"/>
+              </a:rPr>
+            </a:br>
+            <a:endParaRPr lang="ko-KR" altLang="en-US" sz="4800" dirty="0">
+              <a:gradFill>
+                <a:gsLst>
+                  <a:gs pos="100000">
+                    <a:schemeClr val="tx1"/>
+                  </a:gs>
+                  <a:gs pos="100000">
+                    <a:schemeClr val="tx1"/>
+                  </a:gs>
+                </a:gsLst>
+                <a:lin ang="5400000" scaled="1"/>
+              </a:gradFill>
+              <a:latin typeface="SB 어그로 Medium" panose="02020603020101020101" pitchFamily="18" charset="-127"/>
+              <a:ea typeface="SB 어그로 Medium" panose="02020603020101020101" pitchFamily="18" charset="-127"/>
+            </a:endParaRPr>
           </a:p>
         </p:txBody>
       </p:sp>
       <p:sp>
         <p:nvSpPr>
-          <p:cNvPr id="3" name="Content Placeholder 2"/>
+          <p:cNvPr id="5" name="Subtitle 2"/>
           <p:cNvSpPr>
             <a:spLocks noGrp="1"/>
           </p:cNvSpPr>
           <p:nvPr>
-            <p:ph idx="1"/>
+            <p:ph type="subTitle" idx="1"/>
           </p:nvPr>
         </p:nvSpPr>
-        <p:spPr/>
+        <p:spPr>
+          <a:xfrm>
+            <a:off x="1524000" y="3602038"/>
+            <a:ext cx="9144000" cy="1655762"/>
+          </a:xfrm>
+        </p:spPr>
         <p:txBody>
-          <a:bodyPr/>
+          <a:bodyPr>
+            <a:normAutofit/>
+          </a:bodyPr>
           <a:lstStyle/>
           <a:p>
-            <a:r>
-              <a:rPr lang="en-US" altLang="ko-KR" dirty="0" smtClean="0"/>
-              <a:t>Namespace</a:t>
-            </a:r>
-            <a:r>
-              <a:rPr lang="ko-KR" altLang="en-US" dirty="0" smtClean="0"/>
-              <a:t>를 만들고 </a:t>
-            </a:r>
-            <a:r>
-              <a:rPr lang="en-US" altLang="ko-KR" dirty="0" err="1" smtClean="0"/>
-              <a:t>values.yaml</a:t>
-            </a:r>
-            <a:r>
-              <a:rPr lang="ko-KR" altLang="en-US" dirty="0" smtClean="0"/>
-              <a:t>을 인스톨 합니다</a:t>
-            </a:r>
-            <a:r>
-              <a:rPr lang="en-US" altLang="ko-KR" dirty="0" smtClean="0"/>
-              <a:t>.</a:t>
-            </a:r>
-            <a:br>
-              <a:rPr lang="en-US" altLang="ko-KR" dirty="0" smtClean="0"/>
-            </a:br>
-            <a:endParaRPr lang="en-US" altLang="ko-KR" dirty="0" smtClean="0"/>
-          </a:p>
-          <a:p>
-            <a:pPr lvl="1"/>
-            <a:r>
-              <a:rPr lang="en-US" altLang="ko-KR" dirty="0" smtClean="0"/>
-              <a:t>cd </a:t>
-            </a:r>
-            <a:r>
-              <a:rPr lang="en-US" altLang="ko-KR" dirty="0" err="1" smtClean="0"/>
-              <a:t>argo</a:t>
-            </a:r>
-            <a:r>
-              <a:rPr lang="en-US" altLang="ko-KR" dirty="0" smtClean="0"/>
-              <a:t>-cd</a:t>
-            </a:r>
-          </a:p>
-          <a:p>
-            <a:pPr lvl="1"/>
-            <a:r>
-              <a:rPr lang="en-US" altLang="ko-KR" dirty="0" err="1"/>
-              <a:t>kubectl</a:t>
-            </a:r>
-            <a:r>
-              <a:rPr lang="en-US" altLang="ko-KR" dirty="0"/>
-              <a:t> create namespace </a:t>
-            </a:r>
-            <a:r>
-              <a:rPr lang="en-US" altLang="ko-KR" dirty="0" err="1" smtClean="0"/>
-              <a:t>myargocd</a:t>
-            </a:r>
-            <a:endParaRPr lang="en-US" altLang="ko-KR" dirty="0" smtClean="0"/>
-          </a:p>
-          <a:p>
-            <a:pPr lvl="1"/>
-            <a:r>
-              <a:rPr lang="en-US" altLang="ko-KR" dirty="0"/>
-              <a:t>helm install --namespace </a:t>
-            </a:r>
-            <a:r>
-              <a:rPr lang="en-US" altLang="ko-KR" dirty="0" err="1"/>
-              <a:t>myargocd</a:t>
-            </a:r>
-            <a:r>
-              <a:rPr lang="en-US" altLang="ko-KR" dirty="0"/>
-              <a:t> --generate-name </a:t>
-            </a:r>
-            <a:r>
-              <a:rPr lang="en-US" altLang="ko-KR" dirty="0" err="1"/>
-              <a:t>argo</a:t>
-            </a:r>
-            <a:r>
-              <a:rPr lang="en-US" altLang="ko-KR" dirty="0"/>
-              <a:t>/</a:t>
-            </a:r>
-            <a:r>
-              <a:rPr lang="en-US" altLang="ko-KR" dirty="0" err="1"/>
-              <a:t>argo</a:t>
-            </a:r>
-            <a:r>
-              <a:rPr lang="en-US" altLang="ko-KR" dirty="0"/>
-              <a:t>-cd -f </a:t>
-            </a:r>
-            <a:r>
-              <a:rPr lang="en-US" altLang="ko-KR" dirty="0" err="1" smtClean="0"/>
-              <a:t>values.yaml</a:t>
-            </a:r>
-            <a:endParaRPr lang="en-US" altLang="ko-KR" dirty="0" smtClean="0"/>
-          </a:p>
-          <a:p>
-            <a:pPr lvl="1"/>
-            <a:r>
-              <a:rPr lang="en-US" altLang="ko-KR" dirty="0" smtClean="0"/>
-              <a:t>#</a:t>
-            </a:r>
-            <a:r>
-              <a:rPr lang="ko-KR" altLang="en-US" dirty="0" smtClean="0"/>
-              <a:t>확인</a:t>
-            </a:r>
-            <a:endParaRPr lang="en-US" altLang="ko-KR" dirty="0" smtClean="0"/>
-          </a:p>
-          <a:p>
-            <a:pPr lvl="1"/>
-            <a:r>
-              <a:rPr lang="en-US" altLang="ko-KR" dirty="0" err="1"/>
-              <a:t>kubectl</a:t>
-            </a:r>
-            <a:r>
-              <a:rPr lang="en-US" altLang="ko-KR" dirty="0"/>
-              <a:t> get all --namespace </a:t>
-            </a:r>
-            <a:r>
-              <a:rPr lang="en-US" altLang="ko-KR" dirty="0" err="1" smtClean="0"/>
-              <a:t>myargocd</a:t>
-            </a:r>
-            <a:r>
-              <a:rPr lang="en-US" altLang="ko-KR" dirty="0"/>
-              <a:t/>
-            </a:r>
-            <a:br>
-              <a:rPr lang="en-US" altLang="ko-KR" dirty="0"/>
-            </a:br>
-            <a:endParaRPr lang="en-US" altLang="ko-KR" dirty="0" smtClean="0"/>
+            <a:pPr marL="342900" indent="-342900">
+              <a:buFontTx/>
+              <a:buChar char="-"/>
+            </a:pPr>
+            <a:r>
+              <a:rPr lang="en-US" altLang="ko-KR" dirty="0" err="1" smtClean="0">
+                <a:gradFill>
+                  <a:gsLst>
+                    <a:gs pos="100000">
+                      <a:schemeClr val="tx1"/>
+                    </a:gs>
+                    <a:gs pos="100000">
+                      <a:schemeClr val="tx1"/>
+                    </a:gs>
+                  </a:gsLst>
+                  <a:lin ang="5400000" scaled="1"/>
+                </a:gradFill>
+                <a:latin typeface="SB 어그로 Medium" panose="02020603020101020101" pitchFamily="18" charset="-127"/>
+                <a:ea typeface="SB 어그로 Medium" panose="02020603020101020101" pitchFamily="18" charset="-127"/>
+              </a:rPr>
+              <a:t>argoCD</a:t>
+            </a:r>
+            <a:r>
+              <a:rPr lang="en-US" altLang="ko-KR" dirty="0" smtClean="0">
+                <a:gradFill>
+                  <a:gsLst>
+                    <a:gs pos="100000">
+                      <a:schemeClr val="tx1"/>
+                    </a:gs>
+                    <a:gs pos="100000">
+                      <a:schemeClr val="tx1"/>
+                    </a:gs>
+                  </a:gsLst>
+                  <a:lin ang="5400000" scaled="1"/>
+                </a:gradFill>
+                <a:latin typeface="SB 어그로 Medium" panose="02020603020101020101" pitchFamily="18" charset="-127"/>
+                <a:ea typeface="SB 어그로 Medium" panose="02020603020101020101" pitchFamily="18" charset="-127"/>
+              </a:rPr>
+              <a:t> </a:t>
+            </a:r>
+            <a:r>
+              <a:rPr lang="ko-KR" altLang="en-US" dirty="0" smtClean="0">
+                <a:gradFill>
+                  <a:gsLst>
+                    <a:gs pos="100000">
+                      <a:schemeClr val="tx1"/>
+                    </a:gs>
+                    <a:gs pos="100000">
+                      <a:schemeClr val="tx1"/>
+                    </a:gs>
+                  </a:gsLst>
+                  <a:lin ang="5400000" scaled="1"/>
+                </a:gradFill>
+                <a:latin typeface="SB 어그로 Medium" panose="02020603020101020101" pitchFamily="18" charset="-127"/>
+                <a:ea typeface="SB 어그로 Medium" panose="02020603020101020101" pitchFamily="18" charset="-127"/>
+              </a:rPr>
+              <a:t>실습</a:t>
+            </a:r>
+            <a:endParaRPr lang="en-US" altLang="ko-KR" dirty="0" smtClean="0">
+              <a:gradFill>
+                <a:gsLst>
+                  <a:gs pos="100000">
+                    <a:schemeClr val="tx1"/>
+                  </a:gs>
+                  <a:gs pos="100000">
+                    <a:schemeClr val="tx1"/>
+                  </a:gs>
+                </a:gsLst>
+                <a:lin ang="5400000" scaled="1"/>
+              </a:gradFill>
+              <a:latin typeface="SB 어그로 Medium" panose="02020603020101020101" pitchFamily="18" charset="-127"/>
+              <a:ea typeface="SB 어그로 Medium" panose="02020603020101020101" pitchFamily="18" charset="-127"/>
+            </a:endParaRPr>
           </a:p>
         </p:txBody>
       </p:sp>
-      <p:pic>
-        <p:nvPicPr>
-          <p:cNvPr id="5" name="Picture 4"/>
-          <p:cNvPicPr>
-            <a:picLocks noChangeAspect="1"/>
-          </p:cNvPicPr>
-          <p:nvPr/>
-        </p:nvPicPr>
-        <p:blipFill>
-          <a:blip r:embed="rId2"/>
-          <a:stretch>
-            <a:fillRect/>
-          </a:stretch>
-        </p:blipFill>
-        <p:spPr>
-          <a:xfrm>
-            <a:off x="1548250" y="4836432"/>
-            <a:ext cx="8444577" cy="989005"/>
-          </a:xfrm>
-          <a:prstGeom prst="rect">
-            <a:avLst/>
-          </a:prstGeom>
-        </p:spPr>
-      </p:pic>
       <p:sp>
         <p:nvSpPr>
           <p:cNvPr id="6" name="Rectangle 5"/>
@@ -11545,91 +17530,376 @@
         </p:nvSpPr>
         <p:spPr>
           <a:xfrm>
-            <a:off x="8446576" y="5300420"/>
-            <a:ext cx="1627322" cy="666427"/>
-          </a:xfrm>
-          <a:prstGeom prst="rect">
-            <a:avLst/>
-          </a:prstGeom>
-          <a:noFill/>
-          <a:ln w="57150">
-            <a:solidFill>
-              <a:srgbClr val="C00000"/>
-            </a:solidFill>
-          </a:ln>
-        </p:spPr>
-        <p:style>
-          <a:lnRef idx="2">
-            <a:schemeClr val="accent1">
-              <a:shade val="50000"/>
-            </a:schemeClr>
-          </a:lnRef>
-          <a:fillRef idx="1">
-            <a:schemeClr val="accent1"/>
-          </a:fillRef>
-          <a:effectRef idx="0">
-            <a:schemeClr val="accent1"/>
-          </a:effectRef>
-          <a:fontRef idx="minor">
-            <a:schemeClr val="lt1"/>
-          </a:fontRef>
-        </p:style>
-        <p:txBody>
-          <a:bodyPr rtlCol="0" anchor="ctr"/>
-          <a:lstStyle/>
-          <a:p>
-            <a:pPr algn="ctr"/>
-            <a:endParaRPr lang="ko-KR" altLang="en-US"/>
-          </a:p>
-        </p:txBody>
-      </p:sp>
-      <p:sp>
-        <p:nvSpPr>
-          <p:cNvPr id="7" name="Rectangle 6"/>
-          <p:cNvSpPr/>
-          <p:nvPr/>
-        </p:nvSpPr>
-        <p:spPr>
-          <a:xfrm>
-            <a:off x="5603936" y="6091187"/>
-            <a:ext cx="6011454" cy="369332"/>
+            <a:off x="3304674" y="5349875"/>
+            <a:ext cx="6096000" cy="646331"/>
           </a:xfrm>
           <a:prstGeom prst="rect">
             <a:avLst/>
           </a:prstGeom>
         </p:spPr>
         <p:txBody>
-          <a:bodyPr wrap="none">
+          <a:bodyPr>
             <a:spAutoFit/>
           </a:bodyPr>
           <a:lstStyle/>
           <a:p>
-            <a:r>
-              <a:rPr lang="ko-KR" altLang="en-US" dirty="0" smtClean="0"/>
-              <a:t>외부에서 접속하려면 </a:t>
-            </a:r>
-            <a:r>
-              <a:rPr lang="en-US" altLang="ko-KR" dirty="0" err="1" smtClean="0"/>
-              <a:t>loadbalancer</a:t>
-            </a:r>
-            <a:r>
-              <a:rPr lang="ko-KR" altLang="en-US" dirty="0" smtClean="0"/>
-              <a:t>타입으로 변경합니다</a:t>
-            </a:r>
-            <a:endParaRPr lang="ko-KR" altLang="en-US" dirty="0"/>
+            <a:pPr algn="ctr"/>
+            <a:r>
+              <a:rPr lang="ko-KR" altLang="en-US" dirty="0" smtClean="0">
+                <a:gradFill>
+                  <a:gsLst>
+                    <a:gs pos="100000">
+                      <a:schemeClr val="accent1">
+                        <a:lumMod val="50000"/>
+                      </a:schemeClr>
+                    </a:gs>
+                    <a:gs pos="100000">
+                      <a:schemeClr val="accent1">
+                        <a:lumMod val="45000"/>
+                        <a:lumOff val="55000"/>
+                      </a:schemeClr>
+                    </a:gs>
+                  </a:gsLst>
+                  <a:lin ang="5400000" scaled="1"/>
+                </a:gradFill>
+                <a:latin typeface="SB 어그로 Medium" panose="02020603020101020101" pitchFamily="18" charset="-127"/>
+                <a:ea typeface="SB 어그로 Medium" panose="02020603020101020101" pitchFamily="18" charset="-127"/>
+              </a:rPr>
+              <a:t>한권으로 배우는 도커 </a:t>
+            </a:r>
+            <a:r>
+              <a:rPr lang="en-US" altLang="ko-KR" dirty="0" smtClean="0">
+                <a:gradFill>
+                  <a:gsLst>
+                    <a:gs pos="100000">
+                      <a:schemeClr val="accent1">
+                        <a:lumMod val="50000"/>
+                      </a:schemeClr>
+                    </a:gs>
+                    <a:gs pos="100000">
+                      <a:schemeClr val="accent1">
+                        <a:lumMod val="45000"/>
+                        <a:lumOff val="55000"/>
+                      </a:schemeClr>
+                    </a:gs>
+                  </a:gsLst>
+                  <a:lin ang="5400000" scaled="1"/>
+                </a:gradFill>
+                <a:latin typeface="SB 어그로 Medium" panose="02020603020101020101" pitchFamily="18" charset="-127"/>
+                <a:ea typeface="SB 어그로 Medium" panose="02020603020101020101" pitchFamily="18" charset="-127"/>
+              </a:rPr>
+              <a:t>&amp; </a:t>
+            </a:r>
+            <a:r>
+              <a:rPr lang="ko-KR" altLang="en-US" dirty="0" smtClean="0">
+                <a:gradFill>
+                  <a:gsLst>
+                    <a:gs pos="100000">
+                      <a:schemeClr val="accent1">
+                        <a:lumMod val="50000"/>
+                      </a:schemeClr>
+                    </a:gs>
+                    <a:gs pos="100000">
+                      <a:schemeClr val="accent1">
+                        <a:lumMod val="45000"/>
+                        <a:lumOff val="55000"/>
+                      </a:schemeClr>
+                    </a:gs>
+                  </a:gsLst>
+                  <a:lin ang="5400000" scaled="1"/>
+                </a:gradFill>
+                <a:latin typeface="SB 어그로 Medium" panose="02020603020101020101" pitchFamily="18" charset="-127"/>
+                <a:ea typeface="SB 어그로 Medium" panose="02020603020101020101" pitchFamily="18" charset="-127"/>
+              </a:rPr>
+              <a:t>쿠버네티스 </a:t>
+            </a:r>
+            <a:r>
+              <a:rPr lang="en-US" altLang="ko-KR" dirty="0" smtClean="0">
+                <a:gradFill>
+                  <a:gsLst>
+                    <a:gs pos="100000">
+                      <a:schemeClr val="accent1">
+                        <a:lumMod val="50000"/>
+                      </a:schemeClr>
+                    </a:gs>
+                    <a:gs pos="100000">
+                      <a:schemeClr val="accent1">
+                        <a:lumMod val="45000"/>
+                        <a:lumOff val="55000"/>
+                      </a:schemeClr>
+                    </a:gs>
+                  </a:gsLst>
+                  <a:lin ang="5400000" scaled="1"/>
+                </a:gradFill>
+                <a:latin typeface="SB 어그로 Medium" panose="02020603020101020101" pitchFamily="18" charset="-127"/>
+                <a:ea typeface="SB 어그로 Medium" panose="02020603020101020101" pitchFamily="18" charset="-127"/>
+              </a:rPr>
+              <a:t/>
+            </a:r>
+            <a:br>
+              <a:rPr lang="en-US" altLang="ko-KR" dirty="0" smtClean="0">
+                <a:gradFill>
+                  <a:gsLst>
+                    <a:gs pos="100000">
+                      <a:schemeClr val="accent1">
+                        <a:lumMod val="50000"/>
+                      </a:schemeClr>
+                    </a:gs>
+                    <a:gs pos="100000">
+                      <a:schemeClr val="accent1">
+                        <a:lumMod val="45000"/>
+                        <a:lumOff val="55000"/>
+                      </a:schemeClr>
+                    </a:gs>
+                  </a:gsLst>
+                  <a:lin ang="5400000" scaled="1"/>
+                </a:gradFill>
+                <a:latin typeface="SB 어그로 Medium" panose="02020603020101020101" pitchFamily="18" charset="-127"/>
+                <a:ea typeface="SB 어그로 Medium" panose="02020603020101020101" pitchFamily="18" charset="-127"/>
+              </a:rPr>
+            </a:br>
+            <a:r>
+              <a:rPr lang="en-US" altLang="ko-KR" dirty="0" smtClean="0">
+                <a:gradFill>
+                  <a:gsLst>
+                    <a:gs pos="100000">
+                      <a:schemeClr val="accent1">
+                        <a:lumMod val="50000"/>
+                      </a:schemeClr>
+                    </a:gs>
+                    <a:gs pos="100000">
+                      <a:schemeClr val="accent1">
+                        <a:lumMod val="45000"/>
+                        <a:lumOff val="55000"/>
+                      </a:schemeClr>
+                    </a:gs>
+                  </a:gsLst>
+                  <a:lin ang="5400000" scaled="1"/>
+                </a:gradFill>
+                <a:latin typeface="SB 어그로 Medium" panose="02020603020101020101" pitchFamily="18" charset="-127"/>
+                <a:ea typeface="SB 어그로 Medium" panose="02020603020101020101" pitchFamily="18" charset="-127"/>
+              </a:rPr>
+              <a:t>: </a:t>
+            </a:r>
+            <a:r>
+              <a:rPr lang="ko-KR" altLang="en-US" dirty="0" smtClean="0">
+                <a:gradFill>
+                  <a:gsLst>
+                    <a:gs pos="100000">
+                      <a:schemeClr val="accent1">
+                        <a:lumMod val="50000"/>
+                      </a:schemeClr>
+                    </a:gs>
+                    <a:gs pos="100000">
+                      <a:schemeClr val="accent1">
+                        <a:lumMod val="45000"/>
+                        <a:lumOff val="55000"/>
+                      </a:schemeClr>
+                    </a:gs>
+                  </a:gsLst>
+                  <a:lin ang="5400000" scaled="1"/>
+                </a:gradFill>
+                <a:latin typeface="SB 어그로 Medium" panose="02020603020101020101" pitchFamily="18" charset="-127"/>
+                <a:ea typeface="SB 어그로 Medium" panose="02020603020101020101" pitchFamily="18" charset="-127"/>
+              </a:rPr>
+              <a:t>컨테이너 개념부터 쿠버네티스를 활용한 배포까지</a:t>
+            </a:r>
+            <a:endParaRPr lang="ko-KR" altLang="en-US" dirty="0">
+              <a:gradFill>
+                <a:gsLst>
+                  <a:gs pos="100000">
+                    <a:schemeClr val="accent1">
+                      <a:lumMod val="50000"/>
+                    </a:schemeClr>
+                  </a:gs>
+                  <a:gs pos="100000">
+                    <a:schemeClr val="accent1">
+                      <a:lumMod val="45000"/>
+                      <a:lumOff val="55000"/>
+                    </a:schemeClr>
+                  </a:gs>
+                </a:gsLst>
+                <a:lin ang="5400000" scaled="1"/>
+              </a:gradFill>
+              <a:latin typeface="SB 어그로 Medium" panose="02020603020101020101" pitchFamily="18" charset="-127"/>
+              <a:ea typeface="SB 어그로 Medium" panose="02020603020101020101" pitchFamily="18" charset="-127"/>
+            </a:endParaRPr>
           </a:p>
         </p:txBody>
       </p:sp>
+      <mc:AlternateContent xmlns:mc="http://schemas.openxmlformats.org/markup-compatibility/2006">
+        <mc:Choice xmlns:p14="http://schemas.microsoft.com/office/powerpoint/2010/main" Requires="p14">
+          <p:contentPart p14:bwMode="auto" r:id="rId3">
+            <p14:nvContentPartPr>
+              <p14:cNvPr id="2" name="Ink 1"/>
+              <p14:cNvContentPartPr/>
+              <p14:nvPr/>
+            </p14:nvContentPartPr>
+            <p14:xfrm>
+              <a:off x="5005080" y="3948120"/>
+              <a:ext cx="2488320" cy="149400"/>
+            </p14:xfrm>
+          </p:contentPart>
+        </mc:Choice>
+        <mc:Fallback>
+          <p:pic>
+            <p:nvPicPr>
+              <p:cNvPr id="2" name="Ink 1"/>
+              <p:cNvPicPr/>
+              <p:nvPr/>
+            </p:nvPicPr>
+            <p:blipFill>
+              <a:blip r:embed="rId4"/>
+              <a:stretch>
+                <a:fillRect/>
+              </a:stretch>
+            </p:blipFill>
+            <p:spPr>
+              <a:xfrm>
+                <a:off x="4993560" y="3884040"/>
+                <a:ext cx="2521440" cy="300600"/>
+              </a:xfrm>
+              <a:prstGeom prst="rect">
+                <a:avLst/>
+              </a:prstGeom>
+            </p:spPr>
+          </p:pic>
+        </mc:Fallback>
+      </mc:AlternateContent>
+      <mc:AlternateContent xmlns:mc="http://schemas.openxmlformats.org/markup-compatibility/2006">
+        <mc:Choice xmlns:p14="http://schemas.microsoft.com/office/powerpoint/2010/main" Requires="p14">
+          <p:contentPart p14:bwMode="auto" r:id="rId5">
+            <p14:nvContentPartPr>
+              <p14:cNvPr id="3" name="Ink 2"/>
+              <p14:cNvContentPartPr/>
+              <p14:nvPr/>
+            </p14:nvContentPartPr>
+            <p14:xfrm>
+              <a:off x="5246280" y="2916360"/>
+              <a:ext cx="2382480" cy="1289880"/>
+            </p14:xfrm>
+          </p:contentPart>
+        </mc:Choice>
+        <mc:Fallback>
+          <p:pic>
+            <p:nvPicPr>
+              <p:cNvPr id="3" name="Ink 2"/>
+              <p:cNvPicPr/>
+              <p:nvPr/>
+            </p:nvPicPr>
+            <p:blipFill>
+              <a:blip r:embed="rId6"/>
+              <a:stretch>
+                <a:fillRect/>
+              </a:stretch>
+            </p:blipFill>
+            <p:spPr>
+              <a:xfrm>
+                <a:off x="5229360" y="2853720"/>
+                <a:ext cx="2404440" cy="1429920"/>
+              </a:xfrm>
+              <a:prstGeom prst="rect">
+                <a:avLst/>
+              </a:prstGeom>
+            </p:spPr>
+          </p:pic>
+        </mc:Fallback>
+      </mc:AlternateContent>
+      <mc:AlternateContent xmlns:mc="http://schemas.openxmlformats.org/markup-compatibility/2006">
+        <mc:Choice xmlns:p14="http://schemas.microsoft.com/office/powerpoint/2010/main" Requires="p14">
+          <p:contentPart p14:bwMode="auto" r:id="rId7">
+            <p14:nvContentPartPr>
+              <p14:cNvPr id="7" name="Ink 6"/>
+              <p14:cNvContentPartPr/>
+              <p14:nvPr/>
+            </p14:nvContentPartPr>
+            <p14:xfrm>
+              <a:off x="4839120" y="2366280"/>
+              <a:ext cx="3174120" cy="204120"/>
+            </p14:xfrm>
+          </p:contentPart>
+        </mc:Choice>
+        <mc:Fallback>
+          <p:pic>
+            <p:nvPicPr>
+              <p:cNvPr id="7" name="Ink 6"/>
+              <p:cNvPicPr/>
+              <p:nvPr/>
+            </p:nvPicPr>
+            <p:blipFill>
+              <a:blip r:embed="rId8"/>
+              <a:stretch>
+                <a:fillRect/>
+              </a:stretch>
+            </p:blipFill>
+            <p:spPr>
+              <a:xfrm>
+                <a:off x="4830120" y="2296800"/>
+                <a:ext cx="3202920" cy="354960"/>
+              </a:xfrm>
+              <a:prstGeom prst="rect">
+                <a:avLst/>
+              </a:prstGeom>
+            </p:spPr>
+          </p:pic>
+        </mc:Fallback>
+      </mc:AlternateContent>
+      <mc:AlternateContent xmlns:mc="http://schemas.openxmlformats.org/markup-compatibility/2006">
+        <mc:Choice xmlns:p14="http://schemas.microsoft.com/office/powerpoint/2010/main" Requires="p14">
+          <p:contentPart p14:bwMode="auto" r:id="rId9">
+            <p14:nvContentPartPr>
+              <p14:cNvPr id="8" name="Ink 7"/>
+              <p14:cNvContentPartPr/>
+              <p14:nvPr/>
+            </p14:nvContentPartPr>
+            <p14:xfrm>
+              <a:off x="8623800" y="1776240"/>
+              <a:ext cx="738720" cy="454680"/>
+            </p14:xfrm>
+          </p:contentPart>
+        </mc:Choice>
+        <mc:Fallback>
+          <p:pic>
+            <p:nvPicPr>
+              <p:cNvPr id="8" name="Ink 7"/>
+              <p:cNvPicPr/>
+              <p:nvPr/>
+            </p:nvPicPr>
+            <p:blipFill>
+              <a:blip r:embed="rId10"/>
+              <a:stretch>
+                <a:fillRect/>
+              </a:stretch>
+            </p:blipFill>
+            <p:spPr>
+              <a:xfrm>
+                <a:off x="8609040" y="1759320"/>
+                <a:ext cx="757800" cy="541440"/>
+              </a:xfrm>
+              <a:prstGeom prst="rect">
+                <a:avLst/>
+              </a:prstGeom>
+            </p:spPr>
+          </p:pic>
+        </mc:Fallback>
+      </mc:AlternateContent>
     </p:spTree>
     <p:extLst>
       <p:ext uri="{BB962C8B-B14F-4D97-AF65-F5344CB8AC3E}">
-        <p14:creationId xmlns:p14="http://schemas.microsoft.com/office/powerpoint/2010/main" val="1281009738"/>
+        <p14:creationId xmlns:p14="http://schemas.microsoft.com/office/powerpoint/2010/main" val="3046175804"/>
       </p:ext>
     </p:extLst>
   </p:cSld>
   <p:clrMapOvr>
     <a:masterClrMapping/>
   </p:clrMapOvr>
+  <p:timing>
+    <p:tnLst>
+      <p:par>
+        <p:cTn id="1" dur="indefinite" restart="never" nodeType="tmRoot"/>
+      </p:par>
+    </p:tnLst>
+  </p:timing>
 </p:sld>
 </file>
 
